--- a/Дипломна работа - Атанас Георгиев Колев - Презентация.pptx
+++ b/Дипломна работа - Атанас Георгиев Колев - Презентация.pptx
@@ -11,12 +11,13 @@
     <p:sldId id="259" r:id="rId5"/>
     <p:sldId id="260" r:id="rId6"/>
     <p:sldId id="261" r:id="rId7"/>
-    <p:sldId id="262" r:id="rId8"/>
-    <p:sldId id="263" r:id="rId9"/>
-    <p:sldId id="264" r:id="rId10"/>
-    <p:sldId id="265" r:id="rId11"/>
-    <p:sldId id="266" r:id="rId12"/>
-    <p:sldId id="267" r:id="rId13"/>
+    <p:sldId id="268" r:id="rId8"/>
+    <p:sldId id="262" r:id="rId9"/>
+    <p:sldId id="263" r:id="rId10"/>
+    <p:sldId id="264" r:id="rId11"/>
+    <p:sldId id="265" r:id="rId12"/>
+    <p:sldId id="266" r:id="rId13"/>
+    <p:sldId id="267" r:id="rId14"/>
   </p:sldIdLst>
   <p:sldSz cx="12192000" cy="6858000"/>
   <p:notesSz cx="6858000" cy="9144000"/>
@@ -115,6 +116,11 @@
       </a:defRPr>
     </a:lvl9pPr>
   </p:defaultTextStyle>
+  <p:extLst>
+    <p:ext uri="{EFAFB233-063F-42B5-8137-9DF3F51BA10A}">
+      <p15:sldGuideLst xmlns:p15="http://schemas.microsoft.com/office/powerpoint/2012/main"/>
+    </p:ext>
+  </p:extLst>
 </p:presentation>
 </file>
 
@@ -840,7 +846,7 @@
           <a:p>
             <a:fld id="{6E607617-43E4-4581-8577-C231675FE8B9}" type="datetimeFigureOut">
               <a:rPr lang="bg-BG" smtClean="0"/>
-              <a:t>8.5.2022 г.</a:t>
+              <a:t>9.5.2022 г.</a:t>
             </a:fld>
             <a:endParaRPr lang="bg-BG"/>
           </a:p>
@@ -1091,7 +1097,7 @@
           <a:p>
             <a:fld id="{6E607617-43E4-4581-8577-C231675FE8B9}" type="datetimeFigureOut">
               <a:rPr lang="bg-BG" smtClean="0"/>
-              <a:t>8.5.2022 г.</a:t>
+              <a:t>9.5.2022 г.</a:t>
             </a:fld>
             <a:endParaRPr lang="bg-BG"/>
           </a:p>
@@ -1405,7 +1411,7 @@
           <a:p>
             <a:fld id="{6E607617-43E4-4581-8577-C231675FE8B9}" type="datetimeFigureOut">
               <a:rPr lang="bg-BG" smtClean="0"/>
-              <a:t>8.5.2022 г.</a:t>
+              <a:t>9.5.2022 г.</a:t>
             </a:fld>
             <a:endParaRPr lang="bg-BG"/>
           </a:p>
@@ -1746,7 +1752,7 @@
           <a:p>
             <a:fld id="{6E607617-43E4-4581-8577-C231675FE8B9}" type="datetimeFigureOut">
               <a:rPr lang="bg-BG" smtClean="0"/>
-              <a:t>8.5.2022 г.</a:t>
+              <a:t>9.5.2022 г.</a:t>
             </a:fld>
             <a:endParaRPr lang="bg-BG"/>
           </a:p>
@@ -2060,7 +2066,7 @@
           <a:p>
             <a:fld id="{6E607617-43E4-4581-8577-C231675FE8B9}" type="datetimeFigureOut">
               <a:rPr lang="bg-BG" smtClean="0"/>
-              <a:t>8.5.2022 г.</a:t>
+              <a:t>9.5.2022 г.</a:t>
             </a:fld>
             <a:endParaRPr lang="bg-BG"/>
           </a:p>
@@ -2453,7 +2459,7 @@
           <a:p>
             <a:fld id="{6E607617-43E4-4581-8577-C231675FE8B9}" type="datetimeFigureOut">
               <a:rPr lang="bg-BG" smtClean="0"/>
-              <a:t>8.5.2022 г.</a:t>
+              <a:t>9.5.2022 г.</a:t>
             </a:fld>
             <a:endParaRPr lang="bg-BG"/>
           </a:p>
@@ -2623,7 +2629,7 @@
           <a:p>
             <a:fld id="{6E607617-43E4-4581-8577-C231675FE8B9}" type="datetimeFigureOut">
               <a:rPr lang="bg-BG" smtClean="0"/>
-              <a:t>8.5.2022 г.</a:t>
+              <a:t>9.5.2022 г.</a:t>
             </a:fld>
             <a:endParaRPr lang="bg-BG"/>
           </a:p>
@@ -2803,7 +2809,7 @@
           <a:p>
             <a:fld id="{6E607617-43E4-4581-8577-C231675FE8B9}" type="datetimeFigureOut">
               <a:rPr lang="bg-BG" smtClean="0"/>
-              <a:t>8.5.2022 г.</a:t>
+              <a:t>9.5.2022 г.</a:t>
             </a:fld>
             <a:endParaRPr lang="bg-BG"/>
           </a:p>
@@ -2979,7 +2985,7 @@
           <a:p>
             <a:fld id="{6E607617-43E4-4581-8577-C231675FE8B9}" type="datetimeFigureOut">
               <a:rPr lang="bg-BG" smtClean="0"/>
-              <a:t>8.5.2022 г.</a:t>
+              <a:t>9.5.2022 г.</a:t>
             </a:fld>
             <a:endParaRPr lang="bg-BG"/>
           </a:p>
@@ -3226,7 +3232,7 @@
           <a:p>
             <a:fld id="{6E607617-43E4-4581-8577-C231675FE8B9}" type="datetimeFigureOut">
               <a:rPr lang="bg-BG" smtClean="0"/>
-              <a:t>8.5.2022 г.</a:t>
+              <a:t>9.5.2022 г.</a:t>
             </a:fld>
             <a:endParaRPr lang="bg-BG"/>
           </a:p>
@@ -3458,7 +3464,7 @@
           <a:p>
             <a:fld id="{6E607617-43E4-4581-8577-C231675FE8B9}" type="datetimeFigureOut">
               <a:rPr lang="bg-BG" smtClean="0"/>
-              <a:t>8.5.2022 г.</a:t>
+              <a:t>9.5.2022 г.</a:t>
             </a:fld>
             <a:endParaRPr lang="bg-BG"/>
           </a:p>
@@ -3832,7 +3838,7 @@
           <a:p>
             <a:fld id="{6E607617-43E4-4581-8577-C231675FE8B9}" type="datetimeFigureOut">
               <a:rPr lang="bg-BG" smtClean="0"/>
-              <a:t>8.5.2022 г.</a:t>
+              <a:t>9.5.2022 г.</a:t>
             </a:fld>
             <a:endParaRPr lang="bg-BG"/>
           </a:p>
@@ -3955,7 +3961,7 @@
           <a:p>
             <a:fld id="{6E607617-43E4-4581-8577-C231675FE8B9}" type="datetimeFigureOut">
               <a:rPr lang="bg-BG" smtClean="0"/>
-              <a:t>8.5.2022 г.</a:t>
+              <a:t>9.5.2022 г.</a:t>
             </a:fld>
             <a:endParaRPr lang="bg-BG"/>
           </a:p>
@@ -4050,7 +4056,7 @@
           <a:p>
             <a:fld id="{6E607617-43E4-4581-8577-C231675FE8B9}" type="datetimeFigureOut">
               <a:rPr lang="bg-BG" smtClean="0"/>
-              <a:t>8.5.2022 г.</a:t>
+              <a:t>9.5.2022 г.</a:t>
             </a:fld>
             <a:endParaRPr lang="bg-BG"/>
           </a:p>
@@ -4305,7 +4311,7 @@
           <a:p>
             <a:fld id="{6E607617-43E4-4581-8577-C231675FE8B9}" type="datetimeFigureOut">
               <a:rPr lang="bg-BG" smtClean="0"/>
-              <a:t>8.5.2022 г.</a:t>
+              <a:t>9.5.2022 г.</a:t>
             </a:fld>
             <a:endParaRPr lang="bg-BG"/>
           </a:p>
@@ -4568,7 +4574,7 @@
           <a:p>
             <a:fld id="{6E607617-43E4-4581-8577-C231675FE8B9}" type="datetimeFigureOut">
               <a:rPr lang="bg-BG" smtClean="0"/>
-              <a:t>8.5.2022 г.</a:t>
+              <a:t>9.5.2022 г.</a:t>
             </a:fld>
             <a:endParaRPr lang="bg-BG"/>
           </a:p>
@@ -5311,7 +5317,7 @@
           <a:p>
             <a:fld id="{6E607617-43E4-4581-8577-C231675FE8B9}" type="datetimeFigureOut">
               <a:rPr lang="bg-BG" smtClean="0"/>
-              <a:t>8.5.2022 г.</a:t>
+              <a:t>9.5.2022 г.</a:t>
             </a:fld>
             <a:endParaRPr lang="bg-BG"/>
           </a:p>
@@ -7172,6 +7178,362 @@
           <p:cNvPr id="2" name="Заглавие 1">
             <a:extLst>
               <a:ext uri="{FF2B5EF4-FFF2-40B4-BE49-F238E27FC236}">
+                <a16:creationId xmlns:a16="http://schemas.microsoft.com/office/drawing/2014/main" id="{CB09C1EB-7708-31CA-C537-71F92B5502AE}"/>
+              </a:ext>
+            </a:extLst>
+          </p:cNvPr>
+          <p:cNvSpPr>
+            <a:spLocks noGrp="1"/>
+          </p:cNvSpPr>
+          <p:nvPr>
+            <p:ph type="title"/>
+          </p:nvPr>
+        </p:nvSpPr>
+        <p:spPr>
+          <a:xfrm>
+            <a:off x="649153" y="533400"/>
+            <a:ext cx="8596668" cy="1320800"/>
+          </a:xfrm>
+        </p:spPr>
+        <p:txBody>
+          <a:bodyPr/>
+          <a:lstStyle/>
+          <a:p>
+            <a:pPr algn="ctr"/>
+            <a:r>
+              <a:rPr lang="bg-BG" dirty="0">
+                <a:latin typeface="Times New Roman" panose="02020603050405020304" pitchFamily="18" charset="0"/>
+                <a:cs typeface="Times New Roman" panose="02020603050405020304" pitchFamily="18" charset="0"/>
+              </a:rPr>
+              <a:t>Структура на базата от данни</a:t>
+            </a:r>
+          </a:p>
+        </p:txBody>
+      </p:sp>
+      <p:pic>
+        <p:nvPicPr>
+          <p:cNvPr id="5" name="Контейнер за съдържание 4">
+            <a:extLst>
+              <a:ext uri="{FF2B5EF4-FFF2-40B4-BE49-F238E27FC236}">
+                <a16:creationId xmlns:a16="http://schemas.microsoft.com/office/drawing/2014/main" id="{8687142D-02FB-04ED-6041-A6450DE19EA2}"/>
+              </a:ext>
+            </a:extLst>
+          </p:cNvPr>
+          <p:cNvPicPr>
+            <a:picLocks noGrp="1" noChangeAspect="1"/>
+          </p:cNvPicPr>
+          <p:nvPr>
+            <p:ph idx="1"/>
+          </p:nvPr>
+        </p:nvPicPr>
+        <p:blipFill>
+          <a:blip r:embed="rId2">
+            <a:extLst>
+              <a:ext uri="{28A0092B-C50C-407E-A947-70E740481C1C}">
+                <a14:useLocalDpi xmlns:a14="http://schemas.microsoft.com/office/drawing/2010/main" val="0"/>
+              </a:ext>
+            </a:extLst>
+          </a:blip>
+          <a:stretch>
+            <a:fillRect/>
+          </a:stretch>
+        </p:blipFill>
+        <p:spPr>
+          <a:xfrm>
+            <a:off x="1427251" y="1461818"/>
+            <a:ext cx="7040473" cy="4853257"/>
+          </a:xfrm>
+        </p:spPr>
+      </p:pic>
+    </p:spTree>
+    <p:extLst>
+      <p:ext uri="{BB962C8B-B14F-4D97-AF65-F5344CB8AC3E}">
+        <p14:creationId xmlns:p14="http://schemas.microsoft.com/office/powerpoint/2010/main" val="3881202917"/>
+      </p:ext>
+    </p:extLst>
+  </p:cSld>
+  <p:clrMapOvr>
+    <a:masterClrMapping/>
+  </p:clrMapOvr>
+  <p:timing>
+    <p:tnLst>
+      <p:par>
+        <p:cTn id="1" dur="indefinite" restart="never" nodeType="tmRoot">
+          <p:childTnLst>
+            <p:seq concurrent="1" nextAc="seek">
+              <p:cTn id="2" dur="indefinite" nodeType="mainSeq">
+                <p:childTnLst>
+                  <p:par>
+                    <p:cTn id="3" fill="hold">
+                      <p:stCondLst>
+                        <p:cond delay="indefinite"/>
+                      </p:stCondLst>
+                      <p:childTnLst>
+                        <p:par>
+                          <p:cTn id="4" fill="hold">
+                            <p:stCondLst>
+                              <p:cond delay="0"/>
+                            </p:stCondLst>
+                            <p:childTnLst>
+                              <p:par>
+                                <p:cTn id="5" presetID="31" presetClass="entr" presetSubtype="0" fill="hold" grpId="0" nodeType="clickEffect">
+                                  <p:stCondLst>
+                                    <p:cond delay="0"/>
+                                  </p:stCondLst>
+                                  <p:childTnLst>
+                                    <p:set>
+                                      <p:cBhvr>
+                                        <p:cTn id="6" dur="1" fill="hold">
+                                          <p:stCondLst>
+                                            <p:cond delay="0"/>
+                                          </p:stCondLst>
+                                        </p:cTn>
+                                        <p:tgtEl>
+                                          <p:spTgt spid="2"/>
+                                        </p:tgtEl>
+                                        <p:attrNameLst>
+                                          <p:attrName>style.visibility</p:attrName>
+                                        </p:attrNameLst>
+                                      </p:cBhvr>
+                                      <p:to>
+                                        <p:strVal val="visible"/>
+                                      </p:to>
+                                    </p:set>
+                                    <p:anim calcmode="lin" valueType="num">
+                                      <p:cBhvr>
+                                        <p:cTn id="7" dur="1000" fill="hold"/>
+                                        <p:tgtEl>
+                                          <p:spTgt spid="2"/>
+                                        </p:tgtEl>
+                                        <p:attrNameLst>
+                                          <p:attrName>ppt_w</p:attrName>
+                                        </p:attrNameLst>
+                                      </p:cBhvr>
+                                      <p:tavLst>
+                                        <p:tav tm="0">
+                                          <p:val>
+                                            <p:fltVal val="0"/>
+                                          </p:val>
+                                        </p:tav>
+                                        <p:tav tm="100000">
+                                          <p:val>
+                                            <p:strVal val="#ppt_w"/>
+                                          </p:val>
+                                        </p:tav>
+                                      </p:tavLst>
+                                    </p:anim>
+                                    <p:anim calcmode="lin" valueType="num">
+                                      <p:cBhvr>
+                                        <p:cTn id="8" dur="1000" fill="hold"/>
+                                        <p:tgtEl>
+                                          <p:spTgt spid="2"/>
+                                        </p:tgtEl>
+                                        <p:attrNameLst>
+                                          <p:attrName>ppt_h</p:attrName>
+                                        </p:attrNameLst>
+                                      </p:cBhvr>
+                                      <p:tavLst>
+                                        <p:tav tm="0">
+                                          <p:val>
+                                            <p:fltVal val="0"/>
+                                          </p:val>
+                                        </p:tav>
+                                        <p:tav tm="100000">
+                                          <p:val>
+                                            <p:strVal val="#ppt_h"/>
+                                          </p:val>
+                                        </p:tav>
+                                      </p:tavLst>
+                                    </p:anim>
+                                    <p:anim calcmode="lin" valueType="num">
+                                      <p:cBhvr>
+                                        <p:cTn id="9" dur="1000" fill="hold"/>
+                                        <p:tgtEl>
+                                          <p:spTgt spid="2"/>
+                                        </p:tgtEl>
+                                        <p:attrNameLst>
+                                          <p:attrName>style.rotation</p:attrName>
+                                        </p:attrNameLst>
+                                      </p:cBhvr>
+                                      <p:tavLst>
+                                        <p:tav tm="0">
+                                          <p:val>
+                                            <p:fltVal val="90"/>
+                                          </p:val>
+                                        </p:tav>
+                                        <p:tav tm="100000">
+                                          <p:val>
+                                            <p:fltVal val="0"/>
+                                          </p:val>
+                                        </p:tav>
+                                      </p:tavLst>
+                                    </p:anim>
+                                    <p:animEffect transition="in" filter="fade">
+                                      <p:cBhvr>
+                                        <p:cTn id="10" dur="1000"/>
+                                        <p:tgtEl>
+                                          <p:spTgt spid="2"/>
+                                        </p:tgtEl>
+                                      </p:cBhvr>
+                                    </p:animEffect>
+                                  </p:childTnLst>
+                                </p:cTn>
+                              </p:par>
+                            </p:childTnLst>
+                          </p:cTn>
+                        </p:par>
+                      </p:childTnLst>
+                    </p:cTn>
+                  </p:par>
+                  <p:par>
+                    <p:cTn id="11" fill="hold">
+                      <p:stCondLst>
+                        <p:cond delay="indefinite"/>
+                      </p:stCondLst>
+                      <p:childTnLst>
+                        <p:par>
+                          <p:cTn id="12" fill="hold">
+                            <p:stCondLst>
+                              <p:cond delay="0"/>
+                            </p:stCondLst>
+                            <p:childTnLst>
+                              <p:par>
+                                <p:cTn id="13" presetID="53" presetClass="entr" presetSubtype="16" fill="hold" nodeType="clickEffect">
+                                  <p:stCondLst>
+                                    <p:cond delay="0"/>
+                                  </p:stCondLst>
+                                  <p:childTnLst>
+                                    <p:set>
+                                      <p:cBhvr>
+                                        <p:cTn id="14" dur="1" fill="hold">
+                                          <p:stCondLst>
+                                            <p:cond delay="0"/>
+                                          </p:stCondLst>
+                                        </p:cTn>
+                                        <p:tgtEl>
+                                          <p:spTgt spid="5"/>
+                                        </p:tgtEl>
+                                        <p:attrNameLst>
+                                          <p:attrName>style.visibility</p:attrName>
+                                        </p:attrNameLst>
+                                      </p:cBhvr>
+                                      <p:to>
+                                        <p:strVal val="visible"/>
+                                      </p:to>
+                                    </p:set>
+                                    <p:anim calcmode="lin" valueType="num">
+                                      <p:cBhvr>
+                                        <p:cTn id="15" dur="500" fill="hold"/>
+                                        <p:tgtEl>
+                                          <p:spTgt spid="5"/>
+                                        </p:tgtEl>
+                                        <p:attrNameLst>
+                                          <p:attrName>ppt_w</p:attrName>
+                                        </p:attrNameLst>
+                                      </p:cBhvr>
+                                      <p:tavLst>
+                                        <p:tav tm="0">
+                                          <p:val>
+                                            <p:fltVal val="0"/>
+                                          </p:val>
+                                        </p:tav>
+                                        <p:tav tm="100000">
+                                          <p:val>
+                                            <p:strVal val="#ppt_w"/>
+                                          </p:val>
+                                        </p:tav>
+                                      </p:tavLst>
+                                    </p:anim>
+                                    <p:anim calcmode="lin" valueType="num">
+                                      <p:cBhvr>
+                                        <p:cTn id="16" dur="500" fill="hold"/>
+                                        <p:tgtEl>
+                                          <p:spTgt spid="5"/>
+                                        </p:tgtEl>
+                                        <p:attrNameLst>
+                                          <p:attrName>ppt_h</p:attrName>
+                                        </p:attrNameLst>
+                                      </p:cBhvr>
+                                      <p:tavLst>
+                                        <p:tav tm="0">
+                                          <p:val>
+                                            <p:fltVal val="0"/>
+                                          </p:val>
+                                        </p:tav>
+                                        <p:tav tm="100000">
+                                          <p:val>
+                                            <p:strVal val="#ppt_h"/>
+                                          </p:val>
+                                        </p:tav>
+                                      </p:tavLst>
+                                    </p:anim>
+                                    <p:animEffect transition="in" filter="fade">
+                                      <p:cBhvr>
+                                        <p:cTn id="17" dur="500"/>
+                                        <p:tgtEl>
+                                          <p:spTgt spid="5"/>
+                                        </p:tgtEl>
+                                      </p:cBhvr>
+                                    </p:animEffect>
+                                  </p:childTnLst>
+                                </p:cTn>
+                              </p:par>
+                            </p:childTnLst>
+                          </p:cTn>
+                        </p:par>
+                      </p:childTnLst>
+                    </p:cTn>
+                  </p:par>
+                </p:childTnLst>
+              </p:cTn>
+              <p:prevCondLst>
+                <p:cond evt="onPrev" delay="0">
+                  <p:tgtEl>
+                    <p:sldTgt/>
+                  </p:tgtEl>
+                </p:cond>
+              </p:prevCondLst>
+              <p:nextCondLst>
+                <p:cond evt="onNext" delay="0">
+                  <p:tgtEl>
+                    <p:sldTgt/>
+                  </p:tgtEl>
+                </p:cond>
+              </p:nextCondLst>
+            </p:seq>
+          </p:childTnLst>
+        </p:cTn>
+      </p:par>
+    </p:tnLst>
+    <p:bldLst>
+      <p:bldP spid="2" grpId="0"/>
+    </p:bldLst>
+  </p:timing>
+</p:sld>
+</file>
+
+<file path=ppt/slides/slide11.xml><?xml version="1.0" encoding="utf-8"?>
+<p:sld xmlns:a="http://schemas.openxmlformats.org/drawingml/2006/main" xmlns:r="http://schemas.openxmlformats.org/officeDocument/2006/relationships" xmlns:p="http://schemas.openxmlformats.org/presentationml/2006/main">
+  <p:cSld>
+    <p:spTree>
+      <p:nvGrpSpPr>
+        <p:cNvPr id="1" name=""/>
+        <p:cNvGrpSpPr/>
+        <p:nvPr/>
+      </p:nvGrpSpPr>
+      <p:grpSpPr>
+        <a:xfrm>
+          <a:off x="0" y="0"/>
+          <a:ext cx="0" cy="0"/>
+          <a:chOff x="0" y="0"/>
+          <a:chExt cx="0" cy="0"/>
+        </a:xfrm>
+      </p:grpSpPr>
+      <p:sp>
+        <p:nvSpPr>
+          <p:cNvPr id="2" name="Заглавие 1">
+            <a:extLst>
+              <a:ext uri="{FF2B5EF4-FFF2-40B4-BE49-F238E27FC236}">
                 <a16:creationId xmlns:a16="http://schemas.microsoft.com/office/drawing/2014/main" id="{45A6F77E-E06B-433B-58F3-77A37AC8966B}"/>
               </a:ext>
             </a:extLst>
@@ -8438,1679 +8800,6 @@
                                           <p:spTgt spid="3">
                                             <p:txEl>
                                               <p:pRg st="3" end="3"/>
-                                            </p:txEl>
-                                          </p:spTgt>
-                                        </p:tgtEl>
-                                      </p:cBhvr>
-                                    </p:animEffect>
-                                  </p:childTnLst>
-                                </p:cTn>
-                              </p:par>
-                            </p:childTnLst>
-                          </p:cTn>
-                        </p:par>
-                      </p:childTnLst>
-                    </p:cTn>
-                  </p:par>
-                </p:childTnLst>
-              </p:cTn>
-              <p:prevCondLst>
-                <p:cond evt="onPrev" delay="0">
-                  <p:tgtEl>
-                    <p:sldTgt/>
-                  </p:tgtEl>
-                </p:cond>
-              </p:prevCondLst>
-              <p:nextCondLst>
-                <p:cond evt="onNext" delay="0">
-                  <p:tgtEl>
-                    <p:sldTgt/>
-                  </p:tgtEl>
-                </p:cond>
-              </p:nextCondLst>
-            </p:seq>
-          </p:childTnLst>
-        </p:cTn>
-      </p:par>
-    </p:tnLst>
-    <p:bldLst>
-      <p:bldP spid="2" grpId="0"/>
-      <p:bldP spid="3" grpId="0" build="p"/>
-    </p:bldLst>
-  </p:timing>
-</p:sld>
-</file>
-
-<file path=ppt/slides/slide11.xml><?xml version="1.0" encoding="utf-8"?>
-<p:sld xmlns:a="http://schemas.openxmlformats.org/drawingml/2006/main" xmlns:r="http://schemas.openxmlformats.org/officeDocument/2006/relationships" xmlns:p="http://schemas.openxmlformats.org/presentationml/2006/main">
-  <p:cSld>
-    <p:spTree>
-      <p:nvGrpSpPr>
-        <p:cNvPr id="1" name=""/>
-        <p:cNvGrpSpPr/>
-        <p:nvPr/>
-      </p:nvGrpSpPr>
-      <p:grpSpPr>
-        <a:xfrm>
-          <a:off x="0" y="0"/>
-          <a:ext cx="0" cy="0"/>
-          <a:chOff x="0" y="0"/>
-          <a:chExt cx="0" cy="0"/>
-        </a:xfrm>
-      </p:grpSpPr>
-      <p:sp>
-        <p:nvSpPr>
-          <p:cNvPr id="2" name="Заглавие 1">
-            <a:extLst>
-              <a:ext uri="{FF2B5EF4-FFF2-40B4-BE49-F238E27FC236}">
-                <a16:creationId xmlns:a16="http://schemas.microsoft.com/office/drawing/2014/main" id="{CAF221DE-494C-71FF-39EA-1C1B86871B9B}"/>
-              </a:ext>
-            </a:extLst>
-          </p:cNvPr>
-          <p:cNvSpPr>
-            <a:spLocks noGrp="1"/>
-          </p:cNvSpPr>
-          <p:nvPr>
-            <p:ph type="title"/>
-          </p:nvPr>
-        </p:nvSpPr>
-        <p:spPr>
-          <a:xfrm>
-            <a:off x="667809" y="267363"/>
-            <a:ext cx="8596668" cy="1320800"/>
-          </a:xfrm>
-        </p:spPr>
-        <p:txBody>
-          <a:bodyPr/>
-          <a:lstStyle/>
-          <a:p>
-            <a:pPr algn="ctr"/>
-            <a:r>
-              <a:rPr lang="bg-BG" dirty="0">
-                <a:latin typeface="Times New Roman" panose="02020603050405020304" pitchFamily="18" charset="0"/>
-                <a:cs typeface="Times New Roman" panose="02020603050405020304" pitchFamily="18" charset="0"/>
-              </a:rPr>
-              <a:t>Заключение</a:t>
-            </a:r>
-          </a:p>
-        </p:txBody>
-      </p:sp>
-      <p:sp>
-        <p:nvSpPr>
-          <p:cNvPr id="3" name="Контейнер за съдържание 2">
-            <a:extLst>
-              <a:ext uri="{FF2B5EF4-FFF2-40B4-BE49-F238E27FC236}">
-                <a16:creationId xmlns:a16="http://schemas.microsoft.com/office/drawing/2014/main" id="{4EC38D80-C900-9D5C-F47B-9A21563EC579}"/>
-              </a:ext>
-            </a:extLst>
-          </p:cNvPr>
-          <p:cNvSpPr>
-            <a:spLocks noGrp="1"/>
-          </p:cNvSpPr>
-          <p:nvPr>
-            <p:ph idx="1"/>
-          </p:nvPr>
-        </p:nvSpPr>
-        <p:spPr>
-          <a:xfrm>
-            <a:off x="543984" y="1160464"/>
-            <a:ext cx="8596668" cy="5573711"/>
-          </a:xfrm>
-        </p:spPr>
-        <p:txBody>
-          <a:bodyPr>
-            <a:normAutofit/>
-          </a:bodyPr>
-          <a:lstStyle/>
-          <a:p>
-            <a:r>
-              <a:rPr lang="ru-RU" sz="2000" dirty="0">
-                <a:latin typeface="Times New Roman" panose="02020603050405020304" pitchFamily="18" charset="0"/>
-                <a:cs typeface="Times New Roman" panose="02020603050405020304" pitchFamily="18" charset="0"/>
-              </a:rPr>
-              <a:t>С </a:t>
-            </a:r>
-            <a:r>
-              <a:rPr lang="ru-RU" sz="2000" dirty="0" err="1">
-                <a:latin typeface="Times New Roman" panose="02020603050405020304" pitchFamily="18" charset="0"/>
-                <a:cs typeface="Times New Roman" panose="02020603050405020304" pitchFamily="18" charset="0"/>
-              </a:rPr>
-              <a:t>известни</a:t>
-            </a:r>
-            <a:r>
-              <a:rPr lang="ru-RU" sz="2000" dirty="0">
-                <a:latin typeface="Times New Roman" panose="02020603050405020304" pitchFamily="18" charset="0"/>
-                <a:cs typeface="Times New Roman" panose="02020603050405020304" pitchFamily="18" charset="0"/>
-              </a:rPr>
-              <a:t> затруднения </a:t>
-            </a:r>
-            <a:r>
-              <a:rPr lang="ru-RU" sz="2000" dirty="0" err="1">
-                <a:latin typeface="Times New Roman" panose="02020603050405020304" pitchFamily="18" charset="0"/>
-                <a:cs typeface="Times New Roman" panose="02020603050405020304" pitchFamily="18" charset="0"/>
-              </a:rPr>
-              <a:t>направих</a:t>
-            </a:r>
-            <a:r>
-              <a:rPr lang="ru-RU" sz="2000" dirty="0">
-                <a:latin typeface="Times New Roman" panose="02020603050405020304" pitchFamily="18" charset="0"/>
-                <a:cs typeface="Times New Roman" panose="02020603050405020304" pitchFamily="18" charset="0"/>
-              </a:rPr>
-              <a:t> </a:t>
-            </a:r>
-            <a:r>
-              <a:rPr lang="ru-RU" sz="2000" dirty="0" err="1">
-                <a:latin typeface="Times New Roman" panose="02020603050405020304" pitchFamily="18" charset="0"/>
-                <a:cs typeface="Times New Roman" panose="02020603050405020304" pitchFamily="18" charset="0"/>
-              </a:rPr>
-              <a:t>този</a:t>
-            </a:r>
-            <a:r>
-              <a:rPr lang="ru-RU" sz="2000" dirty="0">
-                <a:latin typeface="Times New Roman" panose="02020603050405020304" pitchFamily="18" charset="0"/>
-                <a:cs typeface="Times New Roman" panose="02020603050405020304" pitchFamily="18" charset="0"/>
-              </a:rPr>
-              <a:t> проект , но смея да </a:t>
-            </a:r>
-            <a:r>
-              <a:rPr lang="ru-RU" sz="2000" dirty="0" err="1">
-                <a:latin typeface="Times New Roman" panose="02020603050405020304" pitchFamily="18" charset="0"/>
-                <a:cs typeface="Times New Roman" panose="02020603050405020304" pitchFamily="18" charset="0"/>
-              </a:rPr>
-              <a:t>твърдя</a:t>
-            </a:r>
-            <a:r>
-              <a:rPr lang="ru-RU" sz="2000" dirty="0">
-                <a:latin typeface="Times New Roman" panose="02020603050405020304" pitchFamily="18" charset="0"/>
-                <a:cs typeface="Times New Roman" panose="02020603050405020304" pitchFamily="18" charset="0"/>
-              </a:rPr>
-              <a:t> , че </a:t>
-            </a:r>
-            <a:r>
-              <a:rPr lang="ru-RU" sz="2000" dirty="0" err="1">
-                <a:latin typeface="Times New Roman" panose="02020603050405020304" pitchFamily="18" charset="0"/>
-                <a:cs typeface="Times New Roman" panose="02020603050405020304" pitchFamily="18" charset="0"/>
-              </a:rPr>
-              <a:t>докато</a:t>
-            </a:r>
-            <a:r>
-              <a:rPr lang="ru-RU" sz="2000" dirty="0">
-                <a:latin typeface="Times New Roman" panose="02020603050405020304" pitchFamily="18" charset="0"/>
-                <a:cs typeface="Times New Roman" panose="02020603050405020304" pitchFamily="18" charset="0"/>
-              </a:rPr>
-              <a:t> го правя </a:t>
-            </a:r>
-            <a:r>
-              <a:rPr lang="ru-RU" sz="2000" dirty="0" err="1">
-                <a:latin typeface="Times New Roman" panose="02020603050405020304" pitchFamily="18" charset="0"/>
-                <a:cs typeface="Times New Roman" panose="02020603050405020304" pitchFamily="18" charset="0"/>
-              </a:rPr>
-              <a:t>научих</a:t>
-            </a:r>
-            <a:r>
-              <a:rPr lang="ru-RU" sz="2000" dirty="0">
-                <a:latin typeface="Times New Roman" panose="02020603050405020304" pitchFamily="18" charset="0"/>
-                <a:cs typeface="Times New Roman" panose="02020603050405020304" pitchFamily="18" charset="0"/>
-              </a:rPr>
-              <a:t> </a:t>
-            </a:r>
-            <a:r>
-              <a:rPr lang="ru-RU" sz="2000" dirty="0" err="1">
-                <a:latin typeface="Times New Roman" panose="02020603050405020304" pitchFamily="18" charset="0"/>
-                <a:cs typeface="Times New Roman" panose="02020603050405020304" pitchFamily="18" charset="0"/>
-              </a:rPr>
-              <a:t>доста</a:t>
-            </a:r>
-            <a:r>
-              <a:rPr lang="ru-RU" sz="2000" dirty="0">
-                <a:latin typeface="Times New Roman" panose="02020603050405020304" pitchFamily="18" charset="0"/>
-                <a:cs typeface="Times New Roman" panose="02020603050405020304" pitchFamily="18" charset="0"/>
-              </a:rPr>
-              <a:t> </a:t>
-            </a:r>
-            <a:r>
-              <a:rPr lang="ru-RU" sz="2000" dirty="0" err="1">
-                <a:latin typeface="Times New Roman" panose="02020603050405020304" pitchFamily="18" charset="0"/>
-                <a:cs typeface="Times New Roman" panose="02020603050405020304" pitchFamily="18" charset="0"/>
-              </a:rPr>
-              <a:t>неща</a:t>
-            </a:r>
-            <a:r>
-              <a:rPr lang="ru-RU" sz="2000" dirty="0">
-                <a:latin typeface="Times New Roman" panose="02020603050405020304" pitchFamily="18" charset="0"/>
-                <a:cs typeface="Times New Roman" panose="02020603050405020304" pitchFamily="18" charset="0"/>
-              </a:rPr>
-              <a:t> и се </a:t>
-            </a:r>
-            <a:r>
-              <a:rPr lang="ru-RU" sz="2000" dirty="0" err="1">
-                <a:latin typeface="Times New Roman" panose="02020603050405020304" pitchFamily="18" charset="0"/>
-                <a:cs typeface="Times New Roman" panose="02020603050405020304" pitchFamily="18" charset="0"/>
-              </a:rPr>
-              <a:t>обогатих</a:t>
-            </a:r>
-            <a:r>
-              <a:rPr lang="ru-RU" sz="2000" dirty="0">
-                <a:latin typeface="Times New Roman" panose="02020603050405020304" pitchFamily="18" charset="0"/>
-                <a:cs typeface="Times New Roman" panose="02020603050405020304" pitchFamily="18" charset="0"/>
-              </a:rPr>
-              <a:t> с </a:t>
-            </a:r>
-            <a:r>
-              <a:rPr lang="ru-RU" sz="2000" dirty="0" err="1">
-                <a:latin typeface="Times New Roman" panose="02020603050405020304" pitchFamily="18" charset="0"/>
-                <a:cs typeface="Times New Roman" panose="02020603050405020304" pitchFamily="18" charset="0"/>
-              </a:rPr>
-              <a:t>доста</a:t>
-            </a:r>
-            <a:r>
-              <a:rPr lang="ru-RU" sz="2000" dirty="0">
-                <a:latin typeface="Times New Roman" panose="02020603050405020304" pitchFamily="18" charset="0"/>
-                <a:cs typeface="Times New Roman" panose="02020603050405020304" pitchFamily="18" charset="0"/>
-              </a:rPr>
-              <a:t> нова и полезна информация. В </a:t>
-            </a:r>
-            <a:r>
-              <a:rPr lang="ru-RU" sz="2000" dirty="0" err="1">
-                <a:latin typeface="Times New Roman" panose="02020603050405020304" pitchFamily="18" charset="0"/>
-                <a:cs typeface="Times New Roman" panose="02020603050405020304" pitchFamily="18" charset="0"/>
-              </a:rPr>
-              <a:t>крайна</a:t>
-            </a:r>
-            <a:r>
-              <a:rPr lang="ru-RU" sz="2000" dirty="0">
-                <a:latin typeface="Times New Roman" panose="02020603050405020304" pitchFamily="18" charset="0"/>
-                <a:cs typeface="Times New Roman" panose="02020603050405020304" pitchFamily="18" charset="0"/>
-              </a:rPr>
-              <a:t> сметка </a:t>
-            </a:r>
-            <a:r>
-              <a:rPr lang="ru-RU" sz="2000" dirty="0" err="1">
-                <a:latin typeface="Times New Roman" panose="02020603050405020304" pitchFamily="18" charset="0"/>
-                <a:cs typeface="Times New Roman" panose="02020603050405020304" pitchFamily="18" charset="0"/>
-              </a:rPr>
-              <a:t>завърших</a:t>
-            </a:r>
-            <a:r>
-              <a:rPr lang="ru-RU" sz="2000" dirty="0">
-                <a:latin typeface="Times New Roman" panose="02020603050405020304" pitchFamily="18" charset="0"/>
-                <a:cs typeface="Times New Roman" panose="02020603050405020304" pitchFamily="18" charset="0"/>
-              </a:rPr>
-              <a:t> проекта и </a:t>
-            </a:r>
-            <a:r>
-              <a:rPr lang="ru-RU" sz="2000" dirty="0" err="1">
-                <a:latin typeface="Times New Roman" panose="02020603050405020304" pitchFamily="18" charset="0"/>
-                <a:cs typeface="Times New Roman" panose="02020603050405020304" pitchFamily="18" charset="0"/>
-              </a:rPr>
-              <a:t>смятам</a:t>
-            </a:r>
-            <a:r>
-              <a:rPr lang="ru-RU" sz="2000" dirty="0">
-                <a:latin typeface="Times New Roman" panose="02020603050405020304" pitchFamily="18" charset="0"/>
-                <a:cs typeface="Times New Roman" panose="02020603050405020304" pitchFamily="18" charset="0"/>
-              </a:rPr>
-              <a:t> , че </a:t>
-            </a:r>
-            <a:r>
-              <a:rPr lang="ru-RU" sz="2000" dirty="0" err="1">
-                <a:latin typeface="Times New Roman" panose="02020603050405020304" pitchFamily="18" charset="0"/>
-                <a:cs typeface="Times New Roman" panose="02020603050405020304" pitchFamily="18" charset="0"/>
-              </a:rPr>
-              <a:t>изпълних</a:t>
-            </a:r>
-            <a:r>
-              <a:rPr lang="ru-RU" sz="2000" dirty="0">
-                <a:latin typeface="Times New Roman" panose="02020603050405020304" pitchFamily="18" charset="0"/>
-                <a:cs typeface="Times New Roman" panose="02020603050405020304" pitchFamily="18" charset="0"/>
-              </a:rPr>
-              <a:t> </a:t>
-            </a:r>
-            <a:r>
-              <a:rPr lang="ru-RU" sz="2000" dirty="0" err="1">
-                <a:latin typeface="Times New Roman" panose="02020603050405020304" pitchFamily="18" charset="0"/>
-                <a:cs typeface="Times New Roman" panose="02020603050405020304" pitchFamily="18" charset="0"/>
-              </a:rPr>
-              <a:t>всички</a:t>
-            </a:r>
-            <a:r>
-              <a:rPr lang="ru-RU" sz="2000" dirty="0">
-                <a:latin typeface="Times New Roman" panose="02020603050405020304" pitchFamily="18" charset="0"/>
-                <a:cs typeface="Times New Roman" panose="02020603050405020304" pitchFamily="18" charset="0"/>
-              </a:rPr>
-              <a:t> </a:t>
-            </a:r>
-            <a:r>
-              <a:rPr lang="ru-RU" sz="2000" dirty="0" err="1">
-                <a:latin typeface="Times New Roman" panose="02020603050405020304" pitchFamily="18" charset="0"/>
-                <a:cs typeface="Times New Roman" panose="02020603050405020304" pitchFamily="18" charset="0"/>
-              </a:rPr>
-              <a:t>главни</a:t>
-            </a:r>
-            <a:r>
-              <a:rPr lang="ru-RU" sz="2000" dirty="0">
-                <a:latin typeface="Times New Roman" panose="02020603050405020304" pitchFamily="18" charset="0"/>
-                <a:cs typeface="Times New Roman" panose="02020603050405020304" pitchFamily="18" charset="0"/>
-              </a:rPr>
-              <a:t> цели и най вече </a:t>
-            </a:r>
-            <a:r>
-              <a:rPr lang="ru-RU" sz="2000" dirty="0" err="1">
-                <a:latin typeface="Times New Roman" panose="02020603050405020304" pitchFamily="18" charset="0"/>
-                <a:cs typeface="Times New Roman" panose="02020603050405020304" pitchFamily="18" charset="0"/>
-              </a:rPr>
-              <a:t>реализирането</a:t>
-            </a:r>
-            <a:r>
-              <a:rPr lang="ru-RU" sz="2000" dirty="0">
-                <a:latin typeface="Times New Roman" panose="02020603050405020304" pitchFamily="18" charset="0"/>
-                <a:cs typeface="Times New Roman" panose="02020603050405020304" pitchFamily="18" charset="0"/>
-              </a:rPr>
-              <a:t> на </a:t>
-            </a:r>
-            <a:r>
-              <a:rPr lang="ru-RU" sz="2000" dirty="0" err="1">
-                <a:latin typeface="Times New Roman" panose="02020603050405020304" pitchFamily="18" charset="0"/>
-                <a:cs typeface="Times New Roman" panose="02020603050405020304" pitchFamily="18" charset="0"/>
-              </a:rPr>
-              <a:t>трислойно</a:t>
-            </a:r>
-            <a:r>
-              <a:rPr lang="ru-RU" sz="2000" dirty="0">
-                <a:latin typeface="Times New Roman" panose="02020603050405020304" pitchFamily="18" charset="0"/>
-                <a:cs typeface="Times New Roman" panose="02020603050405020304" pitchFamily="18" charset="0"/>
-              </a:rPr>
-              <a:t> MVC WEB приложение , </a:t>
-            </a:r>
-            <a:r>
-              <a:rPr lang="ru-RU" sz="2000" dirty="0" err="1">
-                <a:latin typeface="Times New Roman" panose="02020603050405020304" pitchFamily="18" charset="0"/>
-                <a:cs typeface="Times New Roman" panose="02020603050405020304" pitchFamily="18" charset="0"/>
-              </a:rPr>
-              <a:t>организиращо</a:t>
-            </a:r>
-            <a:r>
-              <a:rPr lang="ru-RU" sz="2000" dirty="0">
-                <a:latin typeface="Times New Roman" panose="02020603050405020304" pitchFamily="18" charset="0"/>
-                <a:cs typeface="Times New Roman" panose="02020603050405020304" pitchFamily="18" charset="0"/>
-              </a:rPr>
-              <a:t> </a:t>
-            </a:r>
-            <a:r>
-              <a:rPr lang="ru-RU" sz="2000" dirty="0" err="1">
-                <a:latin typeface="Times New Roman" panose="02020603050405020304" pitchFamily="18" charset="0"/>
-                <a:cs typeface="Times New Roman" panose="02020603050405020304" pitchFamily="18" charset="0"/>
-              </a:rPr>
-              <a:t>дейността</a:t>
-            </a:r>
-            <a:r>
-              <a:rPr lang="ru-RU" sz="2000" dirty="0">
-                <a:latin typeface="Times New Roman" panose="02020603050405020304" pitchFamily="18" charset="0"/>
-                <a:cs typeface="Times New Roman" panose="02020603050405020304" pitchFamily="18" charset="0"/>
-              </a:rPr>
-              <a:t> на </a:t>
-            </a:r>
-            <a:r>
-              <a:rPr lang="ru-RU" sz="2000" dirty="0" err="1">
-                <a:latin typeface="Times New Roman" panose="02020603050405020304" pitchFamily="18" charset="0"/>
-                <a:cs typeface="Times New Roman" panose="02020603050405020304" pitchFamily="18" charset="0"/>
-              </a:rPr>
-              <a:t>летище</a:t>
-            </a:r>
-            <a:r>
-              <a:rPr lang="ru-RU" sz="2000" dirty="0">
-                <a:latin typeface="Times New Roman" panose="02020603050405020304" pitchFamily="18" charset="0"/>
-                <a:cs typeface="Times New Roman" panose="02020603050405020304" pitchFamily="18" charset="0"/>
-              </a:rPr>
-              <a:t> за </a:t>
-            </a:r>
-            <a:r>
-              <a:rPr lang="ru-RU" sz="2000" dirty="0" err="1">
-                <a:latin typeface="Times New Roman" panose="02020603050405020304" pitchFamily="18" charset="0"/>
-                <a:cs typeface="Times New Roman" panose="02020603050405020304" pitchFamily="18" charset="0"/>
-              </a:rPr>
-              <a:t>чартърни</a:t>
-            </a:r>
-            <a:r>
-              <a:rPr lang="ru-RU" sz="2000" dirty="0">
-                <a:latin typeface="Times New Roman" panose="02020603050405020304" pitchFamily="18" charset="0"/>
-                <a:cs typeface="Times New Roman" panose="02020603050405020304" pitchFamily="18" charset="0"/>
-              </a:rPr>
-              <a:t> полети, </a:t>
-            </a:r>
-            <a:r>
-              <a:rPr lang="ru-RU" sz="2000" dirty="0" err="1">
-                <a:latin typeface="Times New Roman" panose="02020603050405020304" pitchFamily="18" charset="0"/>
-                <a:cs typeface="Times New Roman" panose="02020603050405020304" pitchFamily="18" charset="0"/>
-              </a:rPr>
-              <a:t>което</a:t>
-            </a:r>
-            <a:r>
-              <a:rPr lang="ru-RU" sz="2000" dirty="0">
-                <a:latin typeface="Times New Roman" panose="02020603050405020304" pitchFamily="18" charset="0"/>
-                <a:cs typeface="Times New Roman" panose="02020603050405020304" pitchFamily="18" charset="0"/>
-              </a:rPr>
-              <a:t> </a:t>
-            </a:r>
-            <a:r>
-              <a:rPr lang="ru-RU" sz="2000" dirty="0" err="1">
-                <a:latin typeface="Times New Roman" panose="02020603050405020304" pitchFamily="18" charset="0"/>
-                <a:cs typeface="Times New Roman" panose="02020603050405020304" pitchFamily="18" charset="0"/>
-              </a:rPr>
-              <a:t>трябва</a:t>
-            </a:r>
-            <a:r>
-              <a:rPr lang="ru-RU" sz="2000" dirty="0">
-                <a:latin typeface="Times New Roman" panose="02020603050405020304" pitchFamily="18" charset="0"/>
-                <a:cs typeface="Times New Roman" panose="02020603050405020304" pitchFamily="18" charset="0"/>
-              </a:rPr>
-              <a:t> да </a:t>
-            </a:r>
-            <a:r>
-              <a:rPr lang="ru-RU" sz="2000" dirty="0" err="1">
-                <a:latin typeface="Times New Roman" panose="02020603050405020304" pitchFamily="18" charset="0"/>
-                <a:cs typeface="Times New Roman" panose="02020603050405020304" pitchFamily="18" charset="0"/>
-              </a:rPr>
-              <a:t>поддържа</a:t>
-            </a:r>
-            <a:r>
-              <a:rPr lang="ru-RU" sz="2000" dirty="0">
-                <a:latin typeface="Times New Roman" panose="02020603050405020304" pitchFamily="18" charset="0"/>
-                <a:cs typeface="Times New Roman" panose="02020603050405020304" pitchFamily="18" charset="0"/>
-              </a:rPr>
-              <a:t> CRUD операции за </a:t>
-            </a:r>
-            <a:r>
-              <a:rPr lang="ru-RU" sz="2000" dirty="0" err="1">
-                <a:latin typeface="Times New Roman" panose="02020603050405020304" pitchFamily="18" charset="0"/>
-                <a:cs typeface="Times New Roman" panose="02020603050405020304" pitchFamily="18" charset="0"/>
-              </a:rPr>
-              <a:t>дестинациите</a:t>
-            </a:r>
-            <a:r>
-              <a:rPr lang="ru-RU" sz="2000" dirty="0">
-                <a:latin typeface="Times New Roman" panose="02020603050405020304" pitchFamily="18" charset="0"/>
-                <a:cs typeface="Times New Roman" panose="02020603050405020304" pitchFamily="18" charset="0"/>
-              </a:rPr>
-              <a:t>, полетите с </a:t>
-            </a:r>
-            <a:r>
-              <a:rPr lang="ru-RU" sz="2000" dirty="0" err="1">
-                <a:latin typeface="Times New Roman" panose="02020603050405020304" pitchFamily="18" charset="0"/>
-                <a:cs typeface="Times New Roman" panose="02020603050405020304" pitchFamily="18" charset="0"/>
-              </a:rPr>
-              <a:t>авиокомпании</a:t>
-            </a:r>
-            <a:r>
-              <a:rPr lang="ru-RU" sz="2000" dirty="0">
-                <a:latin typeface="Times New Roman" panose="02020603050405020304" pitchFamily="18" charset="0"/>
-                <a:cs typeface="Times New Roman" panose="02020603050405020304" pitchFamily="18" charset="0"/>
-              </a:rPr>
-              <a:t> и </a:t>
-            </a:r>
-            <a:r>
-              <a:rPr lang="ru-RU" sz="2000" dirty="0" err="1">
-                <a:latin typeface="Times New Roman" panose="02020603050405020304" pitchFamily="18" charset="0"/>
-                <a:cs typeface="Times New Roman" panose="02020603050405020304" pitchFamily="18" charset="0"/>
-              </a:rPr>
-              <a:t>клиентски</a:t>
-            </a:r>
-            <a:r>
-              <a:rPr lang="ru-RU" sz="2000" dirty="0">
-                <a:latin typeface="Times New Roman" panose="02020603050405020304" pitchFamily="18" charset="0"/>
-                <a:cs typeface="Times New Roman" panose="02020603050405020304" pitchFamily="18" charset="0"/>
-              </a:rPr>
-              <a:t> заявки за </a:t>
-            </a:r>
-            <a:r>
-              <a:rPr lang="ru-RU" sz="2000" dirty="0" err="1">
-                <a:latin typeface="Times New Roman" panose="02020603050405020304" pitchFamily="18" charset="0"/>
-                <a:cs typeface="Times New Roman" panose="02020603050405020304" pitchFamily="18" charset="0"/>
-              </a:rPr>
-              <a:t>билети</a:t>
-            </a:r>
-            <a:r>
-              <a:rPr lang="ru-RU" sz="2000" dirty="0">
-                <a:latin typeface="Times New Roman" panose="02020603050405020304" pitchFamily="18" charset="0"/>
-                <a:cs typeface="Times New Roman" panose="02020603050405020304" pitchFamily="18" charset="0"/>
-              </a:rPr>
-              <a:t>. </a:t>
-            </a:r>
-          </a:p>
-          <a:p>
-            <a:r>
-              <a:rPr lang="ru-RU" sz="2000" dirty="0" err="1">
-                <a:latin typeface="Times New Roman" panose="02020603050405020304" pitchFamily="18" charset="0"/>
-                <a:cs typeface="Times New Roman" panose="02020603050405020304" pitchFamily="18" charset="0"/>
-              </a:rPr>
-              <a:t>Предимствата</a:t>
-            </a:r>
-            <a:r>
-              <a:rPr lang="ru-RU" sz="2000" dirty="0">
-                <a:latin typeface="Times New Roman" panose="02020603050405020304" pitchFamily="18" charset="0"/>
-                <a:cs typeface="Times New Roman" panose="02020603050405020304" pitchFamily="18" charset="0"/>
-              </a:rPr>
-              <a:t> на </a:t>
-            </a:r>
-            <a:r>
-              <a:rPr lang="ru-RU" sz="2000" dirty="0" err="1">
-                <a:latin typeface="Times New Roman" panose="02020603050405020304" pitchFamily="18" charset="0"/>
-                <a:cs typeface="Times New Roman" panose="02020603050405020304" pitchFamily="18" charset="0"/>
-              </a:rPr>
-              <a:t>моят</a:t>
-            </a:r>
-            <a:r>
-              <a:rPr lang="ru-RU" sz="2000" dirty="0">
-                <a:latin typeface="Times New Roman" panose="02020603050405020304" pitchFamily="18" charset="0"/>
-                <a:cs typeface="Times New Roman" panose="02020603050405020304" pitchFamily="18" charset="0"/>
-              </a:rPr>
-              <a:t> сайт пред </a:t>
-            </a:r>
-            <a:r>
-              <a:rPr lang="ru-RU" sz="2000" dirty="0" err="1">
-                <a:latin typeface="Times New Roman" panose="02020603050405020304" pitchFamily="18" charset="0"/>
-                <a:cs typeface="Times New Roman" panose="02020603050405020304" pitchFamily="18" charset="0"/>
-              </a:rPr>
-              <a:t>другите</a:t>
-            </a:r>
-            <a:r>
-              <a:rPr lang="ru-RU" sz="2000" dirty="0">
-                <a:latin typeface="Times New Roman" panose="02020603050405020304" pitchFamily="18" charset="0"/>
-                <a:cs typeface="Times New Roman" panose="02020603050405020304" pitchFamily="18" charset="0"/>
-              </a:rPr>
-              <a:t> </a:t>
-            </a:r>
-            <a:r>
-              <a:rPr lang="ru-RU" sz="2000" dirty="0" err="1">
-                <a:latin typeface="Times New Roman" panose="02020603050405020304" pitchFamily="18" charset="0"/>
-                <a:cs typeface="Times New Roman" panose="02020603050405020304" pitchFamily="18" charset="0"/>
-              </a:rPr>
-              <a:t>са</a:t>
-            </a:r>
-            <a:r>
-              <a:rPr lang="ru-RU" sz="2000" dirty="0">
-                <a:latin typeface="Times New Roman" panose="02020603050405020304" pitchFamily="18" charset="0"/>
-                <a:cs typeface="Times New Roman" panose="02020603050405020304" pitchFamily="18" charset="0"/>
-              </a:rPr>
-              <a:t> , че </a:t>
-            </a:r>
-            <a:r>
-              <a:rPr lang="ru-RU" sz="2000" dirty="0" err="1">
-                <a:latin typeface="Times New Roman" panose="02020603050405020304" pitchFamily="18" charset="0"/>
-                <a:cs typeface="Times New Roman" panose="02020603050405020304" pitchFamily="18" charset="0"/>
-              </a:rPr>
-              <a:t>моят</a:t>
-            </a:r>
-            <a:r>
-              <a:rPr lang="ru-RU" sz="2000" dirty="0">
-                <a:latin typeface="Times New Roman" panose="02020603050405020304" pitchFamily="18" charset="0"/>
-                <a:cs typeface="Times New Roman" panose="02020603050405020304" pitchFamily="18" charset="0"/>
-              </a:rPr>
-              <a:t> </a:t>
-            </a:r>
-            <a:r>
-              <a:rPr lang="ru-RU" sz="2000" dirty="0" err="1">
-                <a:latin typeface="Times New Roman" panose="02020603050405020304" pitchFamily="18" charset="0"/>
-                <a:cs typeface="Times New Roman" panose="02020603050405020304" pitchFamily="18" charset="0"/>
-              </a:rPr>
-              <a:t>има</a:t>
-            </a:r>
-            <a:r>
-              <a:rPr lang="ru-RU" sz="2000" dirty="0">
-                <a:latin typeface="Times New Roman" panose="02020603050405020304" pitchFamily="18" charset="0"/>
-                <a:cs typeface="Times New Roman" panose="02020603050405020304" pitchFamily="18" charset="0"/>
-              </a:rPr>
-              <a:t> </a:t>
-            </a:r>
-            <a:r>
-              <a:rPr lang="ru-RU" sz="2000" dirty="0" err="1">
-                <a:latin typeface="Times New Roman" panose="02020603050405020304" pitchFamily="18" charset="0"/>
-                <a:cs typeface="Times New Roman" panose="02020603050405020304" pitchFamily="18" charset="0"/>
-              </a:rPr>
-              <a:t>повече</a:t>
-            </a:r>
-            <a:r>
-              <a:rPr lang="ru-RU" sz="2000" dirty="0">
-                <a:latin typeface="Times New Roman" panose="02020603050405020304" pitchFamily="18" charset="0"/>
-                <a:cs typeface="Times New Roman" panose="02020603050405020304" pitchFamily="18" charset="0"/>
-              </a:rPr>
-              <a:t> </a:t>
-            </a:r>
-            <a:r>
-              <a:rPr lang="ru-RU" sz="2000" dirty="0" err="1">
-                <a:latin typeface="Times New Roman" panose="02020603050405020304" pitchFamily="18" charset="0"/>
-                <a:cs typeface="Times New Roman" panose="02020603050405020304" pitchFamily="18" charset="0"/>
-              </a:rPr>
-              <a:t>функционалности</a:t>
-            </a:r>
-            <a:r>
-              <a:rPr lang="ru-RU" sz="2000" dirty="0">
-                <a:latin typeface="Times New Roman" panose="02020603050405020304" pitchFamily="18" charset="0"/>
-                <a:cs typeface="Times New Roman" panose="02020603050405020304" pitchFamily="18" charset="0"/>
-              </a:rPr>
-              <a:t> , </a:t>
-            </a:r>
-            <a:r>
-              <a:rPr lang="ru-RU" sz="2000" dirty="0" err="1">
-                <a:latin typeface="Times New Roman" panose="02020603050405020304" pitchFamily="18" charset="0"/>
-                <a:cs typeface="Times New Roman" panose="02020603050405020304" pitchFamily="18" charset="0"/>
-              </a:rPr>
-              <a:t>като</a:t>
-            </a:r>
-            <a:r>
-              <a:rPr lang="ru-RU" sz="2000" dirty="0">
-                <a:latin typeface="Times New Roman" panose="02020603050405020304" pitchFamily="18" charset="0"/>
-                <a:cs typeface="Times New Roman" panose="02020603050405020304" pitchFamily="18" charset="0"/>
-              </a:rPr>
-              <a:t> </a:t>
-            </a:r>
-            <a:r>
-              <a:rPr lang="ru-RU" sz="2000" dirty="0" err="1">
-                <a:latin typeface="Times New Roman" panose="02020603050405020304" pitchFamily="18" charset="0"/>
-                <a:cs typeface="Times New Roman" panose="02020603050405020304" pitchFamily="18" charset="0"/>
-              </a:rPr>
-              <a:t>същевременно</a:t>
-            </a:r>
-            <a:r>
-              <a:rPr lang="ru-RU" sz="2000" dirty="0">
-                <a:latin typeface="Times New Roman" panose="02020603050405020304" pitchFamily="18" charset="0"/>
-                <a:cs typeface="Times New Roman" panose="02020603050405020304" pitchFamily="18" charset="0"/>
-              </a:rPr>
-              <a:t> </a:t>
-            </a:r>
-            <a:r>
-              <a:rPr lang="ru-RU" sz="2000" dirty="0" err="1">
-                <a:latin typeface="Times New Roman" panose="02020603050405020304" pitchFamily="18" charset="0"/>
-                <a:cs typeface="Times New Roman" panose="02020603050405020304" pitchFamily="18" charset="0"/>
-              </a:rPr>
-              <a:t>достъпа</a:t>
-            </a:r>
-            <a:r>
-              <a:rPr lang="ru-RU" sz="2000" dirty="0">
-                <a:latin typeface="Times New Roman" panose="02020603050405020304" pitchFamily="18" charset="0"/>
-                <a:cs typeface="Times New Roman" panose="02020603050405020304" pitchFamily="18" charset="0"/>
-              </a:rPr>
-              <a:t> до </a:t>
-            </a:r>
-            <a:r>
-              <a:rPr lang="ru-RU" sz="2000" dirty="0" err="1">
-                <a:latin typeface="Times New Roman" panose="02020603050405020304" pitchFamily="18" charset="0"/>
-                <a:cs typeface="Times New Roman" panose="02020603050405020304" pitchFamily="18" charset="0"/>
-              </a:rPr>
-              <a:t>тях</a:t>
-            </a:r>
-            <a:r>
-              <a:rPr lang="ru-RU" sz="2000" dirty="0">
-                <a:latin typeface="Times New Roman" panose="02020603050405020304" pitchFamily="18" charset="0"/>
-                <a:cs typeface="Times New Roman" panose="02020603050405020304" pitchFamily="18" charset="0"/>
-              </a:rPr>
-              <a:t> е много </a:t>
-            </a:r>
-            <a:r>
-              <a:rPr lang="ru-RU" sz="2000" dirty="0" err="1">
-                <a:latin typeface="Times New Roman" panose="02020603050405020304" pitchFamily="18" charset="0"/>
-                <a:cs typeface="Times New Roman" panose="02020603050405020304" pitchFamily="18" charset="0"/>
-              </a:rPr>
-              <a:t>опростен</a:t>
-            </a:r>
-            <a:r>
-              <a:rPr lang="ru-RU" sz="2000" dirty="0">
-                <a:latin typeface="Times New Roman" panose="02020603050405020304" pitchFamily="18" charset="0"/>
-                <a:cs typeface="Times New Roman" panose="02020603050405020304" pitchFamily="18" charset="0"/>
-              </a:rPr>
-              <a:t> и </a:t>
-            </a:r>
-            <a:r>
-              <a:rPr lang="ru-RU" sz="2000" dirty="0" err="1">
-                <a:latin typeface="Times New Roman" panose="02020603050405020304" pitchFamily="18" charset="0"/>
-                <a:cs typeface="Times New Roman" panose="02020603050405020304" pitchFamily="18" charset="0"/>
-              </a:rPr>
-              <a:t>лесен</a:t>
-            </a:r>
-            <a:r>
-              <a:rPr lang="ru-RU" sz="2000" dirty="0">
-                <a:latin typeface="Times New Roman" panose="02020603050405020304" pitchFamily="18" charset="0"/>
-                <a:cs typeface="Times New Roman" panose="02020603050405020304" pitchFamily="18" charset="0"/>
-              </a:rPr>
-              <a:t> за </a:t>
-            </a:r>
-            <a:r>
-              <a:rPr lang="ru-RU" sz="2000" dirty="0" err="1">
-                <a:latin typeface="Times New Roman" panose="02020603050405020304" pitchFamily="18" charset="0"/>
-                <a:cs typeface="Times New Roman" panose="02020603050405020304" pitchFamily="18" charset="0"/>
-              </a:rPr>
-              <a:t>крайният</a:t>
-            </a:r>
-            <a:r>
-              <a:rPr lang="ru-RU" sz="2000" dirty="0">
-                <a:latin typeface="Times New Roman" panose="02020603050405020304" pitchFamily="18" charset="0"/>
-                <a:cs typeface="Times New Roman" panose="02020603050405020304" pitchFamily="18" charset="0"/>
-              </a:rPr>
-              <a:t> </a:t>
-            </a:r>
-            <a:r>
-              <a:rPr lang="ru-RU" sz="2000" dirty="0" err="1">
-                <a:latin typeface="Times New Roman" panose="02020603050405020304" pitchFamily="18" charset="0"/>
-                <a:cs typeface="Times New Roman" panose="02020603050405020304" pitchFamily="18" charset="0"/>
-              </a:rPr>
-              <a:t>потребител</a:t>
-            </a:r>
-            <a:r>
-              <a:rPr lang="ru-RU" sz="2000" dirty="0">
-                <a:latin typeface="Times New Roman" panose="02020603050405020304" pitchFamily="18" charset="0"/>
-                <a:cs typeface="Times New Roman" panose="02020603050405020304" pitchFamily="18" charset="0"/>
-              </a:rPr>
-              <a:t>.</a:t>
-            </a:r>
-          </a:p>
-          <a:p>
-            <a:r>
-              <a:rPr lang="ru-RU" sz="2000" dirty="0">
-                <a:latin typeface="Times New Roman" panose="02020603050405020304" pitchFamily="18" charset="0"/>
-                <a:cs typeface="Times New Roman" panose="02020603050405020304" pitchFamily="18" charset="0"/>
-              </a:rPr>
-              <a:t>Като минус </a:t>
-            </a:r>
-            <a:r>
-              <a:rPr lang="ru-RU" sz="2000" dirty="0" err="1">
-                <a:latin typeface="Times New Roman" panose="02020603050405020304" pitchFamily="18" charset="0"/>
-                <a:cs typeface="Times New Roman" panose="02020603050405020304" pitchFamily="18" charset="0"/>
-              </a:rPr>
-              <a:t>мога</a:t>
-            </a:r>
-            <a:r>
-              <a:rPr lang="ru-RU" sz="2000" dirty="0">
-                <a:latin typeface="Times New Roman" panose="02020603050405020304" pitchFamily="18" charset="0"/>
-                <a:cs typeface="Times New Roman" panose="02020603050405020304" pitchFamily="18" charset="0"/>
-              </a:rPr>
-              <a:t> да </a:t>
-            </a:r>
-            <a:r>
-              <a:rPr lang="ru-RU" sz="2000" dirty="0" err="1">
-                <a:latin typeface="Times New Roman" panose="02020603050405020304" pitchFamily="18" charset="0"/>
-                <a:cs typeface="Times New Roman" panose="02020603050405020304" pitchFamily="18" charset="0"/>
-              </a:rPr>
-              <a:t>отбележа</a:t>
-            </a:r>
-            <a:r>
-              <a:rPr lang="ru-RU" sz="2000" dirty="0">
-                <a:latin typeface="Times New Roman" panose="02020603050405020304" pitchFamily="18" charset="0"/>
-                <a:cs typeface="Times New Roman" panose="02020603050405020304" pitchFamily="18" charset="0"/>
-              </a:rPr>
-              <a:t> дизайна на сайта ми (сравнено с </a:t>
-            </a:r>
-            <a:r>
-              <a:rPr lang="ru-RU" sz="2000" dirty="0" err="1">
-                <a:latin typeface="Times New Roman" panose="02020603050405020304" pitchFamily="18" charset="0"/>
-                <a:cs typeface="Times New Roman" panose="02020603050405020304" pitchFamily="18" charset="0"/>
-              </a:rPr>
-              <a:t>други</a:t>
-            </a:r>
-            <a:r>
-              <a:rPr lang="ru-RU" sz="2000" dirty="0">
-                <a:latin typeface="Times New Roman" panose="02020603050405020304" pitchFamily="18" charset="0"/>
-                <a:cs typeface="Times New Roman" panose="02020603050405020304" pitchFamily="18" charset="0"/>
-              </a:rPr>
-              <a:t> </a:t>
-            </a:r>
-            <a:r>
-              <a:rPr lang="ru-RU" sz="2000" dirty="0" err="1">
-                <a:latin typeface="Times New Roman" panose="02020603050405020304" pitchFamily="18" charset="0"/>
-                <a:cs typeface="Times New Roman" panose="02020603050405020304" pitchFamily="18" charset="0"/>
-              </a:rPr>
-              <a:t>конкурентни</a:t>
-            </a:r>
-            <a:r>
-              <a:rPr lang="ru-RU" sz="2000" dirty="0">
-                <a:latin typeface="Times New Roman" panose="02020603050405020304" pitchFamily="18" charset="0"/>
-                <a:cs typeface="Times New Roman" panose="02020603050405020304" pitchFamily="18" charset="0"/>
-              </a:rPr>
-              <a:t> </a:t>
-            </a:r>
-            <a:r>
-              <a:rPr lang="ru-RU" sz="2000" dirty="0" err="1">
-                <a:latin typeface="Times New Roman" panose="02020603050405020304" pitchFamily="18" charset="0"/>
-                <a:cs typeface="Times New Roman" panose="02020603050405020304" pitchFamily="18" charset="0"/>
-              </a:rPr>
-              <a:t>такива</a:t>
-            </a:r>
-            <a:r>
-              <a:rPr lang="ru-RU" sz="2000" dirty="0">
-                <a:latin typeface="Times New Roman" panose="02020603050405020304" pitchFamily="18" charset="0"/>
-                <a:cs typeface="Times New Roman" panose="02020603050405020304" pitchFamily="18" charset="0"/>
-              </a:rPr>
-              <a:t>) , понеже </a:t>
-            </a:r>
-            <a:r>
-              <a:rPr lang="ru-RU" sz="2000" dirty="0" err="1">
-                <a:latin typeface="Times New Roman" panose="02020603050405020304" pitchFamily="18" charset="0"/>
-                <a:cs typeface="Times New Roman" panose="02020603050405020304" pitchFamily="18" charset="0"/>
-              </a:rPr>
-              <a:t>това</a:t>
-            </a:r>
-            <a:r>
-              <a:rPr lang="ru-RU" sz="2000" dirty="0">
-                <a:latin typeface="Times New Roman" panose="02020603050405020304" pitchFamily="18" charset="0"/>
-                <a:cs typeface="Times New Roman" panose="02020603050405020304" pitchFamily="18" charset="0"/>
-              </a:rPr>
-              <a:t> </a:t>
-            </a:r>
-            <a:r>
-              <a:rPr lang="ru-RU" sz="2000" dirty="0" err="1">
-                <a:latin typeface="Times New Roman" panose="02020603050405020304" pitchFamily="18" charset="0"/>
-                <a:cs typeface="Times New Roman" panose="02020603050405020304" pitchFamily="18" charset="0"/>
-              </a:rPr>
-              <a:t>отнема</a:t>
-            </a:r>
-            <a:r>
-              <a:rPr lang="ru-RU" sz="2000" dirty="0">
-                <a:latin typeface="Times New Roman" panose="02020603050405020304" pitchFamily="18" charset="0"/>
-                <a:cs typeface="Times New Roman" panose="02020603050405020304" pitchFamily="18" charset="0"/>
-              </a:rPr>
-              <a:t> </a:t>
-            </a:r>
-            <a:r>
-              <a:rPr lang="ru-RU" sz="2000" dirty="0" err="1">
-                <a:latin typeface="Times New Roman" panose="02020603050405020304" pitchFamily="18" charset="0"/>
-                <a:cs typeface="Times New Roman" panose="02020603050405020304" pitchFamily="18" charset="0"/>
-              </a:rPr>
-              <a:t>изключително</a:t>
-            </a:r>
-            <a:r>
-              <a:rPr lang="ru-RU" sz="2000" dirty="0">
-                <a:latin typeface="Times New Roman" panose="02020603050405020304" pitchFamily="18" charset="0"/>
-                <a:cs typeface="Times New Roman" panose="02020603050405020304" pitchFamily="18" charset="0"/>
-              </a:rPr>
-              <a:t> много </a:t>
-            </a:r>
-            <a:r>
-              <a:rPr lang="ru-RU" sz="2000" dirty="0" err="1">
-                <a:latin typeface="Times New Roman" panose="02020603050405020304" pitchFamily="18" charset="0"/>
-                <a:cs typeface="Times New Roman" panose="02020603050405020304" pitchFamily="18" charset="0"/>
-              </a:rPr>
-              <a:t>време</a:t>
-            </a:r>
-            <a:r>
-              <a:rPr lang="ru-RU" sz="2000" dirty="0">
-                <a:latin typeface="Times New Roman" panose="02020603050405020304" pitchFamily="18" charset="0"/>
-                <a:cs typeface="Times New Roman" panose="02020603050405020304" pitchFamily="18" charset="0"/>
-              </a:rPr>
-              <a:t> , за да се </a:t>
-            </a:r>
-            <a:r>
-              <a:rPr lang="ru-RU" sz="2000" dirty="0" err="1">
-                <a:latin typeface="Times New Roman" panose="02020603050405020304" pitchFamily="18" charset="0"/>
-                <a:cs typeface="Times New Roman" panose="02020603050405020304" pitchFamily="18" charset="0"/>
-              </a:rPr>
-              <a:t>нагоди</a:t>
-            </a:r>
-            <a:r>
-              <a:rPr lang="ru-RU" sz="2000" dirty="0">
-                <a:latin typeface="Times New Roman" panose="02020603050405020304" pitchFamily="18" charset="0"/>
-                <a:cs typeface="Times New Roman" panose="02020603050405020304" pitchFamily="18" charset="0"/>
-              </a:rPr>
-              <a:t> </a:t>
-            </a:r>
-            <a:r>
-              <a:rPr lang="ru-RU" sz="2000" dirty="0" err="1">
-                <a:latin typeface="Times New Roman" panose="02020603050405020304" pitchFamily="18" charset="0"/>
-                <a:cs typeface="Times New Roman" panose="02020603050405020304" pitchFamily="18" charset="0"/>
-              </a:rPr>
-              <a:t>всичко</a:t>
-            </a:r>
-            <a:r>
-              <a:rPr lang="ru-RU" sz="2000" dirty="0">
-                <a:latin typeface="Times New Roman" panose="02020603050405020304" pitchFamily="18" charset="0"/>
-                <a:cs typeface="Times New Roman" panose="02020603050405020304" pitchFamily="18" charset="0"/>
-              </a:rPr>
-              <a:t> </a:t>
-            </a:r>
-            <a:r>
-              <a:rPr lang="ru-RU" sz="2000" dirty="0" err="1">
-                <a:latin typeface="Times New Roman" panose="02020603050405020304" pitchFamily="18" charset="0"/>
-                <a:cs typeface="Times New Roman" panose="02020603050405020304" pitchFamily="18" charset="0"/>
-              </a:rPr>
-              <a:t>както</a:t>
-            </a:r>
-            <a:r>
-              <a:rPr lang="ru-RU" sz="2000" dirty="0">
-                <a:latin typeface="Times New Roman" panose="02020603050405020304" pitchFamily="18" charset="0"/>
-                <a:cs typeface="Times New Roman" panose="02020603050405020304" pitchFamily="18" charset="0"/>
-              </a:rPr>
-              <a:t> </a:t>
-            </a:r>
-            <a:r>
-              <a:rPr lang="ru-RU" sz="2000" dirty="0" err="1">
-                <a:latin typeface="Times New Roman" panose="02020603050405020304" pitchFamily="18" charset="0"/>
-                <a:cs typeface="Times New Roman" panose="02020603050405020304" pitchFamily="18" charset="0"/>
-              </a:rPr>
-              <a:t>трябва</a:t>
-            </a:r>
-            <a:r>
-              <a:rPr lang="ru-RU" sz="2000" dirty="0">
-                <a:latin typeface="Times New Roman" panose="02020603050405020304" pitchFamily="18" charset="0"/>
-                <a:cs typeface="Times New Roman" panose="02020603050405020304" pitchFamily="18" charset="0"/>
-              </a:rPr>
-              <a:t> и </a:t>
-            </a:r>
-            <a:r>
-              <a:rPr lang="ru-RU" sz="2000" dirty="0" err="1">
-                <a:latin typeface="Times New Roman" panose="02020603050405020304" pitchFamily="18" charset="0"/>
-                <a:cs typeface="Times New Roman" panose="02020603050405020304" pitchFamily="18" charset="0"/>
-              </a:rPr>
-              <a:t>винаги</a:t>
-            </a:r>
-            <a:r>
-              <a:rPr lang="ru-RU" sz="2000" dirty="0">
-                <a:latin typeface="Times New Roman" panose="02020603050405020304" pitchFamily="18" charset="0"/>
-                <a:cs typeface="Times New Roman" panose="02020603050405020304" pitchFamily="18" charset="0"/>
-              </a:rPr>
-              <a:t> </a:t>
-            </a:r>
-            <a:r>
-              <a:rPr lang="ru-RU" sz="2000" dirty="0" err="1">
-                <a:latin typeface="Times New Roman" panose="02020603050405020304" pitchFamily="18" charset="0"/>
-                <a:cs typeface="Times New Roman" panose="02020603050405020304" pitchFamily="18" charset="0"/>
-              </a:rPr>
-              <a:t>ще</a:t>
-            </a:r>
-            <a:r>
-              <a:rPr lang="ru-RU" sz="2000" dirty="0">
-                <a:latin typeface="Times New Roman" panose="02020603050405020304" pitchFamily="18" charset="0"/>
-                <a:cs typeface="Times New Roman" panose="02020603050405020304" pitchFamily="18" charset="0"/>
-              </a:rPr>
-              <a:t> </a:t>
-            </a:r>
-            <a:r>
-              <a:rPr lang="ru-RU" sz="2000" dirty="0" err="1">
-                <a:latin typeface="Times New Roman" panose="02020603050405020304" pitchFamily="18" charset="0"/>
-                <a:cs typeface="Times New Roman" panose="02020603050405020304" pitchFamily="18" charset="0"/>
-              </a:rPr>
-              <a:t>има</a:t>
-            </a:r>
-            <a:r>
-              <a:rPr lang="ru-RU" sz="2000" dirty="0">
-                <a:latin typeface="Times New Roman" panose="02020603050405020304" pitchFamily="18" charset="0"/>
-                <a:cs typeface="Times New Roman" panose="02020603050405020304" pitchFamily="18" charset="0"/>
-              </a:rPr>
-              <a:t> </a:t>
-            </a:r>
-            <a:r>
-              <a:rPr lang="ru-RU" sz="2000" dirty="0" err="1">
-                <a:latin typeface="Times New Roman" panose="02020603050405020304" pitchFamily="18" charset="0"/>
-                <a:cs typeface="Times New Roman" panose="02020603050405020304" pitchFamily="18" charset="0"/>
-              </a:rPr>
-              <a:t>нещо</a:t>
-            </a:r>
-            <a:r>
-              <a:rPr lang="ru-RU" sz="2000" dirty="0">
-                <a:latin typeface="Times New Roman" panose="02020603050405020304" pitchFamily="18" charset="0"/>
-                <a:cs typeface="Times New Roman" panose="02020603050405020304" pitchFamily="18" charset="0"/>
-              </a:rPr>
-              <a:t> за </a:t>
-            </a:r>
-            <a:r>
-              <a:rPr lang="ru-RU" sz="2000" dirty="0" err="1">
-                <a:latin typeface="Times New Roman" panose="02020603050405020304" pitchFamily="18" charset="0"/>
-                <a:cs typeface="Times New Roman" panose="02020603050405020304" pitchFamily="18" charset="0"/>
-              </a:rPr>
-              <a:t>правене</a:t>
-            </a:r>
-            <a:r>
-              <a:rPr lang="ru-RU" sz="2000" dirty="0">
-                <a:latin typeface="Times New Roman" panose="02020603050405020304" pitchFamily="18" charset="0"/>
-                <a:cs typeface="Times New Roman" panose="02020603050405020304" pitchFamily="18" charset="0"/>
-              </a:rPr>
-              <a:t>. За </a:t>
-            </a:r>
-            <a:r>
-              <a:rPr lang="ru-RU" sz="2000" dirty="0" err="1">
-                <a:latin typeface="Times New Roman" panose="02020603050405020304" pitchFamily="18" charset="0"/>
-                <a:cs typeface="Times New Roman" panose="02020603050405020304" pitchFamily="18" charset="0"/>
-              </a:rPr>
-              <a:t>бъдещото</a:t>
-            </a:r>
-            <a:r>
-              <a:rPr lang="ru-RU" sz="2000" dirty="0">
-                <a:latin typeface="Times New Roman" panose="02020603050405020304" pitchFamily="18" charset="0"/>
-                <a:cs typeface="Times New Roman" panose="02020603050405020304" pitchFamily="18" charset="0"/>
-              </a:rPr>
-              <a:t> развитие на сайта </a:t>
-            </a:r>
-            <a:r>
-              <a:rPr lang="ru-RU" sz="2000" dirty="0" err="1">
-                <a:latin typeface="Times New Roman" panose="02020603050405020304" pitchFamily="18" charset="0"/>
-                <a:cs typeface="Times New Roman" panose="02020603050405020304" pitchFamily="18" charset="0"/>
-              </a:rPr>
-              <a:t>съм</a:t>
-            </a:r>
-            <a:r>
-              <a:rPr lang="ru-RU" sz="2000" dirty="0">
-                <a:latin typeface="Times New Roman" panose="02020603050405020304" pitchFamily="18" charset="0"/>
-                <a:cs typeface="Times New Roman" panose="02020603050405020304" pitchFamily="18" charset="0"/>
-              </a:rPr>
-              <a:t> </a:t>
-            </a:r>
-            <a:r>
-              <a:rPr lang="ru-RU" sz="2000" dirty="0" err="1">
-                <a:latin typeface="Times New Roman" panose="02020603050405020304" pitchFamily="18" charset="0"/>
-                <a:cs typeface="Times New Roman" panose="02020603050405020304" pitchFamily="18" charset="0"/>
-              </a:rPr>
-              <a:t>подготвил</a:t>
-            </a:r>
-            <a:r>
-              <a:rPr lang="ru-RU" sz="2000" dirty="0">
-                <a:latin typeface="Times New Roman" panose="02020603050405020304" pitchFamily="18" charset="0"/>
-                <a:cs typeface="Times New Roman" panose="02020603050405020304" pitchFamily="18" charset="0"/>
-              </a:rPr>
-              <a:t> </a:t>
-            </a:r>
-            <a:r>
-              <a:rPr lang="ru-RU" sz="2000" dirty="0" err="1">
-                <a:latin typeface="Times New Roman" panose="02020603050405020304" pitchFamily="18" charset="0"/>
-                <a:cs typeface="Times New Roman" panose="02020603050405020304" pitchFamily="18" charset="0"/>
-              </a:rPr>
-              <a:t>страхотен</a:t>
-            </a:r>
-            <a:r>
-              <a:rPr lang="ru-RU" sz="2000" dirty="0">
-                <a:latin typeface="Times New Roman" panose="02020603050405020304" pitchFamily="18" charset="0"/>
-                <a:cs typeface="Times New Roman" panose="02020603050405020304" pitchFamily="18" charset="0"/>
-              </a:rPr>
-              <a:t> набор от функции и </a:t>
-            </a:r>
-            <a:r>
-              <a:rPr lang="ru-RU" sz="2000" dirty="0" err="1">
-                <a:latin typeface="Times New Roman" panose="02020603050405020304" pitchFamily="18" charset="0"/>
-                <a:cs typeface="Times New Roman" panose="02020603050405020304" pitchFamily="18" charset="0"/>
-              </a:rPr>
-              <a:t>оправяне</a:t>
-            </a:r>
-            <a:r>
-              <a:rPr lang="ru-RU" sz="2000" dirty="0">
-                <a:latin typeface="Times New Roman" panose="02020603050405020304" pitchFamily="18" charset="0"/>
-                <a:cs typeface="Times New Roman" panose="02020603050405020304" pitchFamily="18" charset="0"/>
-              </a:rPr>
-              <a:t> на дизайна , за да </a:t>
-            </a:r>
-            <a:r>
-              <a:rPr lang="ru-RU" sz="2000" dirty="0" err="1">
-                <a:latin typeface="Times New Roman" panose="02020603050405020304" pitchFamily="18" charset="0"/>
-                <a:cs typeface="Times New Roman" panose="02020603050405020304" pitchFamily="18" charset="0"/>
-              </a:rPr>
-              <a:t>може</a:t>
-            </a:r>
-            <a:r>
-              <a:rPr lang="ru-RU" sz="2000" dirty="0">
-                <a:latin typeface="Times New Roman" panose="02020603050405020304" pitchFamily="18" charset="0"/>
-                <a:cs typeface="Times New Roman" panose="02020603050405020304" pitchFamily="18" charset="0"/>
-              </a:rPr>
-              <a:t> да стане </a:t>
-            </a:r>
-            <a:r>
-              <a:rPr lang="ru-RU" sz="2000" dirty="0" err="1">
-                <a:latin typeface="Times New Roman" panose="02020603050405020304" pitchFamily="18" charset="0"/>
-                <a:cs typeface="Times New Roman" panose="02020603050405020304" pitchFamily="18" charset="0"/>
-              </a:rPr>
-              <a:t>подобаващ</a:t>
-            </a:r>
-            <a:r>
-              <a:rPr lang="ru-RU" sz="2000" dirty="0">
-                <a:latin typeface="Times New Roman" panose="02020603050405020304" pitchFamily="18" charset="0"/>
-                <a:cs typeface="Times New Roman" panose="02020603050405020304" pitchFamily="18" charset="0"/>
-              </a:rPr>
-              <a:t> и да </a:t>
-            </a:r>
-            <a:r>
-              <a:rPr lang="ru-RU" sz="2000" dirty="0" err="1">
-                <a:latin typeface="Times New Roman" panose="02020603050405020304" pitchFamily="18" charset="0"/>
-                <a:cs typeface="Times New Roman" panose="02020603050405020304" pitchFamily="18" charset="0"/>
-              </a:rPr>
-              <a:t>грабне</a:t>
-            </a:r>
-            <a:r>
-              <a:rPr lang="ru-RU" sz="2000" dirty="0">
-                <a:latin typeface="Times New Roman" panose="02020603050405020304" pitchFamily="18" charset="0"/>
-                <a:cs typeface="Times New Roman" panose="02020603050405020304" pitchFamily="18" charset="0"/>
-              </a:rPr>
-              <a:t> </a:t>
-            </a:r>
-            <a:r>
-              <a:rPr lang="ru-RU" sz="2000" dirty="0" err="1">
-                <a:latin typeface="Times New Roman" panose="02020603050405020304" pitchFamily="18" charset="0"/>
-                <a:cs typeface="Times New Roman" panose="02020603050405020304" pitchFamily="18" charset="0"/>
-              </a:rPr>
-              <a:t>очите</a:t>
-            </a:r>
-            <a:r>
-              <a:rPr lang="ru-RU" sz="2000" dirty="0">
-                <a:latin typeface="Times New Roman" panose="02020603050405020304" pitchFamily="18" charset="0"/>
-                <a:cs typeface="Times New Roman" panose="02020603050405020304" pitchFamily="18" charset="0"/>
-              </a:rPr>
-              <a:t> на потребителя , </a:t>
-            </a:r>
-            <a:r>
-              <a:rPr lang="ru-RU" sz="2000" dirty="0" err="1">
-                <a:latin typeface="Times New Roman" panose="02020603050405020304" pitchFamily="18" charset="0"/>
-                <a:cs typeface="Times New Roman" panose="02020603050405020304" pitchFamily="18" charset="0"/>
-              </a:rPr>
-              <a:t>още</a:t>
-            </a:r>
-            <a:r>
-              <a:rPr lang="ru-RU" sz="2000" dirty="0">
-                <a:latin typeface="Times New Roman" panose="02020603050405020304" pitchFamily="18" charset="0"/>
-                <a:cs typeface="Times New Roman" panose="02020603050405020304" pitchFamily="18" charset="0"/>
-              </a:rPr>
-              <a:t> от </a:t>
-            </a:r>
-            <a:r>
-              <a:rPr lang="ru-RU" sz="2000" dirty="0" err="1">
-                <a:latin typeface="Times New Roman" panose="02020603050405020304" pitchFamily="18" charset="0"/>
-                <a:cs typeface="Times New Roman" panose="02020603050405020304" pitchFamily="18" charset="0"/>
-              </a:rPr>
-              <a:t>отварянето</a:t>
-            </a:r>
-            <a:r>
-              <a:rPr lang="ru-RU" sz="2000" dirty="0">
-                <a:latin typeface="Times New Roman" panose="02020603050405020304" pitchFamily="18" charset="0"/>
-                <a:cs typeface="Times New Roman" panose="02020603050405020304" pitchFamily="18" charset="0"/>
-              </a:rPr>
-              <a:t> </a:t>
-            </a:r>
-            <a:r>
-              <a:rPr lang="ru-RU" sz="2000" dirty="0" err="1">
-                <a:latin typeface="Times New Roman" panose="02020603050405020304" pitchFamily="18" charset="0"/>
-                <a:cs typeface="Times New Roman" panose="02020603050405020304" pitchFamily="18" charset="0"/>
-              </a:rPr>
-              <a:t>му</a:t>
-            </a:r>
-            <a:r>
-              <a:rPr lang="ru-RU" sz="2000" dirty="0">
-                <a:latin typeface="Times New Roman" panose="02020603050405020304" pitchFamily="18" charset="0"/>
-                <a:cs typeface="Times New Roman" panose="02020603050405020304" pitchFamily="18" charset="0"/>
-              </a:rPr>
-              <a:t>. </a:t>
-            </a:r>
-          </a:p>
-          <a:p>
-            <a:endParaRPr lang="bg-BG" sz="2000" dirty="0">
-              <a:latin typeface="Times New Roman" panose="02020603050405020304" pitchFamily="18" charset="0"/>
-              <a:cs typeface="Times New Roman" panose="02020603050405020304" pitchFamily="18" charset="0"/>
-            </a:endParaRPr>
-          </a:p>
-        </p:txBody>
-      </p:sp>
-    </p:spTree>
-    <p:extLst>
-      <p:ext uri="{BB962C8B-B14F-4D97-AF65-F5344CB8AC3E}">
-        <p14:creationId xmlns:p14="http://schemas.microsoft.com/office/powerpoint/2010/main" val="2776680537"/>
-      </p:ext>
-    </p:extLst>
-  </p:cSld>
-  <p:clrMapOvr>
-    <a:masterClrMapping/>
-  </p:clrMapOvr>
-  <p:timing>
-    <p:tnLst>
-      <p:par>
-        <p:cTn id="1" dur="indefinite" restart="never" nodeType="tmRoot">
-          <p:childTnLst>
-            <p:seq concurrent="1" nextAc="seek">
-              <p:cTn id="2" dur="indefinite" nodeType="mainSeq">
-                <p:childTnLst>
-                  <p:par>
-                    <p:cTn id="3" fill="hold">
-                      <p:stCondLst>
-                        <p:cond delay="indefinite"/>
-                      </p:stCondLst>
-                      <p:childTnLst>
-                        <p:par>
-                          <p:cTn id="4" fill="hold">
-                            <p:stCondLst>
-                              <p:cond delay="0"/>
-                            </p:stCondLst>
-                            <p:childTnLst>
-                              <p:par>
-                                <p:cTn id="5" presetID="31" presetClass="entr" presetSubtype="0" fill="hold" grpId="0" nodeType="clickEffect">
-                                  <p:stCondLst>
-                                    <p:cond delay="0"/>
-                                  </p:stCondLst>
-                                  <p:childTnLst>
-                                    <p:set>
-                                      <p:cBhvr>
-                                        <p:cTn id="6" dur="1" fill="hold">
-                                          <p:stCondLst>
-                                            <p:cond delay="0"/>
-                                          </p:stCondLst>
-                                        </p:cTn>
-                                        <p:tgtEl>
-                                          <p:spTgt spid="2"/>
-                                        </p:tgtEl>
-                                        <p:attrNameLst>
-                                          <p:attrName>style.visibility</p:attrName>
-                                        </p:attrNameLst>
-                                      </p:cBhvr>
-                                      <p:to>
-                                        <p:strVal val="visible"/>
-                                      </p:to>
-                                    </p:set>
-                                    <p:anim calcmode="lin" valueType="num">
-                                      <p:cBhvr>
-                                        <p:cTn id="7" dur="1000" fill="hold"/>
-                                        <p:tgtEl>
-                                          <p:spTgt spid="2"/>
-                                        </p:tgtEl>
-                                        <p:attrNameLst>
-                                          <p:attrName>ppt_w</p:attrName>
-                                        </p:attrNameLst>
-                                      </p:cBhvr>
-                                      <p:tavLst>
-                                        <p:tav tm="0">
-                                          <p:val>
-                                            <p:fltVal val="0"/>
-                                          </p:val>
-                                        </p:tav>
-                                        <p:tav tm="100000">
-                                          <p:val>
-                                            <p:strVal val="#ppt_w"/>
-                                          </p:val>
-                                        </p:tav>
-                                      </p:tavLst>
-                                    </p:anim>
-                                    <p:anim calcmode="lin" valueType="num">
-                                      <p:cBhvr>
-                                        <p:cTn id="8" dur="1000" fill="hold"/>
-                                        <p:tgtEl>
-                                          <p:spTgt spid="2"/>
-                                        </p:tgtEl>
-                                        <p:attrNameLst>
-                                          <p:attrName>ppt_h</p:attrName>
-                                        </p:attrNameLst>
-                                      </p:cBhvr>
-                                      <p:tavLst>
-                                        <p:tav tm="0">
-                                          <p:val>
-                                            <p:fltVal val="0"/>
-                                          </p:val>
-                                        </p:tav>
-                                        <p:tav tm="100000">
-                                          <p:val>
-                                            <p:strVal val="#ppt_h"/>
-                                          </p:val>
-                                        </p:tav>
-                                      </p:tavLst>
-                                    </p:anim>
-                                    <p:anim calcmode="lin" valueType="num">
-                                      <p:cBhvr>
-                                        <p:cTn id="9" dur="1000" fill="hold"/>
-                                        <p:tgtEl>
-                                          <p:spTgt spid="2"/>
-                                        </p:tgtEl>
-                                        <p:attrNameLst>
-                                          <p:attrName>style.rotation</p:attrName>
-                                        </p:attrNameLst>
-                                      </p:cBhvr>
-                                      <p:tavLst>
-                                        <p:tav tm="0">
-                                          <p:val>
-                                            <p:fltVal val="90"/>
-                                          </p:val>
-                                        </p:tav>
-                                        <p:tav tm="100000">
-                                          <p:val>
-                                            <p:fltVal val="0"/>
-                                          </p:val>
-                                        </p:tav>
-                                      </p:tavLst>
-                                    </p:anim>
-                                    <p:animEffect transition="in" filter="fade">
-                                      <p:cBhvr>
-                                        <p:cTn id="10" dur="1000"/>
-                                        <p:tgtEl>
-                                          <p:spTgt spid="2"/>
-                                        </p:tgtEl>
-                                      </p:cBhvr>
-                                    </p:animEffect>
-                                  </p:childTnLst>
-                                </p:cTn>
-                              </p:par>
-                            </p:childTnLst>
-                          </p:cTn>
-                        </p:par>
-                      </p:childTnLst>
-                    </p:cTn>
-                  </p:par>
-                  <p:par>
-                    <p:cTn id="11" fill="hold">
-                      <p:stCondLst>
-                        <p:cond delay="indefinite"/>
-                      </p:stCondLst>
-                      <p:childTnLst>
-                        <p:par>
-                          <p:cTn id="12" fill="hold">
-                            <p:stCondLst>
-                              <p:cond delay="0"/>
-                            </p:stCondLst>
-                            <p:childTnLst>
-                              <p:par>
-                                <p:cTn id="13" presetID="53" presetClass="entr" presetSubtype="16" fill="hold" grpId="0" nodeType="clickEffect">
-                                  <p:stCondLst>
-                                    <p:cond delay="0"/>
-                                  </p:stCondLst>
-                                  <p:childTnLst>
-                                    <p:set>
-                                      <p:cBhvr>
-                                        <p:cTn id="14" dur="1" fill="hold">
-                                          <p:stCondLst>
-                                            <p:cond delay="0"/>
-                                          </p:stCondLst>
-                                        </p:cTn>
-                                        <p:tgtEl>
-                                          <p:spTgt spid="3">
-                                            <p:txEl>
-                                              <p:pRg st="0" end="0"/>
-                                            </p:txEl>
-                                          </p:spTgt>
-                                        </p:tgtEl>
-                                        <p:attrNameLst>
-                                          <p:attrName>style.visibility</p:attrName>
-                                        </p:attrNameLst>
-                                      </p:cBhvr>
-                                      <p:to>
-                                        <p:strVal val="visible"/>
-                                      </p:to>
-                                    </p:set>
-                                    <p:anim calcmode="lin" valueType="num">
-                                      <p:cBhvr>
-                                        <p:cTn id="15" dur="500" fill="hold"/>
-                                        <p:tgtEl>
-                                          <p:spTgt spid="3">
-                                            <p:txEl>
-                                              <p:pRg st="0" end="0"/>
-                                            </p:txEl>
-                                          </p:spTgt>
-                                        </p:tgtEl>
-                                        <p:attrNameLst>
-                                          <p:attrName>ppt_w</p:attrName>
-                                        </p:attrNameLst>
-                                      </p:cBhvr>
-                                      <p:tavLst>
-                                        <p:tav tm="0">
-                                          <p:val>
-                                            <p:fltVal val="0"/>
-                                          </p:val>
-                                        </p:tav>
-                                        <p:tav tm="100000">
-                                          <p:val>
-                                            <p:strVal val="#ppt_w"/>
-                                          </p:val>
-                                        </p:tav>
-                                      </p:tavLst>
-                                    </p:anim>
-                                    <p:anim calcmode="lin" valueType="num">
-                                      <p:cBhvr>
-                                        <p:cTn id="16" dur="500" fill="hold"/>
-                                        <p:tgtEl>
-                                          <p:spTgt spid="3">
-                                            <p:txEl>
-                                              <p:pRg st="0" end="0"/>
-                                            </p:txEl>
-                                          </p:spTgt>
-                                        </p:tgtEl>
-                                        <p:attrNameLst>
-                                          <p:attrName>ppt_h</p:attrName>
-                                        </p:attrNameLst>
-                                      </p:cBhvr>
-                                      <p:tavLst>
-                                        <p:tav tm="0">
-                                          <p:val>
-                                            <p:fltVal val="0"/>
-                                          </p:val>
-                                        </p:tav>
-                                        <p:tav tm="100000">
-                                          <p:val>
-                                            <p:strVal val="#ppt_h"/>
-                                          </p:val>
-                                        </p:tav>
-                                      </p:tavLst>
-                                    </p:anim>
-                                    <p:animEffect transition="in" filter="fade">
-                                      <p:cBhvr>
-                                        <p:cTn id="17" dur="500"/>
-                                        <p:tgtEl>
-                                          <p:spTgt spid="3">
-                                            <p:txEl>
-                                              <p:pRg st="0" end="0"/>
-                                            </p:txEl>
-                                          </p:spTgt>
-                                        </p:tgtEl>
-                                      </p:cBhvr>
-                                    </p:animEffect>
-                                  </p:childTnLst>
-                                </p:cTn>
-                              </p:par>
-                            </p:childTnLst>
-                          </p:cTn>
-                        </p:par>
-                      </p:childTnLst>
-                    </p:cTn>
-                  </p:par>
-                  <p:par>
-                    <p:cTn id="18" fill="hold">
-                      <p:stCondLst>
-                        <p:cond delay="indefinite"/>
-                      </p:stCondLst>
-                      <p:childTnLst>
-                        <p:par>
-                          <p:cTn id="19" fill="hold">
-                            <p:stCondLst>
-                              <p:cond delay="0"/>
-                            </p:stCondLst>
-                            <p:childTnLst>
-                              <p:par>
-                                <p:cTn id="20" presetID="53" presetClass="entr" presetSubtype="16" fill="hold" grpId="0" nodeType="clickEffect">
-                                  <p:stCondLst>
-                                    <p:cond delay="0"/>
-                                  </p:stCondLst>
-                                  <p:childTnLst>
-                                    <p:set>
-                                      <p:cBhvr>
-                                        <p:cTn id="21" dur="1" fill="hold">
-                                          <p:stCondLst>
-                                            <p:cond delay="0"/>
-                                          </p:stCondLst>
-                                        </p:cTn>
-                                        <p:tgtEl>
-                                          <p:spTgt spid="3">
-                                            <p:txEl>
-                                              <p:pRg st="1" end="1"/>
-                                            </p:txEl>
-                                          </p:spTgt>
-                                        </p:tgtEl>
-                                        <p:attrNameLst>
-                                          <p:attrName>style.visibility</p:attrName>
-                                        </p:attrNameLst>
-                                      </p:cBhvr>
-                                      <p:to>
-                                        <p:strVal val="visible"/>
-                                      </p:to>
-                                    </p:set>
-                                    <p:anim calcmode="lin" valueType="num">
-                                      <p:cBhvr>
-                                        <p:cTn id="22" dur="500" fill="hold"/>
-                                        <p:tgtEl>
-                                          <p:spTgt spid="3">
-                                            <p:txEl>
-                                              <p:pRg st="1" end="1"/>
-                                            </p:txEl>
-                                          </p:spTgt>
-                                        </p:tgtEl>
-                                        <p:attrNameLst>
-                                          <p:attrName>ppt_w</p:attrName>
-                                        </p:attrNameLst>
-                                      </p:cBhvr>
-                                      <p:tavLst>
-                                        <p:tav tm="0">
-                                          <p:val>
-                                            <p:fltVal val="0"/>
-                                          </p:val>
-                                        </p:tav>
-                                        <p:tav tm="100000">
-                                          <p:val>
-                                            <p:strVal val="#ppt_w"/>
-                                          </p:val>
-                                        </p:tav>
-                                      </p:tavLst>
-                                    </p:anim>
-                                    <p:anim calcmode="lin" valueType="num">
-                                      <p:cBhvr>
-                                        <p:cTn id="23" dur="500" fill="hold"/>
-                                        <p:tgtEl>
-                                          <p:spTgt spid="3">
-                                            <p:txEl>
-                                              <p:pRg st="1" end="1"/>
-                                            </p:txEl>
-                                          </p:spTgt>
-                                        </p:tgtEl>
-                                        <p:attrNameLst>
-                                          <p:attrName>ppt_h</p:attrName>
-                                        </p:attrNameLst>
-                                      </p:cBhvr>
-                                      <p:tavLst>
-                                        <p:tav tm="0">
-                                          <p:val>
-                                            <p:fltVal val="0"/>
-                                          </p:val>
-                                        </p:tav>
-                                        <p:tav tm="100000">
-                                          <p:val>
-                                            <p:strVal val="#ppt_h"/>
-                                          </p:val>
-                                        </p:tav>
-                                      </p:tavLst>
-                                    </p:anim>
-                                    <p:animEffect transition="in" filter="fade">
-                                      <p:cBhvr>
-                                        <p:cTn id="24" dur="500"/>
-                                        <p:tgtEl>
-                                          <p:spTgt spid="3">
-                                            <p:txEl>
-                                              <p:pRg st="1" end="1"/>
-                                            </p:txEl>
-                                          </p:spTgt>
-                                        </p:tgtEl>
-                                      </p:cBhvr>
-                                    </p:animEffect>
-                                  </p:childTnLst>
-                                </p:cTn>
-                              </p:par>
-                            </p:childTnLst>
-                          </p:cTn>
-                        </p:par>
-                      </p:childTnLst>
-                    </p:cTn>
-                  </p:par>
-                  <p:par>
-                    <p:cTn id="25" fill="hold">
-                      <p:stCondLst>
-                        <p:cond delay="indefinite"/>
-                      </p:stCondLst>
-                      <p:childTnLst>
-                        <p:par>
-                          <p:cTn id="26" fill="hold">
-                            <p:stCondLst>
-                              <p:cond delay="0"/>
-                            </p:stCondLst>
-                            <p:childTnLst>
-                              <p:par>
-                                <p:cTn id="27" presetID="53" presetClass="entr" presetSubtype="16" fill="hold" grpId="0" nodeType="clickEffect">
-                                  <p:stCondLst>
-                                    <p:cond delay="0"/>
-                                  </p:stCondLst>
-                                  <p:childTnLst>
-                                    <p:set>
-                                      <p:cBhvr>
-                                        <p:cTn id="28" dur="1" fill="hold">
-                                          <p:stCondLst>
-                                            <p:cond delay="0"/>
-                                          </p:stCondLst>
-                                        </p:cTn>
-                                        <p:tgtEl>
-                                          <p:spTgt spid="3">
-                                            <p:txEl>
-                                              <p:pRg st="2" end="2"/>
-                                            </p:txEl>
-                                          </p:spTgt>
-                                        </p:tgtEl>
-                                        <p:attrNameLst>
-                                          <p:attrName>style.visibility</p:attrName>
-                                        </p:attrNameLst>
-                                      </p:cBhvr>
-                                      <p:to>
-                                        <p:strVal val="visible"/>
-                                      </p:to>
-                                    </p:set>
-                                    <p:anim calcmode="lin" valueType="num">
-                                      <p:cBhvr>
-                                        <p:cTn id="29" dur="500" fill="hold"/>
-                                        <p:tgtEl>
-                                          <p:spTgt spid="3">
-                                            <p:txEl>
-                                              <p:pRg st="2" end="2"/>
-                                            </p:txEl>
-                                          </p:spTgt>
-                                        </p:tgtEl>
-                                        <p:attrNameLst>
-                                          <p:attrName>ppt_w</p:attrName>
-                                        </p:attrNameLst>
-                                      </p:cBhvr>
-                                      <p:tavLst>
-                                        <p:tav tm="0">
-                                          <p:val>
-                                            <p:fltVal val="0"/>
-                                          </p:val>
-                                        </p:tav>
-                                        <p:tav tm="100000">
-                                          <p:val>
-                                            <p:strVal val="#ppt_w"/>
-                                          </p:val>
-                                        </p:tav>
-                                      </p:tavLst>
-                                    </p:anim>
-                                    <p:anim calcmode="lin" valueType="num">
-                                      <p:cBhvr>
-                                        <p:cTn id="30" dur="500" fill="hold"/>
-                                        <p:tgtEl>
-                                          <p:spTgt spid="3">
-                                            <p:txEl>
-                                              <p:pRg st="2" end="2"/>
-                                            </p:txEl>
-                                          </p:spTgt>
-                                        </p:tgtEl>
-                                        <p:attrNameLst>
-                                          <p:attrName>ppt_h</p:attrName>
-                                        </p:attrNameLst>
-                                      </p:cBhvr>
-                                      <p:tavLst>
-                                        <p:tav tm="0">
-                                          <p:val>
-                                            <p:fltVal val="0"/>
-                                          </p:val>
-                                        </p:tav>
-                                        <p:tav tm="100000">
-                                          <p:val>
-                                            <p:strVal val="#ppt_h"/>
-                                          </p:val>
-                                        </p:tav>
-                                      </p:tavLst>
-                                    </p:anim>
-                                    <p:animEffect transition="in" filter="fade">
-                                      <p:cBhvr>
-                                        <p:cTn id="31" dur="500"/>
-                                        <p:tgtEl>
-                                          <p:spTgt spid="3">
-                                            <p:txEl>
-                                              <p:pRg st="2" end="2"/>
                                             </p:txEl>
                                           </p:spTgt>
                                         </p:tgtEl>
@@ -10176,6 +8865,1679 @@
           <p:cNvPr id="2" name="Заглавие 1">
             <a:extLst>
               <a:ext uri="{FF2B5EF4-FFF2-40B4-BE49-F238E27FC236}">
+                <a16:creationId xmlns:a16="http://schemas.microsoft.com/office/drawing/2014/main" id="{CAF221DE-494C-71FF-39EA-1C1B86871B9B}"/>
+              </a:ext>
+            </a:extLst>
+          </p:cNvPr>
+          <p:cNvSpPr>
+            <a:spLocks noGrp="1"/>
+          </p:cNvSpPr>
+          <p:nvPr>
+            <p:ph type="title"/>
+          </p:nvPr>
+        </p:nvSpPr>
+        <p:spPr>
+          <a:xfrm>
+            <a:off x="667809" y="267363"/>
+            <a:ext cx="8596668" cy="1320800"/>
+          </a:xfrm>
+        </p:spPr>
+        <p:txBody>
+          <a:bodyPr/>
+          <a:lstStyle/>
+          <a:p>
+            <a:pPr algn="ctr"/>
+            <a:r>
+              <a:rPr lang="bg-BG" dirty="0">
+                <a:latin typeface="Times New Roman" panose="02020603050405020304" pitchFamily="18" charset="0"/>
+                <a:cs typeface="Times New Roman" panose="02020603050405020304" pitchFamily="18" charset="0"/>
+              </a:rPr>
+              <a:t>Заключение</a:t>
+            </a:r>
+          </a:p>
+        </p:txBody>
+      </p:sp>
+      <p:sp>
+        <p:nvSpPr>
+          <p:cNvPr id="3" name="Контейнер за съдържание 2">
+            <a:extLst>
+              <a:ext uri="{FF2B5EF4-FFF2-40B4-BE49-F238E27FC236}">
+                <a16:creationId xmlns:a16="http://schemas.microsoft.com/office/drawing/2014/main" id="{4EC38D80-C900-9D5C-F47B-9A21563EC579}"/>
+              </a:ext>
+            </a:extLst>
+          </p:cNvPr>
+          <p:cNvSpPr>
+            <a:spLocks noGrp="1"/>
+          </p:cNvSpPr>
+          <p:nvPr>
+            <p:ph idx="1"/>
+          </p:nvPr>
+        </p:nvSpPr>
+        <p:spPr>
+          <a:xfrm>
+            <a:off x="543984" y="1160464"/>
+            <a:ext cx="8596668" cy="5573711"/>
+          </a:xfrm>
+        </p:spPr>
+        <p:txBody>
+          <a:bodyPr>
+            <a:normAutofit/>
+          </a:bodyPr>
+          <a:lstStyle/>
+          <a:p>
+            <a:r>
+              <a:rPr lang="ru-RU" sz="2000" dirty="0">
+                <a:latin typeface="Times New Roman" panose="02020603050405020304" pitchFamily="18" charset="0"/>
+                <a:cs typeface="Times New Roman" panose="02020603050405020304" pitchFamily="18" charset="0"/>
+              </a:rPr>
+              <a:t>С </a:t>
+            </a:r>
+            <a:r>
+              <a:rPr lang="ru-RU" sz="2000" dirty="0" err="1">
+                <a:latin typeface="Times New Roman" panose="02020603050405020304" pitchFamily="18" charset="0"/>
+                <a:cs typeface="Times New Roman" panose="02020603050405020304" pitchFamily="18" charset="0"/>
+              </a:rPr>
+              <a:t>известни</a:t>
+            </a:r>
+            <a:r>
+              <a:rPr lang="ru-RU" sz="2000" dirty="0">
+                <a:latin typeface="Times New Roman" panose="02020603050405020304" pitchFamily="18" charset="0"/>
+                <a:cs typeface="Times New Roman" panose="02020603050405020304" pitchFamily="18" charset="0"/>
+              </a:rPr>
+              <a:t> затруднения </a:t>
+            </a:r>
+            <a:r>
+              <a:rPr lang="ru-RU" sz="2000" dirty="0" err="1">
+                <a:latin typeface="Times New Roman" panose="02020603050405020304" pitchFamily="18" charset="0"/>
+                <a:cs typeface="Times New Roman" panose="02020603050405020304" pitchFamily="18" charset="0"/>
+              </a:rPr>
+              <a:t>направих</a:t>
+            </a:r>
+            <a:r>
+              <a:rPr lang="ru-RU" sz="2000" dirty="0">
+                <a:latin typeface="Times New Roman" panose="02020603050405020304" pitchFamily="18" charset="0"/>
+                <a:cs typeface="Times New Roman" panose="02020603050405020304" pitchFamily="18" charset="0"/>
+              </a:rPr>
+              <a:t> </a:t>
+            </a:r>
+            <a:r>
+              <a:rPr lang="ru-RU" sz="2000" dirty="0" err="1">
+                <a:latin typeface="Times New Roman" panose="02020603050405020304" pitchFamily="18" charset="0"/>
+                <a:cs typeface="Times New Roman" panose="02020603050405020304" pitchFamily="18" charset="0"/>
+              </a:rPr>
+              <a:t>този</a:t>
+            </a:r>
+            <a:r>
+              <a:rPr lang="ru-RU" sz="2000" dirty="0">
+                <a:latin typeface="Times New Roman" panose="02020603050405020304" pitchFamily="18" charset="0"/>
+                <a:cs typeface="Times New Roman" panose="02020603050405020304" pitchFamily="18" charset="0"/>
+              </a:rPr>
+              <a:t> проект , но смея да </a:t>
+            </a:r>
+            <a:r>
+              <a:rPr lang="ru-RU" sz="2000" dirty="0" err="1">
+                <a:latin typeface="Times New Roman" panose="02020603050405020304" pitchFamily="18" charset="0"/>
+                <a:cs typeface="Times New Roman" panose="02020603050405020304" pitchFamily="18" charset="0"/>
+              </a:rPr>
+              <a:t>твърдя</a:t>
+            </a:r>
+            <a:r>
+              <a:rPr lang="ru-RU" sz="2000" dirty="0">
+                <a:latin typeface="Times New Roman" panose="02020603050405020304" pitchFamily="18" charset="0"/>
+                <a:cs typeface="Times New Roman" panose="02020603050405020304" pitchFamily="18" charset="0"/>
+              </a:rPr>
+              <a:t> , че </a:t>
+            </a:r>
+            <a:r>
+              <a:rPr lang="ru-RU" sz="2000" dirty="0" err="1">
+                <a:latin typeface="Times New Roman" panose="02020603050405020304" pitchFamily="18" charset="0"/>
+                <a:cs typeface="Times New Roman" panose="02020603050405020304" pitchFamily="18" charset="0"/>
+              </a:rPr>
+              <a:t>докато</a:t>
+            </a:r>
+            <a:r>
+              <a:rPr lang="ru-RU" sz="2000" dirty="0">
+                <a:latin typeface="Times New Roman" panose="02020603050405020304" pitchFamily="18" charset="0"/>
+                <a:cs typeface="Times New Roman" panose="02020603050405020304" pitchFamily="18" charset="0"/>
+              </a:rPr>
+              <a:t> го правя </a:t>
+            </a:r>
+            <a:r>
+              <a:rPr lang="ru-RU" sz="2000" dirty="0" err="1">
+                <a:latin typeface="Times New Roman" panose="02020603050405020304" pitchFamily="18" charset="0"/>
+                <a:cs typeface="Times New Roman" panose="02020603050405020304" pitchFamily="18" charset="0"/>
+              </a:rPr>
+              <a:t>научих</a:t>
+            </a:r>
+            <a:r>
+              <a:rPr lang="ru-RU" sz="2000" dirty="0">
+                <a:latin typeface="Times New Roman" panose="02020603050405020304" pitchFamily="18" charset="0"/>
+                <a:cs typeface="Times New Roman" panose="02020603050405020304" pitchFamily="18" charset="0"/>
+              </a:rPr>
+              <a:t> </a:t>
+            </a:r>
+            <a:r>
+              <a:rPr lang="ru-RU" sz="2000" dirty="0" err="1">
+                <a:latin typeface="Times New Roman" panose="02020603050405020304" pitchFamily="18" charset="0"/>
+                <a:cs typeface="Times New Roman" panose="02020603050405020304" pitchFamily="18" charset="0"/>
+              </a:rPr>
+              <a:t>доста</a:t>
+            </a:r>
+            <a:r>
+              <a:rPr lang="ru-RU" sz="2000" dirty="0">
+                <a:latin typeface="Times New Roman" panose="02020603050405020304" pitchFamily="18" charset="0"/>
+                <a:cs typeface="Times New Roman" panose="02020603050405020304" pitchFamily="18" charset="0"/>
+              </a:rPr>
+              <a:t> </a:t>
+            </a:r>
+            <a:r>
+              <a:rPr lang="ru-RU" sz="2000" dirty="0" err="1">
+                <a:latin typeface="Times New Roman" panose="02020603050405020304" pitchFamily="18" charset="0"/>
+                <a:cs typeface="Times New Roman" panose="02020603050405020304" pitchFamily="18" charset="0"/>
+              </a:rPr>
+              <a:t>неща</a:t>
+            </a:r>
+            <a:r>
+              <a:rPr lang="ru-RU" sz="2000" dirty="0">
+                <a:latin typeface="Times New Roman" panose="02020603050405020304" pitchFamily="18" charset="0"/>
+                <a:cs typeface="Times New Roman" panose="02020603050405020304" pitchFamily="18" charset="0"/>
+              </a:rPr>
+              <a:t> и се </a:t>
+            </a:r>
+            <a:r>
+              <a:rPr lang="ru-RU" sz="2000" dirty="0" err="1">
+                <a:latin typeface="Times New Roman" panose="02020603050405020304" pitchFamily="18" charset="0"/>
+                <a:cs typeface="Times New Roman" panose="02020603050405020304" pitchFamily="18" charset="0"/>
+              </a:rPr>
+              <a:t>обогатих</a:t>
+            </a:r>
+            <a:r>
+              <a:rPr lang="ru-RU" sz="2000" dirty="0">
+                <a:latin typeface="Times New Roman" panose="02020603050405020304" pitchFamily="18" charset="0"/>
+                <a:cs typeface="Times New Roman" panose="02020603050405020304" pitchFamily="18" charset="0"/>
+              </a:rPr>
+              <a:t> с </a:t>
+            </a:r>
+            <a:r>
+              <a:rPr lang="ru-RU" sz="2000" dirty="0" err="1">
+                <a:latin typeface="Times New Roman" panose="02020603050405020304" pitchFamily="18" charset="0"/>
+                <a:cs typeface="Times New Roman" panose="02020603050405020304" pitchFamily="18" charset="0"/>
+              </a:rPr>
+              <a:t>доста</a:t>
+            </a:r>
+            <a:r>
+              <a:rPr lang="ru-RU" sz="2000" dirty="0">
+                <a:latin typeface="Times New Roman" panose="02020603050405020304" pitchFamily="18" charset="0"/>
+                <a:cs typeface="Times New Roman" panose="02020603050405020304" pitchFamily="18" charset="0"/>
+              </a:rPr>
+              <a:t> нова и полезна информация. В </a:t>
+            </a:r>
+            <a:r>
+              <a:rPr lang="ru-RU" sz="2000" dirty="0" err="1">
+                <a:latin typeface="Times New Roman" panose="02020603050405020304" pitchFamily="18" charset="0"/>
+                <a:cs typeface="Times New Roman" panose="02020603050405020304" pitchFamily="18" charset="0"/>
+              </a:rPr>
+              <a:t>крайна</a:t>
+            </a:r>
+            <a:r>
+              <a:rPr lang="ru-RU" sz="2000" dirty="0">
+                <a:latin typeface="Times New Roman" panose="02020603050405020304" pitchFamily="18" charset="0"/>
+                <a:cs typeface="Times New Roman" panose="02020603050405020304" pitchFamily="18" charset="0"/>
+              </a:rPr>
+              <a:t> сметка </a:t>
+            </a:r>
+            <a:r>
+              <a:rPr lang="ru-RU" sz="2000" dirty="0" err="1">
+                <a:latin typeface="Times New Roman" panose="02020603050405020304" pitchFamily="18" charset="0"/>
+                <a:cs typeface="Times New Roman" panose="02020603050405020304" pitchFamily="18" charset="0"/>
+              </a:rPr>
+              <a:t>завърших</a:t>
+            </a:r>
+            <a:r>
+              <a:rPr lang="ru-RU" sz="2000" dirty="0">
+                <a:latin typeface="Times New Roman" panose="02020603050405020304" pitchFamily="18" charset="0"/>
+                <a:cs typeface="Times New Roman" panose="02020603050405020304" pitchFamily="18" charset="0"/>
+              </a:rPr>
+              <a:t> проекта и </a:t>
+            </a:r>
+            <a:r>
+              <a:rPr lang="ru-RU" sz="2000" dirty="0" err="1">
+                <a:latin typeface="Times New Roman" panose="02020603050405020304" pitchFamily="18" charset="0"/>
+                <a:cs typeface="Times New Roman" panose="02020603050405020304" pitchFamily="18" charset="0"/>
+              </a:rPr>
+              <a:t>смятам</a:t>
+            </a:r>
+            <a:r>
+              <a:rPr lang="ru-RU" sz="2000" dirty="0">
+                <a:latin typeface="Times New Roman" panose="02020603050405020304" pitchFamily="18" charset="0"/>
+                <a:cs typeface="Times New Roman" panose="02020603050405020304" pitchFamily="18" charset="0"/>
+              </a:rPr>
+              <a:t> , че </a:t>
+            </a:r>
+            <a:r>
+              <a:rPr lang="ru-RU" sz="2000" dirty="0" err="1">
+                <a:latin typeface="Times New Roman" panose="02020603050405020304" pitchFamily="18" charset="0"/>
+                <a:cs typeface="Times New Roman" panose="02020603050405020304" pitchFamily="18" charset="0"/>
+              </a:rPr>
+              <a:t>изпълних</a:t>
+            </a:r>
+            <a:r>
+              <a:rPr lang="ru-RU" sz="2000" dirty="0">
+                <a:latin typeface="Times New Roman" panose="02020603050405020304" pitchFamily="18" charset="0"/>
+                <a:cs typeface="Times New Roman" panose="02020603050405020304" pitchFamily="18" charset="0"/>
+              </a:rPr>
+              <a:t> </a:t>
+            </a:r>
+            <a:r>
+              <a:rPr lang="ru-RU" sz="2000" dirty="0" err="1">
+                <a:latin typeface="Times New Roman" panose="02020603050405020304" pitchFamily="18" charset="0"/>
+                <a:cs typeface="Times New Roman" panose="02020603050405020304" pitchFamily="18" charset="0"/>
+              </a:rPr>
+              <a:t>всички</a:t>
+            </a:r>
+            <a:r>
+              <a:rPr lang="ru-RU" sz="2000" dirty="0">
+                <a:latin typeface="Times New Roman" panose="02020603050405020304" pitchFamily="18" charset="0"/>
+                <a:cs typeface="Times New Roman" panose="02020603050405020304" pitchFamily="18" charset="0"/>
+              </a:rPr>
+              <a:t> </a:t>
+            </a:r>
+            <a:r>
+              <a:rPr lang="ru-RU" sz="2000" dirty="0" err="1">
+                <a:latin typeface="Times New Roman" panose="02020603050405020304" pitchFamily="18" charset="0"/>
+                <a:cs typeface="Times New Roman" panose="02020603050405020304" pitchFamily="18" charset="0"/>
+              </a:rPr>
+              <a:t>главни</a:t>
+            </a:r>
+            <a:r>
+              <a:rPr lang="ru-RU" sz="2000" dirty="0">
+                <a:latin typeface="Times New Roman" panose="02020603050405020304" pitchFamily="18" charset="0"/>
+                <a:cs typeface="Times New Roman" panose="02020603050405020304" pitchFamily="18" charset="0"/>
+              </a:rPr>
+              <a:t> цели и най вече </a:t>
+            </a:r>
+            <a:r>
+              <a:rPr lang="ru-RU" sz="2000" dirty="0" err="1">
+                <a:latin typeface="Times New Roman" panose="02020603050405020304" pitchFamily="18" charset="0"/>
+                <a:cs typeface="Times New Roman" panose="02020603050405020304" pitchFamily="18" charset="0"/>
+              </a:rPr>
+              <a:t>реализирането</a:t>
+            </a:r>
+            <a:r>
+              <a:rPr lang="ru-RU" sz="2000" dirty="0">
+                <a:latin typeface="Times New Roman" panose="02020603050405020304" pitchFamily="18" charset="0"/>
+                <a:cs typeface="Times New Roman" panose="02020603050405020304" pitchFamily="18" charset="0"/>
+              </a:rPr>
+              <a:t> на </a:t>
+            </a:r>
+            <a:r>
+              <a:rPr lang="ru-RU" sz="2000" dirty="0" err="1">
+                <a:latin typeface="Times New Roman" panose="02020603050405020304" pitchFamily="18" charset="0"/>
+                <a:cs typeface="Times New Roman" panose="02020603050405020304" pitchFamily="18" charset="0"/>
+              </a:rPr>
+              <a:t>трислойно</a:t>
+            </a:r>
+            <a:r>
+              <a:rPr lang="ru-RU" sz="2000" dirty="0">
+                <a:latin typeface="Times New Roman" panose="02020603050405020304" pitchFamily="18" charset="0"/>
+                <a:cs typeface="Times New Roman" panose="02020603050405020304" pitchFamily="18" charset="0"/>
+              </a:rPr>
+              <a:t> MVC WEB приложение , </a:t>
+            </a:r>
+            <a:r>
+              <a:rPr lang="ru-RU" sz="2000" dirty="0" err="1">
+                <a:latin typeface="Times New Roman" panose="02020603050405020304" pitchFamily="18" charset="0"/>
+                <a:cs typeface="Times New Roman" panose="02020603050405020304" pitchFamily="18" charset="0"/>
+              </a:rPr>
+              <a:t>организиращо</a:t>
+            </a:r>
+            <a:r>
+              <a:rPr lang="ru-RU" sz="2000" dirty="0">
+                <a:latin typeface="Times New Roman" panose="02020603050405020304" pitchFamily="18" charset="0"/>
+                <a:cs typeface="Times New Roman" panose="02020603050405020304" pitchFamily="18" charset="0"/>
+              </a:rPr>
+              <a:t> </a:t>
+            </a:r>
+            <a:r>
+              <a:rPr lang="ru-RU" sz="2000" dirty="0" err="1">
+                <a:latin typeface="Times New Roman" panose="02020603050405020304" pitchFamily="18" charset="0"/>
+                <a:cs typeface="Times New Roman" panose="02020603050405020304" pitchFamily="18" charset="0"/>
+              </a:rPr>
+              <a:t>дейността</a:t>
+            </a:r>
+            <a:r>
+              <a:rPr lang="ru-RU" sz="2000" dirty="0">
+                <a:latin typeface="Times New Roman" panose="02020603050405020304" pitchFamily="18" charset="0"/>
+                <a:cs typeface="Times New Roman" panose="02020603050405020304" pitchFamily="18" charset="0"/>
+              </a:rPr>
+              <a:t> на </a:t>
+            </a:r>
+            <a:r>
+              <a:rPr lang="ru-RU" sz="2000" dirty="0" err="1">
+                <a:latin typeface="Times New Roman" panose="02020603050405020304" pitchFamily="18" charset="0"/>
+                <a:cs typeface="Times New Roman" panose="02020603050405020304" pitchFamily="18" charset="0"/>
+              </a:rPr>
+              <a:t>летище</a:t>
+            </a:r>
+            <a:r>
+              <a:rPr lang="ru-RU" sz="2000" dirty="0">
+                <a:latin typeface="Times New Roman" panose="02020603050405020304" pitchFamily="18" charset="0"/>
+                <a:cs typeface="Times New Roman" panose="02020603050405020304" pitchFamily="18" charset="0"/>
+              </a:rPr>
+              <a:t> за </a:t>
+            </a:r>
+            <a:r>
+              <a:rPr lang="ru-RU" sz="2000" dirty="0" err="1">
+                <a:latin typeface="Times New Roman" panose="02020603050405020304" pitchFamily="18" charset="0"/>
+                <a:cs typeface="Times New Roman" panose="02020603050405020304" pitchFamily="18" charset="0"/>
+              </a:rPr>
+              <a:t>чартърни</a:t>
+            </a:r>
+            <a:r>
+              <a:rPr lang="ru-RU" sz="2000" dirty="0">
+                <a:latin typeface="Times New Roman" panose="02020603050405020304" pitchFamily="18" charset="0"/>
+                <a:cs typeface="Times New Roman" panose="02020603050405020304" pitchFamily="18" charset="0"/>
+              </a:rPr>
+              <a:t> полети, </a:t>
+            </a:r>
+            <a:r>
+              <a:rPr lang="ru-RU" sz="2000" dirty="0" err="1">
+                <a:latin typeface="Times New Roman" panose="02020603050405020304" pitchFamily="18" charset="0"/>
+                <a:cs typeface="Times New Roman" panose="02020603050405020304" pitchFamily="18" charset="0"/>
+              </a:rPr>
+              <a:t>което</a:t>
+            </a:r>
+            <a:r>
+              <a:rPr lang="ru-RU" sz="2000" dirty="0">
+                <a:latin typeface="Times New Roman" panose="02020603050405020304" pitchFamily="18" charset="0"/>
+                <a:cs typeface="Times New Roman" panose="02020603050405020304" pitchFamily="18" charset="0"/>
+              </a:rPr>
+              <a:t> </a:t>
+            </a:r>
+            <a:r>
+              <a:rPr lang="ru-RU" sz="2000" dirty="0" err="1">
+                <a:latin typeface="Times New Roman" panose="02020603050405020304" pitchFamily="18" charset="0"/>
+                <a:cs typeface="Times New Roman" panose="02020603050405020304" pitchFamily="18" charset="0"/>
+              </a:rPr>
+              <a:t>трябва</a:t>
+            </a:r>
+            <a:r>
+              <a:rPr lang="ru-RU" sz="2000" dirty="0">
+                <a:latin typeface="Times New Roman" panose="02020603050405020304" pitchFamily="18" charset="0"/>
+                <a:cs typeface="Times New Roman" panose="02020603050405020304" pitchFamily="18" charset="0"/>
+              </a:rPr>
+              <a:t> да </a:t>
+            </a:r>
+            <a:r>
+              <a:rPr lang="ru-RU" sz="2000" dirty="0" err="1">
+                <a:latin typeface="Times New Roman" panose="02020603050405020304" pitchFamily="18" charset="0"/>
+                <a:cs typeface="Times New Roman" panose="02020603050405020304" pitchFamily="18" charset="0"/>
+              </a:rPr>
+              <a:t>поддържа</a:t>
+            </a:r>
+            <a:r>
+              <a:rPr lang="ru-RU" sz="2000" dirty="0">
+                <a:latin typeface="Times New Roman" panose="02020603050405020304" pitchFamily="18" charset="0"/>
+                <a:cs typeface="Times New Roman" panose="02020603050405020304" pitchFamily="18" charset="0"/>
+              </a:rPr>
+              <a:t> CRUD операции за </a:t>
+            </a:r>
+            <a:r>
+              <a:rPr lang="ru-RU" sz="2000" dirty="0" err="1">
+                <a:latin typeface="Times New Roman" panose="02020603050405020304" pitchFamily="18" charset="0"/>
+                <a:cs typeface="Times New Roman" panose="02020603050405020304" pitchFamily="18" charset="0"/>
+              </a:rPr>
+              <a:t>дестинациите</a:t>
+            </a:r>
+            <a:r>
+              <a:rPr lang="ru-RU" sz="2000" dirty="0">
+                <a:latin typeface="Times New Roman" panose="02020603050405020304" pitchFamily="18" charset="0"/>
+                <a:cs typeface="Times New Roman" panose="02020603050405020304" pitchFamily="18" charset="0"/>
+              </a:rPr>
+              <a:t>, полетите с </a:t>
+            </a:r>
+            <a:r>
+              <a:rPr lang="ru-RU" sz="2000" dirty="0" err="1">
+                <a:latin typeface="Times New Roman" panose="02020603050405020304" pitchFamily="18" charset="0"/>
+                <a:cs typeface="Times New Roman" panose="02020603050405020304" pitchFamily="18" charset="0"/>
+              </a:rPr>
+              <a:t>авиокомпании</a:t>
+            </a:r>
+            <a:r>
+              <a:rPr lang="ru-RU" sz="2000" dirty="0">
+                <a:latin typeface="Times New Roman" panose="02020603050405020304" pitchFamily="18" charset="0"/>
+                <a:cs typeface="Times New Roman" panose="02020603050405020304" pitchFamily="18" charset="0"/>
+              </a:rPr>
+              <a:t> и </a:t>
+            </a:r>
+            <a:r>
+              <a:rPr lang="ru-RU" sz="2000" dirty="0" err="1">
+                <a:latin typeface="Times New Roman" panose="02020603050405020304" pitchFamily="18" charset="0"/>
+                <a:cs typeface="Times New Roman" panose="02020603050405020304" pitchFamily="18" charset="0"/>
+              </a:rPr>
+              <a:t>клиентски</a:t>
+            </a:r>
+            <a:r>
+              <a:rPr lang="ru-RU" sz="2000" dirty="0">
+                <a:latin typeface="Times New Roman" panose="02020603050405020304" pitchFamily="18" charset="0"/>
+                <a:cs typeface="Times New Roman" panose="02020603050405020304" pitchFamily="18" charset="0"/>
+              </a:rPr>
+              <a:t> заявки за </a:t>
+            </a:r>
+            <a:r>
+              <a:rPr lang="ru-RU" sz="2000" dirty="0" err="1">
+                <a:latin typeface="Times New Roman" panose="02020603050405020304" pitchFamily="18" charset="0"/>
+                <a:cs typeface="Times New Roman" panose="02020603050405020304" pitchFamily="18" charset="0"/>
+              </a:rPr>
+              <a:t>билети</a:t>
+            </a:r>
+            <a:r>
+              <a:rPr lang="ru-RU" sz="2000" dirty="0">
+                <a:latin typeface="Times New Roman" panose="02020603050405020304" pitchFamily="18" charset="0"/>
+                <a:cs typeface="Times New Roman" panose="02020603050405020304" pitchFamily="18" charset="0"/>
+              </a:rPr>
+              <a:t>. </a:t>
+            </a:r>
+          </a:p>
+          <a:p>
+            <a:r>
+              <a:rPr lang="ru-RU" sz="2000" dirty="0" err="1">
+                <a:latin typeface="Times New Roman" panose="02020603050405020304" pitchFamily="18" charset="0"/>
+                <a:cs typeface="Times New Roman" panose="02020603050405020304" pitchFamily="18" charset="0"/>
+              </a:rPr>
+              <a:t>Предимствата</a:t>
+            </a:r>
+            <a:r>
+              <a:rPr lang="ru-RU" sz="2000" dirty="0">
+                <a:latin typeface="Times New Roman" panose="02020603050405020304" pitchFamily="18" charset="0"/>
+                <a:cs typeface="Times New Roman" panose="02020603050405020304" pitchFamily="18" charset="0"/>
+              </a:rPr>
+              <a:t> на </a:t>
+            </a:r>
+            <a:r>
+              <a:rPr lang="ru-RU" sz="2000" dirty="0" err="1">
+                <a:latin typeface="Times New Roman" panose="02020603050405020304" pitchFamily="18" charset="0"/>
+                <a:cs typeface="Times New Roman" panose="02020603050405020304" pitchFamily="18" charset="0"/>
+              </a:rPr>
+              <a:t>моят</a:t>
+            </a:r>
+            <a:r>
+              <a:rPr lang="ru-RU" sz="2000" dirty="0">
+                <a:latin typeface="Times New Roman" panose="02020603050405020304" pitchFamily="18" charset="0"/>
+                <a:cs typeface="Times New Roman" panose="02020603050405020304" pitchFamily="18" charset="0"/>
+              </a:rPr>
+              <a:t> сайт пред </a:t>
+            </a:r>
+            <a:r>
+              <a:rPr lang="ru-RU" sz="2000" dirty="0" err="1">
+                <a:latin typeface="Times New Roman" panose="02020603050405020304" pitchFamily="18" charset="0"/>
+                <a:cs typeface="Times New Roman" panose="02020603050405020304" pitchFamily="18" charset="0"/>
+              </a:rPr>
+              <a:t>другите</a:t>
+            </a:r>
+            <a:r>
+              <a:rPr lang="ru-RU" sz="2000" dirty="0">
+                <a:latin typeface="Times New Roman" panose="02020603050405020304" pitchFamily="18" charset="0"/>
+                <a:cs typeface="Times New Roman" panose="02020603050405020304" pitchFamily="18" charset="0"/>
+              </a:rPr>
+              <a:t> </a:t>
+            </a:r>
+            <a:r>
+              <a:rPr lang="ru-RU" sz="2000" dirty="0" err="1">
+                <a:latin typeface="Times New Roman" panose="02020603050405020304" pitchFamily="18" charset="0"/>
+                <a:cs typeface="Times New Roman" panose="02020603050405020304" pitchFamily="18" charset="0"/>
+              </a:rPr>
+              <a:t>са</a:t>
+            </a:r>
+            <a:r>
+              <a:rPr lang="ru-RU" sz="2000" dirty="0">
+                <a:latin typeface="Times New Roman" panose="02020603050405020304" pitchFamily="18" charset="0"/>
+                <a:cs typeface="Times New Roman" panose="02020603050405020304" pitchFamily="18" charset="0"/>
+              </a:rPr>
+              <a:t> , че </a:t>
+            </a:r>
+            <a:r>
+              <a:rPr lang="ru-RU" sz="2000" dirty="0" err="1">
+                <a:latin typeface="Times New Roman" panose="02020603050405020304" pitchFamily="18" charset="0"/>
+                <a:cs typeface="Times New Roman" panose="02020603050405020304" pitchFamily="18" charset="0"/>
+              </a:rPr>
+              <a:t>моят</a:t>
+            </a:r>
+            <a:r>
+              <a:rPr lang="ru-RU" sz="2000" dirty="0">
+                <a:latin typeface="Times New Roman" panose="02020603050405020304" pitchFamily="18" charset="0"/>
+                <a:cs typeface="Times New Roman" panose="02020603050405020304" pitchFamily="18" charset="0"/>
+              </a:rPr>
+              <a:t> </a:t>
+            </a:r>
+            <a:r>
+              <a:rPr lang="ru-RU" sz="2000" dirty="0" err="1">
+                <a:latin typeface="Times New Roman" panose="02020603050405020304" pitchFamily="18" charset="0"/>
+                <a:cs typeface="Times New Roman" panose="02020603050405020304" pitchFamily="18" charset="0"/>
+              </a:rPr>
+              <a:t>има</a:t>
+            </a:r>
+            <a:r>
+              <a:rPr lang="ru-RU" sz="2000" dirty="0">
+                <a:latin typeface="Times New Roman" panose="02020603050405020304" pitchFamily="18" charset="0"/>
+                <a:cs typeface="Times New Roman" panose="02020603050405020304" pitchFamily="18" charset="0"/>
+              </a:rPr>
+              <a:t> </a:t>
+            </a:r>
+            <a:r>
+              <a:rPr lang="ru-RU" sz="2000" dirty="0" err="1">
+                <a:latin typeface="Times New Roman" panose="02020603050405020304" pitchFamily="18" charset="0"/>
+                <a:cs typeface="Times New Roman" panose="02020603050405020304" pitchFamily="18" charset="0"/>
+              </a:rPr>
+              <a:t>повече</a:t>
+            </a:r>
+            <a:r>
+              <a:rPr lang="ru-RU" sz="2000" dirty="0">
+                <a:latin typeface="Times New Roman" panose="02020603050405020304" pitchFamily="18" charset="0"/>
+                <a:cs typeface="Times New Roman" panose="02020603050405020304" pitchFamily="18" charset="0"/>
+              </a:rPr>
+              <a:t> </a:t>
+            </a:r>
+            <a:r>
+              <a:rPr lang="ru-RU" sz="2000" dirty="0" err="1">
+                <a:latin typeface="Times New Roman" panose="02020603050405020304" pitchFamily="18" charset="0"/>
+                <a:cs typeface="Times New Roman" panose="02020603050405020304" pitchFamily="18" charset="0"/>
+              </a:rPr>
+              <a:t>функционалности</a:t>
+            </a:r>
+            <a:r>
+              <a:rPr lang="ru-RU" sz="2000" dirty="0">
+                <a:latin typeface="Times New Roman" panose="02020603050405020304" pitchFamily="18" charset="0"/>
+                <a:cs typeface="Times New Roman" panose="02020603050405020304" pitchFamily="18" charset="0"/>
+              </a:rPr>
+              <a:t> , </a:t>
+            </a:r>
+            <a:r>
+              <a:rPr lang="ru-RU" sz="2000" dirty="0" err="1">
+                <a:latin typeface="Times New Roman" panose="02020603050405020304" pitchFamily="18" charset="0"/>
+                <a:cs typeface="Times New Roman" panose="02020603050405020304" pitchFamily="18" charset="0"/>
+              </a:rPr>
+              <a:t>като</a:t>
+            </a:r>
+            <a:r>
+              <a:rPr lang="ru-RU" sz="2000" dirty="0">
+                <a:latin typeface="Times New Roman" panose="02020603050405020304" pitchFamily="18" charset="0"/>
+                <a:cs typeface="Times New Roman" panose="02020603050405020304" pitchFamily="18" charset="0"/>
+              </a:rPr>
+              <a:t> </a:t>
+            </a:r>
+            <a:r>
+              <a:rPr lang="ru-RU" sz="2000" dirty="0" err="1">
+                <a:latin typeface="Times New Roman" panose="02020603050405020304" pitchFamily="18" charset="0"/>
+                <a:cs typeface="Times New Roman" panose="02020603050405020304" pitchFamily="18" charset="0"/>
+              </a:rPr>
+              <a:t>същевременно</a:t>
+            </a:r>
+            <a:r>
+              <a:rPr lang="ru-RU" sz="2000" dirty="0">
+                <a:latin typeface="Times New Roman" panose="02020603050405020304" pitchFamily="18" charset="0"/>
+                <a:cs typeface="Times New Roman" panose="02020603050405020304" pitchFamily="18" charset="0"/>
+              </a:rPr>
+              <a:t> </a:t>
+            </a:r>
+            <a:r>
+              <a:rPr lang="ru-RU" sz="2000" dirty="0" err="1">
+                <a:latin typeface="Times New Roman" panose="02020603050405020304" pitchFamily="18" charset="0"/>
+                <a:cs typeface="Times New Roman" panose="02020603050405020304" pitchFamily="18" charset="0"/>
+              </a:rPr>
+              <a:t>достъпа</a:t>
+            </a:r>
+            <a:r>
+              <a:rPr lang="ru-RU" sz="2000" dirty="0">
+                <a:latin typeface="Times New Roman" panose="02020603050405020304" pitchFamily="18" charset="0"/>
+                <a:cs typeface="Times New Roman" panose="02020603050405020304" pitchFamily="18" charset="0"/>
+              </a:rPr>
+              <a:t> до </a:t>
+            </a:r>
+            <a:r>
+              <a:rPr lang="ru-RU" sz="2000" dirty="0" err="1">
+                <a:latin typeface="Times New Roman" panose="02020603050405020304" pitchFamily="18" charset="0"/>
+                <a:cs typeface="Times New Roman" panose="02020603050405020304" pitchFamily="18" charset="0"/>
+              </a:rPr>
+              <a:t>тях</a:t>
+            </a:r>
+            <a:r>
+              <a:rPr lang="ru-RU" sz="2000" dirty="0">
+                <a:latin typeface="Times New Roman" panose="02020603050405020304" pitchFamily="18" charset="0"/>
+                <a:cs typeface="Times New Roman" panose="02020603050405020304" pitchFamily="18" charset="0"/>
+              </a:rPr>
+              <a:t> е много </a:t>
+            </a:r>
+            <a:r>
+              <a:rPr lang="ru-RU" sz="2000" dirty="0" err="1">
+                <a:latin typeface="Times New Roman" panose="02020603050405020304" pitchFamily="18" charset="0"/>
+                <a:cs typeface="Times New Roman" panose="02020603050405020304" pitchFamily="18" charset="0"/>
+              </a:rPr>
+              <a:t>опростен</a:t>
+            </a:r>
+            <a:r>
+              <a:rPr lang="ru-RU" sz="2000" dirty="0">
+                <a:latin typeface="Times New Roman" panose="02020603050405020304" pitchFamily="18" charset="0"/>
+                <a:cs typeface="Times New Roman" panose="02020603050405020304" pitchFamily="18" charset="0"/>
+              </a:rPr>
+              <a:t> и </a:t>
+            </a:r>
+            <a:r>
+              <a:rPr lang="ru-RU" sz="2000" dirty="0" err="1">
+                <a:latin typeface="Times New Roman" panose="02020603050405020304" pitchFamily="18" charset="0"/>
+                <a:cs typeface="Times New Roman" panose="02020603050405020304" pitchFamily="18" charset="0"/>
+              </a:rPr>
+              <a:t>лесен</a:t>
+            </a:r>
+            <a:r>
+              <a:rPr lang="ru-RU" sz="2000" dirty="0">
+                <a:latin typeface="Times New Roman" panose="02020603050405020304" pitchFamily="18" charset="0"/>
+                <a:cs typeface="Times New Roman" panose="02020603050405020304" pitchFamily="18" charset="0"/>
+              </a:rPr>
+              <a:t> за </a:t>
+            </a:r>
+            <a:r>
+              <a:rPr lang="ru-RU" sz="2000" dirty="0" err="1">
+                <a:latin typeface="Times New Roman" panose="02020603050405020304" pitchFamily="18" charset="0"/>
+                <a:cs typeface="Times New Roman" panose="02020603050405020304" pitchFamily="18" charset="0"/>
+              </a:rPr>
+              <a:t>крайният</a:t>
+            </a:r>
+            <a:r>
+              <a:rPr lang="ru-RU" sz="2000" dirty="0">
+                <a:latin typeface="Times New Roman" panose="02020603050405020304" pitchFamily="18" charset="0"/>
+                <a:cs typeface="Times New Roman" panose="02020603050405020304" pitchFamily="18" charset="0"/>
+              </a:rPr>
+              <a:t> </a:t>
+            </a:r>
+            <a:r>
+              <a:rPr lang="ru-RU" sz="2000" dirty="0" err="1">
+                <a:latin typeface="Times New Roman" panose="02020603050405020304" pitchFamily="18" charset="0"/>
+                <a:cs typeface="Times New Roman" panose="02020603050405020304" pitchFamily="18" charset="0"/>
+              </a:rPr>
+              <a:t>потребител</a:t>
+            </a:r>
+            <a:r>
+              <a:rPr lang="ru-RU" sz="2000" dirty="0">
+                <a:latin typeface="Times New Roman" panose="02020603050405020304" pitchFamily="18" charset="0"/>
+                <a:cs typeface="Times New Roman" panose="02020603050405020304" pitchFamily="18" charset="0"/>
+              </a:rPr>
+              <a:t>.</a:t>
+            </a:r>
+          </a:p>
+          <a:p>
+            <a:r>
+              <a:rPr lang="ru-RU" sz="2000" dirty="0">
+                <a:latin typeface="Times New Roman" panose="02020603050405020304" pitchFamily="18" charset="0"/>
+                <a:cs typeface="Times New Roman" panose="02020603050405020304" pitchFamily="18" charset="0"/>
+              </a:rPr>
+              <a:t>Като минус </a:t>
+            </a:r>
+            <a:r>
+              <a:rPr lang="ru-RU" sz="2000" dirty="0" err="1">
+                <a:latin typeface="Times New Roman" panose="02020603050405020304" pitchFamily="18" charset="0"/>
+                <a:cs typeface="Times New Roman" panose="02020603050405020304" pitchFamily="18" charset="0"/>
+              </a:rPr>
+              <a:t>мога</a:t>
+            </a:r>
+            <a:r>
+              <a:rPr lang="ru-RU" sz="2000" dirty="0">
+                <a:latin typeface="Times New Roman" panose="02020603050405020304" pitchFamily="18" charset="0"/>
+                <a:cs typeface="Times New Roman" panose="02020603050405020304" pitchFamily="18" charset="0"/>
+              </a:rPr>
+              <a:t> да </a:t>
+            </a:r>
+            <a:r>
+              <a:rPr lang="ru-RU" sz="2000" dirty="0" err="1">
+                <a:latin typeface="Times New Roman" panose="02020603050405020304" pitchFamily="18" charset="0"/>
+                <a:cs typeface="Times New Roman" panose="02020603050405020304" pitchFamily="18" charset="0"/>
+              </a:rPr>
+              <a:t>отбележа</a:t>
+            </a:r>
+            <a:r>
+              <a:rPr lang="ru-RU" sz="2000" dirty="0">
+                <a:latin typeface="Times New Roman" panose="02020603050405020304" pitchFamily="18" charset="0"/>
+                <a:cs typeface="Times New Roman" panose="02020603050405020304" pitchFamily="18" charset="0"/>
+              </a:rPr>
+              <a:t> дизайна на сайта ми (сравнено с </a:t>
+            </a:r>
+            <a:r>
+              <a:rPr lang="ru-RU" sz="2000" dirty="0" err="1">
+                <a:latin typeface="Times New Roman" panose="02020603050405020304" pitchFamily="18" charset="0"/>
+                <a:cs typeface="Times New Roman" panose="02020603050405020304" pitchFamily="18" charset="0"/>
+              </a:rPr>
+              <a:t>други</a:t>
+            </a:r>
+            <a:r>
+              <a:rPr lang="ru-RU" sz="2000" dirty="0">
+                <a:latin typeface="Times New Roman" panose="02020603050405020304" pitchFamily="18" charset="0"/>
+                <a:cs typeface="Times New Roman" panose="02020603050405020304" pitchFamily="18" charset="0"/>
+              </a:rPr>
+              <a:t> </a:t>
+            </a:r>
+            <a:r>
+              <a:rPr lang="ru-RU" sz="2000" dirty="0" err="1">
+                <a:latin typeface="Times New Roman" panose="02020603050405020304" pitchFamily="18" charset="0"/>
+                <a:cs typeface="Times New Roman" panose="02020603050405020304" pitchFamily="18" charset="0"/>
+              </a:rPr>
+              <a:t>конкурентни</a:t>
+            </a:r>
+            <a:r>
+              <a:rPr lang="ru-RU" sz="2000" dirty="0">
+                <a:latin typeface="Times New Roman" panose="02020603050405020304" pitchFamily="18" charset="0"/>
+                <a:cs typeface="Times New Roman" panose="02020603050405020304" pitchFamily="18" charset="0"/>
+              </a:rPr>
+              <a:t> </a:t>
+            </a:r>
+            <a:r>
+              <a:rPr lang="ru-RU" sz="2000" dirty="0" err="1">
+                <a:latin typeface="Times New Roman" panose="02020603050405020304" pitchFamily="18" charset="0"/>
+                <a:cs typeface="Times New Roman" panose="02020603050405020304" pitchFamily="18" charset="0"/>
+              </a:rPr>
+              <a:t>такива</a:t>
+            </a:r>
+            <a:r>
+              <a:rPr lang="ru-RU" sz="2000" dirty="0">
+                <a:latin typeface="Times New Roman" panose="02020603050405020304" pitchFamily="18" charset="0"/>
+                <a:cs typeface="Times New Roman" panose="02020603050405020304" pitchFamily="18" charset="0"/>
+              </a:rPr>
+              <a:t>) , понеже </a:t>
+            </a:r>
+            <a:r>
+              <a:rPr lang="ru-RU" sz="2000" dirty="0" err="1">
+                <a:latin typeface="Times New Roman" panose="02020603050405020304" pitchFamily="18" charset="0"/>
+                <a:cs typeface="Times New Roman" panose="02020603050405020304" pitchFamily="18" charset="0"/>
+              </a:rPr>
+              <a:t>това</a:t>
+            </a:r>
+            <a:r>
+              <a:rPr lang="ru-RU" sz="2000" dirty="0">
+                <a:latin typeface="Times New Roman" panose="02020603050405020304" pitchFamily="18" charset="0"/>
+                <a:cs typeface="Times New Roman" panose="02020603050405020304" pitchFamily="18" charset="0"/>
+              </a:rPr>
+              <a:t> </a:t>
+            </a:r>
+            <a:r>
+              <a:rPr lang="ru-RU" sz="2000" dirty="0" err="1">
+                <a:latin typeface="Times New Roman" panose="02020603050405020304" pitchFamily="18" charset="0"/>
+                <a:cs typeface="Times New Roman" panose="02020603050405020304" pitchFamily="18" charset="0"/>
+              </a:rPr>
+              <a:t>отнема</a:t>
+            </a:r>
+            <a:r>
+              <a:rPr lang="ru-RU" sz="2000" dirty="0">
+                <a:latin typeface="Times New Roman" panose="02020603050405020304" pitchFamily="18" charset="0"/>
+                <a:cs typeface="Times New Roman" panose="02020603050405020304" pitchFamily="18" charset="0"/>
+              </a:rPr>
+              <a:t> </a:t>
+            </a:r>
+            <a:r>
+              <a:rPr lang="ru-RU" sz="2000" dirty="0" err="1">
+                <a:latin typeface="Times New Roman" panose="02020603050405020304" pitchFamily="18" charset="0"/>
+                <a:cs typeface="Times New Roman" panose="02020603050405020304" pitchFamily="18" charset="0"/>
+              </a:rPr>
+              <a:t>изключително</a:t>
+            </a:r>
+            <a:r>
+              <a:rPr lang="ru-RU" sz="2000" dirty="0">
+                <a:latin typeface="Times New Roman" panose="02020603050405020304" pitchFamily="18" charset="0"/>
+                <a:cs typeface="Times New Roman" panose="02020603050405020304" pitchFamily="18" charset="0"/>
+              </a:rPr>
+              <a:t> много </a:t>
+            </a:r>
+            <a:r>
+              <a:rPr lang="ru-RU" sz="2000" dirty="0" err="1">
+                <a:latin typeface="Times New Roman" panose="02020603050405020304" pitchFamily="18" charset="0"/>
+                <a:cs typeface="Times New Roman" panose="02020603050405020304" pitchFamily="18" charset="0"/>
+              </a:rPr>
+              <a:t>време</a:t>
+            </a:r>
+            <a:r>
+              <a:rPr lang="ru-RU" sz="2000" dirty="0">
+                <a:latin typeface="Times New Roman" panose="02020603050405020304" pitchFamily="18" charset="0"/>
+                <a:cs typeface="Times New Roman" panose="02020603050405020304" pitchFamily="18" charset="0"/>
+              </a:rPr>
+              <a:t> , за да се </a:t>
+            </a:r>
+            <a:r>
+              <a:rPr lang="ru-RU" sz="2000" dirty="0" err="1">
+                <a:latin typeface="Times New Roman" panose="02020603050405020304" pitchFamily="18" charset="0"/>
+                <a:cs typeface="Times New Roman" panose="02020603050405020304" pitchFamily="18" charset="0"/>
+              </a:rPr>
+              <a:t>нагоди</a:t>
+            </a:r>
+            <a:r>
+              <a:rPr lang="ru-RU" sz="2000" dirty="0">
+                <a:latin typeface="Times New Roman" panose="02020603050405020304" pitchFamily="18" charset="0"/>
+                <a:cs typeface="Times New Roman" panose="02020603050405020304" pitchFamily="18" charset="0"/>
+              </a:rPr>
+              <a:t> </a:t>
+            </a:r>
+            <a:r>
+              <a:rPr lang="ru-RU" sz="2000" dirty="0" err="1">
+                <a:latin typeface="Times New Roman" panose="02020603050405020304" pitchFamily="18" charset="0"/>
+                <a:cs typeface="Times New Roman" panose="02020603050405020304" pitchFamily="18" charset="0"/>
+              </a:rPr>
+              <a:t>всичко</a:t>
+            </a:r>
+            <a:r>
+              <a:rPr lang="ru-RU" sz="2000" dirty="0">
+                <a:latin typeface="Times New Roman" panose="02020603050405020304" pitchFamily="18" charset="0"/>
+                <a:cs typeface="Times New Roman" panose="02020603050405020304" pitchFamily="18" charset="0"/>
+              </a:rPr>
+              <a:t> </a:t>
+            </a:r>
+            <a:r>
+              <a:rPr lang="ru-RU" sz="2000" dirty="0" err="1">
+                <a:latin typeface="Times New Roman" panose="02020603050405020304" pitchFamily="18" charset="0"/>
+                <a:cs typeface="Times New Roman" panose="02020603050405020304" pitchFamily="18" charset="0"/>
+              </a:rPr>
+              <a:t>както</a:t>
+            </a:r>
+            <a:r>
+              <a:rPr lang="ru-RU" sz="2000" dirty="0">
+                <a:latin typeface="Times New Roman" panose="02020603050405020304" pitchFamily="18" charset="0"/>
+                <a:cs typeface="Times New Roman" panose="02020603050405020304" pitchFamily="18" charset="0"/>
+              </a:rPr>
+              <a:t> </a:t>
+            </a:r>
+            <a:r>
+              <a:rPr lang="ru-RU" sz="2000" dirty="0" err="1">
+                <a:latin typeface="Times New Roman" panose="02020603050405020304" pitchFamily="18" charset="0"/>
+                <a:cs typeface="Times New Roman" panose="02020603050405020304" pitchFamily="18" charset="0"/>
+              </a:rPr>
+              <a:t>трябва</a:t>
+            </a:r>
+            <a:r>
+              <a:rPr lang="ru-RU" sz="2000" dirty="0">
+                <a:latin typeface="Times New Roman" panose="02020603050405020304" pitchFamily="18" charset="0"/>
+                <a:cs typeface="Times New Roman" panose="02020603050405020304" pitchFamily="18" charset="0"/>
+              </a:rPr>
+              <a:t> и </a:t>
+            </a:r>
+            <a:r>
+              <a:rPr lang="ru-RU" sz="2000" dirty="0" err="1">
+                <a:latin typeface="Times New Roman" panose="02020603050405020304" pitchFamily="18" charset="0"/>
+                <a:cs typeface="Times New Roman" panose="02020603050405020304" pitchFamily="18" charset="0"/>
+              </a:rPr>
+              <a:t>винаги</a:t>
+            </a:r>
+            <a:r>
+              <a:rPr lang="ru-RU" sz="2000" dirty="0">
+                <a:latin typeface="Times New Roman" panose="02020603050405020304" pitchFamily="18" charset="0"/>
+                <a:cs typeface="Times New Roman" panose="02020603050405020304" pitchFamily="18" charset="0"/>
+              </a:rPr>
+              <a:t> </a:t>
+            </a:r>
+            <a:r>
+              <a:rPr lang="ru-RU" sz="2000" dirty="0" err="1">
+                <a:latin typeface="Times New Roman" panose="02020603050405020304" pitchFamily="18" charset="0"/>
+                <a:cs typeface="Times New Roman" panose="02020603050405020304" pitchFamily="18" charset="0"/>
+              </a:rPr>
+              <a:t>ще</a:t>
+            </a:r>
+            <a:r>
+              <a:rPr lang="ru-RU" sz="2000" dirty="0">
+                <a:latin typeface="Times New Roman" panose="02020603050405020304" pitchFamily="18" charset="0"/>
+                <a:cs typeface="Times New Roman" panose="02020603050405020304" pitchFamily="18" charset="0"/>
+              </a:rPr>
+              <a:t> </a:t>
+            </a:r>
+            <a:r>
+              <a:rPr lang="ru-RU" sz="2000" dirty="0" err="1">
+                <a:latin typeface="Times New Roman" panose="02020603050405020304" pitchFamily="18" charset="0"/>
+                <a:cs typeface="Times New Roman" panose="02020603050405020304" pitchFamily="18" charset="0"/>
+              </a:rPr>
+              <a:t>има</a:t>
+            </a:r>
+            <a:r>
+              <a:rPr lang="ru-RU" sz="2000" dirty="0">
+                <a:latin typeface="Times New Roman" panose="02020603050405020304" pitchFamily="18" charset="0"/>
+                <a:cs typeface="Times New Roman" panose="02020603050405020304" pitchFamily="18" charset="0"/>
+              </a:rPr>
+              <a:t> </a:t>
+            </a:r>
+            <a:r>
+              <a:rPr lang="ru-RU" sz="2000" dirty="0" err="1">
+                <a:latin typeface="Times New Roman" panose="02020603050405020304" pitchFamily="18" charset="0"/>
+                <a:cs typeface="Times New Roman" panose="02020603050405020304" pitchFamily="18" charset="0"/>
+              </a:rPr>
+              <a:t>нещо</a:t>
+            </a:r>
+            <a:r>
+              <a:rPr lang="ru-RU" sz="2000" dirty="0">
+                <a:latin typeface="Times New Roman" panose="02020603050405020304" pitchFamily="18" charset="0"/>
+                <a:cs typeface="Times New Roman" panose="02020603050405020304" pitchFamily="18" charset="0"/>
+              </a:rPr>
+              <a:t> за </a:t>
+            </a:r>
+            <a:r>
+              <a:rPr lang="ru-RU" sz="2000" dirty="0" err="1">
+                <a:latin typeface="Times New Roman" panose="02020603050405020304" pitchFamily="18" charset="0"/>
+                <a:cs typeface="Times New Roman" panose="02020603050405020304" pitchFamily="18" charset="0"/>
+              </a:rPr>
+              <a:t>правене</a:t>
+            </a:r>
+            <a:r>
+              <a:rPr lang="ru-RU" sz="2000" dirty="0">
+                <a:latin typeface="Times New Roman" panose="02020603050405020304" pitchFamily="18" charset="0"/>
+                <a:cs typeface="Times New Roman" panose="02020603050405020304" pitchFamily="18" charset="0"/>
+              </a:rPr>
+              <a:t>. За </a:t>
+            </a:r>
+            <a:r>
+              <a:rPr lang="ru-RU" sz="2000" dirty="0" err="1">
+                <a:latin typeface="Times New Roman" panose="02020603050405020304" pitchFamily="18" charset="0"/>
+                <a:cs typeface="Times New Roman" panose="02020603050405020304" pitchFamily="18" charset="0"/>
+              </a:rPr>
+              <a:t>бъдещото</a:t>
+            </a:r>
+            <a:r>
+              <a:rPr lang="ru-RU" sz="2000" dirty="0">
+                <a:latin typeface="Times New Roman" panose="02020603050405020304" pitchFamily="18" charset="0"/>
+                <a:cs typeface="Times New Roman" panose="02020603050405020304" pitchFamily="18" charset="0"/>
+              </a:rPr>
+              <a:t> развитие на сайта </a:t>
+            </a:r>
+            <a:r>
+              <a:rPr lang="ru-RU" sz="2000" dirty="0" err="1">
+                <a:latin typeface="Times New Roman" panose="02020603050405020304" pitchFamily="18" charset="0"/>
+                <a:cs typeface="Times New Roman" panose="02020603050405020304" pitchFamily="18" charset="0"/>
+              </a:rPr>
+              <a:t>съм</a:t>
+            </a:r>
+            <a:r>
+              <a:rPr lang="ru-RU" sz="2000" dirty="0">
+                <a:latin typeface="Times New Roman" panose="02020603050405020304" pitchFamily="18" charset="0"/>
+                <a:cs typeface="Times New Roman" panose="02020603050405020304" pitchFamily="18" charset="0"/>
+              </a:rPr>
+              <a:t> </a:t>
+            </a:r>
+            <a:r>
+              <a:rPr lang="ru-RU" sz="2000" dirty="0" err="1">
+                <a:latin typeface="Times New Roman" panose="02020603050405020304" pitchFamily="18" charset="0"/>
+                <a:cs typeface="Times New Roman" panose="02020603050405020304" pitchFamily="18" charset="0"/>
+              </a:rPr>
+              <a:t>подготвил</a:t>
+            </a:r>
+            <a:r>
+              <a:rPr lang="ru-RU" sz="2000" dirty="0">
+                <a:latin typeface="Times New Roman" panose="02020603050405020304" pitchFamily="18" charset="0"/>
+                <a:cs typeface="Times New Roman" panose="02020603050405020304" pitchFamily="18" charset="0"/>
+              </a:rPr>
+              <a:t> </a:t>
+            </a:r>
+            <a:r>
+              <a:rPr lang="ru-RU" sz="2000" dirty="0" err="1">
+                <a:latin typeface="Times New Roman" panose="02020603050405020304" pitchFamily="18" charset="0"/>
+                <a:cs typeface="Times New Roman" panose="02020603050405020304" pitchFamily="18" charset="0"/>
+              </a:rPr>
+              <a:t>страхотен</a:t>
+            </a:r>
+            <a:r>
+              <a:rPr lang="ru-RU" sz="2000" dirty="0">
+                <a:latin typeface="Times New Roman" panose="02020603050405020304" pitchFamily="18" charset="0"/>
+                <a:cs typeface="Times New Roman" panose="02020603050405020304" pitchFamily="18" charset="0"/>
+              </a:rPr>
+              <a:t> набор от функции и </a:t>
+            </a:r>
+            <a:r>
+              <a:rPr lang="ru-RU" sz="2000" dirty="0" err="1">
+                <a:latin typeface="Times New Roman" panose="02020603050405020304" pitchFamily="18" charset="0"/>
+                <a:cs typeface="Times New Roman" panose="02020603050405020304" pitchFamily="18" charset="0"/>
+              </a:rPr>
+              <a:t>оправяне</a:t>
+            </a:r>
+            <a:r>
+              <a:rPr lang="ru-RU" sz="2000" dirty="0">
+                <a:latin typeface="Times New Roman" panose="02020603050405020304" pitchFamily="18" charset="0"/>
+                <a:cs typeface="Times New Roman" panose="02020603050405020304" pitchFamily="18" charset="0"/>
+              </a:rPr>
+              <a:t> на дизайна , за да </a:t>
+            </a:r>
+            <a:r>
+              <a:rPr lang="ru-RU" sz="2000" dirty="0" err="1">
+                <a:latin typeface="Times New Roman" panose="02020603050405020304" pitchFamily="18" charset="0"/>
+                <a:cs typeface="Times New Roman" panose="02020603050405020304" pitchFamily="18" charset="0"/>
+              </a:rPr>
+              <a:t>може</a:t>
+            </a:r>
+            <a:r>
+              <a:rPr lang="ru-RU" sz="2000" dirty="0">
+                <a:latin typeface="Times New Roman" panose="02020603050405020304" pitchFamily="18" charset="0"/>
+                <a:cs typeface="Times New Roman" panose="02020603050405020304" pitchFamily="18" charset="0"/>
+              </a:rPr>
+              <a:t> да стане </a:t>
+            </a:r>
+            <a:r>
+              <a:rPr lang="ru-RU" sz="2000" dirty="0" err="1">
+                <a:latin typeface="Times New Roman" panose="02020603050405020304" pitchFamily="18" charset="0"/>
+                <a:cs typeface="Times New Roman" panose="02020603050405020304" pitchFamily="18" charset="0"/>
+              </a:rPr>
+              <a:t>подобаващ</a:t>
+            </a:r>
+            <a:r>
+              <a:rPr lang="ru-RU" sz="2000" dirty="0">
+                <a:latin typeface="Times New Roman" panose="02020603050405020304" pitchFamily="18" charset="0"/>
+                <a:cs typeface="Times New Roman" panose="02020603050405020304" pitchFamily="18" charset="0"/>
+              </a:rPr>
+              <a:t> и да </a:t>
+            </a:r>
+            <a:r>
+              <a:rPr lang="ru-RU" sz="2000" dirty="0" err="1">
+                <a:latin typeface="Times New Roman" panose="02020603050405020304" pitchFamily="18" charset="0"/>
+                <a:cs typeface="Times New Roman" panose="02020603050405020304" pitchFamily="18" charset="0"/>
+              </a:rPr>
+              <a:t>грабне</a:t>
+            </a:r>
+            <a:r>
+              <a:rPr lang="ru-RU" sz="2000" dirty="0">
+                <a:latin typeface="Times New Roman" panose="02020603050405020304" pitchFamily="18" charset="0"/>
+                <a:cs typeface="Times New Roman" panose="02020603050405020304" pitchFamily="18" charset="0"/>
+              </a:rPr>
+              <a:t> </a:t>
+            </a:r>
+            <a:r>
+              <a:rPr lang="ru-RU" sz="2000" dirty="0" err="1">
+                <a:latin typeface="Times New Roman" panose="02020603050405020304" pitchFamily="18" charset="0"/>
+                <a:cs typeface="Times New Roman" panose="02020603050405020304" pitchFamily="18" charset="0"/>
+              </a:rPr>
+              <a:t>очите</a:t>
+            </a:r>
+            <a:r>
+              <a:rPr lang="ru-RU" sz="2000" dirty="0">
+                <a:latin typeface="Times New Roman" panose="02020603050405020304" pitchFamily="18" charset="0"/>
+                <a:cs typeface="Times New Roman" panose="02020603050405020304" pitchFamily="18" charset="0"/>
+              </a:rPr>
+              <a:t> на потребителя , </a:t>
+            </a:r>
+            <a:r>
+              <a:rPr lang="ru-RU" sz="2000" dirty="0" err="1">
+                <a:latin typeface="Times New Roman" panose="02020603050405020304" pitchFamily="18" charset="0"/>
+                <a:cs typeface="Times New Roman" panose="02020603050405020304" pitchFamily="18" charset="0"/>
+              </a:rPr>
+              <a:t>още</a:t>
+            </a:r>
+            <a:r>
+              <a:rPr lang="ru-RU" sz="2000" dirty="0">
+                <a:latin typeface="Times New Roman" panose="02020603050405020304" pitchFamily="18" charset="0"/>
+                <a:cs typeface="Times New Roman" panose="02020603050405020304" pitchFamily="18" charset="0"/>
+              </a:rPr>
+              <a:t> от </a:t>
+            </a:r>
+            <a:r>
+              <a:rPr lang="ru-RU" sz="2000" dirty="0" err="1">
+                <a:latin typeface="Times New Roman" panose="02020603050405020304" pitchFamily="18" charset="0"/>
+                <a:cs typeface="Times New Roman" panose="02020603050405020304" pitchFamily="18" charset="0"/>
+              </a:rPr>
+              <a:t>отварянето</a:t>
+            </a:r>
+            <a:r>
+              <a:rPr lang="ru-RU" sz="2000" dirty="0">
+                <a:latin typeface="Times New Roman" panose="02020603050405020304" pitchFamily="18" charset="0"/>
+                <a:cs typeface="Times New Roman" panose="02020603050405020304" pitchFamily="18" charset="0"/>
+              </a:rPr>
+              <a:t> </a:t>
+            </a:r>
+            <a:r>
+              <a:rPr lang="ru-RU" sz="2000" dirty="0" err="1">
+                <a:latin typeface="Times New Roman" panose="02020603050405020304" pitchFamily="18" charset="0"/>
+                <a:cs typeface="Times New Roman" panose="02020603050405020304" pitchFamily="18" charset="0"/>
+              </a:rPr>
+              <a:t>му</a:t>
+            </a:r>
+            <a:r>
+              <a:rPr lang="ru-RU" sz="2000" dirty="0">
+                <a:latin typeface="Times New Roman" panose="02020603050405020304" pitchFamily="18" charset="0"/>
+                <a:cs typeface="Times New Roman" panose="02020603050405020304" pitchFamily="18" charset="0"/>
+              </a:rPr>
+              <a:t>. </a:t>
+            </a:r>
+          </a:p>
+          <a:p>
+            <a:endParaRPr lang="bg-BG" sz="2000" dirty="0">
+              <a:latin typeface="Times New Roman" panose="02020603050405020304" pitchFamily="18" charset="0"/>
+              <a:cs typeface="Times New Roman" panose="02020603050405020304" pitchFamily="18" charset="0"/>
+            </a:endParaRPr>
+          </a:p>
+        </p:txBody>
+      </p:sp>
+    </p:spTree>
+    <p:extLst>
+      <p:ext uri="{BB962C8B-B14F-4D97-AF65-F5344CB8AC3E}">
+        <p14:creationId xmlns:p14="http://schemas.microsoft.com/office/powerpoint/2010/main" val="2776680537"/>
+      </p:ext>
+    </p:extLst>
+  </p:cSld>
+  <p:clrMapOvr>
+    <a:masterClrMapping/>
+  </p:clrMapOvr>
+  <p:timing>
+    <p:tnLst>
+      <p:par>
+        <p:cTn id="1" dur="indefinite" restart="never" nodeType="tmRoot">
+          <p:childTnLst>
+            <p:seq concurrent="1" nextAc="seek">
+              <p:cTn id="2" dur="indefinite" nodeType="mainSeq">
+                <p:childTnLst>
+                  <p:par>
+                    <p:cTn id="3" fill="hold">
+                      <p:stCondLst>
+                        <p:cond delay="indefinite"/>
+                      </p:stCondLst>
+                      <p:childTnLst>
+                        <p:par>
+                          <p:cTn id="4" fill="hold">
+                            <p:stCondLst>
+                              <p:cond delay="0"/>
+                            </p:stCondLst>
+                            <p:childTnLst>
+                              <p:par>
+                                <p:cTn id="5" presetID="31" presetClass="entr" presetSubtype="0" fill="hold" grpId="0" nodeType="clickEffect">
+                                  <p:stCondLst>
+                                    <p:cond delay="0"/>
+                                  </p:stCondLst>
+                                  <p:childTnLst>
+                                    <p:set>
+                                      <p:cBhvr>
+                                        <p:cTn id="6" dur="1" fill="hold">
+                                          <p:stCondLst>
+                                            <p:cond delay="0"/>
+                                          </p:stCondLst>
+                                        </p:cTn>
+                                        <p:tgtEl>
+                                          <p:spTgt spid="2"/>
+                                        </p:tgtEl>
+                                        <p:attrNameLst>
+                                          <p:attrName>style.visibility</p:attrName>
+                                        </p:attrNameLst>
+                                      </p:cBhvr>
+                                      <p:to>
+                                        <p:strVal val="visible"/>
+                                      </p:to>
+                                    </p:set>
+                                    <p:anim calcmode="lin" valueType="num">
+                                      <p:cBhvr>
+                                        <p:cTn id="7" dur="1000" fill="hold"/>
+                                        <p:tgtEl>
+                                          <p:spTgt spid="2"/>
+                                        </p:tgtEl>
+                                        <p:attrNameLst>
+                                          <p:attrName>ppt_w</p:attrName>
+                                        </p:attrNameLst>
+                                      </p:cBhvr>
+                                      <p:tavLst>
+                                        <p:tav tm="0">
+                                          <p:val>
+                                            <p:fltVal val="0"/>
+                                          </p:val>
+                                        </p:tav>
+                                        <p:tav tm="100000">
+                                          <p:val>
+                                            <p:strVal val="#ppt_w"/>
+                                          </p:val>
+                                        </p:tav>
+                                      </p:tavLst>
+                                    </p:anim>
+                                    <p:anim calcmode="lin" valueType="num">
+                                      <p:cBhvr>
+                                        <p:cTn id="8" dur="1000" fill="hold"/>
+                                        <p:tgtEl>
+                                          <p:spTgt spid="2"/>
+                                        </p:tgtEl>
+                                        <p:attrNameLst>
+                                          <p:attrName>ppt_h</p:attrName>
+                                        </p:attrNameLst>
+                                      </p:cBhvr>
+                                      <p:tavLst>
+                                        <p:tav tm="0">
+                                          <p:val>
+                                            <p:fltVal val="0"/>
+                                          </p:val>
+                                        </p:tav>
+                                        <p:tav tm="100000">
+                                          <p:val>
+                                            <p:strVal val="#ppt_h"/>
+                                          </p:val>
+                                        </p:tav>
+                                      </p:tavLst>
+                                    </p:anim>
+                                    <p:anim calcmode="lin" valueType="num">
+                                      <p:cBhvr>
+                                        <p:cTn id="9" dur="1000" fill="hold"/>
+                                        <p:tgtEl>
+                                          <p:spTgt spid="2"/>
+                                        </p:tgtEl>
+                                        <p:attrNameLst>
+                                          <p:attrName>style.rotation</p:attrName>
+                                        </p:attrNameLst>
+                                      </p:cBhvr>
+                                      <p:tavLst>
+                                        <p:tav tm="0">
+                                          <p:val>
+                                            <p:fltVal val="90"/>
+                                          </p:val>
+                                        </p:tav>
+                                        <p:tav tm="100000">
+                                          <p:val>
+                                            <p:fltVal val="0"/>
+                                          </p:val>
+                                        </p:tav>
+                                      </p:tavLst>
+                                    </p:anim>
+                                    <p:animEffect transition="in" filter="fade">
+                                      <p:cBhvr>
+                                        <p:cTn id="10" dur="1000"/>
+                                        <p:tgtEl>
+                                          <p:spTgt spid="2"/>
+                                        </p:tgtEl>
+                                      </p:cBhvr>
+                                    </p:animEffect>
+                                  </p:childTnLst>
+                                </p:cTn>
+                              </p:par>
+                            </p:childTnLst>
+                          </p:cTn>
+                        </p:par>
+                      </p:childTnLst>
+                    </p:cTn>
+                  </p:par>
+                  <p:par>
+                    <p:cTn id="11" fill="hold">
+                      <p:stCondLst>
+                        <p:cond delay="indefinite"/>
+                      </p:stCondLst>
+                      <p:childTnLst>
+                        <p:par>
+                          <p:cTn id="12" fill="hold">
+                            <p:stCondLst>
+                              <p:cond delay="0"/>
+                            </p:stCondLst>
+                            <p:childTnLst>
+                              <p:par>
+                                <p:cTn id="13" presetID="53" presetClass="entr" presetSubtype="16" fill="hold" grpId="0" nodeType="clickEffect">
+                                  <p:stCondLst>
+                                    <p:cond delay="0"/>
+                                  </p:stCondLst>
+                                  <p:childTnLst>
+                                    <p:set>
+                                      <p:cBhvr>
+                                        <p:cTn id="14" dur="1" fill="hold">
+                                          <p:stCondLst>
+                                            <p:cond delay="0"/>
+                                          </p:stCondLst>
+                                        </p:cTn>
+                                        <p:tgtEl>
+                                          <p:spTgt spid="3">
+                                            <p:txEl>
+                                              <p:pRg st="0" end="0"/>
+                                            </p:txEl>
+                                          </p:spTgt>
+                                        </p:tgtEl>
+                                        <p:attrNameLst>
+                                          <p:attrName>style.visibility</p:attrName>
+                                        </p:attrNameLst>
+                                      </p:cBhvr>
+                                      <p:to>
+                                        <p:strVal val="visible"/>
+                                      </p:to>
+                                    </p:set>
+                                    <p:anim calcmode="lin" valueType="num">
+                                      <p:cBhvr>
+                                        <p:cTn id="15" dur="500" fill="hold"/>
+                                        <p:tgtEl>
+                                          <p:spTgt spid="3">
+                                            <p:txEl>
+                                              <p:pRg st="0" end="0"/>
+                                            </p:txEl>
+                                          </p:spTgt>
+                                        </p:tgtEl>
+                                        <p:attrNameLst>
+                                          <p:attrName>ppt_w</p:attrName>
+                                        </p:attrNameLst>
+                                      </p:cBhvr>
+                                      <p:tavLst>
+                                        <p:tav tm="0">
+                                          <p:val>
+                                            <p:fltVal val="0"/>
+                                          </p:val>
+                                        </p:tav>
+                                        <p:tav tm="100000">
+                                          <p:val>
+                                            <p:strVal val="#ppt_w"/>
+                                          </p:val>
+                                        </p:tav>
+                                      </p:tavLst>
+                                    </p:anim>
+                                    <p:anim calcmode="lin" valueType="num">
+                                      <p:cBhvr>
+                                        <p:cTn id="16" dur="500" fill="hold"/>
+                                        <p:tgtEl>
+                                          <p:spTgt spid="3">
+                                            <p:txEl>
+                                              <p:pRg st="0" end="0"/>
+                                            </p:txEl>
+                                          </p:spTgt>
+                                        </p:tgtEl>
+                                        <p:attrNameLst>
+                                          <p:attrName>ppt_h</p:attrName>
+                                        </p:attrNameLst>
+                                      </p:cBhvr>
+                                      <p:tavLst>
+                                        <p:tav tm="0">
+                                          <p:val>
+                                            <p:fltVal val="0"/>
+                                          </p:val>
+                                        </p:tav>
+                                        <p:tav tm="100000">
+                                          <p:val>
+                                            <p:strVal val="#ppt_h"/>
+                                          </p:val>
+                                        </p:tav>
+                                      </p:tavLst>
+                                    </p:anim>
+                                    <p:animEffect transition="in" filter="fade">
+                                      <p:cBhvr>
+                                        <p:cTn id="17" dur="500"/>
+                                        <p:tgtEl>
+                                          <p:spTgt spid="3">
+                                            <p:txEl>
+                                              <p:pRg st="0" end="0"/>
+                                            </p:txEl>
+                                          </p:spTgt>
+                                        </p:tgtEl>
+                                      </p:cBhvr>
+                                    </p:animEffect>
+                                  </p:childTnLst>
+                                </p:cTn>
+                              </p:par>
+                            </p:childTnLst>
+                          </p:cTn>
+                        </p:par>
+                      </p:childTnLst>
+                    </p:cTn>
+                  </p:par>
+                  <p:par>
+                    <p:cTn id="18" fill="hold">
+                      <p:stCondLst>
+                        <p:cond delay="indefinite"/>
+                      </p:stCondLst>
+                      <p:childTnLst>
+                        <p:par>
+                          <p:cTn id="19" fill="hold">
+                            <p:stCondLst>
+                              <p:cond delay="0"/>
+                            </p:stCondLst>
+                            <p:childTnLst>
+                              <p:par>
+                                <p:cTn id="20" presetID="53" presetClass="entr" presetSubtype="16" fill="hold" grpId="0" nodeType="clickEffect">
+                                  <p:stCondLst>
+                                    <p:cond delay="0"/>
+                                  </p:stCondLst>
+                                  <p:childTnLst>
+                                    <p:set>
+                                      <p:cBhvr>
+                                        <p:cTn id="21" dur="1" fill="hold">
+                                          <p:stCondLst>
+                                            <p:cond delay="0"/>
+                                          </p:stCondLst>
+                                        </p:cTn>
+                                        <p:tgtEl>
+                                          <p:spTgt spid="3">
+                                            <p:txEl>
+                                              <p:pRg st="1" end="1"/>
+                                            </p:txEl>
+                                          </p:spTgt>
+                                        </p:tgtEl>
+                                        <p:attrNameLst>
+                                          <p:attrName>style.visibility</p:attrName>
+                                        </p:attrNameLst>
+                                      </p:cBhvr>
+                                      <p:to>
+                                        <p:strVal val="visible"/>
+                                      </p:to>
+                                    </p:set>
+                                    <p:anim calcmode="lin" valueType="num">
+                                      <p:cBhvr>
+                                        <p:cTn id="22" dur="500" fill="hold"/>
+                                        <p:tgtEl>
+                                          <p:spTgt spid="3">
+                                            <p:txEl>
+                                              <p:pRg st="1" end="1"/>
+                                            </p:txEl>
+                                          </p:spTgt>
+                                        </p:tgtEl>
+                                        <p:attrNameLst>
+                                          <p:attrName>ppt_w</p:attrName>
+                                        </p:attrNameLst>
+                                      </p:cBhvr>
+                                      <p:tavLst>
+                                        <p:tav tm="0">
+                                          <p:val>
+                                            <p:fltVal val="0"/>
+                                          </p:val>
+                                        </p:tav>
+                                        <p:tav tm="100000">
+                                          <p:val>
+                                            <p:strVal val="#ppt_w"/>
+                                          </p:val>
+                                        </p:tav>
+                                      </p:tavLst>
+                                    </p:anim>
+                                    <p:anim calcmode="lin" valueType="num">
+                                      <p:cBhvr>
+                                        <p:cTn id="23" dur="500" fill="hold"/>
+                                        <p:tgtEl>
+                                          <p:spTgt spid="3">
+                                            <p:txEl>
+                                              <p:pRg st="1" end="1"/>
+                                            </p:txEl>
+                                          </p:spTgt>
+                                        </p:tgtEl>
+                                        <p:attrNameLst>
+                                          <p:attrName>ppt_h</p:attrName>
+                                        </p:attrNameLst>
+                                      </p:cBhvr>
+                                      <p:tavLst>
+                                        <p:tav tm="0">
+                                          <p:val>
+                                            <p:fltVal val="0"/>
+                                          </p:val>
+                                        </p:tav>
+                                        <p:tav tm="100000">
+                                          <p:val>
+                                            <p:strVal val="#ppt_h"/>
+                                          </p:val>
+                                        </p:tav>
+                                      </p:tavLst>
+                                    </p:anim>
+                                    <p:animEffect transition="in" filter="fade">
+                                      <p:cBhvr>
+                                        <p:cTn id="24" dur="500"/>
+                                        <p:tgtEl>
+                                          <p:spTgt spid="3">
+                                            <p:txEl>
+                                              <p:pRg st="1" end="1"/>
+                                            </p:txEl>
+                                          </p:spTgt>
+                                        </p:tgtEl>
+                                      </p:cBhvr>
+                                    </p:animEffect>
+                                  </p:childTnLst>
+                                </p:cTn>
+                              </p:par>
+                            </p:childTnLst>
+                          </p:cTn>
+                        </p:par>
+                      </p:childTnLst>
+                    </p:cTn>
+                  </p:par>
+                  <p:par>
+                    <p:cTn id="25" fill="hold">
+                      <p:stCondLst>
+                        <p:cond delay="indefinite"/>
+                      </p:stCondLst>
+                      <p:childTnLst>
+                        <p:par>
+                          <p:cTn id="26" fill="hold">
+                            <p:stCondLst>
+                              <p:cond delay="0"/>
+                            </p:stCondLst>
+                            <p:childTnLst>
+                              <p:par>
+                                <p:cTn id="27" presetID="53" presetClass="entr" presetSubtype="16" fill="hold" grpId="0" nodeType="clickEffect">
+                                  <p:stCondLst>
+                                    <p:cond delay="0"/>
+                                  </p:stCondLst>
+                                  <p:childTnLst>
+                                    <p:set>
+                                      <p:cBhvr>
+                                        <p:cTn id="28" dur="1" fill="hold">
+                                          <p:stCondLst>
+                                            <p:cond delay="0"/>
+                                          </p:stCondLst>
+                                        </p:cTn>
+                                        <p:tgtEl>
+                                          <p:spTgt spid="3">
+                                            <p:txEl>
+                                              <p:pRg st="2" end="2"/>
+                                            </p:txEl>
+                                          </p:spTgt>
+                                        </p:tgtEl>
+                                        <p:attrNameLst>
+                                          <p:attrName>style.visibility</p:attrName>
+                                        </p:attrNameLst>
+                                      </p:cBhvr>
+                                      <p:to>
+                                        <p:strVal val="visible"/>
+                                      </p:to>
+                                    </p:set>
+                                    <p:anim calcmode="lin" valueType="num">
+                                      <p:cBhvr>
+                                        <p:cTn id="29" dur="500" fill="hold"/>
+                                        <p:tgtEl>
+                                          <p:spTgt spid="3">
+                                            <p:txEl>
+                                              <p:pRg st="2" end="2"/>
+                                            </p:txEl>
+                                          </p:spTgt>
+                                        </p:tgtEl>
+                                        <p:attrNameLst>
+                                          <p:attrName>ppt_w</p:attrName>
+                                        </p:attrNameLst>
+                                      </p:cBhvr>
+                                      <p:tavLst>
+                                        <p:tav tm="0">
+                                          <p:val>
+                                            <p:fltVal val="0"/>
+                                          </p:val>
+                                        </p:tav>
+                                        <p:tav tm="100000">
+                                          <p:val>
+                                            <p:strVal val="#ppt_w"/>
+                                          </p:val>
+                                        </p:tav>
+                                      </p:tavLst>
+                                    </p:anim>
+                                    <p:anim calcmode="lin" valueType="num">
+                                      <p:cBhvr>
+                                        <p:cTn id="30" dur="500" fill="hold"/>
+                                        <p:tgtEl>
+                                          <p:spTgt spid="3">
+                                            <p:txEl>
+                                              <p:pRg st="2" end="2"/>
+                                            </p:txEl>
+                                          </p:spTgt>
+                                        </p:tgtEl>
+                                        <p:attrNameLst>
+                                          <p:attrName>ppt_h</p:attrName>
+                                        </p:attrNameLst>
+                                      </p:cBhvr>
+                                      <p:tavLst>
+                                        <p:tav tm="0">
+                                          <p:val>
+                                            <p:fltVal val="0"/>
+                                          </p:val>
+                                        </p:tav>
+                                        <p:tav tm="100000">
+                                          <p:val>
+                                            <p:strVal val="#ppt_h"/>
+                                          </p:val>
+                                        </p:tav>
+                                      </p:tavLst>
+                                    </p:anim>
+                                    <p:animEffect transition="in" filter="fade">
+                                      <p:cBhvr>
+                                        <p:cTn id="31" dur="500"/>
+                                        <p:tgtEl>
+                                          <p:spTgt spid="3">
+                                            <p:txEl>
+                                              <p:pRg st="2" end="2"/>
+                                            </p:txEl>
+                                          </p:spTgt>
+                                        </p:tgtEl>
+                                      </p:cBhvr>
+                                    </p:animEffect>
+                                  </p:childTnLst>
+                                </p:cTn>
+                              </p:par>
+                            </p:childTnLst>
+                          </p:cTn>
+                        </p:par>
+                      </p:childTnLst>
+                    </p:cTn>
+                  </p:par>
+                </p:childTnLst>
+              </p:cTn>
+              <p:prevCondLst>
+                <p:cond evt="onPrev" delay="0">
+                  <p:tgtEl>
+                    <p:sldTgt/>
+                  </p:tgtEl>
+                </p:cond>
+              </p:prevCondLst>
+              <p:nextCondLst>
+                <p:cond evt="onNext" delay="0">
+                  <p:tgtEl>
+                    <p:sldTgt/>
+                  </p:tgtEl>
+                </p:cond>
+              </p:nextCondLst>
+            </p:seq>
+          </p:childTnLst>
+        </p:cTn>
+      </p:par>
+    </p:tnLst>
+    <p:bldLst>
+      <p:bldP spid="2" grpId="0"/>
+      <p:bldP spid="3" grpId="0" build="p"/>
+    </p:bldLst>
+  </p:timing>
+</p:sld>
+</file>
+
+<file path=ppt/slides/slide13.xml><?xml version="1.0" encoding="utf-8"?>
+<p:sld xmlns:a="http://schemas.openxmlformats.org/drawingml/2006/main" xmlns:r="http://schemas.openxmlformats.org/officeDocument/2006/relationships" xmlns:p="http://schemas.openxmlformats.org/presentationml/2006/main">
+  <p:cSld>
+    <p:spTree>
+      <p:nvGrpSpPr>
+        <p:cNvPr id="1" name=""/>
+        <p:cNvGrpSpPr/>
+        <p:nvPr/>
+      </p:nvGrpSpPr>
+      <p:grpSpPr>
+        <a:xfrm>
+          <a:off x="0" y="0"/>
+          <a:ext cx="0" cy="0"/>
+          <a:chOff x="0" y="0"/>
+          <a:chExt cx="0" cy="0"/>
+        </a:xfrm>
+      </p:grpSpPr>
+      <p:sp>
+        <p:nvSpPr>
+          <p:cNvPr id="2" name="Заглавие 1">
+            <a:extLst>
+              <a:ext uri="{FF2B5EF4-FFF2-40B4-BE49-F238E27FC236}">
                 <a16:creationId xmlns:a16="http://schemas.microsoft.com/office/drawing/2014/main" id="{4E28D03C-CACC-1A14-5769-8FAB85262A46}"/>
               </a:ext>
             </a:extLst>
@@ -10207,6 +10569,17 @@
               </a:rPr>
               <a:t>БЛАГОДАРЯ ЗА ВНИМАНИЕТО</a:t>
             </a:r>
+            <a:r>
+              <a:rPr lang="en-US" sz="5400" dirty="0">
+                <a:latin typeface="Times New Roman" panose="02020603050405020304" pitchFamily="18" charset="0"/>
+                <a:cs typeface="Times New Roman" panose="02020603050405020304" pitchFamily="18" charset="0"/>
+              </a:rPr>
+              <a:t> !</a:t>
+            </a:r>
+            <a:endParaRPr lang="bg-BG" sz="5400" dirty="0">
+              <a:latin typeface="Times New Roman" panose="02020603050405020304" pitchFamily="18" charset="0"/>
+              <a:cs typeface="Times New Roman" panose="02020603050405020304" pitchFamily="18" charset="0"/>
+            </a:endParaRPr>
           </a:p>
         </p:txBody>
       </p:sp>
@@ -10626,8 +10999,8 @@
         </p:nvSpPr>
         <p:spPr>
           <a:xfrm>
-            <a:off x="667809" y="2046289"/>
-            <a:ext cx="8596668" cy="3880773"/>
+            <a:off x="651333" y="1823867"/>
+            <a:ext cx="8596668" cy="4453365"/>
           </a:xfrm>
         </p:spPr>
         <p:txBody>
@@ -10661,32 +11034,70 @@
               </a:rPr>
               <a:t>3.Структура на дипломната работа</a:t>
             </a:r>
-          </a:p>
-          <a:p>
+            <a:endParaRPr lang="en-US" sz="2800" dirty="0">
+              <a:latin typeface="Times New Roman" panose="02020603050405020304" pitchFamily="18" charset="0"/>
+              <a:cs typeface="Times New Roman" panose="02020603050405020304" pitchFamily="18" charset="0"/>
+            </a:endParaRPr>
+          </a:p>
+          <a:p>
+            <a:r>
+              <a:rPr lang="en-US" sz="2800" dirty="0">
+                <a:latin typeface="Times New Roman" panose="02020603050405020304" pitchFamily="18" charset="0"/>
+                <a:cs typeface="Times New Roman" panose="02020603050405020304" pitchFamily="18" charset="0"/>
+              </a:rPr>
+              <a:t>4.Use Case Diagram</a:t>
+            </a:r>
+            <a:endParaRPr lang="bg-BG" sz="2800" dirty="0">
+              <a:latin typeface="Times New Roman" panose="02020603050405020304" pitchFamily="18" charset="0"/>
+              <a:cs typeface="Times New Roman" panose="02020603050405020304" pitchFamily="18" charset="0"/>
+            </a:endParaRPr>
+          </a:p>
+          <a:p>
+            <a:r>
+              <a:rPr lang="en-US" sz="2800" dirty="0">
+                <a:latin typeface="Times New Roman" panose="02020603050405020304" pitchFamily="18" charset="0"/>
+                <a:cs typeface="Times New Roman" panose="02020603050405020304" pitchFamily="18" charset="0"/>
+              </a:rPr>
+              <a:t>5</a:t>
+            </a:r>
             <a:r>
               <a:rPr lang="bg-BG" sz="2800" dirty="0">
                 <a:latin typeface="Times New Roman" panose="02020603050405020304" pitchFamily="18" charset="0"/>
                 <a:cs typeface="Times New Roman" panose="02020603050405020304" pitchFamily="18" charset="0"/>
               </a:rPr>
-              <a:t>4. Потребителски интерфейс</a:t>
-            </a:r>
-          </a:p>
-          <a:p>
+              <a:t>. Потребителски интерфейс</a:t>
+            </a:r>
+          </a:p>
+          <a:p>
+            <a:r>
+              <a:rPr lang="en-US" sz="2800" dirty="0">
+                <a:latin typeface="Times New Roman" panose="02020603050405020304" pitchFamily="18" charset="0"/>
+                <a:cs typeface="Times New Roman" panose="02020603050405020304" pitchFamily="18" charset="0"/>
+              </a:rPr>
+              <a:t>6</a:t>
+            </a:r>
             <a:r>
               <a:rPr lang="bg-BG" sz="2800" dirty="0">
                 <a:latin typeface="Times New Roman" panose="02020603050405020304" pitchFamily="18" charset="0"/>
                 <a:cs typeface="Times New Roman" panose="02020603050405020304" pitchFamily="18" charset="0"/>
               </a:rPr>
-              <a:t>5.Структура на базата от данни</a:t>
-            </a:r>
-          </a:p>
-          <a:p>
+              <a:t>.Структура на базата от данни</a:t>
+            </a:r>
+          </a:p>
+          <a:p>
+            <a:r>
+              <a:rPr lang="en-US" sz="2800" dirty="0">
+                <a:latin typeface="Times New Roman" panose="02020603050405020304" pitchFamily="18" charset="0"/>
+                <a:cs typeface="Times New Roman" panose="02020603050405020304" pitchFamily="18" charset="0"/>
+              </a:rPr>
+              <a:t>7</a:t>
+            </a:r>
             <a:r>
               <a:rPr lang="bg-BG" sz="2800" dirty="0">
                 <a:latin typeface="Times New Roman" panose="02020603050405020304" pitchFamily="18" charset="0"/>
                 <a:cs typeface="Times New Roman" panose="02020603050405020304" pitchFamily="18" charset="0"/>
               </a:rPr>
-              <a:t>6. Структура на </a:t>
+              <a:t>. Структура на </a:t>
             </a:r>
             <a:r>
               <a:rPr lang="en-US" sz="2800" dirty="0">
@@ -10705,11 +11116,18 @@
           </a:p>
           <a:p>
             <a:r>
+              <a:rPr lang="en-US" sz="2800" dirty="0">
+                <a:latin typeface="Times New Roman" panose="02020603050405020304" pitchFamily="18" charset="0"/>
+                <a:cs typeface="Times New Roman" panose="02020603050405020304" pitchFamily="18" charset="0"/>
+              </a:rPr>
+              <a:t>8</a:t>
+            </a:r>
+            <a:r>
               <a:rPr lang="bg-BG" sz="2800" dirty="0">
                 <a:latin typeface="Times New Roman" panose="02020603050405020304" pitchFamily="18" charset="0"/>
                 <a:cs typeface="Times New Roman" panose="02020603050405020304" pitchFamily="18" charset="0"/>
               </a:rPr>
-              <a:t>7.Заключение</a:t>
+              <a:t>.Заключение</a:t>
             </a:r>
           </a:p>
         </p:txBody>
@@ -11561,6 +11979,121 @@
                                           <p:spTgt spid="3">
                                             <p:txEl>
                                               <p:pRg st="6" end="6"/>
+                                            </p:txEl>
+                                          </p:spTgt>
+                                        </p:tgtEl>
+                                        <p:attrNameLst>
+                                          <p:attrName>ppt_y</p:attrName>
+                                        </p:attrNameLst>
+                                      </p:cBhvr>
+                                      <p:tavLst>
+                                        <p:tav tm="0">
+                                          <p:val>
+                                            <p:strVal val="#ppt_y+.1"/>
+                                          </p:val>
+                                        </p:tav>
+                                        <p:tav tm="100000">
+                                          <p:val>
+                                            <p:strVal val="#ppt_y"/>
+                                          </p:val>
+                                        </p:tav>
+                                      </p:tavLst>
+                                    </p:anim>
+                                  </p:childTnLst>
+                                </p:cTn>
+                              </p:par>
+                            </p:childTnLst>
+                          </p:cTn>
+                        </p:par>
+                      </p:childTnLst>
+                    </p:cTn>
+                  </p:par>
+                  <p:par>
+                    <p:cTn id="57" fill="hold">
+                      <p:stCondLst>
+                        <p:cond delay="indefinite"/>
+                      </p:stCondLst>
+                      <p:childTnLst>
+                        <p:par>
+                          <p:cTn id="58" fill="hold">
+                            <p:stCondLst>
+                              <p:cond delay="0"/>
+                            </p:stCondLst>
+                            <p:childTnLst>
+                              <p:par>
+                                <p:cTn id="59" presetID="42" presetClass="entr" presetSubtype="0" fill="hold" grpId="0" nodeType="clickEffect">
+                                  <p:stCondLst>
+                                    <p:cond delay="0"/>
+                                  </p:stCondLst>
+                                  <p:childTnLst>
+                                    <p:set>
+                                      <p:cBhvr>
+                                        <p:cTn id="60" dur="1" fill="hold">
+                                          <p:stCondLst>
+                                            <p:cond delay="0"/>
+                                          </p:stCondLst>
+                                        </p:cTn>
+                                        <p:tgtEl>
+                                          <p:spTgt spid="3">
+                                            <p:txEl>
+                                              <p:pRg st="7" end="7"/>
+                                            </p:txEl>
+                                          </p:spTgt>
+                                        </p:tgtEl>
+                                        <p:attrNameLst>
+                                          <p:attrName>style.visibility</p:attrName>
+                                        </p:attrNameLst>
+                                      </p:cBhvr>
+                                      <p:to>
+                                        <p:strVal val="visible"/>
+                                      </p:to>
+                                    </p:set>
+                                    <p:animEffect transition="in" filter="fade">
+                                      <p:cBhvr>
+                                        <p:cTn id="61" dur="1000"/>
+                                        <p:tgtEl>
+                                          <p:spTgt spid="3">
+                                            <p:txEl>
+                                              <p:pRg st="7" end="7"/>
+                                            </p:txEl>
+                                          </p:spTgt>
+                                        </p:tgtEl>
+                                      </p:cBhvr>
+                                    </p:animEffect>
+                                    <p:anim calcmode="lin" valueType="num">
+                                      <p:cBhvr>
+                                        <p:cTn id="62" dur="1000" fill="hold"/>
+                                        <p:tgtEl>
+                                          <p:spTgt spid="3">
+                                            <p:txEl>
+                                              <p:pRg st="7" end="7"/>
+                                            </p:txEl>
+                                          </p:spTgt>
+                                        </p:tgtEl>
+                                        <p:attrNameLst>
+                                          <p:attrName>ppt_x</p:attrName>
+                                        </p:attrNameLst>
+                                      </p:cBhvr>
+                                      <p:tavLst>
+                                        <p:tav tm="0">
+                                          <p:val>
+                                            <p:strVal val="#ppt_x"/>
+                                          </p:val>
+                                        </p:tav>
+                                        <p:tav tm="100000">
+                                          <p:val>
+                                            <p:strVal val="#ppt_x"/>
+                                          </p:val>
+                                        </p:tav>
+                                      </p:tavLst>
+                                    </p:anim>
+                                    <p:anim calcmode="lin" valueType="num">
+                                      <p:cBhvr>
+                                        <p:cTn id="63" dur="1000" fill="hold"/>
+                                        <p:tgtEl>
+                                          <p:spTgt spid="3">
+                                            <p:txEl>
+                                              <p:pRg st="7" end="7"/>
                                             </p:txEl>
                                           </p:spTgt>
                                         </p:tgtEl>
@@ -11741,21 +12274,7 @@
                 <a:latin typeface="Times New Roman" panose="02020603050405020304" pitchFamily="18" charset="0"/>
                 <a:cs typeface="Times New Roman" panose="02020603050405020304" pitchFamily="18" charset="0"/>
               </a:rPr>
-              <a:t>създам</a:t>
-            </a:r>
-            <a:r>
-              <a:rPr lang="ru-RU" sz="2800" dirty="0">
-                <a:latin typeface="Times New Roman" panose="02020603050405020304" pitchFamily="18" charset="0"/>
-                <a:cs typeface="Times New Roman" panose="02020603050405020304" pitchFamily="18" charset="0"/>
-              </a:rPr>
-              <a:t> </a:t>
-            </a:r>
-            <a:r>
-              <a:rPr lang="ru-RU" sz="2800" dirty="0" err="1">
-                <a:latin typeface="Times New Roman" panose="02020603050405020304" pitchFamily="18" charset="0"/>
-                <a:cs typeface="Times New Roman" panose="02020603050405020304" pitchFamily="18" charset="0"/>
-              </a:rPr>
-              <a:t>ще</a:t>
+              <a:t>представям</a:t>
             </a:r>
             <a:r>
               <a:rPr lang="ru-RU" sz="2800" dirty="0">
@@ -12930,7 +13449,7 @@
         </p:spPr>
         <p:txBody>
           <a:bodyPr>
-            <a:normAutofit lnSpcReduction="10000"/>
+            <a:normAutofit/>
           </a:bodyPr>
           <a:lstStyle/>
           <a:p>
@@ -12989,14 +13508,14 @@
                 <a:latin typeface="Times New Roman" panose="02020603050405020304" pitchFamily="18" charset="0"/>
                 <a:cs typeface="Times New Roman" panose="02020603050405020304" pitchFamily="18" charset="0"/>
               </a:rPr>
-              <a:t>- </a:t>
+              <a:t>- Да </a:t>
             </a:r>
             <a:r>
               <a:rPr lang="ru-RU" sz="2400" dirty="0" err="1">
                 <a:latin typeface="Times New Roman" panose="02020603050405020304" pitchFamily="18" charset="0"/>
                 <a:cs typeface="Times New Roman" panose="02020603050405020304" pitchFamily="18" charset="0"/>
               </a:rPr>
-              <a:t>сподпомагане</a:t>
+              <a:t>помогне</a:t>
             </a:r>
             <a:r>
               <a:rPr lang="ru-RU" sz="2400" dirty="0">
@@ -13010,14 +13529,14 @@
                 <a:latin typeface="Times New Roman" panose="02020603050405020304" pitchFamily="18" charset="0"/>
                 <a:cs typeface="Times New Roman" panose="02020603050405020304" pitchFamily="18" charset="0"/>
               </a:rPr>
-              <a:t>улесняване</a:t>
+              <a:t>улесни</a:t>
             </a:r>
             <a:r>
               <a:rPr lang="ru-RU" sz="2400" dirty="0">
                 <a:latin typeface="Times New Roman" panose="02020603050405020304" pitchFamily="18" charset="0"/>
                 <a:cs typeface="Times New Roman" panose="02020603050405020304" pitchFamily="18" charset="0"/>
               </a:rPr>
-              <a:t> на </a:t>
+              <a:t> </a:t>
             </a:r>
             <a:r>
               <a:rPr lang="ru-RU" sz="2400" dirty="0" err="1">
@@ -14529,7 +15048,7 @@
                 <a:latin typeface="Times New Roman" panose="02020603050405020304" pitchFamily="18" charset="0"/>
                 <a:cs typeface="Times New Roman" panose="02020603050405020304" pitchFamily="18" charset="0"/>
               </a:rPr>
-              <a:t>Use Case Diagrams</a:t>
+              <a:t>Use Case Diagram</a:t>
             </a:r>
             <a:r>
               <a:rPr lang="bg-BG" sz="2800" dirty="0">
@@ -15406,6 +15925,112 @@
 </file>
 
 <file path=ppt/slides/slide7.xml><?xml version="1.0" encoding="utf-8"?>
+<p:sld xmlns:a="http://schemas.openxmlformats.org/drawingml/2006/main" xmlns:r="http://schemas.openxmlformats.org/officeDocument/2006/relationships" xmlns:p="http://schemas.openxmlformats.org/presentationml/2006/main">
+  <p:cSld>
+    <p:spTree>
+      <p:nvGrpSpPr>
+        <p:cNvPr id="1" name=""/>
+        <p:cNvGrpSpPr/>
+        <p:nvPr/>
+      </p:nvGrpSpPr>
+      <p:grpSpPr>
+        <a:xfrm>
+          <a:off x="0" y="0"/>
+          <a:ext cx="0" cy="0"/>
+          <a:chOff x="0" y="0"/>
+          <a:chExt cx="0" cy="0"/>
+        </a:xfrm>
+      </p:grpSpPr>
+      <p:sp>
+        <p:nvSpPr>
+          <p:cNvPr id="2" name="Заглавие 1">
+            <a:extLst>
+              <a:ext uri="{FF2B5EF4-FFF2-40B4-BE49-F238E27FC236}">
+                <a16:creationId xmlns:a16="http://schemas.microsoft.com/office/drawing/2014/main" id="{85D0AEA4-D062-9B22-D929-70EEB1DC3710}"/>
+              </a:ext>
+            </a:extLst>
+          </p:cNvPr>
+          <p:cNvSpPr>
+            <a:spLocks noGrp="1"/>
+          </p:cNvSpPr>
+          <p:nvPr>
+            <p:ph type="title"/>
+          </p:nvPr>
+        </p:nvSpPr>
+        <p:spPr>
+          <a:xfrm>
+            <a:off x="677334" y="263610"/>
+            <a:ext cx="8596668" cy="1320800"/>
+          </a:xfrm>
+        </p:spPr>
+        <p:txBody>
+          <a:bodyPr/>
+          <a:lstStyle/>
+          <a:p>
+            <a:pPr algn="ctr"/>
+            <a:r>
+              <a:rPr lang="en-US" dirty="0">
+                <a:latin typeface="Times New Roman" panose="02020603050405020304" pitchFamily="18" charset="0"/>
+                <a:cs typeface="Times New Roman" panose="02020603050405020304" pitchFamily="18" charset="0"/>
+              </a:rPr>
+              <a:t>Use Case Diagram</a:t>
+            </a:r>
+            <a:endParaRPr lang="bg-BG" dirty="0">
+              <a:latin typeface="Times New Roman" panose="02020603050405020304" pitchFamily="18" charset="0"/>
+              <a:cs typeface="Times New Roman" panose="02020603050405020304" pitchFamily="18" charset="0"/>
+            </a:endParaRPr>
+          </a:p>
+        </p:txBody>
+      </p:sp>
+      <p:pic>
+        <p:nvPicPr>
+          <p:cNvPr id="5" name="Контейнер за съдържание 4">
+            <a:extLst>
+              <a:ext uri="{FF2B5EF4-FFF2-40B4-BE49-F238E27FC236}">
+                <a16:creationId xmlns:a16="http://schemas.microsoft.com/office/drawing/2014/main" id="{2D744E8E-23F8-9784-0F77-39B70A61EBC3}"/>
+              </a:ext>
+            </a:extLst>
+          </p:cNvPr>
+          <p:cNvPicPr>
+            <a:picLocks noGrp="1" noChangeAspect="1"/>
+          </p:cNvPicPr>
+          <p:nvPr>
+            <p:ph idx="1"/>
+          </p:nvPr>
+        </p:nvPicPr>
+        <p:blipFill>
+          <a:blip r:embed="rId2">
+            <a:extLst>
+              <a:ext uri="{28A0092B-C50C-407E-A947-70E740481C1C}">
+                <a14:useLocalDpi xmlns:a14="http://schemas.microsoft.com/office/drawing/2010/main" val="0"/>
+              </a:ext>
+            </a:extLst>
+          </a:blip>
+          <a:stretch>
+            <a:fillRect/>
+          </a:stretch>
+        </p:blipFill>
+        <p:spPr>
+          <a:xfrm>
+            <a:off x="677334" y="1276865"/>
+            <a:ext cx="8518259" cy="4748685"/>
+          </a:xfrm>
+        </p:spPr>
+      </p:pic>
+    </p:spTree>
+    <p:extLst>
+      <p:ext uri="{BB962C8B-B14F-4D97-AF65-F5344CB8AC3E}">
+        <p14:creationId xmlns:p14="http://schemas.microsoft.com/office/powerpoint/2010/main" val="4123546608"/>
+      </p:ext>
+    </p:extLst>
+  </p:cSld>
+  <p:clrMapOvr>
+    <a:masterClrMapping/>
+  </p:clrMapOvr>
+</p:sld>
+</file>
+
+<file path=ppt/slides/slide8.xml><?xml version="1.0" encoding="utf-8"?>
 <p:sld xmlns:a="http://schemas.openxmlformats.org/drawingml/2006/main" xmlns:r="http://schemas.openxmlformats.org/officeDocument/2006/relationships" xmlns:p="http://schemas.openxmlformats.org/presentationml/2006/main">
   <p:cSld>
     <p:spTree>
@@ -15922,7 +16547,7 @@
 </p:sld>
 </file>
 
-<file path=ppt/slides/slide8.xml><?xml version="1.0" encoding="utf-8"?>
+<file path=ppt/slides/slide9.xml><?xml version="1.0" encoding="utf-8"?>
 <p:sld xmlns:a="http://schemas.openxmlformats.org/drawingml/2006/main" xmlns:r="http://schemas.openxmlformats.org/officeDocument/2006/relationships" xmlns:p="http://schemas.openxmlformats.org/presentationml/2006/main">
   <p:cSld>
     <p:spTree>
@@ -16274,362 +16899,6 @@
     </p:tnLst>
     <p:bldLst>
       <p:bldP spid="6" grpId="0"/>
-    </p:bldLst>
-  </p:timing>
-</p:sld>
-</file>
-
-<file path=ppt/slides/slide9.xml><?xml version="1.0" encoding="utf-8"?>
-<p:sld xmlns:a="http://schemas.openxmlformats.org/drawingml/2006/main" xmlns:r="http://schemas.openxmlformats.org/officeDocument/2006/relationships" xmlns:p="http://schemas.openxmlformats.org/presentationml/2006/main">
-  <p:cSld>
-    <p:spTree>
-      <p:nvGrpSpPr>
-        <p:cNvPr id="1" name=""/>
-        <p:cNvGrpSpPr/>
-        <p:nvPr/>
-      </p:nvGrpSpPr>
-      <p:grpSpPr>
-        <a:xfrm>
-          <a:off x="0" y="0"/>
-          <a:ext cx="0" cy="0"/>
-          <a:chOff x="0" y="0"/>
-          <a:chExt cx="0" cy="0"/>
-        </a:xfrm>
-      </p:grpSpPr>
-      <p:sp>
-        <p:nvSpPr>
-          <p:cNvPr id="2" name="Заглавие 1">
-            <a:extLst>
-              <a:ext uri="{FF2B5EF4-FFF2-40B4-BE49-F238E27FC236}">
-                <a16:creationId xmlns:a16="http://schemas.microsoft.com/office/drawing/2014/main" id="{CB09C1EB-7708-31CA-C537-71F92B5502AE}"/>
-              </a:ext>
-            </a:extLst>
-          </p:cNvPr>
-          <p:cNvSpPr>
-            <a:spLocks noGrp="1"/>
-          </p:cNvSpPr>
-          <p:nvPr>
-            <p:ph type="title"/>
-          </p:nvPr>
-        </p:nvSpPr>
-        <p:spPr>
-          <a:xfrm>
-            <a:off x="649153" y="533400"/>
-            <a:ext cx="8596668" cy="1320800"/>
-          </a:xfrm>
-        </p:spPr>
-        <p:txBody>
-          <a:bodyPr/>
-          <a:lstStyle/>
-          <a:p>
-            <a:pPr algn="ctr"/>
-            <a:r>
-              <a:rPr lang="bg-BG" dirty="0">
-                <a:latin typeface="Times New Roman" panose="02020603050405020304" pitchFamily="18" charset="0"/>
-                <a:cs typeface="Times New Roman" panose="02020603050405020304" pitchFamily="18" charset="0"/>
-              </a:rPr>
-              <a:t>Структура на базата от данни</a:t>
-            </a:r>
-          </a:p>
-        </p:txBody>
-      </p:sp>
-      <p:pic>
-        <p:nvPicPr>
-          <p:cNvPr id="5" name="Контейнер за съдържание 4">
-            <a:extLst>
-              <a:ext uri="{FF2B5EF4-FFF2-40B4-BE49-F238E27FC236}">
-                <a16:creationId xmlns:a16="http://schemas.microsoft.com/office/drawing/2014/main" id="{8687142D-02FB-04ED-6041-A6450DE19EA2}"/>
-              </a:ext>
-            </a:extLst>
-          </p:cNvPr>
-          <p:cNvPicPr>
-            <a:picLocks noGrp="1" noChangeAspect="1"/>
-          </p:cNvPicPr>
-          <p:nvPr>
-            <p:ph idx="1"/>
-          </p:nvPr>
-        </p:nvPicPr>
-        <p:blipFill>
-          <a:blip r:embed="rId2">
-            <a:extLst>
-              <a:ext uri="{28A0092B-C50C-407E-A947-70E740481C1C}">
-                <a14:useLocalDpi xmlns:a14="http://schemas.microsoft.com/office/drawing/2010/main" val="0"/>
-              </a:ext>
-            </a:extLst>
-          </a:blip>
-          <a:stretch>
-            <a:fillRect/>
-          </a:stretch>
-        </p:blipFill>
-        <p:spPr>
-          <a:xfrm>
-            <a:off x="1427251" y="1461818"/>
-            <a:ext cx="7040473" cy="4853257"/>
-          </a:xfrm>
-        </p:spPr>
-      </p:pic>
-    </p:spTree>
-    <p:extLst>
-      <p:ext uri="{BB962C8B-B14F-4D97-AF65-F5344CB8AC3E}">
-        <p14:creationId xmlns:p14="http://schemas.microsoft.com/office/powerpoint/2010/main" val="3881202917"/>
-      </p:ext>
-    </p:extLst>
-  </p:cSld>
-  <p:clrMapOvr>
-    <a:masterClrMapping/>
-  </p:clrMapOvr>
-  <p:timing>
-    <p:tnLst>
-      <p:par>
-        <p:cTn id="1" dur="indefinite" restart="never" nodeType="tmRoot">
-          <p:childTnLst>
-            <p:seq concurrent="1" nextAc="seek">
-              <p:cTn id="2" dur="indefinite" nodeType="mainSeq">
-                <p:childTnLst>
-                  <p:par>
-                    <p:cTn id="3" fill="hold">
-                      <p:stCondLst>
-                        <p:cond delay="indefinite"/>
-                      </p:stCondLst>
-                      <p:childTnLst>
-                        <p:par>
-                          <p:cTn id="4" fill="hold">
-                            <p:stCondLst>
-                              <p:cond delay="0"/>
-                            </p:stCondLst>
-                            <p:childTnLst>
-                              <p:par>
-                                <p:cTn id="5" presetID="31" presetClass="entr" presetSubtype="0" fill="hold" grpId="0" nodeType="clickEffect">
-                                  <p:stCondLst>
-                                    <p:cond delay="0"/>
-                                  </p:stCondLst>
-                                  <p:childTnLst>
-                                    <p:set>
-                                      <p:cBhvr>
-                                        <p:cTn id="6" dur="1" fill="hold">
-                                          <p:stCondLst>
-                                            <p:cond delay="0"/>
-                                          </p:stCondLst>
-                                        </p:cTn>
-                                        <p:tgtEl>
-                                          <p:spTgt spid="2"/>
-                                        </p:tgtEl>
-                                        <p:attrNameLst>
-                                          <p:attrName>style.visibility</p:attrName>
-                                        </p:attrNameLst>
-                                      </p:cBhvr>
-                                      <p:to>
-                                        <p:strVal val="visible"/>
-                                      </p:to>
-                                    </p:set>
-                                    <p:anim calcmode="lin" valueType="num">
-                                      <p:cBhvr>
-                                        <p:cTn id="7" dur="1000" fill="hold"/>
-                                        <p:tgtEl>
-                                          <p:spTgt spid="2"/>
-                                        </p:tgtEl>
-                                        <p:attrNameLst>
-                                          <p:attrName>ppt_w</p:attrName>
-                                        </p:attrNameLst>
-                                      </p:cBhvr>
-                                      <p:tavLst>
-                                        <p:tav tm="0">
-                                          <p:val>
-                                            <p:fltVal val="0"/>
-                                          </p:val>
-                                        </p:tav>
-                                        <p:tav tm="100000">
-                                          <p:val>
-                                            <p:strVal val="#ppt_w"/>
-                                          </p:val>
-                                        </p:tav>
-                                      </p:tavLst>
-                                    </p:anim>
-                                    <p:anim calcmode="lin" valueType="num">
-                                      <p:cBhvr>
-                                        <p:cTn id="8" dur="1000" fill="hold"/>
-                                        <p:tgtEl>
-                                          <p:spTgt spid="2"/>
-                                        </p:tgtEl>
-                                        <p:attrNameLst>
-                                          <p:attrName>ppt_h</p:attrName>
-                                        </p:attrNameLst>
-                                      </p:cBhvr>
-                                      <p:tavLst>
-                                        <p:tav tm="0">
-                                          <p:val>
-                                            <p:fltVal val="0"/>
-                                          </p:val>
-                                        </p:tav>
-                                        <p:tav tm="100000">
-                                          <p:val>
-                                            <p:strVal val="#ppt_h"/>
-                                          </p:val>
-                                        </p:tav>
-                                      </p:tavLst>
-                                    </p:anim>
-                                    <p:anim calcmode="lin" valueType="num">
-                                      <p:cBhvr>
-                                        <p:cTn id="9" dur="1000" fill="hold"/>
-                                        <p:tgtEl>
-                                          <p:spTgt spid="2"/>
-                                        </p:tgtEl>
-                                        <p:attrNameLst>
-                                          <p:attrName>style.rotation</p:attrName>
-                                        </p:attrNameLst>
-                                      </p:cBhvr>
-                                      <p:tavLst>
-                                        <p:tav tm="0">
-                                          <p:val>
-                                            <p:fltVal val="90"/>
-                                          </p:val>
-                                        </p:tav>
-                                        <p:tav tm="100000">
-                                          <p:val>
-                                            <p:fltVal val="0"/>
-                                          </p:val>
-                                        </p:tav>
-                                      </p:tavLst>
-                                    </p:anim>
-                                    <p:animEffect transition="in" filter="fade">
-                                      <p:cBhvr>
-                                        <p:cTn id="10" dur="1000"/>
-                                        <p:tgtEl>
-                                          <p:spTgt spid="2"/>
-                                        </p:tgtEl>
-                                      </p:cBhvr>
-                                    </p:animEffect>
-                                  </p:childTnLst>
-                                </p:cTn>
-                              </p:par>
-                            </p:childTnLst>
-                          </p:cTn>
-                        </p:par>
-                      </p:childTnLst>
-                    </p:cTn>
-                  </p:par>
-                  <p:par>
-                    <p:cTn id="11" fill="hold">
-                      <p:stCondLst>
-                        <p:cond delay="indefinite"/>
-                      </p:stCondLst>
-                      <p:childTnLst>
-                        <p:par>
-                          <p:cTn id="12" fill="hold">
-                            <p:stCondLst>
-                              <p:cond delay="0"/>
-                            </p:stCondLst>
-                            <p:childTnLst>
-                              <p:par>
-                                <p:cTn id="13" presetID="53" presetClass="entr" presetSubtype="16" fill="hold" nodeType="clickEffect">
-                                  <p:stCondLst>
-                                    <p:cond delay="0"/>
-                                  </p:stCondLst>
-                                  <p:childTnLst>
-                                    <p:set>
-                                      <p:cBhvr>
-                                        <p:cTn id="14" dur="1" fill="hold">
-                                          <p:stCondLst>
-                                            <p:cond delay="0"/>
-                                          </p:stCondLst>
-                                        </p:cTn>
-                                        <p:tgtEl>
-                                          <p:spTgt spid="5"/>
-                                        </p:tgtEl>
-                                        <p:attrNameLst>
-                                          <p:attrName>style.visibility</p:attrName>
-                                        </p:attrNameLst>
-                                      </p:cBhvr>
-                                      <p:to>
-                                        <p:strVal val="visible"/>
-                                      </p:to>
-                                    </p:set>
-                                    <p:anim calcmode="lin" valueType="num">
-                                      <p:cBhvr>
-                                        <p:cTn id="15" dur="500" fill="hold"/>
-                                        <p:tgtEl>
-                                          <p:spTgt spid="5"/>
-                                        </p:tgtEl>
-                                        <p:attrNameLst>
-                                          <p:attrName>ppt_w</p:attrName>
-                                        </p:attrNameLst>
-                                      </p:cBhvr>
-                                      <p:tavLst>
-                                        <p:tav tm="0">
-                                          <p:val>
-                                            <p:fltVal val="0"/>
-                                          </p:val>
-                                        </p:tav>
-                                        <p:tav tm="100000">
-                                          <p:val>
-                                            <p:strVal val="#ppt_w"/>
-                                          </p:val>
-                                        </p:tav>
-                                      </p:tavLst>
-                                    </p:anim>
-                                    <p:anim calcmode="lin" valueType="num">
-                                      <p:cBhvr>
-                                        <p:cTn id="16" dur="500" fill="hold"/>
-                                        <p:tgtEl>
-                                          <p:spTgt spid="5"/>
-                                        </p:tgtEl>
-                                        <p:attrNameLst>
-                                          <p:attrName>ppt_h</p:attrName>
-                                        </p:attrNameLst>
-                                      </p:cBhvr>
-                                      <p:tavLst>
-                                        <p:tav tm="0">
-                                          <p:val>
-                                            <p:fltVal val="0"/>
-                                          </p:val>
-                                        </p:tav>
-                                        <p:tav tm="100000">
-                                          <p:val>
-                                            <p:strVal val="#ppt_h"/>
-                                          </p:val>
-                                        </p:tav>
-                                      </p:tavLst>
-                                    </p:anim>
-                                    <p:animEffect transition="in" filter="fade">
-                                      <p:cBhvr>
-                                        <p:cTn id="17" dur="500"/>
-                                        <p:tgtEl>
-                                          <p:spTgt spid="5"/>
-                                        </p:tgtEl>
-                                      </p:cBhvr>
-                                    </p:animEffect>
-                                  </p:childTnLst>
-                                </p:cTn>
-                              </p:par>
-                            </p:childTnLst>
-                          </p:cTn>
-                        </p:par>
-                      </p:childTnLst>
-                    </p:cTn>
-                  </p:par>
-                </p:childTnLst>
-              </p:cTn>
-              <p:prevCondLst>
-                <p:cond evt="onPrev" delay="0">
-                  <p:tgtEl>
-                    <p:sldTgt/>
-                  </p:tgtEl>
-                </p:cond>
-              </p:prevCondLst>
-              <p:nextCondLst>
-                <p:cond evt="onNext" delay="0">
-                  <p:tgtEl>
-                    <p:sldTgt/>
-                  </p:tgtEl>
-                </p:cond>
-              </p:nextCondLst>
-            </p:seq>
-          </p:childTnLst>
-        </p:cTn>
-      </p:par>
-    </p:tnLst>
-    <p:bldLst>
-      <p:bldP spid="2" grpId="0"/>
     </p:bldLst>
   </p:timing>
 </p:sld>

--- a/Дипломна работа - Атанас Георгиев Колев - Презентация.pptx
+++ b/Дипломна работа - Атанас Георгиев Колев - Презентация.pptx
@@ -14,10 +14,12 @@
     <p:sldId id="268" r:id="rId8"/>
     <p:sldId id="262" r:id="rId9"/>
     <p:sldId id="263" r:id="rId10"/>
-    <p:sldId id="264" r:id="rId11"/>
-    <p:sldId id="265" r:id="rId12"/>
-    <p:sldId id="266" r:id="rId13"/>
-    <p:sldId id="267" r:id="rId14"/>
+    <p:sldId id="269" r:id="rId11"/>
+    <p:sldId id="264" r:id="rId12"/>
+    <p:sldId id="265" r:id="rId13"/>
+    <p:sldId id="266" r:id="rId14"/>
+    <p:sldId id="270" r:id="rId15"/>
+    <p:sldId id="267" r:id="rId16"/>
   </p:sldIdLst>
   <p:sldSz cx="12192000" cy="6858000"/>
   <p:notesSz cx="6858000" cy="9144000"/>
@@ -846,7 +848,7 @@
           <a:p>
             <a:fld id="{6E607617-43E4-4581-8577-C231675FE8B9}" type="datetimeFigureOut">
               <a:rPr lang="bg-BG" smtClean="0"/>
-              <a:t>9.5.2022 г.</a:t>
+              <a:t>11.5.2022 г.</a:t>
             </a:fld>
             <a:endParaRPr lang="bg-BG"/>
           </a:p>
@@ -1097,7 +1099,7 @@
           <a:p>
             <a:fld id="{6E607617-43E4-4581-8577-C231675FE8B9}" type="datetimeFigureOut">
               <a:rPr lang="bg-BG" smtClean="0"/>
-              <a:t>9.5.2022 г.</a:t>
+              <a:t>11.5.2022 г.</a:t>
             </a:fld>
             <a:endParaRPr lang="bg-BG"/>
           </a:p>
@@ -1411,7 +1413,7 @@
           <a:p>
             <a:fld id="{6E607617-43E4-4581-8577-C231675FE8B9}" type="datetimeFigureOut">
               <a:rPr lang="bg-BG" smtClean="0"/>
-              <a:t>9.5.2022 г.</a:t>
+              <a:t>11.5.2022 г.</a:t>
             </a:fld>
             <a:endParaRPr lang="bg-BG"/>
           </a:p>
@@ -1752,7 +1754,7 @@
           <a:p>
             <a:fld id="{6E607617-43E4-4581-8577-C231675FE8B9}" type="datetimeFigureOut">
               <a:rPr lang="bg-BG" smtClean="0"/>
-              <a:t>9.5.2022 г.</a:t>
+              <a:t>11.5.2022 г.</a:t>
             </a:fld>
             <a:endParaRPr lang="bg-BG"/>
           </a:p>
@@ -2066,7 +2068,7 @@
           <a:p>
             <a:fld id="{6E607617-43E4-4581-8577-C231675FE8B9}" type="datetimeFigureOut">
               <a:rPr lang="bg-BG" smtClean="0"/>
-              <a:t>9.5.2022 г.</a:t>
+              <a:t>11.5.2022 г.</a:t>
             </a:fld>
             <a:endParaRPr lang="bg-BG"/>
           </a:p>
@@ -2459,7 +2461,7 @@
           <a:p>
             <a:fld id="{6E607617-43E4-4581-8577-C231675FE8B9}" type="datetimeFigureOut">
               <a:rPr lang="bg-BG" smtClean="0"/>
-              <a:t>9.5.2022 г.</a:t>
+              <a:t>11.5.2022 г.</a:t>
             </a:fld>
             <a:endParaRPr lang="bg-BG"/>
           </a:p>
@@ -2629,7 +2631,7 @@
           <a:p>
             <a:fld id="{6E607617-43E4-4581-8577-C231675FE8B9}" type="datetimeFigureOut">
               <a:rPr lang="bg-BG" smtClean="0"/>
-              <a:t>9.5.2022 г.</a:t>
+              <a:t>11.5.2022 г.</a:t>
             </a:fld>
             <a:endParaRPr lang="bg-BG"/>
           </a:p>
@@ -2809,7 +2811,7 @@
           <a:p>
             <a:fld id="{6E607617-43E4-4581-8577-C231675FE8B9}" type="datetimeFigureOut">
               <a:rPr lang="bg-BG" smtClean="0"/>
-              <a:t>9.5.2022 г.</a:t>
+              <a:t>11.5.2022 г.</a:t>
             </a:fld>
             <a:endParaRPr lang="bg-BG"/>
           </a:p>
@@ -2985,7 +2987,7 @@
           <a:p>
             <a:fld id="{6E607617-43E4-4581-8577-C231675FE8B9}" type="datetimeFigureOut">
               <a:rPr lang="bg-BG" smtClean="0"/>
-              <a:t>9.5.2022 г.</a:t>
+              <a:t>11.5.2022 г.</a:t>
             </a:fld>
             <a:endParaRPr lang="bg-BG"/>
           </a:p>
@@ -3232,7 +3234,7 @@
           <a:p>
             <a:fld id="{6E607617-43E4-4581-8577-C231675FE8B9}" type="datetimeFigureOut">
               <a:rPr lang="bg-BG" smtClean="0"/>
-              <a:t>9.5.2022 г.</a:t>
+              <a:t>11.5.2022 г.</a:t>
             </a:fld>
             <a:endParaRPr lang="bg-BG"/>
           </a:p>
@@ -3464,7 +3466,7 @@
           <a:p>
             <a:fld id="{6E607617-43E4-4581-8577-C231675FE8B9}" type="datetimeFigureOut">
               <a:rPr lang="bg-BG" smtClean="0"/>
-              <a:t>9.5.2022 г.</a:t>
+              <a:t>11.5.2022 г.</a:t>
             </a:fld>
             <a:endParaRPr lang="bg-BG"/>
           </a:p>
@@ -3838,7 +3840,7 @@
           <a:p>
             <a:fld id="{6E607617-43E4-4581-8577-C231675FE8B9}" type="datetimeFigureOut">
               <a:rPr lang="bg-BG" smtClean="0"/>
-              <a:t>9.5.2022 г.</a:t>
+              <a:t>11.5.2022 г.</a:t>
             </a:fld>
             <a:endParaRPr lang="bg-BG"/>
           </a:p>
@@ -3961,7 +3963,7 @@
           <a:p>
             <a:fld id="{6E607617-43E4-4581-8577-C231675FE8B9}" type="datetimeFigureOut">
               <a:rPr lang="bg-BG" smtClean="0"/>
-              <a:t>9.5.2022 г.</a:t>
+              <a:t>11.5.2022 г.</a:t>
             </a:fld>
             <a:endParaRPr lang="bg-BG"/>
           </a:p>
@@ -4056,7 +4058,7 @@
           <a:p>
             <a:fld id="{6E607617-43E4-4581-8577-C231675FE8B9}" type="datetimeFigureOut">
               <a:rPr lang="bg-BG" smtClean="0"/>
-              <a:t>9.5.2022 г.</a:t>
+              <a:t>11.5.2022 г.</a:t>
             </a:fld>
             <a:endParaRPr lang="bg-BG"/>
           </a:p>
@@ -4311,7 +4313,7 @@
           <a:p>
             <a:fld id="{6E607617-43E4-4581-8577-C231675FE8B9}" type="datetimeFigureOut">
               <a:rPr lang="bg-BG" smtClean="0"/>
-              <a:t>9.5.2022 г.</a:t>
+              <a:t>11.5.2022 г.</a:t>
             </a:fld>
             <a:endParaRPr lang="bg-BG"/>
           </a:p>
@@ -4574,7 +4576,7 @@
           <a:p>
             <a:fld id="{6E607617-43E4-4581-8577-C231675FE8B9}" type="datetimeFigureOut">
               <a:rPr lang="bg-BG" smtClean="0"/>
-              <a:t>9.5.2022 г.</a:t>
+              <a:t>11.5.2022 г.</a:t>
             </a:fld>
             <a:endParaRPr lang="bg-BG"/>
           </a:p>
@@ -5317,7 +5319,7 @@
           <a:p>
             <a:fld id="{6E607617-43E4-4581-8577-C231675FE8B9}" type="datetimeFigureOut">
               <a:rPr lang="bg-BG" smtClean="0"/>
-              <a:t>9.5.2022 г.</a:t>
+              <a:t>11.5.2022 г.</a:t>
             </a:fld>
             <a:endParaRPr lang="bg-BG"/>
           </a:p>
@@ -5857,7 +5859,7 @@
         </p:nvSpPr>
         <p:spPr bwMode="auto">
           <a:xfrm flipV="1">
-            <a:off x="2204243" y="1330575"/>
+            <a:off x="2204243" y="1258708"/>
             <a:ext cx="7467600" cy="46037"/>
           </a:xfrm>
           <a:custGeom>
@@ -6044,7 +6046,7 @@
         </p:nvSpPr>
         <p:spPr bwMode="auto">
           <a:xfrm>
-            <a:off x="1480343" y="495360"/>
+            <a:off x="1408170" y="500564"/>
             <a:ext cx="8915400" cy="671512"/>
           </a:xfrm>
           <a:prstGeom prst="rect">
@@ -6543,7 +6545,7 @@
         <p:spPr bwMode="auto">
           <a:xfrm>
             <a:off x="1810543" y="3573712"/>
-            <a:ext cx="8019257" cy="957250"/>
+            <a:ext cx="8019257" cy="615553"/>
           </a:xfrm>
           <a:prstGeom prst="rect">
             <a:avLst/>
@@ -6693,22 +6695,8 @@
                 <a:latin typeface="Times New Roman" panose="02020603050405020304" pitchFamily="18" charset="0"/>
                 <a:cs typeface="Times New Roman" panose="02020603050405020304" pitchFamily="18" charset="0"/>
               </a:rPr>
-              <a:t>Тема:</a:t>
-            </a:r>
-            <a:endParaRPr lang="bg-BG" altLang="bg-BG" b="1" i="1" u="sng" dirty="0">
-              <a:latin typeface="Times New Roman" panose="02020603050405020304" pitchFamily="18" charset="0"/>
-              <a:cs typeface="Times New Roman" panose="02020603050405020304" pitchFamily="18" charset="0"/>
-            </a:endParaRPr>
-          </a:p>
-          <a:p>
-            <a:pPr eaLnBrk="1" hangingPunct="1">
-              <a:lnSpc>
-                <a:spcPct val="108000"/>
-              </a:lnSpc>
-              <a:spcBef>
-                <a:spcPts val="338"/>
-              </a:spcBef>
-            </a:pPr>
+              <a:t>Тема: </a:t>
+            </a:r>
             <a:r>
               <a:rPr lang="ru-RU" altLang="bg-BG" sz="2000" b="1" dirty="0">
                 <a:solidFill>
@@ -6820,8 +6808,8 @@
         </p:nvSpPr>
         <p:spPr>
           <a:xfrm>
-            <a:off x="592931" y="5206977"/>
-            <a:ext cx="4110037" cy="530225"/>
+            <a:off x="592931" y="5466262"/>
+            <a:ext cx="4110037" cy="246221"/>
           </a:xfrm>
           <a:prstGeom prst="rect">
             <a:avLst/>
@@ -6843,6 +6831,16 @@
               <a:defRPr/>
             </a:pPr>
             <a:r>
+              <a:rPr sz="1600" b="1" i="1" spc="42" dirty="0" err="1">
+                <a:solidFill>
+                  <a:srgbClr val="2A2628"/>
+                </a:solidFill>
+                <a:latin typeface="Times New Roman"/>
+                <a:cs typeface="Times New Roman"/>
+              </a:rPr>
+              <a:t>Дипломант</a:t>
+            </a:r>
+            <a:r>
               <a:rPr sz="1600" b="1" i="1" spc="42" dirty="0">
                 <a:solidFill>
                   <a:srgbClr val="2A2628"/>
@@ -6850,23 +6848,15 @@
                 <a:latin typeface="Times New Roman"/>
                 <a:cs typeface="Times New Roman"/>
               </a:rPr>
-              <a:t>Дипломант:</a:t>
-            </a:r>
-            <a:endParaRPr sz="1600" b="1" i="1" dirty="0">
-              <a:latin typeface="Times New Roman"/>
-              <a:cs typeface="Times New Roman"/>
-            </a:endParaRPr>
-          </a:p>
-          <a:p>
-            <a:pPr marL="8975" eaLnBrk="1" fontAlgn="auto" hangingPunct="1">
-              <a:spcBef>
-                <a:spcPts val="329"/>
-              </a:spcBef>
-              <a:spcAft>
-                <a:spcPts val="0"/>
-              </a:spcAft>
-              <a:defRPr/>
-            </a:pPr>
+              <a:t>:</a:t>
+            </a:r>
+            <a:r>
+              <a:rPr lang="bg-BG" sz="1600" b="1" i="1" dirty="0">
+                <a:latin typeface="Times New Roman"/>
+                <a:cs typeface="Times New Roman"/>
+              </a:rPr>
+              <a:t> </a:t>
+            </a:r>
             <a:r>
               <a:rPr lang="bg-BG" sz="1600" spc="11" dirty="0">
                 <a:solidFill>
@@ -6875,7 +6865,7 @@
                 <a:latin typeface="Times New Roman"/>
                 <a:cs typeface="Times New Roman"/>
               </a:rPr>
-              <a:t>                  Атанас Георгиев Колев</a:t>
+              <a:t>Атанас Георгиев Колев</a:t>
             </a:r>
             <a:endParaRPr sz="1600" dirty="0">
               <a:latin typeface="Times New Roman"/>
@@ -7054,7 +7044,7 @@
         </p:blipFill>
         <p:spPr bwMode="auto">
           <a:xfrm>
-            <a:off x="766440" y="321116"/>
+            <a:off x="775551" y="364074"/>
             <a:ext cx="1265237" cy="1265238"/>
           </a:xfrm>
           <a:prstGeom prst="rect">
@@ -7099,8 +7089,8 @@
         </p:nvSpPr>
         <p:spPr>
           <a:xfrm>
-            <a:off x="7080164" y="5506727"/>
-            <a:ext cx="2394830" cy="584775"/>
+            <a:off x="5771583" y="5752869"/>
+            <a:ext cx="2986474" cy="338554"/>
           </a:xfrm>
           <a:prstGeom prst="rect">
             <a:avLst/>
@@ -7118,16 +7108,14 @@
                 <a:latin typeface="Times New Roman" panose="02020603050405020304" pitchFamily="18" charset="0"/>
                 <a:cs typeface="Times New Roman" panose="02020603050405020304" pitchFamily="18" charset="0"/>
               </a:rPr>
-              <a:t>Консултант:</a:t>
-            </a:r>
-          </a:p>
-          <a:p>
+              <a:t>Консултант: </a:t>
+            </a:r>
             <a:r>
               <a:rPr lang="bg-BG" sz="1600" dirty="0">
                 <a:latin typeface="Times New Roman" panose="02020603050405020304" pitchFamily="18" charset="0"/>
                 <a:cs typeface="Times New Roman" panose="02020603050405020304" pitchFamily="18" charset="0"/>
               </a:rPr>
-              <a:t>          Стоян </a:t>
+              <a:t>Стоян </a:t>
             </a:r>
             <a:r>
               <a:rPr lang="bg-BG" sz="1600" dirty="0" err="1">
@@ -7157,6 +7145,886 @@
 </file>
 
 <file path=ppt/slides/slide10.xml><?xml version="1.0" encoding="utf-8"?>
+<p:sld xmlns:a="http://schemas.openxmlformats.org/drawingml/2006/main" xmlns:r="http://schemas.openxmlformats.org/officeDocument/2006/relationships" xmlns:p="http://schemas.openxmlformats.org/presentationml/2006/main">
+  <p:cSld>
+    <p:spTree>
+      <p:nvGrpSpPr>
+        <p:cNvPr id="1" name=""/>
+        <p:cNvGrpSpPr/>
+        <p:nvPr/>
+      </p:nvGrpSpPr>
+      <p:grpSpPr>
+        <a:xfrm>
+          <a:off x="0" y="0"/>
+          <a:ext cx="0" cy="0"/>
+          <a:chOff x="0" y="0"/>
+          <a:chExt cx="0" cy="0"/>
+        </a:xfrm>
+      </p:grpSpPr>
+      <p:sp>
+        <p:nvSpPr>
+          <p:cNvPr id="2" name="Заглавие 1">
+            <a:extLst>
+              <a:ext uri="{FF2B5EF4-FFF2-40B4-BE49-F238E27FC236}">
+                <a16:creationId xmlns:a16="http://schemas.microsoft.com/office/drawing/2014/main" id="{1511B8FD-C0B8-6A69-D1C0-34CD853DB3D8}"/>
+              </a:ext>
+            </a:extLst>
+          </p:cNvPr>
+          <p:cNvSpPr>
+            <a:spLocks noGrp="1"/>
+          </p:cNvSpPr>
+          <p:nvPr>
+            <p:ph type="title"/>
+          </p:nvPr>
+        </p:nvSpPr>
+        <p:spPr>
+          <a:xfrm>
+            <a:off x="629353" y="474933"/>
+            <a:ext cx="8596668" cy="1320800"/>
+          </a:xfrm>
+        </p:spPr>
+        <p:txBody>
+          <a:bodyPr/>
+          <a:lstStyle/>
+          <a:p>
+            <a:pPr algn="ctr"/>
+            <a:r>
+              <a:rPr lang="bg-BG" dirty="0">
+                <a:latin typeface="Times New Roman" panose="02020603050405020304" pitchFamily="18" charset="0"/>
+                <a:cs typeface="Times New Roman" panose="02020603050405020304" pitchFamily="18" charset="0"/>
+              </a:rPr>
+              <a:t>Секция „Разписание“ </a:t>
+            </a:r>
+          </a:p>
+        </p:txBody>
+      </p:sp>
+      <p:pic>
+        <p:nvPicPr>
+          <p:cNvPr id="5" name="Контейнер за съдържание 4">
+            <a:extLst>
+              <a:ext uri="{FF2B5EF4-FFF2-40B4-BE49-F238E27FC236}">
+                <a16:creationId xmlns:a16="http://schemas.microsoft.com/office/drawing/2014/main" id="{E8C81B37-85B4-7377-8D9D-B92C9D1A3B36}"/>
+              </a:ext>
+            </a:extLst>
+          </p:cNvPr>
+          <p:cNvPicPr>
+            <a:picLocks noGrp="1" noChangeAspect="1"/>
+          </p:cNvPicPr>
+          <p:nvPr>
+            <p:ph idx="1"/>
+          </p:nvPr>
+        </p:nvPicPr>
+        <p:blipFill>
+          <a:blip r:embed="rId2">
+            <a:extLst>
+              <a:ext uri="{28A0092B-C50C-407E-A947-70E740481C1C}">
+                <a14:useLocalDpi xmlns:a14="http://schemas.microsoft.com/office/drawing/2010/main" val="0"/>
+              </a:ext>
+            </a:extLst>
+          </a:blip>
+          <a:stretch>
+            <a:fillRect/>
+          </a:stretch>
+        </p:blipFill>
+        <p:spPr>
+          <a:xfrm>
+            <a:off x="423407" y="1982719"/>
+            <a:ext cx="4280399" cy="3649333"/>
+          </a:xfrm>
+          <a:prstGeom prst="roundRect">
+            <a:avLst>
+              <a:gd name="adj" fmla="val 8594"/>
+            </a:avLst>
+          </a:prstGeom>
+          <a:solidFill>
+            <a:srgbClr val="FFFFFF">
+              <a:shade val="85000"/>
+            </a:srgbClr>
+          </a:solidFill>
+          <a:ln>
+            <a:noFill/>
+          </a:ln>
+          <a:effectLst>
+            <a:reflection blurRad="12700" stA="38000" endPos="28000" dist="5000" dir="5400000" sy="-100000" algn="bl" rotWithShape="0"/>
+          </a:effectLst>
+        </p:spPr>
+      </p:pic>
+      <p:pic>
+        <p:nvPicPr>
+          <p:cNvPr id="7" name="Картина 6">
+            <a:extLst>
+              <a:ext uri="{FF2B5EF4-FFF2-40B4-BE49-F238E27FC236}">
+                <a16:creationId xmlns:a16="http://schemas.microsoft.com/office/drawing/2014/main" id="{4AC2AD5E-AFB9-04D8-E15D-9AE6E587E521}"/>
+              </a:ext>
+            </a:extLst>
+          </p:cNvPr>
+          <p:cNvPicPr>
+            <a:picLocks noChangeAspect="1"/>
+          </p:cNvPicPr>
+          <p:nvPr/>
+        </p:nvPicPr>
+        <p:blipFill>
+          <a:blip r:embed="rId3">
+            <a:extLst>
+              <a:ext uri="{28A0092B-C50C-407E-A947-70E740481C1C}">
+                <a14:useLocalDpi xmlns:a14="http://schemas.microsoft.com/office/drawing/2010/main" val="0"/>
+              </a:ext>
+            </a:extLst>
+          </a:blip>
+          <a:stretch>
+            <a:fillRect/>
+          </a:stretch>
+        </p:blipFill>
+        <p:spPr>
+          <a:xfrm>
+            <a:off x="5058046" y="1982719"/>
+            <a:ext cx="4280399" cy="3524594"/>
+          </a:xfrm>
+          <a:prstGeom prst="roundRect">
+            <a:avLst>
+              <a:gd name="adj" fmla="val 8594"/>
+            </a:avLst>
+          </a:prstGeom>
+          <a:solidFill>
+            <a:srgbClr val="FFFFFF">
+              <a:shade val="85000"/>
+            </a:srgbClr>
+          </a:solidFill>
+          <a:ln>
+            <a:noFill/>
+          </a:ln>
+          <a:effectLst>
+            <a:reflection blurRad="12700" stA="38000" endPos="28000" dist="5000" dir="5400000" sy="-100000" algn="bl" rotWithShape="0"/>
+          </a:effectLst>
+        </p:spPr>
+      </p:pic>
+      <p:sp>
+        <p:nvSpPr>
+          <p:cNvPr id="8" name="Текстово поле 7">
+            <a:extLst>
+              <a:ext uri="{FF2B5EF4-FFF2-40B4-BE49-F238E27FC236}">
+                <a16:creationId xmlns:a16="http://schemas.microsoft.com/office/drawing/2014/main" id="{9C0724F9-0BBE-FA18-CEEE-7D0E5F0B9430}"/>
+              </a:ext>
+            </a:extLst>
+          </p:cNvPr>
+          <p:cNvSpPr txBox="1"/>
+          <p:nvPr/>
+        </p:nvSpPr>
+        <p:spPr>
+          <a:xfrm>
+            <a:off x="1891082" y="1519894"/>
+            <a:ext cx="1345048" cy="369332"/>
+          </a:xfrm>
+          <a:prstGeom prst="rect">
+            <a:avLst/>
+          </a:prstGeom>
+          <a:noFill/>
+        </p:spPr>
+        <p:txBody>
+          <a:bodyPr wrap="none" rtlCol="0">
+            <a:spAutoFit/>
+          </a:bodyPr>
+          <a:lstStyle/>
+          <a:p>
+            <a:r>
+              <a:rPr lang="bg-BG" dirty="0">
+                <a:latin typeface="Times New Roman" panose="02020603050405020304" pitchFamily="18" charset="0"/>
+                <a:cs typeface="Times New Roman" panose="02020603050405020304" pitchFamily="18" charset="0"/>
+              </a:rPr>
+              <a:t>Потребител</a:t>
+            </a:r>
+          </a:p>
+        </p:txBody>
+      </p:sp>
+      <p:sp>
+        <p:nvSpPr>
+          <p:cNvPr id="9" name="Текстово поле 8">
+            <a:extLst>
+              <a:ext uri="{FF2B5EF4-FFF2-40B4-BE49-F238E27FC236}">
+                <a16:creationId xmlns:a16="http://schemas.microsoft.com/office/drawing/2014/main" id="{937DBE16-D086-CEA7-20A8-1AC2BC134C34}"/>
+              </a:ext>
+            </a:extLst>
+          </p:cNvPr>
+          <p:cNvSpPr txBox="1"/>
+          <p:nvPr/>
+        </p:nvSpPr>
+        <p:spPr>
+          <a:xfrm>
+            <a:off x="6332334" y="1519894"/>
+            <a:ext cx="1731821" cy="369332"/>
+          </a:xfrm>
+          <a:prstGeom prst="rect">
+            <a:avLst/>
+          </a:prstGeom>
+          <a:noFill/>
+        </p:spPr>
+        <p:txBody>
+          <a:bodyPr wrap="none" rtlCol="0">
+            <a:spAutoFit/>
+          </a:bodyPr>
+          <a:lstStyle/>
+          <a:p>
+            <a:r>
+              <a:rPr lang="bg-BG" dirty="0">
+                <a:latin typeface="Times New Roman" panose="02020603050405020304" pitchFamily="18" charset="0"/>
+                <a:cs typeface="Times New Roman" panose="02020603050405020304" pitchFamily="18" charset="0"/>
+              </a:rPr>
+              <a:t>Администратор</a:t>
+            </a:r>
+          </a:p>
+        </p:txBody>
+      </p:sp>
+    </p:spTree>
+    <p:extLst>
+      <p:ext uri="{BB962C8B-B14F-4D97-AF65-F5344CB8AC3E}">
+        <p14:creationId xmlns:p14="http://schemas.microsoft.com/office/powerpoint/2010/main" val="13186785"/>
+      </p:ext>
+    </p:extLst>
+  </p:cSld>
+  <p:clrMapOvr>
+    <a:masterClrMapping/>
+  </p:clrMapOvr>
+  <p:timing>
+    <p:tnLst>
+      <p:par>
+        <p:cTn id="1" dur="indefinite" restart="never" nodeType="tmRoot">
+          <p:childTnLst>
+            <p:seq concurrent="1" nextAc="seek">
+              <p:cTn id="2" dur="indefinite" nodeType="mainSeq">
+                <p:childTnLst>
+                  <p:par>
+                    <p:cTn id="3" fill="hold">
+                      <p:stCondLst>
+                        <p:cond delay="indefinite"/>
+                      </p:stCondLst>
+                      <p:childTnLst>
+                        <p:par>
+                          <p:cTn id="4" fill="hold">
+                            <p:stCondLst>
+                              <p:cond delay="0"/>
+                            </p:stCondLst>
+                            <p:childTnLst>
+                              <p:par>
+                                <p:cTn id="5" presetID="31" presetClass="entr" presetSubtype="0" fill="hold" grpId="0" nodeType="clickEffect">
+                                  <p:stCondLst>
+                                    <p:cond delay="0"/>
+                                  </p:stCondLst>
+                                  <p:childTnLst>
+                                    <p:set>
+                                      <p:cBhvr>
+                                        <p:cTn id="6" dur="1" fill="hold">
+                                          <p:stCondLst>
+                                            <p:cond delay="0"/>
+                                          </p:stCondLst>
+                                        </p:cTn>
+                                        <p:tgtEl>
+                                          <p:spTgt spid="2"/>
+                                        </p:tgtEl>
+                                        <p:attrNameLst>
+                                          <p:attrName>style.visibility</p:attrName>
+                                        </p:attrNameLst>
+                                      </p:cBhvr>
+                                      <p:to>
+                                        <p:strVal val="visible"/>
+                                      </p:to>
+                                    </p:set>
+                                    <p:anim calcmode="lin" valueType="num">
+                                      <p:cBhvr>
+                                        <p:cTn id="7" dur="1000" fill="hold"/>
+                                        <p:tgtEl>
+                                          <p:spTgt spid="2"/>
+                                        </p:tgtEl>
+                                        <p:attrNameLst>
+                                          <p:attrName>ppt_w</p:attrName>
+                                        </p:attrNameLst>
+                                      </p:cBhvr>
+                                      <p:tavLst>
+                                        <p:tav tm="0">
+                                          <p:val>
+                                            <p:fltVal val="0"/>
+                                          </p:val>
+                                        </p:tav>
+                                        <p:tav tm="100000">
+                                          <p:val>
+                                            <p:strVal val="#ppt_w"/>
+                                          </p:val>
+                                        </p:tav>
+                                      </p:tavLst>
+                                    </p:anim>
+                                    <p:anim calcmode="lin" valueType="num">
+                                      <p:cBhvr>
+                                        <p:cTn id="8" dur="1000" fill="hold"/>
+                                        <p:tgtEl>
+                                          <p:spTgt spid="2"/>
+                                        </p:tgtEl>
+                                        <p:attrNameLst>
+                                          <p:attrName>ppt_h</p:attrName>
+                                        </p:attrNameLst>
+                                      </p:cBhvr>
+                                      <p:tavLst>
+                                        <p:tav tm="0">
+                                          <p:val>
+                                            <p:fltVal val="0"/>
+                                          </p:val>
+                                        </p:tav>
+                                        <p:tav tm="100000">
+                                          <p:val>
+                                            <p:strVal val="#ppt_h"/>
+                                          </p:val>
+                                        </p:tav>
+                                      </p:tavLst>
+                                    </p:anim>
+                                    <p:anim calcmode="lin" valueType="num">
+                                      <p:cBhvr>
+                                        <p:cTn id="9" dur="1000" fill="hold"/>
+                                        <p:tgtEl>
+                                          <p:spTgt spid="2"/>
+                                        </p:tgtEl>
+                                        <p:attrNameLst>
+                                          <p:attrName>style.rotation</p:attrName>
+                                        </p:attrNameLst>
+                                      </p:cBhvr>
+                                      <p:tavLst>
+                                        <p:tav tm="0">
+                                          <p:val>
+                                            <p:fltVal val="90"/>
+                                          </p:val>
+                                        </p:tav>
+                                        <p:tav tm="100000">
+                                          <p:val>
+                                            <p:fltVal val="0"/>
+                                          </p:val>
+                                        </p:tav>
+                                      </p:tavLst>
+                                    </p:anim>
+                                    <p:animEffect transition="in" filter="fade">
+                                      <p:cBhvr>
+                                        <p:cTn id="10" dur="1000"/>
+                                        <p:tgtEl>
+                                          <p:spTgt spid="2"/>
+                                        </p:tgtEl>
+                                      </p:cBhvr>
+                                    </p:animEffect>
+                                  </p:childTnLst>
+                                </p:cTn>
+                              </p:par>
+                            </p:childTnLst>
+                          </p:cTn>
+                        </p:par>
+                      </p:childTnLst>
+                    </p:cTn>
+                  </p:par>
+                  <p:par>
+                    <p:cTn id="11" fill="hold">
+                      <p:stCondLst>
+                        <p:cond delay="indefinite"/>
+                      </p:stCondLst>
+                      <p:childTnLst>
+                        <p:par>
+                          <p:cTn id="12" fill="hold">
+                            <p:stCondLst>
+                              <p:cond delay="0"/>
+                            </p:stCondLst>
+                            <p:childTnLst>
+                              <p:par>
+                                <p:cTn id="13" presetID="31" presetClass="entr" presetSubtype="0" fill="hold" nodeType="clickEffect">
+                                  <p:stCondLst>
+                                    <p:cond delay="0"/>
+                                  </p:stCondLst>
+                                  <p:childTnLst>
+                                    <p:set>
+                                      <p:cBhvr>
+                                        <p:cTn id="14" dur="1" fill="hold">
+                                          <p:stCondLst>
+                                            <p:cond delay="0"/>
+                                          </p:stCondLst>
+                                        </p:cTn>
+                                        <p:tgtEl>
+                                          <p:spTgt spid="8">
+                                            <p:txEl>
+                                              <p:pRg st="0" end="0"/>
+                                            </p:txEl>
+                                          </p:spTgt>
+                                        </p:tgtEl>
+                                        <p:attrNameLst>
+                                          <p:attrName>style.visibility</p:attrName>
+                                        </p:attrNameLst>
+                                      </p:cBhvr>
+                                      <p:to>
+                                        <p:strVal val="visible"/>
+                                      </p:to>
+                                    </p:set>
+                                    <p:anim calcmode="lin" valueType="num">
+                                      <p:cBhvr>
+                                        <p:cTn id="15" dur="1000" fill="hold"/>
+                                        <p:tgtEl>
+                                          <p:spTgt spid="8">
+                                            <p:txEl>
+                                              <p:pRg st="0" end="0"/>
+                                            </p:txEl>
+                                          </p:spTgt>
+                                        </p:tgtEl>
+                                        <p:attrNameLst>
+                                          <p:attrName>ppt_w</p:attrName>
+                                        </p:attrNameLst>
+                                      </p:cBhvr>
+                                      <p:tavLst>
+                                        <p:tav tm="0">
+                                          <p:val>
+                                            <p:fltVal val="0"/>
+                                          </p:val>
+                                        </p:tav>
+                                        <p:tav tm="100000">
+                                          <p:val>
+                                            <p:strVal val="#ppt_w"/>
+                                          </p:val>
+                                        </p:tav>
+                                      </p:tavLst>
+                                    </p:anim>
+                                    <p:anim calcmode="lin" valueType="num">
+                                      <p:cBhvr>
+                                        <p:cTn id="16" dur="1000" fill="hold"/>
+                                        <p:tgtEl>
+                                          <p:spTgt spid="8">
+                                            <p:txEl>
+                                              <p:pRg st="0" end="0"/>
+                                            </p:txEl>
+                                          </p:spTgt>
+                                        </p:tgtEl>
+                                        <p:attrNameLst>
+                                          <p:attrName>ppt_h</p:attrName>
+                                        </p:attrNameLst>
+                                      </p:cBhvr>
+                                      <p:tavLst>
+                                        <p:tav tm="0">
+                                          <p:val>
+                                            <p:fltVal val="0"/>
+                                          </p:val>
+                                        </p:tav>
+                                        <p:tav tm="100000">
+                                          <p:val>
+                                            <p:strVal val="#ppt_h"/>
+                                          </p:val>
+                                        </p:tav>
+                                      </p:tavLst>
+                                    </p:anim>
+                                    <p:anim calcmode="lin" valueType="num">
+                                      <p:cBhvr>
+                                        <p:cTn id="17" dur="1000" fill="hold"/>
+                                        <p:tgtEl>
+                                          <p:spTgt spid="8">
+                                            <p:txEl>
+                                              <p:pRg st="0" end="0"/>
+                                            </p:txEl>
+                                          </p:spTgt>
+                                        </p:tgtEl>
+                                        <p:attrNameLst>
+                                          <p:attrName>style.rotation</p:attrName>
+                                        </p:attrNameLst>
+                                      </p:cBhvr>
+                                      <p:tavLst>
+                                        <p:tav tm="0">
+                                          <p:val>
+                                            <p:fltVal val="90"/>
+                                          </p:val>
+                                        </p:tav>
+                                        <p:tav tm="100000">
+                                          <p:val>
+                                            <p:fltVal val="0"/>
+                                          </p:val>
+                                        </p:tav>
+                                      </p:tavLst>
+                                    </p:anim>
+                                    <p:animEffect transition="in" filter="fade">
+                                      <p:cBhvr>
+                                        <p:cTn id="18" dur="1000"/>
+                                        <p:tgtEl>
+                                          <p:spTgt spid="8">
+                                            <p:txEl>
+                                              <p:pRg st="0" end="0"/>
+                                            </p:txEl>
+                                          </p:spTgt>
+                                        </p:tgtEl>
+                                      </p:cBhvr>
+                                    </p:animEffect>
+                                  </p:childTnLst>
+                                </p:cTn>
+                              </p:par>
+                            </p:childTnLst>
+                          </p:cTn>
+                        </p:par>
+                      </p:childTnLst>
+                    </p:cTn>
+                  </p:par>
+                  <p:par>
+                    <p:cTn id="19" fill="hold">
+                      <p:stCondLst>
+                        <p:cond delay="indefinite"/>
+                      </p:stCondLst>
+                      <p:childTnLst>
+                        <p:par>
+                          <p:cTn id="20" fill="hold">
+                            <p:stCondLst>
+                              <p:cond delay="0"/>
+                            </p:stCondLst>
+                            <p:childTnLst>
+                              <p:par>
+                                <p:cTn id="21" presetID="31" presetClass="entr" presetSubtype="0" fill="hold" nodeType="clickEffect">
+                                  <p:stCondLst>
+                                    <p:cond delay="0"/>
+                                  </p:stCondLst>
+                                  <p:childTnLst>
+                                    <p:set>
+                                      <p:cBhvr>
+                                        <p:cTn id="22" dur="1" fill="hold">
+                                          <p:stCondLst>
+                                            <p:cond delay="0"/>
+                                          </p:stCondLst>
+                                        </p:cTn>
+                                        <p:tgtEl>
+                                          <p:spTgt spid="9">
+                                            <p:txEl>
+                                              <p:pRg st="0" end="0"/>
+                                            </p:txEl>
+                                          </p:spTgt>
+                                        </p:tgtEl>
+                                        <p:attrNameLst>
+                                          <p:attrName>style.visibility</p:attrName>
+                                        </p:attrNameLst>
+                                      </p:cBhvr>
+                                      <p:to>
+                                        <p:strVal val="visible"/>
+                                      </p:to>
+                                    </p:set>
+                                    <p:anim calcmode="lin" valueType="num">
+                                      <p:cBhvr>
+                                        <p:cTn id="23" dur="1000" fill="hold"/>
+                                        <p:tgtEl>
+                                          <p:spTgt spid="9">
+                                            <p:txEl>
+                                              <p:pRg st="0" end="0"/>
+                                            </p:txEl>
+                                          </p:spTgt>
+                                        </p:tgtEl>
+                                        <p:attrNameLst>
+                                          <p:attrName>ppt_w</p:attrName>
+                                        </p:attrNameLst>
+                                      </p:cBhvr>
+                                      <p:tavLst>
+                                        <p:tav tm="0">
+                                          <p:val>
+                                            <p:fltVal val="0"/>
+                                          </p:val>
+                                        </p:tav>
+                                        <p:tav tm="100000">
+                                          <p:val>
+                                            <p:strVal val="#ppt_w"/>
+                                          </p:val>
+                                        </p:tav>
+                                      </p:tavLst>
+                                    </p:anim>
+                                    <p:anim calcmode="lin" valueType="num">
+                                      <p:cBhvr>
+                                        <p:cTn id="24" dur="1000" fill="hold"/>
+                                        <p:tgtEl>
+                                          <p:spTgt spid="9">
+                                            <p:txEl>
+                                              <p:pRg st="0" end="0"/>
+                                            </p:txEl>
+                                          </p:spTgt>
+                                        </p:tgtEl>
+                                        <p:attrNameLst>
+                                          <p:attrName>ppt_h</p:attrName>
+                                        </p:attrNameLst>
+                                      </p:cBhvr>
+                                      <p:tavLst>
+                                        <p:tav tm="0">
+                                          <p:val>
+                                            <p:fltVal val="0"/>
+                                          </p:val>
+                                        </p:tav>
+                                        <p:tav tm="100000">
+                                          <p:val>
+                                            <p:strVal val="#ppt_h"/>
+                                          </p:val>
+                                        </p:tav>
+                                      </p:tavLst>
+                                    </p:anim>
+                                    <p:anim calcmode="lin" valueType="num">
+                                      <p:cBhvr>
+                                        <p:cTn id="25" dur="1000" fill="hold"/>
+                                        <p:tgtEl>
+                                          <p:spTgt spid="9">
+                                            <p:txEl>
+                                              <p:pRg st="0" end="0"/>
+                                            </p:txEl>
+                                          </p:spTgt>
+                                        </p:tgtEl>
+                                        <p:attrNameLst>
+                                          <p:attrName>style.rotation</p:attrName>
+                                        </p:attrNameLst>
+                                      </p:cBhvr>
+                                      <p:tavLst>
+                                        <p:tav tm="0">
+                                          <p:val>
+                                            <p:fltVal val="90"/>
+                                          </p:val>
+                                        </p:tav>
+                                        <p:tav tm="100000">
+                                          <p:val>
+                                            <p:fltVal val="0"/>
+                                          </p:val>
+                                        </p:tav>
+                                      </p:tavLst>
+                                    </p:anim>
+                                    <p:animEffect transition="in" filter="fade">
+                                      <p:cBhvr>
+                                        <p:cTn id="26" dur="1000"/>
+                                        <p:tgtEl>
+                                          <p:spTgt spid="9">
+                                            <p:txEl>
+                                              <p:pRg st="0" end="0"/>
+                                            </p:txEl>
+                                          </p:spTgt>
+                                        </p:tgtEl>
+                                      </p:cBhvr>
+                                    </p:animEffect>
+                                  </p:childTnLst>
+                                </p:cTn>
+                              </p:par>
+                            </p:childTnLst>
+                          </p:cTn>
+                        </p:par>
+                      </p:childTnLst>
+                    </p:cTn>
+                  </p:par>
+                  <p:par>
+                    <p:cTn id="27" fill="hold">
+                      <p:stCondLst>
+                        <p:cond delay="indefinite"/>
+                      </p:stCondLst>
+                      <p:childTnLst>
+                        <p:par>
+                          <p:cTn id="28" fill="hold">
+                            <p:stCondLst>
+                              <p:cond delay="0"/>
+                            </p:stCondLst>
+                            <p:childTnLst>
+                              <p:par>
+                                <p:cTn id="29" presetID="53" presetClass="entr" presetSubtype="16" fill="hold" nodeType="clickEffect">
+                                  <p:stCondLst>
+                                    <p:cond delay="0"/>
+                                  </p:stCondLst>
+                                  <p:childTnLst>
+                                    <p:set>
+                                      <p:cBhvr>
+                                        <p:cTn id="30" dur="1" fill="hold">
+                                          <p:stCondLst>
+                                            <p:cond delay="0"/>
+                                          </p:stCondLst>
+                                        </p:cTn>
+                                        <p:tgtEl>
+                                          <p:spTgt spid="5"/>
+                                        </p:tgtEl>
+                                        <p:attrNameLst>
+                                          <p:attrName>style.visibility</p:attrName>
+                                        </p:attrNameLst>
+                                      </p:cBhvr>
+                                      <p:to>
+                                        <p:strVal val="visible"/>
+                                      </p:to>
+                                    </p:set>
+                                    <p:anim calcmode="lin" valueType="num">
+                                      <p:cBhvr>
+                                        <p:cTn id="31" dur="500" fill="hold"/>
+                                        <p:tgtEl>
+                                          <p:spTgt spid="5"/>
+                                        </p:tgtEl>
+                                        <p:attrNameLst>
+                                          <p:attrName>ppt_w</p:attrName>
+                                        </p:attrNameLst>
+                                      </p:cBhvr>
+                                      <p:tavLst>
+                                        <p:tav tm="0">
+                                          <p:val>
+                                            <p:fltVal val="0"/>
+                                          </p:val>
+                                        </p:tav>
+                                        <p:tav tm="100000">
+                                          <p:val>
+                                            <p:strVal val="#ppt_w"/>
+                                          </p:val>
+                                        </p:tav>
+                                      </p:tavLst>
+                                    </p:anim>
+                                    <p:anim calcmode="lin" valueType="num">
+                                      <p:cBhvr>
+                                        <p:cTn id="32" dur="500" fill="hold"/>
+                                        <p:tgtEl>
+                                          <p:spTgt spid="5"/>
+                                        </p:tgtEl>
+                                        <p:attrNameLst>
+                                          <p:attrName>ppt_h</p:attrName>
+                                        </p:attrNameLst>
+                                      </p:cBhvr>
+                                      <p:tavLst>
+                                        <p:tav tm="0">
+                                          <p:val>
+                                            <p:fltVal val="0"/>
+                                          </p:val>
+                                        </p:tav>
+                                        <p:tav tm="100000">
+                                          <p:val>
+                                            <p:strVal val="#ppt_h"/>
+                                          </p:val>
+                                        </p:tav>
+                                      </p:tavLst>
+                                    </p:anim>
+                                    <p:animEffect transition="in" filter="fade">
+                                      <p:cBhvr>
+                                        <p:cTn id="33" dur="500"/>
+                                        <p:tgtEl>
+                                          <p:spTgt spid="5"/>
+                                        </p:tgtEl>
+                                      </p:cBhvr>
+                                    </p:animEffect>
+                                  </p:childTnLst>
+                                </p:cTn>
+                              </p:par>
+                            </p:childTnLst>
+                          </p:cTn>
+                        </p:par>
+                      </p:childTnLst>
+                    </p:cTn>
+                  </p:par>
+                  <p:par>
+                    <p:cTn id="34" fill="hold">
+                      <p:stCondLst>
+                        <p:cond delay="indefinite"/>
+                      </p:stCondLst>
+                      <p:childTnLst>
+                        <p:par>
+                          <p:cTn id="35" fill="hold">
+                            <p:stCondLst>
+                              <p:cond delay="0"/>
+                            </p:stCondLst>
+                            <p:childTnLst>
+                              <p:par>
+                                <p:cTn id="36" presetID="53" presetClass="entr" presetSubtype="16" fill="hold" nodeType="clickEffect">
+                                  <p:stCondLst>
+                                    <p:cond delay="0"/>
+                                  </p:stCondLst>
+                                  <p:childTnLst>
+                                    <p:set>
+                                      <p:cBhvr>
+                                        <p:cTn id="37" dur="1" fill="hold">
+                                          <p:stCondLst>
+                                            <p:cond delay="0"/>
+                                          </p:stCondLst>
+                                        </p:cTn>
+                                        <p:tgtEl>
+                                          <p:spTgt spid="7"/>
+                                        </p:tgtEl>
+                                        <p:attrNameLst>
+                                          <p:attrName>style.visibility</p:attrName>
+                                        </p:attrNameLst>
+                                      </p:cBhvr>
+                                      <p:to>
+                                        <p:strVal val="visible"/>
+                                      </p:to>
+                                    </p:set>
+                                    <p:anim calcmode="lin" valueType="num">
+                                      <p:cBhvr>
+                                        <p:cTn id="38" dur="500" fill="hold"/>
+                                        <p:tgtEl>
+                                          <p:spTgt spid="7"/>
+                                        </p:tgtEl>
+                                        <p:attrNameLst>
+                                          <p:attrName>ppt_w</p:attrName>
+                                        </p:attrNameLst>
+                                      </p:cBhvr>
+                                      <p:tavLst>
+                                        <p:tav tm="0">
+                                          <p:val>
+                                            <p:fltVal val="0"/>
+                                          </p:val>
+                                        </p:tav>
+                                        <p:tav tm="100000">
+                                          <p:val>
+                                            <p:strVal val="#ppt_w"/>
+                                          </p:val>
+                                        </p:tav>
+                                      </p:tavLst>
+                                    </p:anim>
+                                    <p:anim calcmode="lin" valueType="num">
+                                      <p:cBhvr>
+                                        <p:cTn id="39" dur="500" fill="hold"/>
+                                        <p:tgtEl>
+                                          <p:spTgt spid="7"/>
+                                        </p:tgtEl>
+                                        <p:attrNameLst>
+                                          <p:attrName>ppt_h</p:attrName>
+                                        </p:attrNameLst>
+                                      </p:cBhvr>
+                                      <p:tavLst>
+                                        <p:tav tm="0">
+                                          <p:val>
+                                            <p:fltVal val="0"/>
+                                          </p:val>
+                                        </p:tav>
+                                        <p:tav tm="100000">
+                                          <p:val>
+                                            <p:strVal val="#ppt_h"/>
+                                          </p:val>
+                                        </p:tav>
+                                      </p:tavLst>
+                                    </p:anim>
+                                    <p:animEffect transition="in" filter="fade">
+                                      <p:cBhvr>
+                                        <p:cTn id="40" dur="500"/>
+                                        <p:tgtEl>
+                                          <p:spTgt spid="7"/>
+                                        </p:tgtEl>
+                                      </p:cBhvr>
+                                    </p:animEffect>
+                                  </p:childTnLst>
+                                </p:cTn>
+                              </p:par>
+                            </p:childTnLst>
+                          </p:cTn>
+                        </p:par>
+                      </p:childTnLst>
+                    </p:cTn>
+                  </p:par>
+                </p:childTnLst>
+              </p:cTn>
+              <p:prevCondLst>
+                <p:cond evt="onPrev" delay="0">
+                  <p:tgtEl>
+                    <p:sldTgt/>
+                  </p:tgtEl>
+                </p:cond>
+              </p:prevCondLst>
+              <p:nextCondLst>
+                <p:cond evt="onNext" delay="0">
+                  <p:tgtEl>
+                    <p:sldTgt/>
+                  </p:tgtEl>
+                </p:cond>
+              </p:nextCondLst>
+            </p:seq>
+          </p:childTnLst>
+        </p:cTn>
+      </p:par>
+    </p:tnLst>
+    <p:bldLst>
+      <p:bldP spid="2" grpId="0"/>
+    </p:bldLst>
+  </p:timing>
+</p:sld>
+</file>
+
+<file path=ppt/slides/slide11.xml><?xml version="1.0" encoding="utf-8"?>
 <p:sld xmlns:a="http://schemas.openxmlformats.org/drawingml/2006/main" xmlns:r="http://schemas.openxmlformats.org/officeDocument/2006/relationships" xmlns:p="http://schemas.openxmlformats.org/presentationml/2006/main">
   <p:cSld>
     <p:spTree>
@@ -7512,7 +8380,7 @@
 </p:sld>
 </file>
 
-<file path=ppt/slides/slide11.xml><?xml version="1.0" encoding="utf-8"?>
+<file path=ppt/slides/slide12.xml><?xml version="1.0" encoding="utf-8"?>
 <p:sld xmlns:a="http://schemas.openxmlformats.org/drawingml/2006/main" xmlns:r="http://schemas.openxmlformats.org/officeDocument/2006/relationships" xmlns:p="http://schemas.openxmlformats.org/presentationml/2006/main">
   <p:cSld>
     <p:spTree>
@@ -7580,640 +8448,60 @@
           </a:p>
         </p:txBody>
       </p:sp>
-      <p:sp>
-        <p:nvSpPr>
-          <p:cNvPr id="3" name="Контейнер за съдържание 2">
+      <p:pic>
+        <p:nvPicPr>
+          <p:cNvPr id="5" name="Контейнер за съдържание 4">
             <a:extLst>
               <a:ext uri="{FF2B5EF4-FFF2-40B4-BE49-F238E27FC236}">
-                <a16:creationId xmlns:a16="http://schemas.microsoft.com/office/drawing/2014/main" id="{A26951C6-6A77-F876-2035-78364244668D}"/>
+                <a16:creationId xmlns:a16="http://schemas.microsoft.com/office/drawing/2014/main" id="{633F9305-B3C0-1D2F-940F-93755ACFD05A}"/>
               </a:ext>
             </a:extLst>
           </p:cNvPr>
-          <p:cNvSpPr>
-            <a:spLocks noGrp="1"/>
-          </p:cNvSpPr>
+          <p:cNvPicPr>
+            <a:picLocks noGrp="1" noChangeAspect="1"/>
+          </p:cNvPicPr>
           <p:nvPr>
             <p:ph idx="1"/>
           </p:nvPr>
-        </p:nvSpPr>
+        </p:nvPicPr>
+        <p:blipFill>
+          <a:blip r:embed="rId2">
+            <a:extLst>
+              <a:ext uri="{28A0092B-C50C-407E-A947-70E740481C1C}">
+                <a14:useLocalDpi xmlns:a14="http://schemas.microsoft.com/office/drawing/2010/main" val="0"/>
+              </a:ext>
+            </a:extLst>
+          </a:blip>
+          <a:stretch>
+            <a:fillRect/>
+          </a:stretch>
+        </p:blipFill>
         <p:spPr>
           <a:xfrm>
-            <a:off x="553509" y="1212388"/>
-            <a:ext cx="8596668" cy="5293187"/>
+            <a:off x="1615231" y="1673225"/>
+            <a:ext cx="6720874" cy="4480583"/>
           </a:xfrm>
+          <a:prstGeom prst="round2DiagRect">
+            <a:avLst>
+              <a:gd name="adj1" fmla="val 16667"/>
+              <a:gd name="adj2" fmla="val 0"/>
+            </a:avLst>
+          </a:prstGeom>
+          <a:ln w="88900" cap="sq">
+            <a:solidFill>
+              <a:srgbClr val="FFFFFF"/>
+            </a:solidFill>
+            <a:miter lim="800000"/>
+          </a:ln>
+          <a:effectLst>
+            <a:outerShdw blurRad="254000" algn="tl" rotWithShape="0">
+              <a:srgbClr val="000000">
+                <a:alpha val="43000"/>
+              </a:srgbClr>
+            </a:outerShdw>
+          </a:effectLst>
         </p:spPr>
-        <p:txBody>
-          <a:bodyPr>
-            <a:normAutofit/>
-          </a:bodyPr>
-          <a:lstStyle/>
-          <a:p>
-            <a:r>
-              <a:rPr lang="ru-RU" sz="2400" dirty="0" err="1">
-                <a:latin typeface="Times New Roman" panose="02020603050405020304" pitchFamily="18" charset="0"/>
-                <a:cs typeface="Times New Roman" panose="02020603050405020304" pitchFamily="18" charset="0"/>
-              </a:rPr>
-              <a:t>Гледката</a:t>
-            </a:r>
-            <a:endParaRPr lang="ru-RU" sz="2400" dirty="0">
-              <a:latin typeface="Times New Roman" panose="02020603050405020304" pitchFamily="18" charset="0"/>
-              <a:cs typeface="Times New Roman" panose="02020603050405020304" pitchFamily="18" charset="0"/>
-            </a:endParaRPr>
-          </a:p>
-          <a:p>
-            <a:pPr marL="0" indent="0">
-              <a:buNone/>
-            </a:pPr>
-            <a:r>
-              <a:rPr lang="ru-RU" sz="2400" dirty="0" err="1">
-                <a:latin typeface="Times New Roman" panose="02020603050405020304" pitchFamily="18" charset="0"/>
-                <a:cs typeface="Times New Roman" panose="02020603050405020304" pitchFamily="18" charset="0"/>
-              </a:rPr>
-              <a:t>Изгледът</a:t>
-            </a:r>
-            <a:r>
-              <a:rPr lang="ru-RU" sz="2400" dirty="0">
-                <a:latin typeface="Times New Roman" panose="02020603050405020304" pitchFamily="18" charset="0"/>
-                <a:cs typeface="Times New Roman" panose="02020603050405020304" pitchFamily="18" charset="0"/>
-              </a:rPr>
-              <a:t> е </a:t>
-            </a:r>
-            <a:r>
-              <a:rPr lang="ru-RU" sz="2400" dirty="0" err="1">
-                <a:latin typeface="Times New Roman" panose="02020603050405020304" pitchFamily="18" charset="0"/>
-                <a:cs typeface="Times New Roman" panose="02020603050405020304" pitchFamily="18" charset="0"/>
-              </a:rPr>
-              <a:t>действителното</a:t>
-            </a:r>
-            <a:r>
-              <a:rPr lang="ru-RU" sz="2400" dirty="0">
-                <a:latin typeface="Times New Roman" panose="02020603050405020304" pitchFamily="18" charset="0"/>
-                <a:cs typeface="Times New Roman" panose="02020603050405020304" pitchFamily="18" charset="0"/>
-              </a:rPr>
-              <a:t> </a:t>
-            </a:r>
-            <a:r>
-              <a:rPr lang="ru-RU" sz="2400" dirty="0" err="1">
-                <a:latin typeface="Times New Roman" panose="02020603050405020304" pitchFamily="18" charset="0"/>
-                <a:cs typeface="Times New Roman" panose="02020603050405020304" pitchFamily="18" charset="0"/>
-              </a:rPr>
-              <a:t>визуално</a:t>
-            </a:r>
-            <a:r>
-              <a:rPr lang="ru-RU" sz="2400" dirty="0">
-                <a:latin typeface="Times New Roman" panose="02020603050405020304" pitchFamily="18" charset="0"/>
-                <a:cs typeface="Times New Roman" panose="02020603050405020304" pitchFamily="18" charset="0"/>
-              </a:rPr>
-              <a:t> </a:t>
-            </a:r>
-            <a:r>
-              <a:rPr lang="ru-RU" sz="2400" dirty="0" err="1">
-                <a:latin typeface="Times New Roman" panose="02020603050405020304" pitchFamily="18" charset="0"/>
-                <a:cs typeface="Times New Roman" panose="02020603050405020304" pitchFamily="18" charset="0"/>
-              </a:rPr>
-              <a:t>представяне</a:t>
-            </a:r>
-            <a:r>
-              <a:rPr lang="ru-RU" sz="2400" dirty="0">
-                <a:latin typeface="Times New Roman" panose="02020603050405020304" pitchFamily="18" charset="0"/>
-                <a:cs typeface="Times New Roman" panose="02020603050405020304" pitchFamily="18" charset="0"/>
-              </a:rPr>
-              <a:t> на </a:t>
-            </a:r>
-            <a:r>
-              <a:rPr lang="ru-RU" sz="2400" dirty="0" err="1">
-                <a:latin typeface="Times New Roman" panose="02020603050405020304" pitchFamily="18" charset="0"/>
-                <a:cs typeface="Times New Roman" panose="02020603050405020304" pitchFamily="18" charset="0"/>
-              </a:rPr>
-              <a:t>нашия</a:t>
-            </a:r>
-            <a:r>
-              <a:rPr lang="ru-RU" sz="2400" dirty="0">
-                <a:latin typeface="Times New Roman" panose="02020603050405020304" pitchFamily="18" charset="0"/>
-                <a:cs typeface="Times New Roman" panose="02020603050405020304" pitchFamily="18" charset="0"/>
-              </a:rPr>
-              <a:t> </a:t>
-            </a:r>
-            <a:r>
-              <a:rPr lang="ru-RU" sz="2400" dirty="0" err="1">
-                <a:latin typeface="Times New Roman" panose="02020603050405020304" pitchFamily="18" charset="0"/>
-                <a:cs typeface="Times New Roman" panose="02020603050405020304" pitchFamily="18" charset="0"/>
-              </a:rPr>
-              <a:t>модел</a:t>
-            </a:r>
-            <a:r>
-              <a:rPr lang="ru-RU" sz="2400" dirty="0">
-                <a:latin typeface="Times New Roman" panose="02020603050405020304" pitchFamily="18" charset="0"/>
-                <a:cs typeface="Times New Roman" panose="02020603050405020304" pitchFamily="18" charset="0"/>
-              </a:rPr>
-              <a:t>. В типично уеб приложение </a:t>
-            </a:r>
-            <a:r>
-              <a:rPr lang="ru-RU" sz="2400" dirty="0" err="1">
-                <a:latin typeface="Times New Roman" panose="02020603050405020304" pitchFamily="18" charset="0"/>
-                <a:cs typeface="Times New Roman" panose="02020603050405020304" pitchFamily="18" charset="0"/>
-              </a:rPr>
-              <a:t>това</a:t>
-            </a:r>
-            <a:r>
-              <a:rPr lang="ru-RU" sz="2400" dirty="0">
-                <a:latin typeface="Times New Roman" panose="02020603050405020304" pitchFamily="18" charset="0"/>
-                <a:cs typeface="Times New Roman" panose="02020603050405020304" pitchFamily="18" charset="0"/>
-              </a:rPr>
-              <a:t> би била </a:t>
-            </a:r>
-            <a:r>
-              <a:rPr lang="ru-RU" sz="2400" dirty="0" err="1">
-                <a:latin typeface="Times New Roman" panose="02020603050405020304" pitchFamily="18" charset="0"/>
-                <a:cs typeface="Times New Roman" panose="02020603050405020304" pitchFamily="18" charset="0"/>
-              </a:rPr>
-              <a:t>страницата</a:t>
-            </a:r>
-            <a:r>
-              <a:rPr lang="ru-RU" sz="2400" dirty="0">
-                <a:latin typeface="Times New Roman" panose="02020603050405020304" pitchFamily="18" charset="0"/>
-                <a:cs typeface="Times New Roman" panose="02020603050405020304" pitchFamily="18" charset="0"/>
-              </a:rPr>
-              <a:t>, </a:t>
-            </a:r>
-            <a:r>
-              <a:rPr lang="ru-RU" sz="2400" dirty="0" err="1">
-                <a:latin typeface="Times New Roman" panose="02020603050405020304" pitchFamily="18" charset="0"/>
-                <a:cs typeface="Times New Roman" panose="02020603050405020304" pitchFamily="18" charset="0"/>
-              </a:rPr>
-              <a:t>която</a:t>
-            </a:r>
-            <a:r>
-              <a:rPr lang="ru-RU" sz="2400" dirty="0">
-                <a:latin typeface="Times New Roman" panose="02020603050405020304" pitchFamily="18" charset="0"/>
-                <a:cs typeface="Times New Roman" panose="02020603050405020304" pitchFamily="18" charset="0"/>
-              </a:rPr>
-              <a:t> </a:t>
-            </a:r>
-            <a:r>
-              <a:rPr lang="ru-RU" sz="2400" dirty="0" err="1">
-                <a:latin typeface="Times New Roman" panose="02020603050405020304" pitchFamily="18" charset="0"/>
-                <a:cs typeface="Times New Roman" panose="02020603050405020304" pitchFamily="18" charset="0"/>
-              </a:rPr>
-              <a:t>показва</a:t>
-            </a:r>
-            <a:r>
-              <a:rPr lang="ru-RU" sz="2400" dirty="0">
-                <a:latin typeface="Times New Roman" panose="02020603050405020304" pitchFamily="18" charset="0"/>
-                <a:cs typeface="Times New Roman" panose="02020603050405020304" pitchFamily="18" charset="0"/>
-              </a:rPr>
-              <a:t> </a:t>
-            </a:r>
-            <a:r>
-              <a:rPr lang="ru-RU" sz="2400" dirty="0" err="1">
-                <a:latin typeface="Times New Roman" panose="02020603050405020304" pitchFamily="18" charset="0"/>
-                <a:cs typeface="Times New Roman" panose="02020603050405020304" pitchFamily="18" charset="0"/>
-              </a:rPr>
-              <a:t>нашия</a:t>
-            </a:r>
-            <a:r>
-              <a:rPr lang="ru-RU" sz="2400" dirty="0">
-                <a:latin typeface="Times New Roman" panose="02020603050405020304" pitchFamily="18" charset="0"/>
-                <a:cs typeface="Times New Roman" panose="02020603050405020304" pitchFamily="18" charset="0"/>
-              </a:rPr>
-              <a:t> </a:t>
-            </a:r>
-            <a:r>
-              <a:rPr lang="ru-RU" sz="2400" dirty="0" err="1">
-                <a:latin typeface="Times New Roman" panose="02020603050405020304" pitchFamily="18" charset="0"/>
-                <a:cs typeface="Times New Roman" panose="02020603050405020304" pitchFamily="18" charset="0"/>
-              </a:rPr>
-              <a:t>модел</a:t>
-            </a:r>
-            <a:r>
-              <a:rPr lang="ru-RU" sz="2400" dirty="0">
-                <a:latin typeface="Times New Roman" panose="02020603050405020304" pitchFamily="18" charset="0"/>
-                <a:cs typeface="Times New Roman" panose="02020603050405020304" pitchFamily="18" charset="0"/>
-              </a:rPr>
-              <a:t> на потребителя, независимо дали е форма за </a:t>
-            </a:r>
-            <a:r>
-              <a:rPr lang="ru-RU" sz="2400" dirty="0" err="1">
-                <a:latin typeface="Times New Roman" panose="02020603050405020304" pitchFamily="18" charset="0"/>
-                <a:cs typeface="Times New Roman" panose="02020603050405020304" pitchFamily="18" charset="0"/>
-              </a:rPr>
-              <a:t>въвеждане</a:t>
-            </a:r>
-            <a:r>
-              <a:rPr lang="ru-RU" sz="2400" dirty="0">
-                <a:latin typeface="Times New Roman" panose="02020603050405020304" pitchFamily="18" charset="0"/>
-                <a:cs typeface="Times New Roman" panose="02020603050405020304" pitchFamily="18" charset="0"/>
-              </a:rPr>
-              <a:t> на </a:t>
-            </a:r>
-            <a:r>
-              <a:rPr lang="ru-RU" sz="2400" dirty="0" err="1">
-                <a:latin typeface="Times New Roman" panose="02020603050405020304" pitchFamily="18" charset="0"/>
-                <a:cs typeface="Times New Roman" panose="02020603050405020304" pitchFamily="18" charset="0"/>
-              </a:rPr>
-              <a:t>данните</a:t>
-            </a:r>
-            <a:r>
-              <a:rPr lang="ru-RU" sz="2400" dirty="0">
-                <a:latin typeface="Times New Roman" panose="02020603050405020304" pitchFamily="18" charset="0"/>
-                <a:cs typeface="Times New Roman" panose="02020603050405020304" pitchFamily="18" charset="0"/>
-              </a:rPr>
-              <a:t> или </a:t>
-            </a:r>
-            <a:r>
-              <a:rPr lang="ru-RU" sz="2400" dirty="0" err="1">
-                <a:latin typeface="Times New Roman" panose="02020603050405020304" pitchFamily="18" charset="0"/>
-                <a:cs typeface="Times New Roman" panose="02020603050405020304" pitchFamily="18" charset="0"/>
-              </a:rPr>
-              <a:t>изход</a:t>
-            </a:r>
-            <a:r>
-              <a:rPr lang="ru-RU" sz="2400" dirty="0">
-                <a:latin typeface="Times New Roman" panose="02020603050405020304" pitchFamily="18" charset="0"/>
-                <a:cs typeface="Times New Roman" panose="02020603050405020304" pitchFamily="18" charset="0"/>
-              </a:rPr>
-              <a:t> на </a:t>
-            </a:r>
-            <a:r>
-              <a:rPr lang="ru-RU" sz="2400" dirty="0" err="1">
-                <a:latin typeface="Times New Roman" panose="02020603050405020304" pitchFamily="18" charset="0"/>
-                <a:cs typeface="Times New Roman" panose="02020603050405020304" pitchFamily="18" charset="0"/>
-              </a:rPr>
-              <a:t>данните</a:t>
-            </a:r>
-            <a:r>
-              <a:rPr lang="ru-RU" sz="2400" dirty="0">
-                <a:latin typeface="Times New Roman" panose="02020603050405020304" pitchFamily="18" charset="0"/>
-                <a:cs typeface="Times New Roman" panose="02020603050405020304" pitchFamily="18" charset="0"/>
-              </a:rPr>
-              <a:t> или комбинация от </a:t>
-            </a:r>
-            <a:r>
-              <a:rPr lang="ru-RU" sz="2400" dirty="0" err="1">
-                <a:latin typeface="Times New Roman" panose="02020603050405020304" pitchFamily="18" charset="0"/>
-                <a:cs typeface="Times New Roman" panose="02020603050405020304" pitchFamily="18" charset="0"/>
-              </a:rPr>
-              <a:t>двете</a:t>
-            </a:r>
-            <a:r>
-              <a:rPr lang="ru-RU" sz="2400" dirty="0">
-                <a:latin typeface="Times New Roman" panose="02020603050405020304" pitchFamily="18" charset="0"/>
-                <a:cs typeface="Times New Roman" panose="02020603050405020304" pitchFamily="18" charset="0"/>
-              </a:rPr>
-              <a:t>. </a:t>
-            </a:r>
-          </a:p>
-          <a:p>
-            <a:r>
-              <a:rPr lang="ru-RU" sz="2400" dirty="0" err="1">
-                <a:latin typeface="Times New Roman" panose="02020603050405020304" pitchFamily="18" charset="0"/>
-                <a:cs typeface="Times New Roman" panose="02020603050405020304" pitchFamily="18" charset="0"/>
-              </a:rPr>
-              <a:t>Контролерът</a:t>
-            </a:r>
-            <a:endParaRPr lang="ru-RU" sz="2400" dirty="0">
-              <a:latin typeface="Times New Roman" panose="02020603050405020304" pitchFamily="18" charset="0"/>
-              <a:cs typeface="Times New Roman" panose="02020603050405020304" pitchFamily="18" charset="0"/>
-            </a:endParaRPr>
-          </a:p>
-          <a:p>
-            <a:pPr marL="0" indent="0">
-              <a:buNone/>
-            </a:pPr>
-            <a:r>
-              <a:rPr lang="ru-RU" sz="2400" dirty="0" err="1">
-                <a:latin typeface="Times New Roman" panose="02020603050405020304" pitchFamily="18" charset="0"/>
-                <a:cs typeface="Times New Roman" panose="02020603050405020304" pitchFamily="18" charset="0"/>
-              </a:rPr>
-              <a:t>Контролерът</a:t>
-            </a:r>
-            <a:r>
-              <a:rPr lang="ru-RU" sz="2400" dirty="0">
-                <a:latin typeface="Times New Roman" panose="02020603050405020304" pitchFamily="18" charset="0"/>
-                <a:cs typeface="Times New Roman" panose="02020603050405020304" pitchFamily="18" charset="0"/>
-              </a:rPr>
-              <a:t> </a:t>
-            </a:r>
-            <a:r>
-              <a:rPr lang="ru-RU" sz="2400" dirty="0" err="1">
-                <a:latin typeface="Times New Roman" panose="02020603050405020304" pitchFamily="18" charset="0"/>
-                <a:cs typeface="Times New Roman" panose="02020603050405020304" pitchFamily="18" charset="0"/>
-              </a:rPr>
-              <a:t>трябва</a:t>
-            </a:r>
-            <a:r>
-              <a:rPr lang="ru-RU" sz="2400" dirty="0">
-                <a:latin typeface="Times New Roman" panose="02020603050405020304" pitchFamily="18" charset="0"/>
-                <a:cs typeface="Times New Roman" panose="02020603050405020304" pitchFamily="18" charset="0"/>
-              </a:rPr>
-              <a:t> да </a:t>
-            </a:r>
-            <a:r>
-              <a:rPr lang="ru-RU" sz="2400" dirty="0" err="1">
-                <a:latin typeface="Times New Roman" panose="02020603050405020304" pitchFamily="18" charset="0"/>
-                <a:cs typeface="Times New Roman" panose="02020603050405020304" pitchFamily="18" charset="0"/>
-              </a:rPr>
-              <a:t>обработва</a:t>
-            </a:r>
-            <a:r>
-              <a:rPr lang="ru-RU" sz="2400" dirty="0">
-                <a:latin typeface="Times New Roman" panose="02020603050405020304" pitchFamily="18" charset="0"/>
-                <a:cs typeface="Times New Roman" panose="02020603050405020304" pitchFamily="18" charset="0"/>
-              </a:rPr>
-              <a:t> </a:t>
-            </a:r>
-            <a:r>
-              <a:rPr lang="ru-RU" sz="2400" dirty="0" err="1">
-                <a:latin typeface="Times New Roman" panose="02020603050405020304" pitchFamily="18" charset="0"/>
-                <a:cs typeface="Times New Roman" panose="02020603050405020304" pitchFamily="18" charset="0"/>
-              </a:rPr>
-              <a:t>цялата</a:t>
-            </a:r>
-            <a:r>
-              <a:rPr lang="ru-RU" sz="2400" dirty="0">
-                <a:latin typeface="Times New Roman" panose="02020603050405020304" pitchFamily="18" charset="0"/>
-                <a:cs typeface="Times New Roman" panose="02020603050405020304" pitchFamily="18" charset="0"/>
-              </a:rPr>
-              <a:t> </a:t>
-            </a:r>
-            <a:r>
-              <a:rPr lang="ru-RU" sz="2400" dirty="0" err="1">
-                <a:latin typeface="Times New Roman" panose="02020603050405020304" pitchFamily="18" charset="0"/>
-                <a:cs typeface="Times New Roman" panose="02020603050405020304" pitchFamily="18" charset="0"/>
-              </a:rPr>
-              <a:t>комуникация</a:t>
-            </a:r>
-            <a:r>
-              <a:rPr lang="ru-RU" sz="2400" dirty="0">
-                <a:latin typeface="Times New Roman" panose="02020603050405020304" pitchFamily="18" charset="0"/>
-                <a:cs typeface="Times New Roman" panose="02020603050405020304" pitchFamily="18" charset="0"/>
-              </a:rPr>
-              <a:t> между </a:t>
-            </a:r>
-            <a:r>
-              <a:rPr lang="ru-RU" sz="2400" dirty="0" err="1">
-                <a:latin typeface="Times New Roman" panose="02020603050405020304" pitchFamily="18" charset="0"/>
-                <a:cs typeface="Times New Roman" panose="02020603050405020304" pitchFamily="18" charset="0"/>
-              </a:rPr>
-              <a:t>нашия</a:t>
-            </a:r>
-            <a:r>
-              <a:rPr lang="ru-RU" sz="2400" dirty="0">
-                <a:latin typeface="Times New Roman" panose="02020603050405020304" pitchFamily="18" charset="0"/>
-                <a:cs typeface="Times New Roman" panose="02020603050405020304" pitchFamily="18" charset="0"/>
-              </a:rPr>
-              <a:t> </a:t>
-            </a:r>
-            <a:r>
-              <a:rPr lang="ru-RU" sz="2400" dirty="0" err="1">
-                <a:latin typeface="Times New Roman" panose="02020603050405020304" pitchFamily="18" charset="0"/>
-                <a:cs typeface="Times New Roman" panose="02020603050405020304" pitchFamily="18" charset="0"/>
-              </a:rPr>
-              <a:t>модел</a:t>
-            </a:r>
-            <a:r>
-              <a:rPr lang="ru-RU" sz="2400" dirty="0">
-                <a:latin typeface="Times New Roman" panose="02020603050405020304" pitchFamily="18" charset="0"/>
-                <a:cs typeface="Times New Roman" panose="02020603050405020304" pitchFamily="18" charset="0"/>
-              </a:rPr>
-              <a:t> и </a:t>
-            </a:r>
-            <a:r>
-              <a:rPr lang="ru-RU" sz="2400" dirty="0" err="1">
-                <a:latin typeface="Times New Roman" panose="02020603050405020304" pitchFamily="18" charset="0"/>
-                <a:cs typeface="Times New Roman" panose="02020603050405020304" pitchFamily="18" charset="0"/>
-              </a:rPr>
-              <a:t>нашия</a:t>
-            </a:r>
-            <a:r>
-              <a:rPr lang="ru-RU" sz="2400" dirty="0">
-                <a:latin typeface="Times New Roman" panose="02020603050405020304" pitchFamily="18" charset="0"/>
-                <a:cs typeface="Times New Roman" panose="02020603050405020304" pitchFamily="18" charset="0"/>
-              </a:rPr>
-              <a:t> </a:t>
-            </a:r>
-            <a:r>
-              <a:rPr lang="ru-RU" sz="2400" dirty="0" err="1">
-                <a:latin typeface="Times New Roman" panose="02020603050405020304" pitchFamily="18" charset="0"/>
-                <a:cs typeface="Times New Roman" panose="02020603050405020304" pitchFamily="18" charset="0"/>
-              </a:rPr>
-              <a:t>изглед</a:t>
-            </a:r>
-            <a:r>
-              <a:rPr lang="ru-RU" sz="2400" dirty="0">
-                <a:latin typeface="Times New Roman" panose="02020603050405020304" pitchFamily="18" charset="0"/>
-                <a:cs typeface="Times New Roman" panose="02020603050405020304" pitchFamily="18" charset="0"/>
-              </a:rPr>
-              <a:t>. В типично уеб приложение </a:t>
-            </a:r>
-            <a:r>
-              <a:rPr lang="ru-RU" sz="2400" dirty="0" err="1">
-                <a:latin typeface="Times New Roman" panose="02020603050405020304" pitchFamily="18" charset="0"/>
-                <a:cs typeface="Times New Roman" panose="02020603050405020304" pitchFamily="18" charset="0"/>
-              </a:rPr>
-              <a:t>методите</a:t>
-            </a:r>
-            <a:r>
-              <a:rPr lang="ru-RU" sz="2400" dirty="0">
-                <a:latin typeface="Times New Roman" panose="02020603050405020304" pitchFamily="18" charset="0"/>
-                <a:cs typeface="Times New Roman" panose="02020603050405020304" pitchFamily="18" charset="0"/>
-              </a:rPr>
-              <a:t> на контролера се </a:t>
-            </a:r>
-            <a:r>
-              <a:rPr lang="ru-RU" sz="2400" dirty="0" err="1">
-                <a:latin typeface="Times New Roman" panose="02020603050405020304" pitchFamily="18" charset="0"/>
-                <a:cs typeface="Times New Roman" panose="02020603050405020304" pitchFamily="18" charset="0"/>
-              </a:rPr>
-              <a:t>извикват</a:t>
-            </a:r>
-            <a:r>
-              <a:rPr lang="ru-RU" sz="2400" dirty="0">
-                <a:latin typeface="Times New Roman" panose="02020603050405020304" pitchFamily="18" charset="0"/>
-                <a:cs typeface="Times New Roman" panose="02020603050405020304" pitchFamily="18" charset="0"/>
-              </a:rPr>
-              <a:t> от потребителя при </a:t>
-            </a:r>
-            <a:r>
-              <a:rPr lang="ru-RU" sz="2400" dirty="0" err="1">
-                <a:latin typeface="Times New Roman" panose="02020603050405020304" pitchFamily="18" charset="0"/>
-                <a:cs typeface="Times New Roman" panose="02020603050405020304" pitchFamily="18" charset="0"/>
-              </a:rPr>
-              <a:t>зареждане</a:t>
-            </a:r>
-            <a:r>
-              <a:rPr lang="ru-RU" sz="2400" dirty="0">
-                <a:latin typeface="Times New Roman" panose="02020603050405020304" pitchFamily="18" charset="0"/>
-                <a:cs typeface="Times New Roman" panose="02020603050405020304" pitchFamily="18" charset="0"/>
-              </a:rPr>
-              <a:t> на страница или </a:t>
-            </a:r>
-            <a:r>
-              <a:rPr lang="ru-RU" sz="2400" dirty="0" err="1">
-                <a:latin typeface="Times New Roman" panose="02020603050405020304" pitchFamily="18" charset="0"/>
-                <a:cs typeface="Times New Roman" panose="02020603050405020304" pitchFamily="18" charset="0"/>
-              </a:rPr>
-              <a:t>щракване</a:t>
-            </a:r>
-            <a:r>
-              <a:rPr lang="ru-RU" sz="2400" dirty="0">
-                <a:latin typeface="Times New Roman" panose="02020603050405020304" pitchFamily="18" charset="0"/>
-                <a:cs typeface="Times New Roman" panose="02020603050405020304" pitchFamily="18" charset="0"/>
-              </a:rPr>
-              <a:t> </a:t>
-            </a:r>
-            <a:r>
-              <a:rPr lang="ru-RU" sz="2400" dirty="0" err="1">
-                <a:latin typeface="Times New Roman" panose="02020603050405020304" pitchFamily="18" charset="0"/>
-                <a:cs typeface="Times New Roman" panose="02020603050405020304" pitchFamily="18" charset="0"/>
-              </a:rPr>
-              <a:t>върху</a:t>
-            </a:r>
-            <a:r>
-              <a:rPr lang="ru-RU" sz="2400" dirty="0">
-                <a:latin typeface="Times New Roman" panose="02020603050405020304" pitchFamily="18" charset="0"/>
-                <a:cs typeface="Times New Roman" panose="02020603050405020304" pitchFamily="18" charset="0"/>
-              </a:rPr>
-              <a:t> бутон. След </a:t>
-            </a:r>
-            <a:r>
-              <a:rPr lang="ru-RU" sz="2400" dirty="0" err="1">
-                <a:latin typeface="Times New Roman" panose="02020603050405020304" pitchFamily="18" charset="0"/>
-                <a:cs typeface="Times New Roman" panose="02020603050405020304" pitchFamily="18" charset="0"/>
-              </a:rPr>
-              <a:t>това</a:t>
-            </a:r>
-            <a:r>
-              <a:rPr lang="ru-RU" sz="2400" dirty="0">
-                <a:latin typeface="Times New Roman" panose="02020603050405020304" pitchFamily="18" charset="0"/>
-                <a:cs typeface="Times New Roman" panose="02020603050405020304" pitchFamily="18" charset="0"/>
-              </a:rPr>
-              <a:t> </a:t>
-            </a:r>
-            <a:r>
-              <a:rPr lang="ru-RU" sz="2400" dirty="0" err="1">
-                <a:latin typeface="Times New Roman" panose="02020603050405020304" pitchFamily="18" charset="0"/>
-                <a:cs typeface="Times New Roman" panose="02020603050405020304" pitchFamily="18" charset="0"/>
-              </a:rPr>
-              <a:t>контролерът</a:t>
-            </a:r>
-            <a:r>
-              <a:rPr lang="ru-RU" sz="2400" dirty="0">
-                <a:latin typeface="Times New Roman" panose="02020603050405020304" pitchFamily="18" charset="0"/>
-                <a:cs typeface="Times New Roman" panose="02020603050405020304" pitchFamily="18" charset="0"/>
-              </a:rPr>
-              <a:t> </a:t>
-            </a:r>
-            <a:r>
-              <a:rPr lang="ru-RU" sz="2400" dirty="0" err="1">
-                <a:latin typeface="Times New Roman" panose="02020603050405020304" pitchFamily="18" charset="0"/>
-                <a:cs typeface="Times New Roman" panose="02020603050405020304" pitchFamily="18" charset="0"/>
-              </a:rPr>
-              <a:t>актуализира</a:t>
-            </a:r>
-            <a:r>
-              <a:rPr lang="ru-RU" sz="2400" dirty="0">
-                <a:latin typeface="Times New Roman" panose="02020603050405020304" pitchFamily="18" charset="0"/>
-                <a:cs typeface="Times New Roman" panose="02020603050405020304" pitchFamily="18" charset="0"/>
-              </a:rPr>
-              <a:t> </a:t>
-            </a:r>
-            <a:r>
-              <a:rPr lang="ru-RU" sz="2400" dirty="0" err="1">
-                <a:latin typeface="Times New Roman" panose="02020603050405020304" pitchFamily="18" charset="0"/>
-                <a:cs typeface="Times New Roman" panose="02020603050405020304" pitchFamily="18" charset="0"/>
-              </a:rPr>
-              <a:t>модела</a:t>
-            </a:r>
-            <a:r>
-              <a:rPr lang="ru-RU" sz="2400" dirty="0">
-                <a:latin typeface="Times New Roman" panose="02020603050405020304" pitchFamily="18" charset="0"/>
-                <a:cs typeface="Times New Roman" panose="02020603050405020304" pitchFamily="18" charset="0"/>
-              </a:rPr>
-              <a:t>, </a:t>
-            </a:r>
-            <a:r>
-              <a:rPr lang="ru-RU" sz="2400" dirty="0" err="1">
-                <a:latin typeface="Times New Roman" panose="02020603050405020304" pitchFamily="18" charset="0"/>
-                <a:cs typeface="Times New Roman" panose="02020603050405020304" pitchFamily="18" charset="0"/>
-              </a:rPr>
-              <a:t>ако</a:t>
-            </a:r>
-            <a:r>
-              <a:rPr lang="ru-RU" sz="2400" dirty="0">
-                <a:latin typeface="Times New Roman" panose="02020603050405020304" pitchFamily="18" charset="0"/>
-                <a:cs typeface="Times New Roman" panose="02020603050405020304" pitchFamily="18" charset="0"/>
-              </a:rPr>
-              <a:t> е необходимо, и след </a:t>
-            </a:r>
-            <a:r>
-              <a:rPr lang="ru-RU" sz="2400" dirty="0" err="1">
-                <a:latin typeface="Times New Roman" panose="02020603050405020304" pitchFamily="18" charset="0"/>
-                <a:cs typeface="Times New Roman" panose="02020603050405020304" pitchFamily="18" charset="0"/>
-              </a:rPr>
-              <a:t>това</a:t>
-            </a:r>
-            <a:r>
-              <a:rPr lang="ru-RU" sz="2400" dirty="0">
-                <a:latin typeface="Times New Roman" panose="02020603050405020304" pitchFamily="18" charset="0"/>
-                <a:cs typeface="Times New Roman" panose="02020603050405020304" pitchFamily="18" charset="0"/>
-              </a:rPr>
-              <a:t> </a:t>
-            </a:r>
-            <a:r>
-              <a:rPr lang="ru-RU" sz="2400" dirty="0" err="1">
-                <a:latin typeface="Times New Roman" panose="02020603050405020304" pitchFamily="18" charset="0"/>
-                <a:cs typeface="Times New Roman" panose="02020603050405020304" pitchFamily="18" charset="0"/>
-              </a:rPr>
-              <a:t>връща</a:t>
-            </a:r>
-            <a:r>
-              <a:rPr lang="ru-RU" sz="2400" dirty="0">
-                <a:latin typeface="Times New Roman" panose="02020603050405020304" pitchFamily="18" charset="0"/>
-                <a:cs typeface="Times New Roman" panose="02020603050405020304" pitchFamily="18" charset="0"/>
-              </a:rPr>
-              <a:t> нов </a:t>
-            </a:r>
-            <a:r>
-              <a:rPr lang="ru-RU" sz="2400" dirty="0" err="1">
-                <a:latin typeface="Times New Roman" panose="02020603050405020304" pitchFamily="18" charset="0"/>
-                <a:cs typeface="Times New Roman" panose="02020603050405020304" pitchFamily="18" charset="0"/>
-              </a:rPr>
-              <a:t>изглед</a:t>
-            </a:r>
-            <a:r>
-              <a:rPr lang="ru-RU" sz="2400" dirty="0">
-                <a:latin typeface="Times New Roman" panose="02020603050405020304" pitchFamily="18" charset="0"/>
-                <a:cs typeface="Times New Roman" panose="02020603050405020304" pitchFamily="18" charset="0"/>
-              </a:rPr>
-              <a:t> , </a:t>
-            </a:r>
-            <a:r>
-              <a:rPr lang="ru-RU" sz="2400" dirty="0" err="1">
-                <a:latin typeface="Times New Roman" panose="02020603050405020304" pitchFamily="18" charset="0"/>
-                <a:cs typeface="Times New Roman" panose="02020603050405020304" pitchFamily="18" charset="0"/>
-              </a:rPr>
-              <a:t>ако</a:t>
-            </a:r>
-            <a:r>
-              <a:rPr lang="ru-RU" sz="2400" dirty="0">
-                <a:latin typeface="Times New Roman" panose="02020603050405020304" pitchFamily="18" charset="0"/>
-                <a:cs typeface="Times New Roman" panose="02020603050405020304" pitchFamily="18" charset="0"/>
-              </a:rPr>
-              <a:t> е необходимо.</a:t>
-            </a:r>
-          </a:p>
-          <a:p>
-            <a:pPr marL="0" indent="0">
-              <a:buNone/>
-            </a:pPr>
-            <a:endParaRPr lang="bg-BG" sz="2400" dirty="0">
-              <a:latin typeface="Times New Roman" panose="02020603050405020304" pitchFamily="18" charset="0"/>
-              <a:cs typeface="Times New Roman" panose="02020603050405020304" pitchFamily="18" charset="0"/>
-            </a:endParaRPr>
-          </a:p>
-        </p:txBody>
-      </p:sp>
+      </p:pic>
     </p:spTree>
     <p:extLst>
       <p:ext uri="{BB962C8B-B14F-4D97-AF65-F5344CB8AC3E}">
@@ -8367,7 +8655,7 @@
                             </p:stCondLst>
                             <p:childTnLst>
                               <p:par>
-                                <p:cTn id="13" presetID="53" presetClass="entr" presetSubtype="16" fill="hold" grpId="0" nodeType="clickEffect">
+                                <p:cTn id="13" presetID="2" presetClass="entr" presetSubtype="4" fill="hold" nodeType="clickEffect">
                                   <p:stCondLst>
                                     <p:cond delay="0"/>
                                   </p:stCondLst>
@@ -8380,11 +8668,7 @@
                                           </p:stCondLst>
                                         </p:cTn>
                                         <p:tgtEl>
-                                          <p:spTgt spid="3">
-                                            <p:txEl>
-                                              <p:pRg st="0" end="0"/>
-                                            </p:txEl>
-                                          </p:spTgt>
+                                          <p:spTgt spid="5"/>
                                         </p:tgtEl>
                                         <p:attrNameLst>
                                           <p:attrName>style.visibility</p:attrName>
@@ -8395,416 +8679,51 @@
                                       </p:to>
                                     </p:set>
                                     <p:anim calcmode="lin" valueType="num">
-                                      <p:cBhvr>
+                                      <p:cBhvr additive="base">
                                         <p:cTn id="15" dur="500" fill="hold"/>
                                         <p:tgtEl>
-                                          <p:spTgt spid="3">
-                                            <p:txEl>
-                                              <p:pRg st="0" end="0"/>
-                                            </p:txEl>
-                                          </p:spTgt>
+                                          <p:spTgt spid="5"/>
                                         </p:tgtEl>
                                         <p:attrNameLst>
-                                          <p:attrName>ppt_w</p:attrName>
+                                          <p:attrName>ppt_x</p:attrName>
                                         </p:attrNameLst>
                                       </p:cBhvr>
                                       <p:tavLst>
                                         <p:tav tm="0">
                                           <p:val>
-                                            <p:fltVal val="0"/>
+                                            <p:strVal val="#ppt_x"/>
                                           </p:val>
                                         </p:tav>
                                         <p:tav tm="100000">
                                           <p:val>
-                                            <p:strVal val="#ppt_w"/>
+                                            <p:strVal val="#ppt_x"/>
                                           </p:val>
                                         </p:tav>
                                       </p:tavLst>
                                     </p:anim>
                                     <p:anim calcmode="lin" valueType="num">
-                                      <p:cBhvr>
+                                      <p:cBhvr additive="base">
                                         <p:cTn id="16" dur="500" fill="hold"/>
                                         <p:tgtEl>
-                                          <p:spTgt spid="3">
-                                            <p:txEl>
-                                              <p:pRg st="0" end="0"/>
-                                            </p:txEl>
-                                          </p:spTgt>
+                                          <p:spTgt spid="5"/>
                                         </p:tgtEl>
                                         <p:attrNameLst>
-                                          <p:attrName>ppt_h</p:attrName>
+                                          <p:attrName>ppt_y</p:attrName>
                                         </p:attrNameLst>
                                       </p:cBhvr>
                                       <p:tavLst>
                                         <p:tav tm="0">
                                           <p:val>
-                                            <p:fltVal val="0"/>
+                                            <p:strVal val="1+#ppt_h/2"/>
                                           </p:val>
                                         </p:tav>
                                         <p:tav tm="100000">
                                           <p:val>
-                                            <p:strVal val="#ppt_h"/>
+                                            <p:strVal val="#ppt_y"/>
                                           </p:val>
                                         </p:tav>
                                       </p:tavLst>
                                     </p:anim>
-                                    <p:animEffect transition="in" filter="fade">
-                                      <p:cBhvr>
-                                        <p:cTn id="17" dur="500"/>
-                                        <p:tgtEl>
-                                          <p:spTgt spid="3">
-                                            <p:txEl>
-                                              <p:pRg st="0" end="0"/>
-                                            </p:txEl>
-                                          </p:spTgt>
-                                        </p:tgtEl>
-                                      </p:cBhvr>
-                                    </p:animEffect>
-                                  </p:childTnLst>
-                                </p:cTn>
-                              </p:par>
-                            </p:childTnLst>
-                          </p:cTn>
-                        </p:par>
-                      </p:childTnLst>
-                    </p:cTn>
-                  </p:par>
-                  <p:par>
-                    <p:cTn id="18" fill="hold">
-                      <p:stCondLst>
-                        <p:cond delay="indefinite"/>
-                      </p:stCondLst>
-                      <p:childTnLst>
-                        <p:par>
-                          <p:cTn id="19" fill="hold">
-                            <p:stCondLst>
-                              <p:cond delay="0"/>
-                            </p:stCondLst>
-                            <p:childTnLst>
-                              <p:par>
-                                <p:cTn id="20" presetID="53" presetClass="entr" presetSubtype="16" fill="hold" grpId="0" nodeType="clickEffect">
-                                  <p:stCondLst>
-                                    <p:cond delay="0"/>
-                                  </p:stCondLst>
-                                  <p:childTnLst>
-                                    <p:set>
-                                      <p:cBhvr>
-                                        <p:cTn id="21" dur="1" fill="hold">
-                                          <p:stCondLst>
-                                            <p:cond delay="0"/>
-                                          </p:stCondLst>
-                                        </p:cTn>
-                                        <p:tgtEl>
-                                          <p:spTgt spid="3">
-                                            <p:txEl>
-                                              <p:pRg st="1" end="1"/>
-                                            </p:txEl>
-                                          </p:spTgt>
-                                        </p:tgtEl>
-                                        <p:attrNameLst>
-                                          <p:attrName>style.visibility</p:attrName>
-                                        </p:attrNameLst>
-                                      </p:cBhvr>
-                                      <p:to>
-                                        <p:strVal val="visible"/>
-                                      </p:to>
-                                    </p:set>
-                                    <p:anim calcmode="lin" valueType="num">
-                                      <p:cBhvr>
-                                        <p:cTn id="22" dur="500" fill="hold"/>
-                                        <p:tgtEl>
-                                          <p:spTgt spid="3">
-                                            <p:txEl>
-                                              <p:pRg st="1" end="1"/>
-                                            </p:txEl>
-                                          </p:spTgt>
-                                        </p:tgtEl>
-                                        <p:attrNameLst>
-                                          <p:attrName>ppt_w</p:attrName>
-                                        </p:attrNameLst>
-                                      </p:cBhvr>
-                                      <p:tavLst>
-                                        <p:tav tm="0">
-                                          <p:val>
-                                            <p:fltVal val="0"/>
-                                          </p:val>
-                                        </p:tav>
-                                        <p:tav tm="100000">
-                                          <p:val>
-                                            <p:strVal val="#ppt_w"/>
-                                          </p:val>
-                                        </p:tav>
-                                      </p:tavLst>
-                                    </p:anim>
-                                    <p:anim calcmode="lin" valueType="num">
-                                      <p:cBhvr>
-                                        <p:cTn id="23" dur="500" fill="hold"/>
-                                        <p:tgtEl>
-                                          <p:spTgt spid="3">
-                                            <p:txEl>
-                                              <p:pRg st="1" end="1"/>
-                                            </p:txEl>
-                                          </p:spTgt>
-                                        </p:tgtEl>
-                                        <p:attrNameLst>
-                                          <p:attrName>ppt_h</p:attrName>
-                                        </p:attrNameLst>
-                                      </p:cBhvr>
-                                      <p:tavLst>
-                                        <p:tav tm="0">
-                                          <p:val>
-                                            <p:fltVal val="0"/>
-                                          </p:val>
-                                        </p:tav>
-                                        <p:tav tm="100000">
-                                          <p:val>
-                                            <p:strVal val="#ppt_h"/>
-                                          </p:val>
-                                        </p:tav>
-                                      </p:tavLst>
-                                    </p:anim>
-                                    <p:animEffect transition="in" filter="fade">
-                                      <p:cBhvr>
-                                        <p:cTn id="24" dur="500"/>
-                                        <p:tgtEl>
-                                          <p:spTgt spid="3">
-                                            <p:txEl>
-                                              <p:pRg st="1" end="1"/>
-                                            </p:txEl>
-                                          </p:spTgt>
-                                        </p:tgtEl>
-                                      </p:cBhvr>
-                                    </p:animEffect>
-                                  </p:childTnLst>
-                                </p:cTn>
-                              </p:par>
-                            </p:childTnLst>
-                          </p:cTn>
-                        </p:par>
-                      </p:childTnLst>
-                    </p:cTn>
-                  </p:par>
-                  <p:par>
-                    <p:cTn id="25" fill="hold">
-                      <p:stCondLst>
-                        <p:cond delay="indefinite"/>
-                      </p:stCondLst>
-                      <p:childTnLst>
-                        <p:par>
-                          <p:cTn id="26" fill="hold">
-                            <p:stCondLst>
-                              <p:cond delay="0"/>
-                            </p:stCondLst>
-                            <p:childTnLst>
-                              <p:par>
-                                <p:cTn id="27" presetID="53" presetClass="entr" presetSubtype="16" fill="hold" grpId="0" nodeType="clickEffect">
-                                  <p:stCondLst>
-                                    <p:cond delay="0"/>
-                                  </p:stCondLst>
-                                  <p:childTnLst>
-                                    <p:set>
-                                      <p:cBhvr>
-                                        <p:cTn id="28" dur="1" fill="hold">
-                                          <p:stCondLst>
-                                            <p:cond delay="0"/>
-                                          </p:stCondLst>
-                                        </p:cTn>
-                                        <p:tgtEl>
-                                          <p:spTgt spid="3">
-                                            <p:txEl>
-                                              <p:pRg st="2" end="2"/>
-                                            </p:txEl>
-                                          </p:spTgt>
-                                        </p:tgtEl>
-                                        <p:attrNameLst>
-                                          <p:attrName>style.visibility</p:attrName>
-                                        </p:attrNameLst>
-                                      </p:cBhvr>
-                                      <p:to>
-                                        <p:strVal val="visible"/>
-                                      </p:to>
-                                    </p:set>
-                                    <p:anim calcmode="lin" valueType="num">
-                                      <p:cBhvr>
-                                        <p:cTn id="29" dur="500" fill="hold"/>
-                                        <p:tgtEl>
-                                          <p:spTgt spid="3">
-                                            <p:txEl>
-                                              <p:pRg st="2" end="2"/>
-                                            </p:txEl>
-                                          </p:spTgt>
-                                        </p:tgtEl>
-                                        <p:attrNameLst>
-                                          <p:attrName>ppt_w</p:attrName>
-                                        </p:attrNameLst>
-                                      </p:cBhvr>
-                                      <p:tavLst>
-                                        <p:tav tm="0">
-                                          <p:val>
-                                            <p:fltVal val="0"/>
-                                          </p:val>
-                                        </p:tav>
-                                        <p:tav tm="100000">
-                                          <p:val>
-                                            <p:strVal val="#ppt_w"/>
-                                          </p:val>
-                                        </p:tav>
-                                      </p:tavLst>
-                                    </p:anim>
-                                    <p:anim calcmode="lin" valueType="num">
-                                      <p:cBhvr>
-                                        <p:cTn id="30" dur="500" fill="hold"/>
-                                        <p:tgtEl>
-                                          <p:spTgt spid="3">
-                                            <p:txEl>
-                                              <p:pRg st="2" end="2"/>
-                                            </p:txEl>
-                                          </p:spTgt>
-                                        </p:tgtEl>
-                                        <p:attrNameLst>
-                                          <p:attrName>ppt_h</p:attrName>
-                                        </p:attrNameLst>
-                                      </p:cBhvr>
-                                      <p:tavLst>
-                                        <p:tav tm="0">
-                                          <p:val>
-                                            <p:fltVal val="0"/>
-                                          </p:val>
-                                        </p:tav>
-                                        <p:tav tm="100000">
-                                          <p:val>
-                                            <p:strVal val="#ppt_h"/>
-                                          </p:val>
-                                        </p:tav>
-                                      </p:tavLst>
-                                    </p:anim>
-                                    <p:animEffect transition="in" filter="fade">
-                                      <p:cBhvr>
-                                        <p:cTn id="31" dur="500"/>
-                                        <p:tgtEl>
-                                          <p:spTgt spid="3">
-                                            <p:txEl>
-                                              <p:pRg st="2" end="2"/>
-                                            </p:txEl>
-                                          </p:spTgt>
-                                        </p:tgtEl>
-                                      </p:cBhvr>
-                                    </p:animEffect>
-                                  </p:childTnLst>
-                                </p:cTn>
-                              </p:par>
-                            </p:childTnLst>
-                          </p:cTn>
-                        </p:par>
-                      </p:childTnLst>
-                    </p:cTn>
-                  </p:par>
-                  <p:par>
-                    <p:cTn id="32" fill="hold">
-                      <p:stCondLst>
-                        <p:cond delay="indefinite"/>
-                      </p:stCondLst>
-                      <p:childTnLst>
-                        <p:par>
-                          <p:cTn id="33" fill="hold">
-                            <p:stCondLst>
-                              <p:cond delay="0"/>
-                            </p:stCondLst>
-                            <p:childTnLst>
-                              <p:par>
-                                <p:cTn id="34" presetID="53" presetClass="entr" presetSubtype="16" fill="hold" grpId="0" nodeType="clickEffect">
-                                  <p:stCondLst>
-                                    <p:cond delay="0"/>
-                                  </p:stCondLst>
-                                  <p:childTnLst>
-                                    <p:set>
-                                      <p:cBhvr>
-                                        <p:cTn id="35" dur="1" fill="hold">
-                                          <p:stCondLst>
-                                            <p:cond delay="0"/>
-                                          </p:stCondLst>
-                                        </p:cTn>
-                                        <p:tgtEl>
-                                          <p:spTgt spid="3">
-                                            <p:txEl>
-                                              <p:pRg st="3" end="3"/>
-                                            </p:txEl>
-                                          </p:spTgt>
-                                        </p:tgtEl>
-                                        <p:attrNameLst>
-                                          <p:attrName>style.visibility</p:attrName>
-                                        </p:attrNameLst>
-                                      </p:cBhvr>
-                                      <p:to>
-                                        <p:strVal val="visible"/>
-                                      </p:to>
-                                    </p:set>
-                                    <p:anim calcmode="lin" valueType="num">
-                                      <p:cBhvr>
-                                        <p:cTn id="36" dur="500" fill="hold"/>
-                                        <p:tgtEl>
-                                          <p:spTgt spid="3">
-                                            <p:txEl>
-                                              <p:pRg st="3" end="3"/>
-                                            </p:txEl>
-                                          </p:spTgt>
-                                        </p:tgtEl>
-                                        <p:attrNameLst>
-                                          <p:attrName>ppt_w</p:attrName>
-                                        </p:attrNameLst>
-                                      </p:cBhvr>
-                                      <p:tavLst>
-                                        <p:tav tm="0">
-                                          <p:val>
-                                            <p:fltVal val="0"/>
-                                          </p:val>
-                                        </p:tav>
-                                        <p:tav tm="100000">
-                                          <p:val>
-                                            <p:strVal val="#ppt_w"/>
-                                          </p:val>
-                                        </p:tav>
-                                      </p:tavLst>
-                                    </p:anim>
-                                    <p:anim calcmode="lin" valueType="num">
-                                      <p:cBhvr>
-                                        <p:cTn id="37" dur="500" fill="hold"/>
-                                        <p:tgtEl>
-                                          <p:spTgt spid="3">
-                                            <p:txEl>
-                                              <p:pRg st="3" end="3"/>
-                                            </p:txEl>
-                                          </p:spTgt>
-                                        </p:tgtEl>
-                                        <p:attrNameLst>
-                                          <p:attrName>ppt_h</p:attrName>
-                                        </p:attrNameLst>
-                                      </p:cBhvr>
-                                      <p:tavLst>
-                                        <p:tav tm="0">
-                                          <p:val>
-                                            <p:fltVal val="0"/>
-                                          </p:val>
-                                        </p:tav>
-                                        <p:tav tm="100000">
-                                          <p:val>
-                                            <p:strVal val="#ppt_h"/>
-                                          </p:val>
-                                        </p:tav>
-                                      </p:tavLst>
-                                    </p:anim>
-                                    <p:animEffect transition="in" filter="fade">
-                                      <p:cBhvr>
-                                        <p:cTn id="38" dur="500"/>
-                                        <p:tgtEl>
-                                          <p:spTgt spid="3">
-                                            <p:txEl>
-                                              <p:pRg st="3" end="3"/>
-                                            </p:txEl>
-                                          </p:spTgt>
-                                        </p:tgtEl>
-                                      </p:cBhvr>
-                                    </p:animEffect>
                                   </p:childTnLst>
                                 </p:cTn>
                               </p:par>
@@ -8837,13 +8756,12 @@
     </p:tnLst>
     <p:bldLst>
       <p:bldP spid="2" grpId="0"/>
-      <p:bldP spid="3" grpId="0" build="p"/>
     </p:bldLst>
   </p:timing>
 </p:sld>
 </file>
 
-<file path=ppt/slides/slide12.xml><?xml version="1.0" encoding="utf-8"?>
+<file path=ppt/slides/slide13.xml><?xml version="1.0" encoding="utf-8"?>
 <p:sld xmlns:a="http://schemas.openxmlformats.org/drawingml/2006/main" xmlns:r="http://schemas.openxmlformats.org/officeDocument/2006/relationships" xmlns:p="http://schemas.openxmlformats.org/presentationml/2006/main">
   <p:cSld>
     <p:spTree>
@@ -8915,8 +8833,8 @@
         </p:nvSpPr>
         <p:spPr>
           <a:xfrm>
-            <a:off x="543984" y="1160464"/>
-            <a:ext cx="8596668" cy="5573711"/>
+            <a:off x="667809" y="1284289"/>
+            <a:ext cx="8369357" cy="5573711"/>
           </a:xfrm>
         </p:spPr>
         <p:txBody>
@@ -8925,1077 +8843,630 @@
           </a:bodyPr>
           <a:lstStyle/>
           <a:p>
-            <a:r>
-              <a:rPr lang="ru-RU" sz="2000" dirty="0">
-                <a:latin typeface="Times New Roman" panose="02020603050405020304" pitchFamily="18" charset="0"/>
-                <a:cs typeface="Times New Roman" panose="02020603050405020304" pitchFamily="18" charset="0"/>
-              </a:rPr>
-              <a:t>С </a:t>
-            </a:r>
-            <a:r>
-              <a:rPr lang="ru-RU" sz="2000" dirty="0" err="1">
-                <a:latin typeface="Times New Roman" panose="02020603050405020304" pitchFamily="18" charset="0"/>
-                <a:cs typeface="Times New Roman" panose="02020603050405020304" pitchFamily="18" charset="0"/>
-              </a:rPr>
-              <a:t>известни</a:t>
-            </a:r>
-            <a:r>
-              <a:rPr lang="ru-RU" sz="2000" dirty="0">
-                <a:latin typeface="Times New Roman" panose="02020603050405020304" pitchFamily="18" charset="0"/>
-                <a:cs typeface="Times New Roman" panose="02020603050405020304" pitchFamily="18" charset="0"/>
-              </a:rPr>
-              <a:t> затруднения </a:t>
-            </a:r>
-            <a:r>
-              <a:rPr lang="ru-RU" sz="2000" dirty="0" err="1">
-                <a:latin typeface="Times New Roman" panose="02020603050405020304" pitchFamily="18" charset="0"/>
-                <a:cs typeface="Times New Roman" panose="02020603050405020304" pitchFamily="18" charset="0"/>
-              </a:rPr>
-              <a:t>направих</a:t>
-            </a:r>
-            <a:r>
-              <a:rPr lang="ru-RU" sz="2000" dirty="0">
+            <a:pPr algn="just"/>
+            <a:r>
+              <a:rPr lang="ru-RU" sz="2400" dirty="0">
+                <a:latin typeface="Times New Roman" panose="02020603050405020304" pitchFamily="18" charset="0"/>
+                <a:cs typeface="Times New Roman" panose="02020603050405020304" pitchFamily="18" charset="0"/>
+              </a:rPr>
+              <a:t>Смело </a:t>
+            </a:r>
+            <a:r>
+              <a:rPr lang="ru-RU" sz="2400" dirty="0" err="1">
+                <a:latin typeface="Times New Roman" panose="02020603050405020304" pitchFamily="18" charset="0"/>
+                <a:cs typeface="Times New Roman" panose="02020603050405020304" pitchFamily="18" charset="0"/>
+              </a:rPr>
+              <a:t>мога</a:t>
+            </a:r>
+            <a:r>
+              <a:rPr lang="ru-RU" sz="2400" dirty="0">
+                <a:latin typeface="Times New Roman" panose="02020603050405020304" pitchFamily="18" charset="0"/>
+                <a:cs typeface="Times New Roman" panose="02020603050405020304" pitchFamily="18" charset="0"/>
+              </a:rPr>
+              <a:t> да </a:t>
+            </a:r>
+            <a:r>
+              <a:rPr lang="ru-RU" sz="2400" dirty="0" err="1">
+                <a:latin typeface="Times New Roman" panose="02020603050405020304" pitchFamily="18" charset="0"/>
+                <a:cs typeface="Times New Roman" panose="02020603050405020304" pitchFamily="18" charset="0"/>
+              </a:rPr>
+              <a:t>заявя</a:t>
+            </a:r>
+            <a:r>
+              <a:rPr lang="ru-RU" sz="2400" dirty="0">
+                <a:latin typeface="Times New Roman" panose="02020603050405020304" pitchFamily="18" charset="0"/>
+                <a:cs typeface="Times New Roman" panose="02020603050405020304" pitchFamily="18" charset="0"/>
+              </a:rPr>
+              <a:t> , че </a:t>
+            </a:r>
+            <a:r>
+              <a:rPr lang="ru-RU" sz="2400" dirty="0" err="1">
+                <a:latin typeface="Times New Roman" panose="02020603050405020304" pitchFamily="18" charset="0"/>
+                <a:cs typeface="Times New Roman" panose="02020603050405020304" pitchFamily="18" charset="0"/>
+              </a:rPr>
+              <a:t>изпълних</a:t>
+            </a:r>
+            <a:r>
+              <a:rPr lang="ru-RU" sz="2400" dirty="0">
                 <a:latin typeface="Times New Roman" panose="02020603050405020304" pitchFamily="18" charset="0"/>
                 <a:cs typeface="Times New Roman" panose="02020603050405020304" pitchFamily="18" charset="0"/>
               </a:rPr>
               <a:t> </a:t>
             </a:r>
             <a:r>
-              <a:rPr lang="ru-RU" sz="2000" dirty="0" err="1">
-                <a:latin typeface="Times New Roman" panose="02020603050405020304" pitchFamily="18" charset="0"/>
-                <a:cs typeface="Times New Roman" panose="02020603050405020304" pitchFamily="18" charset="0"/>
-              </a:rPr>
-              <a:t>този</a:t>
-            </a:r>
-            <a:r>
-              <a:rPr lang="ru-RU" sz="2000" dirty="0">
-                <a:latin typeface="Times New Roman" panose="02020603050405020304" pitchFamily="18" charset="0"/>
-                <a:cs typeface="Times New Roman" panose="02020603050405020304" pitchFamily="18" charset="0"/>
-              </a:rPr>
-              <a:t> проект , но смея да </a:t>
-            </a:r>
-            <a:r>
-              <a:rPr lang="ru-RU" sz="2000" dirty="0" err="1">
-                <a:latin typeface="Times New Roman" panose="02020603050405020304" pitchFamily="18" charset="0"/>
-                <a:cs typeface="Times New Roman" panose="02020603050405020304" pitchFamily="18" charset="0"/>
-              </a:rPr>
-              <a:t>твърдя</a:t>
-            </a:r>
-            <a:r>
-              <a:rPr lang="ru-RU" sz="2000" dirty="0">
+              <a:rPr lang="ru-RU" sz="2400" dirty="0" err="1">
+                <a:latin typeface="Times New Roman" panose="02020603050405020304" pitchFamily="18" charset="0"/>
+                <a:cs typeface="Times New Roman" panose="02020603050405020304" pitchFamily="18" charset="0"/>
+              </a:rPr>
+              <a:t>всички</a:t>
+            </a:r>
+            <a:r>
+              <a:rPr lang="ru-RU" sz="2400" dirty="0">
+                <a:latin typeface="Times New Roman" panose="02020603050405020304" pitchFamily="18" charset="0"/>
+                <a:cs typeface="Times New Roman" panose="02020603050405020304" pitchFamily="18" charset="0"/>
+              </a:rPr>
+              <a:t> </a:t>
+            </a:r>
+            <a:r>
+              <a:rPr lang="ru-RU" sz="2400" dirty="0" err="1">
+                <a:latin typeface="Times New Roman" panose="02020603050405020304" pitchFamily="18" charset="0"/>
+                <a:cs typeface="Times New Roman" panose="02020603050405020304" pitchFamily="18" charset="0"/>
+              </a:rPr>
+              <a:t>главни</a:t>
+            </a:r>
+            <a:r>
+              <a:rPr lang="ru-RU" sz="2400" dirty="0">
+                <a:latin typeface="Times New Roman" panose="02020603050405020304" pitchFamily="18" charset="0"/>
+                <a:cs typeface="Times New Roman" panose="02020603050405020304" pitchFamily="18" charset="0"/>
+              </a:rPr>
+              <a:t> цели и най вече </a:t>
+            </a:r>
+            <a:r>
+              <a:rPr lang="ru-RU" sz="2400" dirty="0" err="1">
+                <a:latin typeface="Times New Roman" panose="02020603050405020304" pitchFamily="18" charset="0"/>
+                <a:cs typeface="Times New Roman" panose="02020603050405020304" pitchFamily="18" charset="0"/>
+              </a:rPr>
+              <a:t>реализирането</a:t>
+            </a:r>
+            <a:r>
+              <a:rPr lang="ru-RU" sz="2400" dirty="0">
+                <a:latin typeface="Times New Roman" panose="02020603050405020304" pitchFamily="18" charset="0"/>
+                <a:cs typeface="Times New Roman" panose="02020603050405020304" pitchFamily="18" charset="0"/>
+              </a:rPr>
+              <a:t> на </a:t>
+            </a:r>
+            <a:r>
+              <a:rPr lang="ru-RU" sz="2400" dirty="0" err="1">
+                <a:latin typeface="Times New Roman" panose="02020603050405020304" pitchFamily="18" charset="0"/>
+                <a:cs typeface="Times New Roman" panose="02020603050405020304" pitchFamily="18" charset="0"/>
+              </a:rPr>
+              <a:t>трислойно</a:t>
+            </a:r>
+            <a:r>
+              <a:rPr lang="ru-RU" sz="2400" dirty="0">
+                <a:latin typeface="Times New Roman" panose="02020603050405020304" pitchFamily="18" charset="0"/>
+                <a:cs typeface="Times New Roman" panose="02020603050405020304" pitchFamily="18" charset="0"/>
+              </a:rPr>
+              <a:t> MVC WEB приложение , </a:t>
+            </a:r>
+            <a:r>
+              <a:rPr lang="ru-RU" sz="2400" dirty="0" err="1">
+                <a:latin typeface="Times New Roman" panose="02020603050405020304" pitchFamily="18" charset="0"/>
+                <a:cs typeface="Times New Roman" panose="02020603050405020304" pitchFamily="18" charset="0"/>
+              </a:rPr>
+              <a:t>организиращо</a:t>
+            </a:r>
+            <a:r>
+              <a:rPr lang="ru-RU" sz="2400" dirty="0">
+                <a:latin typeface="Times New Roman" panose="02020603050405020304" pitchFamily="18" charset="0"/>
+                <a:cs typeface="Times New Roman" panose="02020603050405020304" pitchFamily="18" charset="0"/>
+              </a:rPr>
+              <a:t> </a:t>
+            </a:r>
+            <a:r>
+              <a:rPr lang="ru-RU" sz="2400" dirty="0" err="1">
+                <a:latin typeface="Times New Roman" panose="02020603050405020304" pitchFamily="18" charset="0"/>
+                <a:cs typeface="Times New Roman" panose="02020603050405020304" pitchFamily="18" charset="0"/>
+              </a:rPr>
+              <a:t>дейността</a:t>
+            </a:r>
+            <a:r>
+              <a:rPr lang="ru-RU" sz="2400" dirty="0">
+                <a:latin typeface="Times New Roman" panose="02020603050405020304" pitchFamily="18" charset="0"/>
+                <a:cs typeface="Times New Roman" panose="02020603050405020304" pitchFamily="18" charset="0"/>
+              </a:rPr>
+              <a:t> на </a:t>
+            </a:r>
+            <a:r>
+              <a:rPr lang="ru-RU" sz="2400" dirty="0" err="1">
+                <a:latin typeface="Times New Roman" panose="02020603050405020304" pitchFamily="18" charset="0"/>
+                <a:cs typeface="Times New Roman" panose="02020603050405020304" pitchFamily="18" charset="0"/>
+              </a:rPr>
+              <a:t>летище</a:t>
+            </a:r>
+            <a:r>
+              <a:rPr lang="ru-RU" sz="2400" dirty="0">
+                <a:latin typeface="Times New Roman" panose="02020603050405020304" pitchFamily="18" charset="0"/>
+                <a:cs typeface="Times New Roman" panose="02020603050405020304" pitchFamily="18" charset="0"/>
+              </a:rPr>
+              <a:t> за </a:t>
+            </a:r>
+            <a:r>
+              <a:rPr lang="ru-RU" sz="2400" dirty="0" err="1">
+                <a:latin typeface="Times New Roman" panose="02020603050405020304" pitchFamily="18" charset="0"/>
+                <a:cs typeface="Times New Roman" panose="02020603050405020304" pitchFamily="18" charset="0"/>
+              </a:rPr>
+              <a:t>чартърни</a:t>
+            </a:r>
+            <a:r>
+              <a:rPr lang="ru-RU" sz="2400" dirty="0">
+                <a:latin typeface="Times New Roman" panose="02020603050405020304" pitchFamily="18" charset="0"/>
+                <a:cs typeface="Times New Roman" panose="02020603050405020304" pitchFamily="18" charset="0"/>
+              </a:rPr>
+              <a:t> полети, </a:t>
+            </a:r>
+            <a:r>
+              <a:rPr lang="ru-RU" sz="2400" dirty="0" err="1">
+                <a:latin typeface="Times New Roman" panose="02020603050405020304" pitchFamily="18" charset="0"/>
+                <a:cs typeface="Times New Roman" panose="02020603050405020304" pitchFamily="18" charset="0"/>
+              </a:rPr>
+              <a:t>което</a:t>
+            </a:r>
+            <a:r>
+              <a:rPr lang="ru-RU" sz="2400" dirty="0">
+                <a:latin typeface="Times New Roman" panose="02020603050405020304" pitchFamily="18" charset="0"/>
+                <a:cs typeface="Times New Roman" panose="02020603050405020304" pitchFamily="18" charset="0"/>
+              </a:rPr>
+              <a:t> </a:t>
+            </a:r>
+            <a:r>
+              <a:rPr lang="ru-RU" sz="2400" dirty="0" err="1">
+                <a:latin typeface="Times New Roman" panose="02020603050405020304" pitchFamily="18" charset="0"/>
+                <a:cs typeface="Times New Roman" panose="02020603050405020304" pitchFamily="18" charset="0"/>
+              </a:rPr>
+              <a:t>трябва</a:t>
+            </a:r>
+            <a:r>
+              <a:rPr lang="ru-RU" sz="2400" dirty="0">
+                <a:latin typeface="Times New Roman" panose="02020603050405020304" pitchFamily="18" charset="0"/>
+                <a:cs typeface="Times New Roman" panose="02020603050405020304" pitchFamily="18" charset="0"/>
+              </a:rPr>
+              <a:t> да </a:t>
+            </a:r>
+            <a:r>
+              <a:rPr lang="ru-RU" sz="2400" dirty="0" err="1">
+                <a:latin typeface="Times New Roman" panose="02020603050405020304" pitchFamily="18" charset="0"/>
+                <a:cs typeface="Times New Roman" panose="02020603050405020304" pitchFamily="18" charset="0"/>
+              </a:rPr>
+              <a:t>поддържа</a:t>
+            </a:r>
+            <a:r>
+              <a:rPr lang="ru-RU" sz="2400" dirty="0">
+                <a:latin typeface="Times New Roman" panose="02020603050405020304" pitchFamily="18" charset="0"/>
+                <a:cs typeface="Times New Roman" panose="02020603050405020304" pitchFamily="18" charset="0"/>
+              </a:rPr>
+              <a:t> CRUD операции за </a:t>
+            </a:r>
+            <a:r>
+              <a:rPr lang="ru-RU" sz="2400" dirty="0" err="1">
+                <a:latin typeface="Times New Roman" panose="02020603050405020304" pitchFamily="18" charset="0"/>
+                <a:cs typeface="Times New Roman" panose="02020603050405020304" pitchFamily="18" charset="0"/>
+              </a:rPr>
+              <a:t>дестинациите</a:t>
+            </a:r>
+            <a:r>
+              <a:rPr lang="ru-RU" sz="2400" dirty="0">
+                <a:latin typeface="Times New Roman" panose="02020603050405020304" pitchFamily="18" charset="0"/>
+                <a:cs typeface="Times New Roman" panose="02020603050405020304" pitchFamily="18" charset="0"/>
+              </a:rPr>
+              <a:t>, полетите с </a:t>
+            </a:r>
+            <a:r>
+              <a:rPr lang="ru-RU" sz="2400" dirty="0" err="1">
+                <a:latin typeface="Times New Roman" panose="02020603050405020304" pitchFamily="18" charset="0"/>
+                <a:cs typeface="Times New Roman" panose="02020603050405020304" pitchFamily="18" charset="0"/>
+              </a:rPr>
+              <a:t>авиокомпании</a:t>
+            </a:r>
+            <a:r>
+              <a:rPr lang="ru-RU" sz="2400" dirty="0">
+                <a:latin typeface="Times New Roman" panose="02020603050405020304" pitchFamily="18" charset="0"/>
+                <a:cs typeface="Times New Roman" panose="02020603050405020304" pitchFamily="18" charset="0"/>
+              </a:rPr>
+              <a:t> и </a:t>
+            </a:r>
+            <a:r>
+              <a:rPr lang="ru-RU" sz="2400" dirty="0" err="1">
+                <a:latin typeface="Times New Roman" panose="02020603050405020304" pitchFamily="18" charset="0"/>
+                <a:cs typeface="Times New Roman" panose="02020603050405020304" pitchFamily="18" charset="0"/>
+              </a:rPr>
+              <a:t>клиентски</a:t>
+            </a:r>
+            <a:r>
+              <a:rPr lang="ru-RU" sz="2400" dirty="0">
+                <a:latin typeface="Times New Roman" panose="02020603050405020304" pitchFamily="18" charset="0"/>
+                <a:cs typeface="Times New Roman" panose="02020603050405020304" pitchFamily="18" charset="0"/>
+              </a:rPr>
+              <a:t> заявки за </a:t>
+            </a:r>
+            <a:r>
+              <a:rPr lang="ru-RU" sz="2400" dirty="0" err="1">
+                <a:latin typeface="Times New Roman" panose="02020603050405020304" pitchFamily="18" charset="0"/>
+                <a:cs typeface="Times New Roman" panose="02020603050405020304" pitchFamily="18" charset="0"/>
+              </a:rPr>
+              <a:t>билети</a:t>
+            </a:r>
+            <a:r>
+              <a:rPr lang="ru-RU" sz="2400" dirty="0">
+                <a:latin typeface="Times New Roman" panose="02020603050405020304" pitchFamily="18" charset="0"/>
+                <a:cs typeface="Times New Roman" panose="02020603050405020304" pitchFamily="18" charset="0"/>
+              </a:rPr>
+              <a:t>. </a:t>
+            </a:r>
+          </a:p>
+          <a:p>
+            <a:pPr algn="just"/>
+            <a:r>
+              <a:rPr lang="ru-RU" sz="2400" dirty="0" err="1">
+                <a:latin typeface="Times New Roman" panose="02020603050405020304" pitchFamily="18" charset="0"/>
+                <a:cs typeface="Times New Roman" panose="02020603050405020304" pitchFamily="18" charset="0"/>
+              </a:rPr>
+              <a:t>Предимствата</a:t>
+            </a:r>
+            <a:r>
+              <a:rPr lang="ru-RU" sz="2400" dirty="0">
+                <a:latin typeface="Times New Roman" panose="02020603050405020304" pitchFamily="18" charset="0"/>
+                <a:cs typeface="Times New Roman" panose="02020603050405020304" pitchFamily="18" charset="0"/>
+              </a:rPr>
+              <a:t> на </a:t>
+            </a:r>
+            <a:r>
+              <a:rPr lang="ru-RU" sz="2400" dirty="0" err="1">
+                <a:latin typeface="Times New Roman" panose="02020603050405020304" pitchFamily="18" charset="0"/>
+                <a:cs typeface="Times New Roman" panose="02020603050405020304" pitchFamily="18" charset="0"/>
+              </a:rPr>
+              <a:t>моят</a:t>
+            </a:r>
+            <a:r>
+              <a:rPr lang="ru-RU" sz="2400" dirty="0">
+                <a:latin typeface="Times New Roman" panose="02020603050405020304" pitchFamily="18" charset="0"/>
+                <a:cs typeface="Times New Roman" panose="02020603050405020304" pitchFamily="18" charset="0"/>
+              </a:rPr>
+              <a:t> сайт пред </a:t>
+            </a:r>
+            <a:r>
+              <a:rPr lang="ru-RU" sz="2400" dirty="0" err="1">
+                <a:latin typeface="Times New Roman" panose="02020603050405020304" pitchFamily="18" charset="0"/>
+                <a:cs typeface="Times New Roman" panose="02020603050405020304" pitchFamily="18" charset="0"/>
+              </a:rPr>
+              <a:t>другите</a:t>
+            </a:r>
+            <a:r>
+              <a:rPr lang="ru-RU" sz="2400" dirty="0">
+                <a:latin typeface="Times New Roman" panose="02020603050405020304" pitchFamily="18" charset="0"/>
+                <a:cs typeface="Times New Roman" panose="02020603050405020304" pitchFamily="18" charset="0"/>
+              </a:rPr>
+              <a:t> </a:t>
+            </a:r>
+            <a:r>
+              <a:rPr lang="ru-RU" sz="2400" dirty="0" err="1">
+                <a:latin typeface="Times New Roman" panose="02020603050405020304" pitchFamily="18" charset="0"/>
+                <a:cs typeface="Times New Roman" panose="02020603050405020304" pitchFamily="18" charset="0"/>
+              </a:rPr>
+              <a:t>са</a:t>
+            </a:r>
+            <a:r>
+              <a:rPr lang="ru-RU" sz="2400" dirty="0">
                 <a:latin typeface="Times New Roman" panose="02020603050405020304" pitchFamily="18" charset="0"/>
                 <a:cs typeface="Times New Roman" panose="02020603050405020304" pitchFamily="18" charset="0"/>
               </a:rPr>
               <a:t> , че </a:t>
             </a:r>
             <a:r>
-              <a:rPr lang="ru-RU" sz="2000" dirty="0" err="1">
-                <a:latin typeface="Times New Roman" panose="02020603050405020304" pitchFamily="18" charset="0"/>
-                <a:cs typeface="Times New Roman" panose="02020603050405020304" pitchFamily="18" charset="0"/>
-              </a:rPr>
-              <a:t>докато</a:t>
-            </a:r>
-            <a:r>
-              <a:rPr lang="ru-RU" sz="2000" dirty="0">
-                <a:latin typeface="Times New Roman" panose="02020603050405020304" pitchFamily="18" charset="0"/>
-                <a:cs typeface="Times New Roman" panose="02020603050405020304" pitchFamily="18" charset="0"/>
-              </a:rPr>
-              <a:t> го правя </a:t>
-            </a:r>
-            <a:r>
-              <a:rPr lang="ru-RU" sz="2000" dirty="0" err="1">
-                <a:latin typeface="Times New Roman" panose="02020603050405020304" pitchFamily="18" charset="0"/>
-                <a:cs typeface="Times New Roman" panose="02020603050405020304" pitchFamily="18" charset="0"/>
-              </a:rPr>
-              <a:t>научих</a:t>
-            </a:r>
-            <a:r>
-              <a:rPr lang="ru-RU" sz="2000" dirty="0">
+              <a:rPr lang="ru-RU" sz="2400" dirty="0" err="1">
+                <a:latin typeface="Times New Roman" panose="02020603050405020304" pitchFamily="18" charset="0"/>
+                <a:cs typeface="Times New Roman" panose="02020603050405020304" pitchFamily="18" charset="0"/>
+              </a:rPr>
+              <a:t>моят</a:t>
+            </a:r>
+            <a:r>
+              <a:rPr lang="ru-RU" sz="2400" dirty="0">
                 <a:latin typeface="Times New Roman" panose="02020603050405020304" pitchFamily="18" charset="0"/>
                 <a:cs typeface="Times New Roman" panose="02020603050405020304" pitchFamily="18" charset="0"/>
               </a:rPr>
               <a:t> </a:t>
             </a:r>
             <a:r>
-              <a:rPr lang="ru-RU" sz="2000" dirty="0" err="1">
-                <a:latin typeface="Times New Roman" panose="02020603050405020304" pitchFamily="18" charset="0"/>
-                <a:cs typeface="Times New Roman" panose="02020603050405020304" pitchFamily="18" charset="0"/>
-              </a:rPr>
-              <a:t>доста</a:t>
-            </a:r>
-            <a:r>
-              <a:rPr lang="ru-RU" sz="2000" dirty="0">
+              <a:rPr lang="ru-RU" sz="2400" dirty="0" err="1">
+                <a:latin typeface="Times New Roman" panose="02020603050405020304" pitchFamily="18" charset="0"/>
+                <a:cs typeface="Times New Roman" panose="02020603050405020304" pitchFamily="18" charset="0"/>
+              </a:rPr>
+              <a:t>има</a:t>
+            </a:r>
+            <a:r>
+              <a:rPr lang="ru-RU" sz="2400" dirty="0">
                 <a:latin typeface="Times New Roman" panose="02020603050405020304" pitchFamily="18" charset="0"/>
                 <a:cs typeface="Times New Roman" panose="02020603050405020304" pitchFamily="18" charset="0"/>
               </a:rPr>
               <a:t> </a:t>
             </a:r>
             <a:r>
-              <a:rPr lang="ru-RU" sz="2000" dirty="0" err="1">
-                <a:latin typeface="Times New Roman" panose="02020603050405020304" pitchFamily="18" charset="0"/>
-                <a:cs typeface="Times New Roman" panose="02020603050405020304" pitchFamily="18" charset="0"/>
-              </a:rPr>
-              <a:t>неща</a:t>
-            </a:r>
-            <a:r>
-              <a:rPr lang="ru-RU" sz="2000" dirty="0">
-                <a:latin typeface="Times New Roman" panose="02020603050405020304" pitchFamily="18" charset="0"/>
-                <a:cs typeface="Times New Roman" panose="02020603050405020304" pitchFamily="18" charset="0"/>
-              </a:rPr>
-              <a:t> и се </a:t>
-            </a:r>
-            <a:r>
-              <a:rPr lang="ru-RU" sz="2000" dirty="0" err="1">
-                <a:latin typeface="Times New Roman" panose="02020603050405020304" pitchFamily="18" charset="0"/>
-                <a:cs typeface="Times New Roman" panose="02020603050405020304" pitchFamily="18" charset="0"/>
-              </a:rPr>
-              <a:t>обогатих</a:t>
-            </a:r>
-            <a:r>
-              <a:rPr lang="ru-RU" sz="2000" dirty="0">
-                <a:latin typeface="Times New Roman" panose="02020603050405020304" pitchFamily="18" charset="0"/>
-                <a:cs typeface="Times New Roman" panose="02020603050405020304" pitchFamily="18" charset="0"/>
-              </a:rPr>
-              <a:t> с </a:t>
-            </a:r>
-            <a:r>
-              <a:rPr lang="ru-RU" sz="2000" dirty="0" err="1">
-                <a:latin typeface="Times New Roman" panose="02020603050405020304" pitchFamily="18" charset="0"/>
-                <a:cs typeface="Times New Roman" panose="02020603050405020304" pitchFamily="18" charset="0"/>
-              </a:rPr>
-              <a:t>доста</a:t>
-            </a:r>
-            <a:r>
-              <a:rPr lang="ru-RU" sz="2000" dirty="0">
-                <a:latin typeface="Times New Roman" panose="02020603050405020304" pitchFamily="18" charset="0"/>
-                <a:cs typeface="Times New Roman" panose="02020603050405020304" pitchFamily="18" charset="0"/>
-              </a:rPr>
-              <a:t> нова и полезна информация. В </a:t>
-            </a:r>
-            <a:r>
-              <a:rPr lang="ru-RU" sz="2000" dirty="0" err="1">
-                <a:latin typeface="Times New Roman" panose="02020603050405020304" pitchFamily="18" charset="0"/>
-                <a:cs typeface="Times New Roman" panose="02020603050405020304" pitchFamily="18" charset="0"/>
-              </a:rPr>
-              <a:t>крайна</a:t>
-            </a:r>
-            <a:r>
-              <a:rPr lang="ru-RU" sz="2000" dirty="0">
-                <a:latin typeface="Times New Roman" panose="02020603050405020304" pitchFamily="18" charset="0"/>
-                <a:cs typeface="Times New Roman" panose="02020603050405020304" pitchFamily="18" charset="0"/>
-              </a:rPr>
-              <a:t> сметка </a:t>
-            </a:r>
-            <a:r>
-              <a:rPr lang="ru-RU" sz="2000" dirty="0" err="1">
-                <a:latin typeface="Times New Roman" panose="02020603050405020304" pitchFamily="18" charset="0"/>
-                <a:cs typeface="Times New Roman" panose="02020603050405020304" pitchFamily="18" charset="0"/>
-              </a:rPr>
-              <a:t>завърших</a:t>
-            </a:r>
-            <a:r>
-              <a:rPr lang="ru-RU" sz="2000" dirty="0">
-                <a:latin typeface="Times New Roman" panose="02020603050405020304" pitchFamily="18" charset="0"/>
-                <a:cs typeface="Times New Roman" panose="02020603050405020304" pitchFamily="18" charset="0"/>
-              </a:rPr>
-              <a:t> проекта и </a:t>
-            </a:r>
-            <a:r>
-              <a:rPr lang="ru-RU" sz="2000" dirty="0" err="1">
-                <a:latin typeface="Times New Roman" panose="02020603050405020304" pitchFamily="18" charset="0"/>
-                <a:cs typeface="Times New Roman" panose="02020603050405020304" pitchFamily="18" charset="0"/>
-              </a:rPr>
-              <a:t>смятам</a:t>
-            </a:r>
-            <a:r>
-              <a:rPr lang="ru-RU" sz="2000" dirty="0">
-                <a:latin typeface="Times New Roman" panose="02020603050405020304" pitchFamily="18" charset="0"/>
-                <a:cs typeface="Times New Roman" panose="02020603050405020304" pitchFamily="18" charset="0"/>
-              </a:rPr>
-              <a:t> , че </a:t>
-            </a:r>
-            <a:r>
-              <a:rPr lang="ru-RU" sz="2000" dirty="0" err="1">
-                <a:latin typeface="Times New Roman" panose="02020603050405020304" pitchFamily="18" charset="0"/>
-                <a:cs typeface="Times New Roman" panose="02020603050405020304" pitchFamily="18" charset="0"/>
-              </a:rPr>
-              <a:t>изпълних</a:t>
-            </a:r>
-            <a:r>
-              <a:rPr lang="ru-RU" sz="2000" dirty="0">
+              <a:rPr lang="ru-RU" sz="2400" dirty="0" err="1">
+                <a:latin typeface="Times New Roman" panose="02020603050405020304" pitchFamily="18" charset="0"/>
+                <a:cs typeface="Times New Roman" panose="02020603050405020304" pitchFamily="18" charset="0"/>
+              </a:rPr>
+              <a:t>повече</a:t>
+            </a:r>
+            <a:r>
+              <a:rPr lang="ru-RU" sz="2400" dirty="0">
                 <a:latin typeface="Times New Roman" panose="02020603050405020304" pitchFamily="18" charset="0"/>
                 <a:cs typeface="Times New Roman" panose="02020603050405020304" pitchFamily="18" charset="0"/>
               </a:rPr>
               <a:t> </a:t>
             </a:r>
             <a:r>
-              <a:rPr lang="ru-RU" sz="2000" dirty="0" err="1">
-                <a:latin typeface="Times New Roman" panose="02020603050405020304" pitchFamily="18" charset="0"/>
-                <a:cs typeface="Times New Roman" panose="02020603050405020304" pitchFamily="18" charset="0"/>
-              </a:rPr>
-              <a:t>всички</a:t>
-            </a:r>
-            <a:r>
-              <a:rPr lang="ru-RU" sz="2000" dirty="0">
+              <a:rPr lang="ru-RU" sz="2400" dirty="0" err="1">
+                <a:latin typeface="Times New Roman" panose="02020603050405020304" pitchFamily="18" charset="0"/>
+                <a:cs typeface="Times New Roman" panose="02020603050405020304" pitchFamily="18" charset="0"/>
+              </a:rPr>
+              <a:t>функционалности</a:t>
+            </a:r>
+            <a:r>
+              <a:rPr lang="ru-RU" sz="2400" dirty="0">
+                <a:latin typeface="Times New Roman" panose="02020603050405020304" pitchFamily="18" charset="0"/>
+                <a:cs typeface="Times New Roman" panose="02020603050405020304" pitchFamily="18" charset="0"/>
+              </a:rPr>
+              <a:t> , </a:t>
+            </a:r>
+            <a:r>
+              <a:rPr lang="ru-RU" sz="2400" dirty="0" err="1">
+                <a:latin typeface="Times New Roman" panose="02020603050405020304" pitchFamily="18" charset="0"/>
+                <a:cs typeface="Times New Roman" panose="02020603050405020304" pitchFamily="18" charset="0"/>
+              </a:rPr>
+              <a:t>като</a:t>
+            </a:r>
+            <a:r>
+              <a:rPr lang="ru-RU" sz="2400" dirty="0">
                 <a:latin typeface="Times New Roman" panose="02020603050405020304" pitchFamily="18" charset="0"/>
                 <a:cs typeface="Times New Roman" panose="02020603050405020304" pitchFamily="18" charset="0"/>
               </a:rPr>
               <a:t> </a:t>
             </a:r>
             <a:r>
-              <a:rPr lang="ru-RU" sz="2000" dirty="0" err="1">
-                <a:latin typeface="Times New Roman" panose="02020603050405020304" pitchFamily="18" charset="0"/>
-                <a:cs typeface="Times New Roman" panose="02020603050405020304" pitchFamily="18" charset="0"/>
-              </a:rPr>
-              <a:t>главни</a:t>
-            </a:r>
-            <a:r>
-              <a:rPr lang="ru-RU" sz="2000" dirty="0">
-                <a:latin typeface="Times New Roman" panose="02020603050405020304" pitchFamily="18" charset="0"/>
-                <a:cs typeface="Times New Roman" panose="02020603050405020304" pitchFamily="18" charset="0"/>
-              </a:rPr>
-              <a:t> цели и най вече </a:t>
-            </a:r>
-            <a:r>
-              <a:rPr lang="ru-RU" sz="2000" dirty="0" err="1">
-                <a:latin typeface="Times New Roman" panose="02020603050405020304" pitchFamily="18" charset="0"/>
-                <a:cs typeface="Times New Roman" panose="02020603050405020304" pitchFamily="18" charset="0"/>
-              </a:rPr>
-              <a:t>реализирането</a:t>
-            </a:r>
-            <a:r>
-              <a:rPr lang="ru-RU" sz="2000" dirty="0">
-                <a:latin typeface="Times New Roman" panose="02020603050405020304" pitchFamily="18" charset="0"/>
-                <a:cs typeface="Times New Roman" panose="02020603050405020304" pitchFamily="18" charset="0"/>
-              </a:rPr>
-              <a:t> на </a:t>
-            </a:r>
-            <a:r>
-              <a:rPr lang="ru-RU" sz="2000" dirty="0" err="1">
-                <a:latin typeface="Times New Roman" panose="02020603050405020304" pitchFamily="18" charset="0"/>
-                <a:cs typeface="Times New Roman" panose="02020603050405020304" pitchFamily="18" charset="0"/>
-              </a:rPr>
-              <a:t>трислойно</a:t>
-            </a:r>
-            <a:r>
-              <a:rPr lang="ru-RU" sz="2000" dirty="0">
-                <a:latin typeface="Times New Roman" panose="02020603050405020304" pitchFamily="18" charset="0"/>
-                <a:cs typeface="Times New Roman" panose="02020603050405020304" pitchFamily="18" charset="0"/>
-              </a:rPr>
-              <a:t> MVC WEB приложение , </a:t>
-            </a:r>
-            <a:r>
-              <a:rPr lang="ru-RU" sz="2000" dirty="0" err="1">
-                <a:latin typeface="Times New Roman" panose="02020603050405020304" pitchFamily="18" charset="0"/>
-                <a:cs typeface="Times New Roman" panose="02020603050405020304" pitchFamily="18" charset="0"/>
-              </a:rPr>
-              <a:t>организиращо</a:t>
-            </a:r>
-            <a:r>
-              <a:rPr lang="ru-RU" sz="2000" dirty="0">
+              <a:rPr lang="ru-RU" sz="2400" dirty="0" err="1">
+                <a:latin typeface="Times New Roman" panose="02020603050405020304" pitchFamily="18" charset="0"/>
+                <a:cs typeface="Times New Roman" panose="02020603050405020304" pitchFamily="18" charset="0"/>
+              </a:rPr>
+              <a:t>същевременно</a:t>
+            </a:r>
+            <a:r>
+              <a:rPr lang="ru-RU" sz="2400" dirty="0">
                 <a:latin typeface="Times New Roman" panose="02020603050405020304" pitchFamily="18" charset="0"/>
                 <a:cs typeface="Times New Roman" panose="02020603050405020304" pitchFamily="18" charset="0"/>
               </a:rPr>
               <a:t> </a:t>
             </a:r>
             <a:r>
-              <a:rPr lang="ru-RU" sz="2000" dirty="0" err="1">
-                <a:latin typeface="Times New Roman" panose="02020603050405020304" pitchFamily="18" charset="0"/>
-                <a:cs typeface="Times New Roman" panose="02020603050405020304" pitchFamily="18" charset="0"/>
-              </a:rPr>
-              <a:t>дейността</a:t>
-            </a:r>
-            <a:r>
-              <a:rPr lang="ru-RU" sz="2000" dirty="0">
-                <a:latin typeface="Times New Roman" panose="02020603050405020304" pitchFamily="18" charset="0"/>
-                <a:cs typeface="Times New Roman" panose="02020603050405020304" pitchFamily="18" charset="0"/>
-              </a:rPr>
-              <a:t> на </a:t>
-            </a:r>
-            <a:r>
-              <a:rPr lang="ru-RU" sz="2000" dirty="0" err="1">
-                <a:latin typeface="Times New Roman" panose="02020603050405020304" pitchFamily="18" charset="0"/>
-                <a:cs typeface="Times New Roman" panose="02020603050405020304" pitchFamily="18" charset="0"/>
-              </a:rPr>
-              <a:t>летище</a:t>
-            </a:r>
-            <a:r>
-              <a:rPr lang="ru-RU" sz="2000" dirty="0">
+              <a:rPr lang="ru-RU" sz="2400" dirty="0" err="1">
+                <a:latin typeface="Times New Roman" panose="02020603050405020304" pitchFamily="18" charset="0"/>
+                <a:cs typeface="Times New Roman" panose="02020603050405020304" pitchFamily="18" charset="0"/>
+              </a:rPr>
+              <a:t>достъпа</a:t>
+            </a:r>
+            <a:r>
+              <a:rPr lang="ru-RU" sz="2400" dirty="0">
+                <a:latin typeface="Times New Roman" panose="02020603050405020304" pitchFamily="18" charset="0"/>
+                <a:cs typeface="Times New Roman" panose="02020603050405020304" pitchFamily="18" charset="0"/>
+              </a:rPr>
+              <a:t> до </a:t>
+            </a:r>
+            <a:r>
+              <a:rPr lang="ru-RU" sz="2400" dirty="0" err="1">
+                <a:latin typeface="Times New Roman" panose="02020603050405020304" pitchFamily="18" charset="0"/>
+                <a:cs typeface="Times New Roman" panose="02020603050405020304" pitchFamily="18" charset="0"/>
+              </a:rPr>
+              <a:t>тях</a:t>
+            </a:r>
+            <a:r>
+              <a:rPr lang="ru-RU" sz="2400" dirty="0">
+                <a:latin typeface="Times New Roman" panose="02020603050405020304" pitchFamily="18" charset="0"/>
+                <a:cs typeface="Times New Roman" panose="02020603050405020304" pitchFamily="18" charset="0"/>
+              </a:rPr>
+              <a:t> е много </a:t>
+            </a:r>
+            <a:r>
+              <a:rPr lang="ru-RU" sz="2400" dirty="0" err="1">
+                <a:latin typeface="Times New Roman" panose="02020603050405020304" pitchFamily="18" charset="0"/>
+                <a:cs typeface="Times New Roman" panose="02020603050405020304" pitchFamily="18" charset="0"/>
+              </a:rPr>
+              <a:t>опростен</a:t>
+            </a:r>
+            <a:r>
+              <a:rPr lang="ru-RU" sz="2400" dirty="0">
+                <a:latin typeface="Times New Roman" panose="02020603050405020304" pitchFamily="18" charset="0"/>
+                <a:cs typeface="Times New Roman" panose="02020603050405020304" pitchFamily="18" charset="0"/>
+              </a:rPr>
+              <a:t> и </a:t>
+            </a:r>
+            <a:r>
+              <a:rPr lang="ru-RU" sz="2400" dirty="0" err="1">
+                <a:latin typeface="Times New Roman" panose="02020603050405020304" pitchFamily="18" charset="0"/>
+                <a:cs typeface="Times New Roman" panose="02020603050405020304" pitchFamily="18" charset="0"/>
+              </a:rPr>
+              <a:t>лесен</a:t>
+            </a:r>
+            <a:r>
+              <a:rPr lang="ru-RU" sz="2400" dirty="0">
                 <a:latin typeface="Times New Roman" panose="02020603050405020304" pitchFamily="18" charset="0"/>
                 <a:cs typeface="Times New Roman" panose="02020603050405020304" pitchFamily="18" charset="0"/>
               </a:rPr>
               <a:t> за </a:t>
             </a:r>
             <a:r>
-              <a:rPr lang="ru-RU" sz="2000" dirty="0" err="1">
-                <a:latin typeface="Times New Roman" panose="02020603050405020304" pitchFamily="18" charset="0"/>
-                <a:cs typeface="Times New Roman" panose="02020603050405020304" pitchFamily="18" charset="0"/>
-              </a:rPr>
-              <a:t>чартърни</a:t>
-            </a:r>
-            <a:r>
-              <a:rPr lang="ru-RU" sz="2000" dirty="0">
-                <a:latin typeface="Times New Roman" panose="02020603050405020304" pitchFamily="18" charset="0"/>
-                <a:cs typeface="Times New Roman" panose="02020603050405020304" pitchFamily="18" charset="0"/>
-              </a:rPr>
-              <a:t> полети, </a:t>
-            </a:r>
-            <a:r>
-              <a:rPr lang="ru-RU" sz="2000" dirty="0" err="1">
-                <a:latin typeface="Times New Roman" panose="02020603050405020304" pitchFamily="18" charset="0"/>
-                <a:cs typeface="Times New Roman" panose="02020603050405020304" pitchFamily="18" charset="0"/>
-              </a:rPr>
-              <a:t>което</a:t>
-            </a:r>
-            <a:r>
-              <a:rPr lang="ru-RU" sz="2000" dirty="0">
+              <a:rPr lang="ru-RU" sz="2400" dirty="0" err="1">
+                <a:latin typeface="Times New Roman" panose="02020603050405020304" pitchFamily="18" charset="0"/>
+                <a:cs typeface="Times New Roman" panose="02020603050405020304" pitchFamily="18" charset="0"/>
+              </a:rPr>
+              <a:t>крайният</a:t>
+            </a:r>
+            <a:r>
+              <a:rPr lang="ru-RU" sz="2400" dirty="0">
                 <a:latin typeface="Times New Roman" panose="02020603050405020304" pitchFamily="18" charset="0"/>
                 <a:cs typeface="Times New Roman" panose="02020603050405020304" pitchFamily="18" charset="0"/>
               </a:rPr>
               <a:t> </a:t>
             </a:r>
             <a:r>
-              <a:rPr lang="ru-RU" sz="2000" dirty="0" err="1">
-                <a:latin typeface="Times New Roman" panose="02020603050405020304" pitchFamily="18" charset="0"/>
-                <a:cs typeface="Times New Roman" panose="02020603050405020304" pitchFamily="18" charset="0"/>
-              </a:rPr>
-              <a:t>трябва</a:t>
-            </a:r>
-            <a:r>
-              <a:rPr lang="ru-RU" sz="2000" dirty="0">
-                <a:latin typeface="Times New Roman" panose="02020603050405020304" pitchFamily="18" charset="0"/>
-                <a:cs typeface="Times New Roman" panose="02020603050405020304" pitchFamily="18" charset="0"/>
-              </a:rPr>
-              <a:t> да </a:t>
-            </a:r>
-            <a:r>
-              <a:rPr lang="ru-RU" sz="2000" dirty="0" err="1">
-                <a:latin typeface="Times New Roman" panose="02020603050405020304" pitchFamily="18" charset="0"/>
-                <a:cs typeface="Times New Roman" panose="02020603050405020304" pitchFamily="18" charset="0"/>
-              </a:rPr>
-              <a:t>поддържа</a:t>
-            </a:r>
-            <a:r>
-              <a:rPr lang="ru-RU" sz="2000" dirty="0">
-                <a:latin typeface="Times New Roman" panose="02020603050405020304" pitchFamily="18" charset="0"/>
-                <a:cs typeface="Times New Roman" panose="02020603050405020304" pitchFamily="18" charset="0"/>
-              </a:rPr>
-              <a:t> CRUD операции за </a:t>
-            </a:r>
-            <a:r>
-              <a:rPr lang="ru-RU" sz="2000" dirty="0" err="1">
-                <a:latin typeface="Times New Roman" panose="02020603050405020304" pitchFamily="18" charset="0"/>
-                <a:cs typeface="Times New Roman" panose="02020603050405020304" pitchFamily="18" charset="0"/>
-              </a:rPr>
-              <a:t>дестинациите</a:t>
-            </a:r>
-            <a:r>
-              <a:rPr lang="ru-RU" sz="2000" dirty="0">
-                <a:latin typeface="Times New Roman" panose="02020603050405020304" pitchFamily="18" charset="0"/>
-                <a:cs typeface="Times New Roman" panose="02020603050405020304" pitchFamily="18" charset="0"/>
-              </a:rPr>
-              <a:t>, полетите с </a:t>
-            </a:r>
-            <a:r>
-              <a:rPr lang="ru-RU" sz="2000" dirty="0" err="1">
-                <a:latin typeface="Times New Roman" panose="02020603050405020304" pitchFamily="18" charset="0"/>
-                <a:cs typeface="Times New Roman" panose="02020603050405020304" pitchFamily="18" charset="0"/>
-              </a:rPr>
-              <a:t>авиокомпании</a:t>
-            </a:r>
-            <a:r>
-              <a:rPr lang="ru-RU" sz="2000" dirty="0">
-                <a:latin typeface="Times New Roman" panose="02020603050405020304" pitchFamily="18" charset="0"/>
-                <a:cs typeface="Times New Roman" panose="02020603050405020304" pitchFamily="18" charset="0"/>
-              </a:rPr>
-              <a:t> и </a:t>
-            </a:r>
-            <a:r>
-              <a:rPr lang="ru-RU" sz="2000" dirty="0" err="1">
-                <a:latin typeface="Times New Roman" panose="02020603050405020304" pitchFamily="18" charset="0"/>
-                <a:cs typeface="Times New Roman" panose="02020603050405020304" pitchFamily="18" charset="0"/>
-              </a:rPr>
-              <a:t>клиентски</a:t>
-            </a:r>
-            <a:r>
-              <a:rPr lang="ru-RU" sz="2000" dirty="0">
-                <a:latin typeface="Times New Roman" panose="02020603050405020304" pitchFamily="18" charset="0"/>
-                <a:cs typeface="Times New Roman" panose="02020603050405020304" pitchFamily="18" charset="0"/>
-              </a:rPr>
-              <a:t> заявки за </a:t>
-            </a:r>
-            <a:r>
-              <a:rPr lang="ru-RU" sz="2000" dirty="0" err="1">
-                <a:latin typeface="Times New Roman" panose="02020603050405020304" pitchFamily="18" charset="0"/>
-                <a:cs typeface="Times New Roman" panose="02020603050405020304" pitchFamily="18" charset="0"/>
-              </a:rPr>
-              <a:t>билети</a:t>
-            </a:r>
-            <a:r>
-              <a:rPr lang="ru-RU" sz="2000" dirty="0">
-                <a:latin typeface="Times New Roman" panose="02020603050405020304" pitchFamily="18" charset="0"/>
-                <a:cs typeface="Times New Roman" panose="02020603050405020304" pitchFamily="18" charset="0"/>
-              </a:rPr>
-              <a:t>. </a:t>
-            </a:r>
-          </a:p>
-          <a:p>
-            <a:r>
-              <a:rPr lang="ru-RU" sz="2000" dirty="0" err="1">
-                <a:latin typeface="Times New Roman" panose="02020603050405020304" pitchFamily="18" charset="0"/>
-                <a:cs typeface="Times New Roman" panose="02020603050405020304" pitchFamily="18" charset="0"/>
-              </a:rPr>
-              <a:t>Предимствата</a:t>
-            </a:r>
-            <a:r>
-              <a:rPr lang="ru-RU" sz="2000" dirty="0">
-                <a:latin typeface="Times New Roman" panose="02020603050405020304" pitchFamily="18" charset="0"/>
-                <a:cs typeface="Times New Roman" panose="02020603050405020304" pitchFamily="18" charset="0"/>
-              </a:rPr>
-              <a:t> на </a:t>
-            </a:r>
-            <a:r>
-              <a:rPr lang="ru-RU" sz="2000" dirty="0" err="1">
-                <a:latin typeface="Times New Roman" panose="02020603050405020304" pitchFamily="18" charset="0"/>
-                <a:cs typeface="Times New Roman" panose="02020603050405020304" pitchFamily="18" charset="0"/>
-              </a:rPr>
-              <a:t>моят</a:t>
-            </a:r>
-            <a:r>
-              <a:rPr lang="ru-RU" sz="2000" dirty="0">
-                <a:latin typeface="Times New Roman" panose="02020603050405020304" pitchFamily="18" charset="0"/>
-                <a:cs typeface="Times New Roman" panose="02020603050405020304" pitchFamily="18" charset="0"/>
-              </a:rPr>
-              <a:t> сайт пред </a:t>
-            </a:r>
-            <a:r>
-              <a:rPr lang="ru-RU" sz="2000" dirty="0" err="1">
-                <a:latin typeface="Times New Roman" panose="02020603050405020304" pitchFamily="18" charset="0"/>
-                <a:cs typeface="Times New Roman" panose="02020603050405020304" pitchFamily="18" charset="0"/>
-              </a:rPr>
-              <a:t>другите</a:t>
-            </a:r>
-            <a:r>
-              <a:rPr lang="ru-RU" sz="2000" dirty="0">
+              <a:rPr lang="ru-RU" sz="2400" dirty="0" err="1">
+                <a:latin typeface="Times New Roman" panose="02020603050405020304" pitchFamily="18" charset="0"/>
+                <a:cs typeface="Times New Roman" panose="02020603050405020304" pitchFamily="18" charset="0"/>
+              </a:rPr>
+              <a:t>потребител</a:t>
+            </a:r>
+            <a:r>
+              <a:rPr lang="ru-RU" sz="2400" dirty="0">
+                <a:latin typeface="Times New Roman" panose="02020603050405020304" pitchFamily="18" charset="0"/>
+                <a:cs typeface="Times New Roman" panose="02020603050405020304" pitchFamily="18" charset="0"/>
+              </a:rPr>
+              <a:t>.</a:t>
+            </a:r>
+          </a:p>
+          <a:p>
+            <a:pPr algn="just"/>
+            <a:r>
+              <a:rPr lang="ru-RU" sz="2400" dirty="0">
+                <a:latin typeface="Times New Roman" panose="02020603050405020304" pitchFamily="18" charset="0"/>
+                <a:cs typeface="Times New Roman" panose="02020603050405020304" pitchFamily="18" charset="0"/>
+              </a:rPr>
+              <a:t>За </a:t>
+            </a:r>
+            <a:r>
+              <a:rPr lang="ru-RU" sz="2400" dirty="0" err="1">
+                <a:latin typeface="Times New Roman" panose="02020603050405020304" pitchFamily="18" charset="0"/>
+                <a:cs typeface="Times New Roman" panose="02020603050405020304" pitchFamily="18" charset="0"/>
+              </a:rPr>
+              <a:t>бъдещото</a:t>
+            </a:r>
+            <a:r>
+              <a:rPr lang="ru-RU" sz="2400" dirty="0">
+                <a:latin typeface="Times New Roman" panose="02020603050405020304" pitchFamily="18" charset="0"/>
+                <a:cs typeface="Times New Roman" panose="02020603050405020304" pitchFamily="18" charset="0"/>
+              </a:rPr>
+              <a:t> развитие на сайта </a:t>
+            </a:r>
+            <a:r>
+              <a:rPr lang="ru-RU" sz="2400" dirty="0" err="1">
+                <a:latin typeface="Times New Roman" panose="02020603050405020304" pitchFamily="18" charset="0"/>
+                <a:cs typeface="Times New Roman" panose="02020603050405020304" pitchFamily="18" charset="0"/>
+              </a:rPr>
+              <a:t>съм</a:t>
+            </a:r>
+            <a:r>
+              <a:rPr lang="ru-RU" sz="2400" dirty="0">
                 <a:latin typeface="Times New Roman" panose="02020603050405020304" pitchFamily="18" charset="0"/>
                 <a:cs typeface="Times New Roman" panose="02020603050405020304" pitchFamily="18" charset="0"/>
               </a:rPr>
               <a:t> </a:t>
             </a:r>
             <a:r>
-              <a:rPr lang="ru-RU" sz="2000" dirty="0" err="1">
+              <a:rPr lang="ru-RU" sz="2400" dirty="0" err="1">
+                <a:latin typeface="Times New Roman" panose="02020603050405020304" pitchFamily="18" charset="0"/>
+                <a:cs typeface="Times New Roman" panose="02020603050405020304" pitchFamily="18" charset="0"/>
+              </a:rPr>
+              <a:t>подготвил</a:t>
+            </a:r>
+            <a:r>
+              <a:rPr lang="ru-RU" sz="2400" dirty="0">
+                <a:latin typeface="Times New Roman" panose="02020603050405020304" pitchFamily="18" charset="0"/>
+                <a:cs typeface="Times New Roman" panose="02020603050405020304" pitchFamily="18" charset="0"/>
+              </a:rPr>
+              <a:t> </a:t>
+            </a:r>
+            <a:r>
+              <a:rPr lang="ru-RU" sz="2400" dirty="0" err="1">
+                <a:latin typeface="Times New Roman" panose="02020603050405020304" pitchFamily="18" charset="0"/>
+                <a:cs typeface="Times New Roman" panose="02020603050405020304" pitchFamily="18" charset="0"/>
+              </a:rPr>
+              <a:t>страхотен</a:t>
+            </a:r>
+            <a:r>
+              <a:rPr lang="ru-RU" sz="2400" dirty="0">
+                <a:latin typeface="Times New Roman" panose="02020603050405020304" pitchFamily="18" charset="0"/>
+                <a:cs typeface="Times New Roman" panose="02020603050405020304" pitchFamily="18" charset="0"/>
+              </a:rPr>
+              <a:t> набор от функции , </a:t>
+            </a:r>
+            <a:r>
+              <a:rPr lang="ru-RU" sz="2400" dirty="0" err="1">
+                <a:latin typeface="Times New Roman" panose="02020603050405020304" pitchFamily="18" charset="0"/>
+                <a:cs typeface="Times New Roman" panose="02020603050405020304" pitchFamily="18" charset="0"/>
+              </a:rPr>
+              <a:t>които</a:t>
+            </a:r>
+            <a:r>
+              <a:rPr lang="ru-RU" sz="2400" dirty="0">
+                <a:latin typeface="Times New Roman" panose="02020603050405020304" pitchFamily="18" charset="0"/>
+                <a:cs typeface="Times New Roman" panose="02020603050405020304" pitchFamily="18" charset="0"/>
+              </a:rPr>
+              <a:t> не </a:t>
+            </a:r>
+            <a:r>
+              <a:rPr lang="ru-RU" sz="2400" dirty="0" err="1">
                 <a:latin typeface="Times New Roman" panose="02020603050405020304" pitchFamily="18" charset="0"/>
                 <a:cs typeface="Times New Roman" panose="02020603050405020304" pitchFamily="18" charset="0"/>
               </a:rPr>
               <a:t>са</a:t>
             </a:r>
             <a:r>
-              <a:rPr lang="ru-RU" sz="2000" dirty="0">
-                <a:latin typeface="Times New Roman" panose="02020603050405020304" pitchFamily="18" charset="0"/>
-                <a:cs typeface="Times New Roman" panose="02020603050405020304" pitchFamily="18" charset="0"/>
-              </a:rPr>
-              <a:t> , че </a:t>
-            </a:r>
-            <a:r>
-              <a:rPr lang="ru-RU" sz="2000" dirty="0" err="1">
-                <a:latin typeface="Times New Roman" panose="02020603050405020304" pitchFamily="18" charset="0"/>
-                <a:cs typeface="Times New Roman" panose="02020603050405020304" pitchFamily="18" charset="0"/>
-              </a:rPr>
-              <a:t>моят</a:t>
-            </a:r>
-            <a:r>
-              <a:rPr lang="ru-RU" sz="2000" dirty="0">
+              <a:rPr lang="ru-RU" sz="2400" dirty="0">
                 <a:latin typeface="Times New Roman" panose="02020603050405020304" pitchFamily="18" charset="0"/>
                 <a:cs typeface="Times New Roman" panose="02020603050405020304" pitchFamily="18" charset="0"/>
               </a:rPr>
               <a:t> </a:t>
             </a:r>
             <a:r>
-              <a:rPr lang="ru-RU" sz="2000" dirty="0" err="1">
-                <a:latin typeface="Times New Roman" panose="02020603050405020304" pitchFamily="18" charset="0"/>
-                <a:cs typeface="Times New Roman" panose="02020603050405020304" pitchFamily="18" charset="0"/>
-              </a:rPr>
-              <a:t>има</a:t>
-            </a:r>
-            <a:r>
-              <a:rPr lang="ru-RU" sz="2000" dirty="0">
+              <a:rPr lang="ru-RU" sz="2400" dirty="0" err="1">
+                <a:latin typeface="Times New Roman" panose="02020603050405020304" pitchFamily="18" charset="0"/>
+                <a:cs typeface="Times New Roman" panose="02020603050405020304" pitchFamily="18" charset="0"/>
+              </a:rPr>
+              <a:t>предлагани</a:t>
+            </a:r>
+            <a:r>
+              <a:rPr lang="ru-RU" sz="2400" dirty="0">
+                <a:latin typeface="Times New Roman" panose="02020603050405020304" pitchFamily="18" charset="0"/>
+                <a:cs typeface="Times New Roman" panose="02020603050405020304" pitchFamily="18" charset="0"/>
+              </a:rPr>
+              <a:t> до момента </a:t>
+            </a:r>
+            <a:r>
+              <a:rPr lang="ru-RU" sz="2400" dirty="0" err="1">
+                <a:latin typeface="Times New Roman" panose="02020603050405020304" pitchFamily="18" charset="0"/>
+                <a:cs typeface="Times New Roman" panose="02020603050405020304" pitchFamily="18" charset="0"/>
+              </a:rPr>
+              <a:t>никъде</a:t>
+            </a:r>
+            <a:r>
+              <a:rPr lang="ru-RU" sz="2400" dirty="0">
                 <a:latin typeface="Times New Roman" panose="02020603050405020304" pitchFamily="18" charset="0"/>
                 <a:cs typeface="Times New Roman" panose="02020603050405020304" pitchFamily="18" charset="0"/>
               </a:rPr>
               <a:t> </a:t>
             </a:r>
             <a:r>
-              <a:rPr lang="ru-RU" sz="2000" dirty="0" err="1">
-                <a:latin typeface="Times New Roman" panose="02020603050405020304" pitchFamily="18" charset="0"/>
-                <a:cs typeface="Times New Roman" panose="02020603050405020304" pitchFamily="18" charset="0"/>
-              </a:rPr>
-              <a:t>повече</a:t>
-            </a:r>
-            <a:r>
-              <a:rPr lang="ru-RU" sz="2000" dirty="0">
-                <a:latin typeface="Times New Roman" panose="02020603050405020304" pitchFamily="18" charset="0"/>
-                <a:cs typeface="Times New Roman" panose="02020603050405020304" pitchFamily="18" charset="0"/>
-              </a:rPr>
-              <a:t> </a:t>
-            </a:r>
-            <a:r>
-              <a:rPr lang="ru-RU" sz="2000" dirty="0" err="1">
-                <a:latin typeface="Times New Roman" panose="02020603050405020304" pitchFamily="18" charset="0"/>
-                <a:cs typeface="Times New Roman" panose="02020603050405020304" pitchFamily="18" charset="0"/>
-              </a:rPr>
-              <a:t>функционалности</a:t>
-            </a:r>
-            <a:r>
-              <a:rPr lang="ru-RU" sz="2000" dirty="0">
-                <a:latin typeface="Times New Roman" panose="02020603050405020304" pitchFamily="18" charset="0"/>
-                <a:cs typeface="Times New Roman" panose="02020603050405020304" pitchFamily="18" charset="0"/>
-              </a:rPr>
-              <a:t> , </a:t>
-            </a:r>
-            <a:r>
-              <a:rPr lang="ru-RU" sz="2000" dirty="0" err="1">
-                <a:latin typeface="Times New Roman" panose="02020603050405020304" pitchFamily="18" charset="0"/>
-                <a:cs typeface="Times New Roman" panose="02020603050405020304" pitchFamily="18" charset="0"/>
-              </a:rPr>
-              <a:t>като</a:t>
-            </a:r>
-            <a:r>
-              <a:rPr lang="ru-RU" sz="2000" dirty="0">
-                <a:latin typeface="Times New Roman" panose="02020603050405020304" pitchFamily="18" charset="0"/>
-                <a:cs typeface="Times New Roman" panose="02020603050405020304" pitchFamily="18" charset="0"/>
-              </a:rPr>
-              <a:t> </a:t>
-            </a:r>
-            <a:r>
-              <a:rPr lang="ru-RU" sz="2000" dirty="0" err="1">
-                <a:latin typeface="Times New Roman" panose="02020603050405020304" pitchFamily="18" charset="0"/>
-                <a:cs typeface="Times New Roman" panose="02020603050405020304" pitchFamily="18" charset="0"/>
-              </a:rPr>
-              <a:t>същевременно</a:t>
-            </a:r>
-            <a:r>
-              <a:rPr lang="ru-RU" sz="2000" dirty="0">
-                <a:latin typeface="Times New Roman" panose="02020603050405020304" pitchFamily="18" charset="0"/>
-                <a:cs typeface="Times New Roman" panose="02020603050405020304" pitchFamily="18" charset="0"/>
-              </a:rPr>
-              <a:t> </a:t>
-            </a:r>
-            <a:r>
-              <a:rPr lang="ru-RU" sz="2000" dirty="0" err="1">
-                <a:latin typeface="Times New Roman" panose="02020603050405020304" pitchFamily="18" charset="0"/>
-                <a:cs typeface="Times New Roman" panose="02020603050405020304" pitchFamily="18" charset="0"/>
-              </a:rPr>
-              <a:t>достъпа</a:t>
-            </a:r>
-            <a:r>
-              <a:rPr lang="ru-RU" sz="2000" dirty="0">
-                <a:latin typeface="Times New Roman" panose="02020603050405020304" pitchFamily="18" charset="0"/>
-                <a:cs typeface="Times New Roman" panose="02020603050405020304" pitchFamily="18" charset="0"/>
-              </a:rPr>
-              <a:t> до </a:t>
-            </a:r>
-            <a:r>
-              <a:rPr lang="ru-RU" sz="2000" dirty="0" err="1">
-                <a:latin typeface="Times New Roman" panose="02020603050405020304" pitchFamily="18" charset="0"/>
-                <a:cs typeface="Times New Roman" panose="02020603050405020304" pitchFamily="18" charset="0"/>
-              </a:rPr>
-              <a:t>тях</a:t>
-            </a:r>
-            <a:r>
-              <a:rPr lang="ru-RU" sz="2000" dirty="0">
-                <a:latin typeface="Times New Roman" panose="02020603050405020304" pitchFamily="18" charset="0"/>
-                <a:cs typeface="Times New Roman" panose="02020603050405020304" pitchFamily="18" charset="0"/>
-              </a:rPr>
-              <a:t> е много </a:t>
-            </a:r>
-            <a:r>
-              <a:rPr lang="ru-RU" sz="2000" dirty="0" err="1">
-                <a:latin typeface="Times New Roman" panose="02020603050405020304" pitchFamily="18" charset="0"/>
-                <a:cs typeface="Times New Roman" panose="02020603050405020304" pitchFamily="18" charset="0"/>
-              </a:rPr>
-              <a:t>опростен</a:t>
-            </a:r>
-            <a:r>
-              <a:rPr lang="ru-RU" sz="2000" dirty="0">
-                <a:latin typeface="Times New Roman" panose="02020603050405020304" pitchFamily="18" charset="0"/>
-                <a:cs typeface="Times New Roman" panose="02020603050405020304" pitchFamily="18" charset="0"/>
-              </a:rPr>
-              <a:t> и </a:t>
-            </a:r>
-            <a:r>
-              <a:rPr lang="ru-RU" sz="2000" dirty="0" err="1">
-                <a:latin typeface="Times New Roman" panose="02020603050405020304" pitchFamily="18" charset="0"/>
-                <a:cs typeface="Times New Roman" panose="02020603050405020304" pitchFamily="18" charset="0"/>
-              </a:rPr>
-              <a:t>лесен</a:t>
-            </a:r>
-            <a:r>
-              <a:rPr lang="ru-RU" sz="2000" dirty="0">
-                <a:latin typeface="Times New Roman" panose="02020603050405020304" pitchFamily="18" charset="0"/>
-                <a:cs typeface="Times New Roman" panose="02020603050405020304" pitchFamily="18" charset="0"/>
-              </a:rPr>
-              <a:t> за </a:t>
-            </a:r>
-            <a:r>
-              <a:rPr lang="ru-RU" sz="2000" dirty="0" err="1">
-                <a:latin typeface="Times New Roman" panose="02020603050405020304" pitchFamily="18" charset="0"/>
-                <a:cs typeface="Times New Roman" panose="02020603050405020304" pitchFamily="18" charset="0"/>
-              </a:rPr>
-              <a:t>крайният</a:t>
-            </a:r>
-            <a:r>
-              <a:rPr lang="ru-RU" sz="2000" dirty="0">
-                <a:latin typeface="Times New Roman" panose="02020603050405020304" pitchFamily="18" charset="0"/>
-                <a:cs typeface="Times New Roman" panose="02020603050405020304" pitchFamily="18" charset="0"/>
-              </a:rPr>
-              <a:t> </a:t>
-            </a:r>
-            <a:r>
-              <a:rPr lang="ru-RU" sz="2000" dirty="0" err="1">
-                <a:latin typeface="Times New Roman" panose="02020603050405020304" pitchFamily="18" charset="0"/>
-                <a:cs typeface="Times New Roman" panose="02020603050405020304" pitchFamily="18" charset="0"/>
-              </a:rPr>
-              <a:t>потребител</a:t>
-            </a:r>
-            <a:r>
-              <a:rPr lang="ru-RU" sz="2000" dirty="0">
+              <a:rPr lang="ru-RU" sz="2400" dirty="0" err="1">
+                <a:latin typeface="Times New Roman" panose="02020603050405020304" pitchFamily="18" charset="0"/>
+                <a:cs typeface="Times New Roman" panose="02020603050405020304" pitchFamily="18" charset="0"/>
+              </a:rPr>
+              <a:t>другаде</a:t>
+            </a:r>
+            <a:r>
+              <a:rPr lang="ru-RU" sz="2400" dirty="0">
                 <a:latin typeface="Times New Roman" panose="02020603050405020304" pitchFamily="18" charset="0"/>
                 <a:cs typeface="Times New Roman" panose="02020603050405020304" pitchFamily="18" charset="0"/>
               </a:rPr>
               <a:t>.</a:t>
             </a:r>
-          </a:p>
-          <a:p>
-            <a:r>
-              <a:rPr lang="ru-RU" sz="2000" dirty="0">
-                <a:latin typeface="Times New Roman" panose="02020603050405020304" pitchFamily="18" charset="0"/>
-                <a:cs typeface="Times New Roman" panose="02020603050405020304" pitchFamily="18" charset="0"/>
-              </a:rPr>
-              <a:t>Като минус </a:t>
-            </a:r>
-            <a:r>
-              <a:rPr lang="ru-RU" sz="2000" dirty="0" err="1">
-                <a:latin typeface="Times New Roman" panose="02020603050405020304" pitchFamily="18" charset="0"/>
-                <a:cs typeface="Times New Roman" panose="02020603050405020304" pitchFamily="18" charset="0"/>
-              </a:rPr>
-              <a:t>мога</a:t>
-            </a:r>
-            <a:r>
-              <a:rPr lang="ru-RU" sz="2000" dirty="0">
-                <a:latin typeface="Times New Roman" panose="02020603050405020304" pitchFamily="18" charset="0"/>
-                <a:cs typeface="Times New Roman" panose="02020603050405020304" pitchFamily="18" charset="0"/>
-              </a:rPr>
-              <a:t> да </a:t>
-            </a:r>
-            <a:r>
-              <a:rPr lang="ru-RU" sz="2000" dirty="0" err="1">
-                <a:latin typeface="Times New Roman" panose="02020603050405020304" pitchFamily="18" charset="0"/>
-                <a:cs typeface="Times New Roman" panose="02020603050405020304" pitchFamily="18" charset="0"/>
-              </a:rPr>
-              <a:t>отбележа</a:t>
-            </a:r>
-            <a:r>
-              <a:rPr lang="ru-RU" sz="2000" dirty="0">
-                <a:latin typeface="Times New Roman" panose="02020603050405020304" pitchFamily="18" charset="0"/>
-                <a:cs typeface="Times New Roman" panose="02020603050405020304" pitchFamily="18" charset="0"/>
-              </a:rPr>
-              <a:t> дизайна на сайта ми (сравнено с </a:t>
-            </a:r>
-            <a:r>
-              <a:rPr lang="ru-RU" sz="2000" dirty="0" err="1">
-                <a:latin typeface="Times New Roman" panose="02020603050405020304" pitchFamily="18" charset="0"/>
-                <a:cs typeface="Times New Roman" panose="02020603050405020304" pitchFamily="18" charset="0"/>
-              </a:rPr>
-              <a:t>други</a:t>
-            </a:r>
-            <a:r>
-              <a:rPr lang="ru-RU" sz="2000" dirty="0">
-                <a:latin typeface="Times New Roman" panose="02020603050405020304" pitchFamily="18" charset="0"/>
-                <a:cs typeface="Times New Roman" panose="02020603050405020304" pitchFamily="18" charset="0"/>
-              </a:rPr>
-              <a:t> </a:t>
-            </a:r>
-            <a:r>
-              <a:rPr lang="ru-RU" sz="2000" dirty="0" err="1">
-                <a:latin typeface="Times New Roman" panose="02020603050405020304" pitchFamily="18" charset="0"/>
-                <a:cs typeface="Times New Roman" panose="02020603050405020304" pitchFamily="18" charset="0"/>
-              </a:rPr>
-              <a:t>конкурентни</a:t>
-            </a:r>
-            <a:r>
-              <a:rPr lang="ru-RU" sz="2000" dirty="0">
-                <a:latin typeface="Times New Roman" panose="02020603050405020304" pitchFamily="18" charset="0"/>
-                <a:cs typeface="Times New Roman" panose="02020603050405020304" pitchFamily="18" charset="0"/>
-              </a:rPr>
-              <a:t> </a:t>
-            </a:r>
-            <a:r>
-              <a:rPr lang="ru-RU" sz="2000" dirty="0" err="1">
-                <a:latin typeface="Times New Roman" panose="02020603050405020304" pitchFamily="18" charset="0"/>
-                <a:cs typeface="Times New Roman" panose="02020603050405020304" pitchFamily="18" charset="0"/>
-              </a:rPr>
-              <a:t>такива</a:t>
-            </a:r>
-            <a:r>
-              <a:rPr lang="ru-RU" sz="2000" dirty="0">
-                <a:latin typeface="Times New Roman" panose="02020603050405020304" pitchFamily="18" charset="0"/>
-                <a:cs typeface="Times New Roman" panose="02020603050405020304" pitchFamily="18" charset="0"/>
-              </a:rPr>
-              <a:t>) , понеже </a:t>
-            </a:r>
-            <a:r>
-              <a:rPr lang="ru-RU" sz="2000" dirty="0" err="1">
-                <a:latin typeface="Times New Roman" panose="02020603050405020304" pitchFamily="18" charset="0"/>
-                <a:cs typeface="Times New Roman" panose="02020603050405020304" pitchFamily="18" charset="0"/>
-              </a:rPr>
-              <a:t>това</a:t>
-            </a:r>
-            <a:r>
-              <a:rPr lang="ru-RU" sz="2000" dirty="0">
-                <a:latin typeface="Times New Roman" panose="02020603050405020304" pitchFamily="18" charset="0"/>
-                <a:cs typeface="Times New Roman" panose="02020603050405020304" pitchFamily="18" charset="0"/>
-              </a:rPr>
-              <a:t> </a:t>
-            </a:r>
-            <a:r>
-              <a:rPr lang="ru-RU" sz="2000" dirty="0" err="1">
-                <a:latin typeface="Times New Roman" panose="02020603050405020304" pitchFamily="18" charset="0"/>
-                <a:cs typeface="Times New Roman" panose="02020603050405020304" pitchFamily="18" charset="0"/>
-              </a:rPr>
-              <a:t>отнема</a:t>
-            </a:r>
-            <a:r>
-              <a:rPr lang="ru-RU" sz="2000" dirty="0">
-                <a:latin typeface="Times New Roman" panose="02020603050405020304" pitchFamily="18" charset="0"/>
-                <a:cs typeface="Times New Roman" panose="02020603050405020304" pitchFamily="18" charset="0"/>
-              </a:rPr>
-              <a:t> </a:t>
-            </a:r>
-            <a:r>
-              <a:rPr lang="ru-RU" sz="2000" dirty="0" err="1">
-                <a:latin typeface="Times New Roman" panose="02020603050405020304" pitchFamily="18" charset="0"/>
-                <a:cs typeface="Times New Roman" panose="02020603050405020304" pitchFamily="18" charset="0"/>
-              </a:rPr>
-              <a:t>изключително</a:t>
-            </a:r>
-            <a:r>
-              <a:rPr lang="ru-RU" sz="2000" dirty="0">
-                <a:latin typeface="Times New Roman" panose="02020603050405020304" pitchFamily="18" charset="0"/>
-                <a:cs typeface="Times New Roman" panose="02020603050405020304" pitchFamily="18" charset="0"/>
-              </a:rPr>
-              <a:t> много </a:t>
-            </a:r>
-            <a:r>
-              <a:rPr lang="ru-RU" sz="2000" dirty="0" err="1">
-                <a:latin typeface="Times New Roman" panose="02020603050405020304" pitchFamily="18" charset="0"/>
-                <a:cs typeface="Times New Roman" panose="02020603050405020304" pitchFamily="18" charset="0"/>
-              </a:rPr>
-              <a:t>време</a:t>
-            </a:r>
-            <a:r>
-              <a:rPr lang="ru-RU" sz="2000" dirty="0">
-                <a:latin typeface="Times New Roman" panose="02020603050405020304" pitchFamily="18" charset="0"/>
-                <a:cs typeface="Times New Roman" panose="02020603050405020304" pitchFamily="18" charset="0"/>
-              </a:rPr>
-              <a:t> , за да се </a:t>
-            </a:r>
-            <a:r>
-              <a:rPr lang="ru-RU" sz="2000" dirty="0" err="1">
-                <a:latin typeface="Times New Roman" panose="02020603050405020304" pitchFamily="18" charset="0"/>
-                <a:cs typeface="Times New Roman" panose="02020603050405020304" pitchFamily="18" charset="0"/>
-              </a:rPr>
-              <a:t>нагоди</a:t>
-            </a:r>
-            <a:r>
-              <a:rPr lang="ru-RU" sz="2000" dirty="0">
-                <a:latin typeface="Times New Roman" panose="02020603050405020304" pitchFamily="18" charset="0"/>
-                <a:cs typeface="Times New Roman" panose="02020603050405020304" pitchFamily="18" charset="0"/>
-              </a:rPr>
-              <a:t> </a:t>
-            </a:r>
-            <a:r>
-              <a:rPr lang="ru-RU" sz="2000" dirty="0" err="1">
-                <a:latin typeface="Times New Roman" panose="02020603050405020304" pitchFamily="18" charset="0"/>
-                <a:cs typeface="Times New Roman" panose="02020603050405020304" pitchFamily="18" charset="0"/>
-              </a:rPr>
-              <a:t>всичко</a:t>
-            </a:r>
-            <a:r>
-              <a:rPr lang="ru-RU" sz="2000" dirty="0">
-                <a:latin typeface="Times New Roman" panose="02020603050405020304" pitchFamily="18" charset="0"/>
-                <a:cs typeface="Times New Roman" panose="02020603050405020304" pitchFamily="18" charset="0"/>
-              </a:rPr>
-              <a:t> </a:t>
-            </a:r>
-            <a:r>
-              <a:rPr lang="ru-RU" sz="2000" dirty="0" err="1">
-                <a:latin typeface="Times New Roman" panose="02020603050405020304" pitchFamily="18" charset="0"/>
-                <a:cs typeface="Times New Roman" panose="02020603050405020304" pitchFamily="18" charset="0"/>
-              </a:rPr>
-              <a:t>както</a:t>
-            </a:r>
-            <a:r>
-              <a:rPr lang="ru-RU" sz="2000" dirty="0">
-                <a:latin typeface="Times New Roman" panose="02020603050405020304" pitchFamily="18" charset="0"/>
-                <a:cs typeface="Times New Roman" panose="02020603050405020304" pitchFamily="18" charset="0"/>
-              </a:rPr>
-              <a:t> </a:t>
-            </a:r>
-            <a:r>
-              <a:rPr lang="ru-RU" sz="2000" dirty="0" err="1">
-                <a:latin typeface="Times New Roman" panose="02020603050405020304" pitchFamily="18" charset="0"/>
-                <a:cs typeface="Times New Roman" panose="02020603050405020304" pitchFamily="18" charset="0"/>
-              </a:rPr>
-              <a:t>трябва</a:t>
-            </a:r>
-            <a:r>
-              <a:rPr lang="ru-RU" sz="2000" dirty="0">
-                <a:latin typeface="Times New Roman" panose="02020603050405020304" pitchFamily="18" charset="0"/>
-                <a:cs typeface="Times New Roman" panose="02020603050405020304" pitchFamily="18" charset="0"/>
-              </a:rPr>
-              <a:t> и </a:t>
-            </a:r>
-            <a:r>
-              <a:rPr lang="ru-RU" sz="2000" dirty="0" err="1">
-                <a:latin typeface="Times New Roman" panose="02020603050405020304" pitchFamily="18" charset="0"/>
-                <a:cs typeface="Times New Roman" panose="02020603050405020304" pitchFamily="18" charset="0"/>
-              </a:rPr>
-              <a:t>винаги</a:t>
-            </a:r>
-            <a:r>
-              <a:rPr lang="ru-RU" sz="2000" dirty="0">
-                <a:latin typeface="Times New Roman" panose="02020603050405020304" pitchFamily="18" charset="0"/>
-                <a:cs typeface="Times New Roman" panose="02020603050405020304" pitchFamily="18" charset="0"/>
-              </a:rPr>
-              <a:t> </a:t>
-            </a:r>
-            <a:r>
-              <a:rPr lang="ru-RU" sz="2000" dirty="0" err="1">
-                <a:latin typeface="Times New Roman" panose="02020603050405020304" pitchFamily="18" charset="0"/>
-                <a:cs typeface="Times New Roman" panose="02020603050405020304" pitchFamily="18" charset="0"/>
-              </a:rPr>
-              <a:t>ще</a:t>
-            </a:r>
-            <a:r>
-              <a:rPr lang="ru-RU" sz="2000" dirty="0">
-                <a:latin typeface="Times New Roman" panose="02020603050405020304" pitchFamily="18" charset="0"/>
-                <a:cs typeface="Times New Roman" panose="02020603050405020304" pitchFamily="18" charset="0"/>
-              </a:rPr>
-              <a:t> </a:t>
-            </a:r>
-            <a:r>
-              <a:rPr lang="ru-RU" sz="2000" dirty="0" err="1">
-                <a:latin typeface="Times New Roman" panose="02020603050405020304" pitchFamily="18" charset="0"/>
-                <a:cs typeface="Times New Roman" panose="02020603050405020304" pitchFamily="18" charset="0"/>
-              </a:rPr>
-              <a:t>има</a:t>
-            </a:r>
-            <a:r>
-              <a:rPr lang="ru-RU" sz="2000" dirty="0">
-                <a:latin typeface="Times New Roman" panose="02020603050405020304" pitchFamily="18" charset="0"/>
-                <a:cs typeface="Times New Roman" panose="02020603050405020304" pitchFamily="18" charset="0"/>
-              </a:rPr>
-              <a:t> </a:t>
-            </a:r>
-            <a:r>
-              <a:rPr lang="ru-RU" sz="2000" dirty="0" err="1">
-                <a:latin typeface="Times New Roman" panose="02020603050405020304" pitchFamily="18" charset="0"/>
-                <a:cs typeface="Times New Roman" panose="02020603050405020304" pitchFamily="18" charset="0"/>
-              </a:rPr>
-              <a:t>нещо</a:t>
-            </a:r>
-            <a:r>
-              <a:rPr lang="ru-RU" sz="2000" dirty="0">
-                <a:latin typeface="Times New Roman" panose="02020603050405020304" pitchFamily="18" charset="0"/>
-                <a:cs typeface="Times New Roman" panose="02020603050405020304" pitchFamily="18" charset="0"/>
-              </a:rPr>
-              <a:t> за </a:t>
-            </a:r>
-            <a:r>
-              <a:rPr lang="ru-RU" sz="2000" dirty="0" err="1">
-                <a:latin typeface="Times New Roman" panose="02020603050405020304" pitchFamily="18" charset="0"/>
-                <a:cs typeface="Times New Roman" panose="02020603050405020304" pitchFamily="18" charset="0"/>
-              </a:rPr>
-              <a:t>правене</a:t>
-            </a:r>
-            <a:r>
-              <a:rPr lang="ru-RU" sz="2000" dirty="0">
-                <a:latin typeface="Times New Roman" panose="02020603050405020304" pitchFamily="18" charset="0"/>
-                <a:cs typeface="Times New Roman" panose="02020603050405020304" pitchFamily="18" charset="0"/>
-              </a:rPr>
-              <a:t>. За </a:t>
-            </a:r>
-            <a:r>
-              <a:rPr lang="ru-RU" sz="2000" dirty="0" err="1">
-                <a:latin typeface="Times New Roman" panose="02020603050405020304" pitchFamily="18" charset="0"/>
-                <a:cs typeface="Times New Roman" panose="02020603050405020304" pitchFamily="18" charset="0"/>
-              </a:rPr>
-              <a:t>бъдещото</a:t>
-            </a:r>
-            <a:r>
-              <a:rPr lang="ru-RU" sz="2000" dirty="0">
-                <a:latin typeface="Times New Roman" panose="02020603050405020304" pitchFamily="18" charset="0"/>
-                <a:cs typeface="Times New Roman" panose="02020603050405020304" pitchFamily="18" charset="0"/>
-              </a:rPr>
-              <a:t> развитие на сайта </a:t>
-            </a:r>
-            <a:r>
-              <a:rPr lang="ru-RU" sz="2000" dirty="0" err="1">
-                <a:latin typeface="Times New Roman" panose="02020603050405020304" pitchFamily="18" charset="0"/>
-                <a:cs typeface="Times New Roman" panose="02020603050405020304" pitchFamily="18" charset="0"/>
-              </a:rPr>
-              <a:t>съм</a:t>
-            </a:r>
-            <a:r>
-              <a:rPr lang="ru-RU" sz="2000" dirty="0">
-                <a:latin typeface="Times New Roman" panose="02020603050405020304" pitchFamily="18" charset="0"/>
-                <a:cs typeface="Times New Roman" panose="02020603050405020304" pitchFamily="18" charset="0"/>
-              </a:rPr>
-              <a:t> </a:t>
-            </a:r>
-            <a:r>
-              <a:rPr lang="ru-RU" sz="2000" dirty="0" err="1">
-                <a:latin typeface="Times New Roman" panose="02020603050405020304" pitchFamily="18" charset="0"/>
-                <a:cs typeface="Times New Roman" panose="02020603050405020304" pitchFamily="18" charset="0"/>
-              </a:rPr>
-              <a:t>подготвил</a:t>
-            </a:r>
-            <a:r>
-              <a:rPr lang="ru-RU" sz="2000" dirty="0">
-                <a:latin typeface="Times New Roman" panose="02020603050405020304" pitchFamily="18" charset="0"/>
-                <a:cs typeface="Times New Roman" panose="02020603050405020304" pitchFamily="18" charset="0"/>
-              </a:rPr>
-              <a:t> </a:t>
-            </a:r>
-            <a:r>
-              <a:rPr lang="ru-RU" sz="2000" dirty="0" err="1">
-                <a:latin typeface="Times New Roman" panose="02020603050405020304" pitchFamily="18" charset="0"/>
-                <a:cs typeface="Times New Roman" panose="02020603050405020304" pitchFamily="18" charset="0"/>
-              </a:rPr>
-              <a:t>страхотен</a:t>
-            </a:r>
-            <a:r>
-              <a:rPr lang="ru-RU" sz="2000" dirty="0">
-                <a:latin typeface="Times New Roman" panose="02020603050405020304" pitchFamily="18" charset="0"/>
-                <a:cs typeface="Times New Roman" panose="02020603050405020304" pitchFamily="18" charset="0"/>
-              </a:rPr>
-              <a:t> набор от функции и </a:t>
-            </a:r>
-            <a:r>
-              <a:rPr lang="ru-RU" sz="2000" dirty="0" err="1">
-                <a:latin typeface="Times New Roman" panose="02020603050405020304" pitchFamily="18" charset="0"/>
-                <a:cs typeface="Times New Roman" panose="02020603050405020304" pitchFamily="18" charset="0"/>
-              </a:rPr>
-              <a:t>оправяне</a:t>
-            </a:r>
-            <a:r>
-              <a:rPr lang="ru-RU" sz="2000" dirty="0">
-                <a:latin typeface="Times New Roman" panose="02020603050405020304" pitchFamily="18" charset="0"/>
-                <a:cs typeface="Times New Roman" panose="02020603050405020304" pitchFamily="18" charset="0"/>
-              </a:rPr>
-              <a:t> на дизайна , за да </a:t>
-            </a:r>
-            <a:r>
-              <a:rPr lang="ru-RU" sz="2000" dirty="0" err="1">
-                <a:latin typeface="Times New Roman" panose="02020603050405020304" pitchFamily="18" charset="0"/>
-                <a:cs typeface="Times New Roman" panose="02020603050405020304" pitchFamily="18" charset="0"/>
-              </a:rPr>
-              <a:t>може</a:t>
-            </a:r>
-            <a:r>
-              <a:rPr lang="ru-RU" sz="2000" dirty="0">
-                <a:latin typeface="Times New Roman" panose="02020603050405020304" pitchFamily="18" charset="0"/>
-                <a:cs typeface="Times New Roman" panose="02020603050405020304" pitchFamily="18" charset="0"/>
-              </a:rPr>
-              <a:t> да стане </a:t>
-            </a:r>
-            <a:r>
-              <a:rPr lang="ru-RU" sz="2000" dirty="0" err="1">
-                <a:latin typeface="Times New Roman" panose="02020603050405020304" pitchFamily="18" charset="0"/>
-                <a:cs typeface="Times New Roman" panose="02020603050405020304" pitchFamily="18" charset="0"/>
-              </a:rPr>
-              <a:t>подобаващ</a:t>
-            </a:r>
-            <a:r>
-              <a:rPr lang="ru-RU" sz="2000" dirty="0">
-                <a:latin typeface="Times New Roman" panose="02020603050405020304" pitchFamily="18" charset="0"/>
-                <a:cs typeface="Times New Roman" panose="02020603050405020304" pitchFamily="18" charset="0"/>
-              </a:rPr>
-              <a:t> и да </a:t>
-            </a:r>
-            <a:r>
-              <a:rPr lang="ru-RU" sz="2000" dirty="0" err="1">
-                <a:latin typeface="Times New Roman" panose="02020603050405020304" pitchFamily="18" charset="0"/>
-                <a:cs typeface="Times New Roman" panose="02020603050405020304" pitchFamily="18" charset="0"/>
-              </a:rPr>
-              <a:t>грабне</a:t>
-            </a:r>
-            <a:r>
-              <a:rPr lang="ru-RU" sz="2000" dirty="0">
-                <a:latin typeface="Times New Roman" panose="02020603050405020304" pitchFamily="18" charset="0"/>
-                <a:cs typeface="Times New Roman" panose="02020603050405020304" pitchFamily="18" charset="0"/>
-              </a:rPr>
-              <a:t> </a:t>
-            </a:r>
-            <a:r>
-              <a:rPr lang="ru-RU" sz="2000" dirty="0" err="1">
-                <a:latin typeface="Times New Roman" panose="02020603050405020304" pitchFamily="18" charset="0"/>
-                <a:cs typeface="Times New Roman" panose="02020603050405020304" pitchFamily="18" charset="0"/>
-              </a:rPr>
-              <a:t>очите</a:t>
-            </a:r>
-            <a:r>
-              <a:rPr lang="ru-RU" sz="2000" dirty="0">
-                <a:latin typeface="Times New Roman" panose="02020603050405020304" pitchFamily="18" charset="0"/>
-                <a:cs typeface="Times New Roman" panose="02020603050405020304" pitchFamily="18" charset="0"/>
-              </a:rPr>
-              <a:t> на потребителя , </a:t>
-            </a:r>
-            <a:r>
-              <a:rPr lang="ru-RU" sz="2000" dirty="0" err="1">
-                <a:latin typeface="Times New Roman" panose="02020603050405020304" pitchFamily="18" charset="0"/>
-                <a:cs typeface="Times New Roman" panose="02020603050405020304" pitchFamily="18" charset="0"/>
-              </a:rPr>
-              <a:t>още</a:t>
-            </a:r>
-            <a:r>
-              <a:rPr lang="ru-RU" sz="2000" dirty="0">
-                <a:latin typeface="Times New Roman" panose="02020603050405020304" pitchFamily="18" charset="0"/>
-                <a:cs typeface="Times New Roman" panose="02020603050405020304" pitchFamily="18" charset="0"/>
-              </a:rPr>
-              <a:t> от </a:t>
-            </a:r>
-            <a:r>
-              <a:rPr lang="ru-RU" sz="2000" dirty="0" err="1">
-                <a:latin typeface="Times New Roman" panose="02020603050405020304" pitchFamily="18" charset="0"/>
-                <a:cs typeface="Times New Roman" panose="02020603050405020304" pitchFamily="18" charset="0"/>
-              </a:rPr>
-              <a:t>отварянето</a:t>
-            </a:r>
-            <a:r>
-              <a:rPr lang="ru-RU" sz="2000" dirty="0">
-                <a:latin typeface="Times New Roman" panose="02020603050405020304" pitchFamily="18" charset="0"/>
-                <a:cs typeface="Times New Roman" panose="02020603050405020304" pitchFamily="18" charset="0"/>
-              </a:rPr>
-              <a:t> </a:t>
-            </a:r>
-            <a:r>
-              <a:rPr lang="ru-RU" sz="2000" dirty="0" err="1">
-                <a:latin typeface="Times New Roman" panose="02020603050405020304" pitchFamily="18" charset="0"/>
-                <a:cs typeface="Times New Roman" panose="02020603050405020304" pitchFamily="18" charset="0"/>
-              </a:rPr>
-              <a:t>му</a:t>
-            </a:r>
-            <a:r>
-              <a:rPr lang="ru-RU" sz="2000" dirty="0">
-                <a:latin typeface="Times New Roman" panose="02020603050405020304" pitchFamily="18" charset="0"/>
-                <a:cs typeface="Times New Roman" panose="02020603050405020304" pitchFamily="18" charset="0"/>
-              </a:rPr>
-              <a:t>. </a:t>
-            </a:r>
-          </a:p>
-          <a:p>
-            <a:endParaRPr lang="bg-BG" sz="2000" dirty="0">
+            <a:endParaRPr lang="bg-BG" sz="2400" dirty="0">
               <a:latin typeface="Times New Roman" panose="02020603050405020304" pitchFamily="18" charset="0"/>
               <a:cs typeface="Times New Roman" panose="02020603050405020304" pitchFamily="18" charset="0"/>
             </a:endParaRPr>
@@ -10516,7 +9987,654 @@
 </p:sld>
 </file>
 
-<file path=ppt/slides/slide13.xml><?xml version="1.0" encoding="utf-8"?>
+<file path=ppt/slides/slide14.xml><?xml version="1.0" encoding="utf-8"?>
+<p:sld xmlns:a="http://schemas.openxmlformats.org/drawingml/2006/main" xmlns:r="http://schemas.openxmlformats.org/officeDocument/2006/relationships" xmlns:p="http://schemas.openxmlformats.org/presentationml/2006/main">
+  <p:cSld>
+    <p:spTree>
+      <p:nvGrpSpPr>
+        <p:cNvPr id="1" name=""/>
+        <p:cNvGrpSpPr/>
+        <p:nvPr/>
+      </p:nvGrpSpPr>
+      <p:grpSpPr>
+        <a:xfrm>
+          <a:off x="0" y="0"/>
+          <a:ext cx="0" cy="0"/>
+          <a:chOff x="0" y="0"/>
+          <a:chExt cx="0" cy="0"/>
+        </a:xfrm>
+      </p:grpSpPr>
+      <p:sp>
+        <p:nvSpPr>
+          <p:cNvPr id="2" name="Заглавие 1">
+            <a:extLst>
+              <a:ext uri="{FF2B5EF4-FFF2-40B4-BE49-F238E27FC236}">
+                <a16:creationId xmlns:a16="http://schemas.microsoft.com/office/drawing/2014/main" id="{0E2967DC-2067-D763-7A0C-712D643DFEF7}"/>
+              </a:ext>
+            </a:extLst>
+          </p:cNvPr>
+          <p:cNvSpPr>
+            <a:spLocks noGrp="1"/>
+          </p:cNvSpPr>
+          <p:nvPr>
+            <p:ph type="title"/>
+          </p:nvPr>
+        </p:nvSpPr>
+        <p:spPr>
+          <a:xfrm>
+            <a:off x="677334" y="403654"/>
+            <a:ext cx="8596668" cy="1320800"/>
+          </a:xfrm>
+        </p:spPr>
+        <p:txBody>
+          <a:bodyPr>
+            <a:normAutofit/>
+          </a:bodyPr>
+          <a:lstStyle/>
+          <a:p>
+            <a:pPr algn="ctr"/>
+            <a:r>
+              <a:rPr lang="bg-BG" sz="4400" dirty="0" err="1">
+                <a:latin typeface="Times New Roman" panose="02020603050405020304" pitchFamily="18" charset="0"/>
+                <a:cs typeface="Times New Roman" panose="02020603050405020304" pitchFamily="18" charset="0"/>
+              </a:rPr>
+              <a:t>Реценция</a:t>
+            </a:r>
+            <a:endParaRPr lang="bg-BG" sz="4400" dirty="0">
+              <a:latin typeface="Times New Roman" panose="02020603050405020304" pitchFamily="18" charset="0"/>
+              <a:cs typeface="Times New Roman" panose="02020603050405020304" pitchFamily="18" charset="0"/>
+            </a:endParaRPr>
+          </a:p>
+        </p:txBody>
+      </p:sp>
+      <p:sp>
+        <p:nvSpPr>
+          <p:cNvPr id="3" name="Контейнер за съдържание 2">
+            <a:extLst>
+              <a:ext uri="{FF2B5EF4-FFF2-40B4-BE49-F238E27FC236}">
+                <a16:creationId xmlns:a16="http://schemas.microsoft.com/office/drawing/2014/main" id="{1E737312-3E17-B3D6-3B40-E84D9BD24700}"/>
+              </a:ext>
+            </a:extLst>
+          </p:cNvPr>
+          <p:cNvSpPr>
+            <a:spLocks noGrp="1"/>
+          </p:cNvSpPr>
+          <p:nvPr>
+            <p:ph idx="1"/>
+          </p:nvPr>
+        </p:nvSpPr>
+        <p:spPr>
+          <a:xfrm>
+            <a:off x="487863" y="2020546"/>
+            <a:ext cx="9109217" cy="3880773"/>
+          </a:xfrm>
+        </p:spPr>
+        <p:txBody>
+          <a:bodyPr>
+            <a:normAutofit/>
+          </a:bodyPr>
+          <a:lstStyle/>
+          <a:p>
+            <a:pPr algn="just"/>
+            <a:r>
+              <a:rPr lang="bg-BG" sz="2800" dirty="0">
+                <a:latin typeface="Times New Roman" panose="02020603050405020304" pitchFamily="18" charset="0"/>
+                <a:cs typeface="Times New Roman" panose="02020603050405020304" pitchFamily="18" charset="0"/>
+              </a:rPr>
+              <a:t>1.Каква е идеята на бутона история на резервации да се вижда от всеки потребител посетил сайта?</a:t>
+            </a:r>
+          </a:p>
+          <a:p>
+            <a:pPr algn="just"/>
+            <a:r>
+              <a:rPr lang="bg-BG" sz="2800" dirty="0">
+                <a:latin typeface="Times New Roman" panose="02020603050405020304" pitchFamily="18" charset="0"/>
+                <a:cs typeface="Times New Roman" panose="02020603050405020304" pitchFamily="18" charset="0"/>
+              </a:rPr>
+              <a:t>2.При какви обстоятелства на администратора се дават правата да редактира или изтрива заявен билет?</a:t>
+            </a:r>
+          </a:p>
+          <a:p>
+            <a:pPr algn="just"/>
+            <a:r>
+              <a:rPr lang="bg-BG" sz="2800" dirty="0">
+                <a:latin typeface="Times New Roman" panose="02020603050405020304" pitchFamily="18" charset="0"/>
+                <a:cs typeface="Times New Roman" panose="02020603050405020304" pitchFamily="18" charset="0"/>
+              </a:rPr>
+              <a:t>3.Използван ли е </a:t>
+            </a:r>
+            <a:r>
+              <a:rPr lang="en-US" sz="2800" dirty="0">
+                <a:latin typeface="Times New Roman" panose="02020603050405020304" pitchFamily="18" charset="0"/>
+                <a:cs typeface="Times New Roman" panose="02020603050405020304" pitchFamily="18" charset="0"/>
+              </a:rPr>
+              <a:t>JavaScript</a:t>
+            </a:r>
+            <a:r>
+              <a:rPr lang="bg-BG" sz="2800" dirty="0">
+                <a:latin typeface="Times New Roman" panose="02020603050405020304" pitchFamily="18" charset="0"/>
+                <a:cs typeface="Times New Roman" panose="02020603050405020304" pitchFamily="18" charset="0"/>
+              </a:rPr>
+              <a:t> в направата на дипломният проект та е описан защо е използван от дипломанта ?</a:t>
+            </a:r>
+          </a:p>
+        </p:txBody>
+      </p:sp>
+    </p:spTree>
+    <p:extLst>
+      <p:ext uri="{BB962C8B-B14F-4D97-AF65-F5344CB8AC3E}">
+        <p14:creationId xmlns:p14="http://schemas.microsoft.com/office/powerpoint/2010/main" val="2693761554"/>
+      </p:ext>
+    </p:extLst>
+  </p:cSld>
+  <p:clrMapOvr>
+    <a:masterClrMapping/>
+  </p:clrMapOvr>
+  <p:timing>
+    <p:tnLst>
+      <p:par>
+        <p:cTn id="1" dur="indefinite" restart="never" nodeType="tmRoot">
+          <p:childTnLst>
+            <p:seq concurrent="1" nextAc="seek">
+              <p:cTn id="2" dur="indefinite" nodeType="mainSeq">
+                <p:childTnLst>
+                  <p:par>
+                    <p:cTn id="3" fill="hold">
+                      <p:stCondLst>
+                        <p:cond delay="indefinite"/>
+                      </p:stCondLst>
+                      <p:childTnLst>
+                        <p:par>
+                          <p:cTn id="4" fill="hold">
+                            <p:stCondLst>
+                              <p:cond delay="0"/>
+                            </p:stCondLst>
+                            <p:childTnLst>
+                              <p:par>
+                                <p:cTn id="5" presetID="31" presetClass="entr" presetSubtype="0" fill="hold" grpId="0" nodeType="clickEffect">
+                                  <p:stCondLst>
+                                    <p:cond delay="0"/>
+                                  </p:stCondLst>
+                                  <p:childTnLst>
+                                    <p:set>
+                                      <p:cBhvr>
+                                        <p:cTn id="6" dur="1" fill="hold">
+                                          <p:stCondLst>
+                                            <p:cond delay="0"/>
+                                          </p:stCondLst>
+                                        </p:cTn>
+                                        <p:tgtEl>
+                                          <p:spTgt spid="2"/>
+                                        </p:tgtEl>
+                                        <p:attrNameLst>
+                                          <p:attrName>style.visibility</p:attrName>
+                                        </p:attrNameLst>
+                                      </p:cBhvr>
+                                      <p:to>
+                                        <p:strVal val="visible"/>
+                                      </p:to>
+                                    </p:set>
+                                    <p:anim calcmode="lin" valueType="num">
+                                      <p:cBhvr>
+                                        <p:cTn id="7" dur="1000" fill="hold"/>
+                                        <p:tgtEl>
+                                          <p:spTgt spid="2"/>
+                                        </p:tgtEl>
+                                        <p:attrNameLst>
+                                          <p:attrName>ppt_w</p:attrName>
+                                        </p:attrNameLst>
+                                      </p:cBhvr>
+                                      <p:tavLst>
+                                        <p:tav tm="0">
+                                          <p:val>
+                                            <p:fltVal val="0"/>
+                                          </p:val>
+                                        </p:tav>
+                                        <p:tav tm="100000">
+                                          <p:val>
+                                            <p:strVal val="#ppt_w"/>
+                                          </p:val>
+                                        </p:tav>
+                                      </p:tavLst>
+                                    </p:anim>
+                                    <p:anim calcmode="lin" valueType="num">
+                                      <p:cBhvr>
+                                        <p:cTn id="8" dur="1000" fill="hold"/>
+                                        <p:tgtEl>
+                                          <p:spTgt spid="2"/>
+                                        </p:tgtEl>
+                                        <p:attrNameLst>
+                                          <p:attrName>ppt_h</p:attrName>
+                                        </p:attrNameLst>
+                                      </p:cBhvr>
+                                      <p:tavLst>
+                                        <p:tav tm="0">
+                                          <p:val>
+                                            <p:fltVal val="0"/>
+                                          </p:val>
+                                        </p:tav>
+                                        <p:tav tm="100000">
+                                          <p:val>
+                                            <p:strVal val="#ppt_h"/>
+                                          </p:val>
+                                        </p:tav>
+                                      </p:tavLst>
+                                    </p:anim>
+                                    <p:anim calcmode="lin" valueType="num">
+                                      <p:cBhvr>
+                                        <p:cTn id="9" dur="1000" fill="hold"/>
+                                        <p:tgtEl>
+                                          <p:spTgt spid="2"/>
+                                        </p:tgtEl>
+                                        <p:attrNameLst>
+                                          <p:attrName>style.rotation</p:attrName>
+                                        </p:attrNameLst>
+                                      </p:cBhvr>
+                                      <p:tavLst>
+                                        <p:tav tm="0">
+                                          <p:val>
+                                            <p:fltVal val="90"/>
+                                          </p:val>
+                                        </p:tav>
+                                        <p:tav tm="100000">
+                                          <p:val>
+                                            <p:fltVal val="0"/>
+                                          </p:val>
+                                        </p:tav>
+                                      </p:tavLst>
+                                    </p:anim>
+                                    <p:animEffect transition="in" filter="fade">
+                                      <p:cBhvr>
+                                        <p:cTn id="10" dur="1000"/>
+                                        <p:tgtEl>
+                                          <p:spTgt spid="2"/>
+                                        </p:tgtEl>
+                                      </p:cBhvr>
+                                    </p:animEffect>
+                                  </p:childTnLst>
+                                </p:cTn>
+                              </p:par>
+                            </p:childTnLst>
+                          </p:cTn>
+                        </p:par>
+                      </p:childTnLst>
+                    </p:cTn>
+                  </p:par>
+                  <p:par>
+                    <p:cTn id="11" fill="hold">
+                      <p:stCondLst>
+                        <p:cond delay="indefinite"/>
+                      </p:stCondLst>
+                      <p:childTnLst>
+                        <p:par>
+                          <p:cTn id="12" fill="hold">
+                            <p:stCondLst>
+                              <p:cond delay="0"/>
+                            </p:stCondLst>
+                            <p:childTnLst>
+                              <p:par>
+                                <p:cTn id="13" presetID="53" presetClass="entr" presetSubtype="16" fill="hold" grpId="0" nodeType="clickEffect">
+                                  <p:stCondLst>
+                                    <p:cond delay="0"/>
+                                  </p:stCondLst>
+                                  <p:childTnLst>
+                                    <p:set>
+                                      <p:cBhvr>
+                                        <p:cTn id="14" dur="1" fill="hold">
+                                          <p:stCondLst>
+                                            <p:cond delay="0"/>
+                                          </p:stCondLst>
+                                        </p:cTn>
+                                        <p:tgtEl>
+                                          <p:spTgt spid="3">
+                                            <p:txEl>
+                                              <p:pRg st="0" end="0"/>
+                                            </p:txEl>
+                                          </p:spTgt>
+                                        </p:tgtEl>
+                                        <p:attrNameLst>
+                                          <p:attrName>style.visibility</p:attrName>
+                                        </p:attrNameLst>
+                                      </p:cBhvr>
+                                      <p:to>
+                                        <p:strVal val="visible"/>
+                                      </p:to>
+                                    </p:set>
+                                    <p:anim calcmode="lin" valueType="num">
+                                      <p:cBhvr>
+                                        <p:cTn id="15" dur="500" fill="hold"/>
+                                        <p:tgtEl>
+                                          <p:spTgt spid="3">
+                                            <p:txEl>
+                                              <p:pRg st="0" end="0"/>
+                                            </p:txEl>
+                                          </p:spTgt>
+                                        </p:tgtEl>
+                                        <p:attrNameLst>
+                                          <p:attrName>ppt_w</p:attrName>
+                                        </p:attrNameLst>
+                                      </p:cBhvr>
+                                      <p:tavLst>
+                                        <p:tav tm="0">
+                                          <p:val>
+                                            <p:fltVal val="0"/>
+                                          </p:val>
+                                        </p:tav>
+                                        <p:tav tm="100000">
+                                          <p:val>
+                                            <p:strVal val="#ppt_w"/>
+                                          </p:val>
+                                        </p:tav>
+                                      </p:tavLst>
+                                    </p:anim>
+                                    <p:anim calcmode="lin" valueType="num">
+                                      <p:cBhvr>
+                                        <p:cTn id="16" dur="500" fill="hold"/>
+                                        <p:tgtEl>
+                                          <p:spTgt spid="3">
+                                            <p:txEl>
+                                              <p:pRg st="0" end="0"/>
+                                            </p:txEl>
+                                          </p:spTgt>
+                                        </p:tgtEl>
+                                        <p:attrNameLst>
+                                          <p:attrName>ppt_h</p:attrName>
+                                        </p:attrNameLst>
+                                      </p:cBhvr>
+                                      <p:tavLst>
+                                        <p:tav tm="0">
+                                          <p:val>
+                                            <p:fltVal val="0"/>
+                                          </p:val>
+                                        </p:tav>
+                                        <p:tav tm="100000">
+                                          <p:val>
+                                            <p:strVal val="#ppt_h"/>
+                                          </p:val>
+                                        </p:tav>
+                                      </p:tavLst>
+                                    </p:anim>
+                                    <p:animEffect transition="in" filter="fade">
+                                      <p:cBhvr>
+                                        <p:cTn id="17" dur="500"/>
+                                        <p:tgtEl>
+                                          <p:spTgt spid="3">
+                                            <p:txEl>
+                                              <p:pRg st="0" end="0"/>
+                                            </p:txEl>
+                                          </p:spTgt>
+                                        </p:tgtEl>
+                                      </p:cBhvr>
+                                    </p:animEffect>
+                                  </p:childTnLst>
+                                </p:cTn>
+                              </p:par>
+                            </p:childTnLst>
+                          </p:cTn>
+                        </p:par>
+                      </p:childTnLst>
+                    </p:cTn>
+                  </p:par>
+                  <p:par>
+                    <p:cTn id="18" fill="hold">
+                      <p:stCondLst>
+                        <p:cond delay="indefinite"/>
+                      </p:stCondLst>
+                      <p:childTnLst>
+                        <p:par>
+                          <p:cTn id="19" fill="hold">
+                            <p:stCondLst>
+                              <p:cond delay="0"/>
+                            </p:stCondLst>
+                            <p:childTnLst>
+                              <p:par>
+                                <p:cTn id="20" presetID="53" presetClass="entr" presetSubtype="16" fill="hold" grpId="0" nodeType="clickEffect">
+                                  <p:stCondLst>
+                                    <p:cond delay="0"/>
+                                  </p:stCondLst>
+                                  <p:childTnLst>
+                                    <p:set>
+                                      <p:cBhvr>
+                                        <p:cTn id="21" dur="1" fill="hold">
+                                          <p:stCondLst>
+                                            <p:cond delay="0"/>
+                                          </p:stCondLst>
+                                        </p:cTn>
+                                        <p:tgtEl>
+                                          <p:spTgt spid="3">
+                                            <p:txEl>
+                                              <p:pRg st="1" end="1"/>
+                                            </p:txEl>
+                                          </p:spTgt>
+                                        </p:tgtEl>
+                                        <p:attrNameLst>
+                                          <p:attrName>style.visibility</p:attrName>
+                                        </p:attrNameLst>
+                                      </p:cBhvr>
+                                      <p:to>
+                                        <p:strVal val="visible"/>
+                                      </p:to>
+                                    </p:set>
+                                    <p:anim calcmode="lin" valueType="num">
+                                      <p:cBhvr>
+                                        <p:cTn id="22" dur="500" fill="hold"/>
+                                        <p:tgtEl>
+                                          <p:spTgt spid="3">
+                                            <p:txEl>
+                                              <p:pRg st="1" end="1"/>
+                                            </p:txEl>
+                                          </p:spTgt>
+                                        </p:tgtEl>
+                                        <p:attrNameLst>
+                                          <p:attrName>ppt_w</p:attrName>
+                                        </p:attrNameLst>
+                                      </p:cBhvr>
+                                      <p:tavLst>
+                                        <p:tav tm="0">
+                                          <p:val>
+                                            <p:fltVal val="0"/>
+                                          </p:val>
+                                        </p:tav>
+                                        <p:tav tm="100000">
+                                          <p:val>
+                                            <p:strVal val="#ppt_w"/>
+                                          </p:val>
+                                        </p:tav>
+                                      </p:tavLst>
+                                    </p:anim>
+                                    <p:anim calcmode="lin" valueType="num">
+                                      <p:cBhvr>
+                                        <p:cTn id="23" dur="500" fill="hold"/>
+                                        <p:tgtEl>
+                                          <p:spTgt spid="3">
+                                            <p:txEl>
+                                              <p:pRg st="1" end="1"/>
+                                            </p:txEl>
+                                          </p:spTgt>
+                                        </p:tgtEl>
+                                        <p:attrNameLst>
+                                          <p:attrName>ppt_h</p:attrName>
+                                        </p:attrNameLst>
+                                      </p:cBhvr>
+                                      <p:tavLst>
+                                        <p:tav tm="0">
+                                          <p:val>
+                                            <p:fltVal val="0"/>
+                                          </p:val>
+                                        </p:tav>
+                                        <p:tav tm="100000">
+                                          <p:val>
+                                            <p:strVal val="#ppt_h"/>
+                                          </p:val>
+                                        </p:tav>
+                                      </p:tavLst>
+                                    </p:anim>
+                                    <p:animEffect transition="in" filter="fade">
+                                      <p:cBhvr>
+                                        <p:cTn id="24" dur="500"/>
+                                        <p:tgtEl>
+                                          <p:spTgt spid="3">
+                                            <p:txEl>
+                                              <p:pRg st="1" end="1"/>
+                                            </p:txEl>
+                                          </p:spTgt>
+                                        </p:tgtEl>
+                                      </p:cBhvr>
+                                    </p:animEffect>
+                                  </p:childTnLst>
+                                </p:cTn>
+                              </p:par>
+                            </p:childTnLst>
+                          </p:cTn>
+                        </p:par>
+                      </p:childTnLst>
+                    </p:cTn>
+                  </p:par>
+                  <p:par>
+                    <p:cTn id="25" fill="hold">
+                      <p:stCondLst>
+                        <p:cond delay="indefinite"/>
+                      </p:stCondLst>
+                      <p:childTnLst>
+                        <p:par>
+                          <p:cTn id="26" fill="hold">
+                            <p:stCondLst>
+                              <p:cond delay="0"/>
+                            </p:stCondLst>
+                            <p:childTnLst>
+                              <p:par>
+                                <p:cTn id="27" presetID="53" presetClass="entr" presetSubtype="16" fill="hold" grpId="0" nodeType="clickEffect">
+                                  <p:stCondLst>
+                                    <p:cond delay="0"/>
+                                  </p:stCondLst>
+                                  <p:childTnLst>
+                                    <p:set>
+                                      <p:cBhvr>
+                                        <p:cTn id="28" dur="1" fill="hold">
+                                          <p:stCondLst>
+                                            <p:cond delay="0"/>
+                                          </p:stCondLst>
+                                        </p:cTn>
+                                        <p:tgtEl>
+                                          <p:spTgt spid="3">
+                                            <p:txEl>
+                                              <p:pRg st="2" end="2"/>
+                                            </p:txEl>
+                                          </p:spTgt>
+                                        </p:tgtEl>
+                                        <p:attrNameLst>
+                                          <p:attrName>style.visibility</p:attrName>
+                                        </p:attrNameLst>
+                                      </p:cBhvr>
+                                      <p:to>
+                                        <p:strVal val="visible"/>
+                                      </p:to>
+                                    </p:set>
+                                    <p:anim calcmode="lin" valueType="num">
+                                      <p:cBhvr>
+                                        <p:cTn id="29" dur="500" fill="hold"/>
+                                        <p:tgtEl>
+                                          <p:spTgt spid="3">
+                                            <p:txEl>
+                                              <p:pRg st="2" end="2"/>
+                                            </p:txEl>
+                                          </p:spTgt>
+                                        </p:tgtEl>
+                                        <p:attrNameLst>
+                                          <p:attrName>ppt_w</p:attrName>
+                                        </p:attrNameLst>
+                                      </p:cBhvr>
+                                      <p:tavLst>
+                                        <p:tav tm="0">
+                                          <p:val>
+                                            <p:fltVal val="0"/>
+                                          </p:val>
+                                        </p:tav>
+                                        <p:tav tm="100000">
+                                          <p:val>
+                                            <p:strVal val="#ppt_w"/>
+                                          </p:val>
+                                        </p:tav>
+                                      </p:tavLst>
+                                    </p:anim>
+                                    <p:anim calcmode="lin" valueType="num">
+                                      <p:cBhvr>
+                                        <p:cTn id="30" dur="500" fill="hold"/>
+                                        <p:tgtEl>
+                                          <p:spTgt spid="3">
+                                            <p:txEl>
+                                              <p:pRg st="2" end="2"/>
+                                            </p:txEl>
+                                          </p:spTgt>
+                                        </p:tgtEl>
+                                        <p:attrNameLst>
+                                          <p:attrName>ppt_h</p:attrName>
+                                        </p:attrNameLst>
+                                      </p:cBhvr>
+                                      <p:tavLst>
+                                        <p:tav tm="0">
+                                          <p:val>
+                                            <p:fltVal val="0"/>
+                                          </p:val>
+                                        </p:tav>
+                                        <p:tav tm="100000">
+                                          <p:val>
+                                            <p:strVal val="#ppt_h"/>
+                                          </p:val>
+                                        </p:tav>
+                                      </p:tavLst>
+                                    </p:anim>
+                                    <p:animEffect transition="in" filter="fade">
+                                      <p:cBhvr>
+                                        <p:cTn id="31" dur="500"/>
+                                        <p:tgtEl>
+                                          <p:spTgt spid="3">
+                                            <p:txEl>
+                                              <p:pRg st="2" end="2"/>
+                                            </p:txEl>
+                                          </p:spTgt>
+                                        </p:tgtEl>
+                                      </p:cBhvr>
+                                    </p:animEffect>
+                                  </p:childTnLst>
+                                </p:cTn>
+                              </p:par>
+                            </p:childTnLst>
+                          </p:cTn>
+                        </p:par>
+                      </p:childTnLst>
+                    </p:cTn>
+                  </p:par>
+                </p:childTnLst>
+              </p:cTn>
+              <p:prevCondLst>
+                <p:cond evt="onPrev" delay="0">
+                  <p:tgtEl>
+                    <p:sldTgt/>
+                  </p:tgtEl>
+                </p:cond>
+              </p:prevCondLst>
+              <p:nextCondLst>
+                <p:cond evt="onNext" delay="0">
+                  <p:tgtEl>
+                    <p:sldTgt/>
+                  </p:tgtEl>
+                </p:cond>
+              </p:nextCondLst>
+            </p:seq>
+          </p:childTnLst>
+        </p:cTn>
+      </p:par>
+    </p:tnLst>
+    <p:bldLst>
+      <p:bldP spid="2" grpId="0"/>
+      <p:bldP spid="3" grpId="0" build="p"/>
+    </p:bldLst>
+  </p:timing>
+</p:sld>
+</file>
+
+<file path=ppt/slides/slide15.xml><?xml version="1.0" encoding="utf-8"?>
 <p:sld xmlns:a="http://schemas.openxmlformats.org/drawingml/2006/main" xmlns:r="http://schemas.openxmlformats.org/officeDocument/2006/relationships" xmlns:p="http://schemas.openxmlformats.org/presentationml/2006/main">
   <p:cSld>
     <p:spTree>
@@ -10999,7 +11117,7 @@
         </p:nvSpPr>
         <p:spPr>
           <a:xfrm>
-            <a:off x="651333" y="1823867"/>
+            <a:off x="816090" y="1815629"/>
             <a:ext cx="8596668" cy="4453365"/>
           </a:xfrm>
         </p:spPr>
@@ -12224,8 +12342,8 @@
         </p:nvSpPr>
         <p:spPr>
           <a:xfrm>
-            <a:off x="677334" y="1488613"/>
-            <a:ext cx="8596668" cy="3880773"/>
+            <a:off x="1220129" y="1749425"/>
+            <a:ext cx="7511077" cy="3880773"/>
           </a:xfrm>
         </p:spPr>
         <p:txBody>
@@ -12234,6 +12352,7 @@
           </a:bodyPr>
           <a:lstStyle/>
           <a:p>
+            <a:pPr algn="just"/>
             <a:r>
               <a:rPr lang="ru-RU" sz="2800" dirty="0">
                 <a:latin typeface="Times New Roman" panose="02020603050405020304" pitchFamily="18" charset="0"/>
@@ -12808,8 +12927,8 @@
         </p:nvSpPr>
         <p:spPr>
           <a:xfrm>
-            <a:off x="515409" y="1693864"/>
-            <a:ext cx="8596668" cy="3880773"/>
+            <a:off x="1015600" y="1817431"/>
+            <a:ext cx="7782412" cy="3880773"/>
           </a:xfrm>
         </p:spPr>
         <p:txBody>
@@ -12818,6 +12937,7 @@
           </a:bodyPr>
           <a:lstStyle/>
           <a:p>
+            <a:pPr algn="just"/>
             <a:r>
               <a:rPr lang="ru-RU" sz="2800" dirty="0" err="1">
                 <a:latin typeface="Times New Roman" panose="02020603050405020304" pitchFamily="18" charset="0"/>
@@ -13443,17 +13563,17 @@
         </p:nvSpPr>
         <p:spPr>
           <a:xfrm>
-            <a:off x="677334" y="504825"/>
-            <a:ext cx="8596668" cy="5612738"/>
+            <a:off x="726761" y="448061"/>
+            <a:ext cx="8030061" cy="5961878"/>
           </a:xfrm>
         </p:spPr>
         <p:txBody>
           <a:bodyPr>
-            <a:normAutofit/>
+            <a:normAutofit lnSpcReduction="10000"/>
           </a:bodyPr>
           <a:lstStyle/>
           <a:p>
-            <a:pPr marL="0" indent="0">
+            <a:pPr marL="0" indent="0" algn="just">
               <a:buNone/>
             </a:pPr>
             <a:r>
@@ -13500,7 +13620,7 @@
             </a:r>
           </a:p>
           <a:p>
-            <a:pPr marL="0" indent="0">
+            <a:pPr marL="0" indent="0" algn="just">
               <a:buNone/>
             </a:pPr>
             <a:r>
@@ -13764,7 +13884,7 @@
             </a:r>
           </a:p>
           <a:p>
-            <a:pPr marL="0" indent="0">
+            <a:pPr marL="0" indent="0" algn="just">
               <a:buNone/>
             </a:pPr>
             <a:r>
@@ -13832,7 +13952,7 @@
             </a:r>
           </a:p>
           <a:p>
-            <a:pPr marL="0" indent="0">
+            <a:pPr marL="0" indent="0" algn="just">
               <a:buNone/>
             </a:pPr>
             <a:r>
@@ -13900,7 +14020,7 @@
             </a:r>
           </a:p>
           <a:p>
-            <a:pPr marL="0" indent="0">
+            <a:pPr marL="0" indent="0" algn="just">
               <a:buNone/>
             </a:pPr>
             <a:r>
@@ -13996,7 +14116,7 @@
             </a:r>
           </a:p>
           <a:p>
-            <a:pPr marL="0" indent="0">
+            <a:pPr marL="0" indent="0" algn="just">
               <a:buNone/>
             </a:pPr>
             <a:r>
@@ -14120,7 +14240,7 @@
             </a:r>
           </a:p>
           <a:p>
-            <a:pPr marL="0" indent="0">
+            <a:pPr marL="0" indent="0" algn="just">
               <a:buNone/>
             </a:pPr>
             <a:r>
@@ -15017,8 +15137,8 @@
         </p:nvSpPr>
         <p:spPr>
           <a:xfrm>
-            <a:off x="582084" y="1466850"/>
-            <a:ext cx="8596668" cy="4526887"/>
+            <a:off x="677334" y="1483326"/>
+            <a:ext cx="8174738" cy="4526887"/>
           </a:xfrm>
         </p:spPr>
         <p:txBody>
@@ -15027,6 +15147,7 @@
           </a:bodyPr>
           <a:lstStyle/>
           <a:p>
+            <a:pPr algn="just"/>
             <a:r>
               <a:rPr lang="bg-BG" sz="2800" dirty="0">
                 <a:latin typeface="Times New Roman" panose="02020603050405020304" pitchFamily="18" charset="0"/>
@@ -15036,6 +15157,7 @@
             </a:r>
           </a:p>
           <a:p>
+            <a:pPr algn="just"/>
             <a:r>
               <a:rPr lang="bg-BG" sz="2800" dirty="0">
                 <a:latin typeface="Times New Roman" panose="02020603050405020304" pitchFamily="18" charset="0"/>
@@ -16012,8 +16134,8 @@
         </p:blipFill>
         <p:spPr>
           <a:xfrm>
-            <a:off x="677334" y="1276865"/>
-            <a:ext cx="8518259" cy="4748685"/>
+            <a:off x="677334" y="1323996"/>
+            <a:ext cx="8433715" cy="4701554"/>
           </a:xfrm>
         </p:spPr>
       </p:pic>

--- a/Дипломна работа - Атанас Георгиев Колев - Презентация.pptx
+++ b/Дипломна работа - Атанас Георгиев Колев - Презентация.pptx
@@ -8113,6 +8113,48 @@
           </a:xfrm>
         </p:spPr>
       </p:pic>
+      <p:sp>
+        <p:nvSpPr>
+          <p:cNvPr id="3" name="Текстово поле 2">
+            <a:extLst>
+              <a:ext uri="{FF2B5EF4-FFF2-40B4-BE49-F238E27FC236}">
+                <a16:creationId xmlns:a16="http://schemas.microsoft.com/office/drawing/2014/main" id="{8DAEF931-E4F1-EFF5-EDF3-75FF6F059053}"/>
+              </a:ext>
+            </a:extLst>
+          </p:cNvPr>
+          <p:cNvSpPr txBox="1"/>
+          <p:nvPr/>
+        </p:nvSpPr>
+        <p:spPr>
+          <a:xfrm>
+            <a:off x="1427251" y="1669534"/>
+            <a:ext cx="1611196" cy="369332"/>
+          </a:xfrm>
+          <a:prstGeom prst="rect">
+            <a:avLst/>
+          </a:prstGeom>
+          <a:noFill/>
+        </p:spPr>
+        <p:txBody>
+          <a:bodyPr wrap="square" rtlCol="0">
+            <a:spAutoFit/>
+          </a:bodyPr>
+          <a:lstStyle/>
+          <a:p>
+            <a:r>
+              <a:rPr lang="en-US" b="1" dirty="0">
+                <a:latin typeface="Times New Roman" panose="02020603050405020304" pitchFamily="18" charset="0"/>
+                <a:cs typeface="Times New Roman" panose="02020603050405020304" pitchFamily="18" charset="0"/>
+              </a:rPr>
+              <a:t>E/R Diagram</a:t>
+            </a:r>
+            <a:endParaRPr lang="bg-BG" b="1" dirty="0">
+              <a:latin typeface="Times New Roman" panose="02020603050405020304" pitchFamily="18" charset="0"/>
+              <a:cs typeface="Times New Roman" panose="02020603050405020304" pitchFamily="18" charset="0"/>
+            </a:endParaRPr>
+          </a:p>
+        </p:txBody>
+      </p:sp>
     </p:spTree>
     <p:extLst>
       <p:ext uri="{BB962C8B-B14F-4D97-AF65-F5344CB8AC3E}">
